--- a/final-project-kelompok-5-Aditya Bariq Ikhsan.pptx
+++ b/final-project-kelompok-5-Aditya Bariq Ikhsan.pptx
@@ -5,7 +5,7 @@
     <p:sldMasterId id="2147483659" r:id="rId1"/>
   </p:sldMasterIdLst>
   <p:notesMasterIdLst>
-    <p:notesMasterId r:id="rId20"/>
+    <p:notesMasterId r:id="rId26"/>
   </p:notesMasterIdLst>
   <p:sldIdLst>
     <p:sldId id="256" r:id="rId2"/>
@@ -19,43 +19,49 @@
     <p:sldId id="264" r:id="rId10"/>
     <p:sldId id="265" r:id="rId11"/>
     <p:sldId id="273" r:id="rId12"/>
-    <p:sldId id="266" r:id="rId13"/>
-    <p:sldId id="267" r:id="rId14"/>
-    <p:sldId id="269" r:id="rId15"/>
-    <p:sldId id="274" r:id="rId16"/>
-    <p:sldId id="270" r:id="rId17"/>
-    <p:sldId id="271" r:id="rId18"/>
-    <p:sldId id="272" r:id="rId19"/>
+    <p:sldId id="276" r:id="rId13"/>
+    <p:sldId id="279" r:id="rId14"/>
+    <p:sldId id="275" r:id="rId15"/>
+    <p:sldId id="266" r:id="rId16"/>
+    <p:sldId id="267" r:id="rId17"/>
+    <p:sldId id="269" r:id="rId18"/>
+    <p:sldId id="280" r:id="rId19"/>
+    <p:sldId id="278" r:id="rId20"/>
+    <p:sldId id="274" r:id="rId21"/>
+    <p:sldId id="277" r:id="rId22"/>
+    <p:sldId id="270" r:id="rId23"/>
+    <p:sldId id="271" r:id="rId24"/>
+    <p:sldId id="272" r:id="rId25"/>
   </p:sldIdLst>
   <p:sldSz cx="9144000" cy="5143500" type="screen16x9"/>
   <p:notesSz cx="6858000" cy="9144000"/>
   <p:embeddedFontLst>
     <p:embeddedFont>
       <p:font typeface="Inter" panose="020B0604020202020204" charset="0"/>
-      <p:regular r:id="rId21"/>
-      <p:bold r:id="rId22"/>
-    </p:embeddedFont>
-    <p:embeddedFont>
-      <p:font typeface="Inter Medium" panose="020B0604020202020204" charset="0"/>
-      <p:regular r:id="rId23"/>
-      <p:bold r:id="rId24"/>
-    </p:embeddedFont>
-    <p:embeddedFont>
-      <p:font typeface="Inter SemiBold" panose="020B0604020202020204" charset="0"/>
-      <p:regular r:id="rId25"/>
-      <p:bold r:id="rId26"/>
-    </p:embeddedFont>
-    <p:embeddedFont>
-      <p:font typeface="Maven Pro SemiBold" panose="020B0604020202020204" charset="0"/>
       <p:regular r:id="rId27"/>
       <p:bold r:id="rId28"/>
     </p:embeddedFont>
     <p:embeddedFont>
-      <p:font typeface="Roboto" panose="02000000000000000000" pitchFamily="2" charset="0"/>
+      <p:font typeface="Inter Medium" panose="020B0604020202020204" charset="0"/>
       <p:regular r:id="rId29"/>
       <p:bold r:id="rId30"/>
-      <p:italic r:id="rId31"/>
-      <p:boldItalic r:id="rId32"/>
+    </p:embeddedFont>
+    <p:embeddedFont>
+      <p:font typeface="Inter SemiBold" panose="020B0604020202020204" charset="0"/>
+      <p:regular r:id="rId31"/>
+      <p:bold r:id="rId32"/>
+    </p:embeddedFont>
+    <p:embeddedFont>
+      <p:font typeface="Maven Pro SemiBold" panose="020B0604020202020204" charset="0"/>
+      <p:regular r:id="rId33"/>
+      <p:bold r:id="rId34"/>
+    </p:embeddedFont>
+    <p:embeddedFont>
+      <p:font typeface="Roboto" panose="02000000000000000000" pitchFamily="2" charset="0"/>
+      <p:regular r:id="rId35"/>
+      <p:bold r:id="rId36"/>
+      <p:italic r:id="rId37"/>
+      <p:boldItalic r:id="rId38"/>
     </p:embeddedFont>
   </p:embeddedFontLst>
   <p:defaultTextStyle>
@@ -1077,6 +1083,333 @@
   <p:cSld>
     <p:spTree>
       <p:nvGrpSpPr>
+        <p:cNvPr id="1" name="Shape 175"/>
+        <p:cNvGrpSpPr/>
+        <p:nvPr/>
+      </p:nvGrpSpPr>
+      <p:grpSpPr>
+        <a:xfrm>
+          <a:off x="0" y="0"/>
+          <a:ext cx="0" cy="0"/>
+          <a:chOff x="0" y="0"/>
+          <a:chExt cx="0" cy="0"/>
+        </a:xfrm>
+      </p:grpSpPr>
+      <p:sp>
+        <p:nvSpPr>
+          <p:cNvPr id="176" name="Google Shape;176;g1358e27b577_0_51:notes"/>
+          <p:cNvSpPr>
+            <a:spLocks noGrp="1" noRot="1" noChangeAspect="1"/>
+          </p:cNvSpPr>
+          <p:nvPr>
+            <p:ph type="sldImg" idx="2"/>
+          </p:nvPr>
+        </p:nvSpPr>
+        <p:spPr>
+          <a:xfrm>
+            <a:off x="381000" y="685800"/>
+            <a:ext cx="6096000" cy="3429000"/>
+          </a:xfrm>
+          <a:custGeom>
+            <a:avLst/>
+            <a:gdLst/>
+            <a:ahLst/>
+            <a:cxnLst/>
+            <a:rect l="l" t="t" r="r" b="b"/>
+            <a:pathLst>
+              <a:path w="120000" h="120000" extrusionOk="0">
+                <a:moveTo>
+                  <a:pt x="0" y="0"/>
+                </a:moveTo>
+                <a:lnTo>
+                  <a:pt x="120000" y="0"/>
+                </a:lnTo>
+                <a:lnTo>
+                  <a:pt x="120000" y="120000"/>
+                </a:lnTo>
+                <a:lnTo>
+                  <a:pt x="0" y="120000"/>
+                </a:lnTo>
+                <a:close/>
+              </a:path>
+            </a:pathLst>
+          </a:custGeom>
+        </p:spPr>
+      </p:sp>
+      <p:sp>
+        <p:nvSpPr>
+          <p:cNvPr id="177" name="Google Shape;177;g1358e27b577_0_51:notes"/>
+          <p:cNvSpPr txBox="1">
+            <a:spLocks noGrp="1"/>
+          </p:cNvSpPr>
+          <p:nvPr>
+            <p:ph type="body" idx="1"/>
+          </p:nvPr>
+        </p:nvSpPr>
+        <p:spPr>
+          <a:xfrm>
+            <a:off x="685800" y="4343400"/>
+            <a:ext cx="5486400" cy="4114800"/>
+          </a:xfrm>
+          <a:prstGeom prst="rect">
+            <a:avLst/>
+          </a:prstGeom>
+        </p:spPr>
+        <p:txBody>
+          <a:bodyPr spcFirstLastPara="1" wrap="square" lIns="91425" tIns="91425" rIns="91425" bIns="91425" anchor="t" anchorCtr="0">
+            <a:noAutofit/>
+          </a:bodyPr>
+          <a:lstStyle/>
+          <a:p>
+            <a:pPr marL="0" lvl="0" indent="0" algn="l" rtl="0">
+              <a:spcBef>
+                <a:spcPts val="0"/>
+              </a:spcBef>
+              <a:spcAft>
+                <a:spcPts val="0"/>
+              </a:spcAft>
+              <a:buNone/>
+            </a:pPr>
+            <a:endParaRPr/>
+          </a:p>
+        </p:txBody>
+      </p:sp>
+    </p:spTree>
+    <p:extLst>
+      <p:ext uri="{BB962C8B-B14F-4D97-AF65-F5344CB8AC3E}">
+        <p14:creationId xmlns:p14="http://schemas.microsoft.com/office/powerpoint/2010/main" val="551018270"/>
+      </p:ext>
+    </p:extLst>
+  </p:cSld>
+  <p:clrMapOvr>
+    <a:masterClrMapping/>
+  </p:clrMapOvr>
+</p:notes>
+</file>
+
+<file path=ppt/notesSlides/notesSlide13.xml><?xml version="1.0" encoding="utf-8"?>
+<p:notes xmlns:a="http://schemas.openxmlformats.org/drawingml/2006/main" xmlns:r="http://schemas.openxmlformats.org/officeDocument/2006/relationships" xmlns:p="http://schemas.openxmlformats.org/presentationml/2006/main" showMasterSp="0" showMasterPhAnim="0">
+  <p:cSld>
+    <p:spTree>
+      <p:nvGrpSpPr>
+        <p:cNvPr id="1" name="Shape 175"/>
+        <p:cNvGrpSpPr/>
+        <p:nvPr/>
+      </p:nvGrpSpPr>
+      <p:grpSpPr>
+        <a:xfrm>
+          <a:off x="0" y="0"/>
+          <a:ext cx="0" cy="0"/>
+          <a:chOff x="0" y="0"/>
+          <a:chExt cx="0" cy="0"/>
+        </a:xfrm>
+      </p:grpSpPr>
+      <p:sp>
+        <p:nvSpPr>
+          <p:cNvPr id="176" name="Google Shape;176;g1358e27b577_0_51:notes"/>
+          <p:cNvSpPr>
+            <a:spLocks noGrp="1" noRot="1" noChangeAspect="1"/>
+          </p:cNvSpPr>
+          <p:nvPr>
+            <p:ph type="sldImg" idx="2"/>
+          </p:nvPr>
+        </p:nvSpPr>
+        <p:spPr>
+          <a:xfrm>
+            <a:off x="381000" y="685800"/>
+            <a:ext cx="6096000" cy="3429000"/>
+          </a:xfrm>
+          <a:custGeom>
+            <a:avLst/>
+            <a:gdLst/>
+            <a:ahLst/>
+            <a:cxnLst/>
+            <a:rect l="l" t="t" r="r" b="b"/>
+            <a:pathLst>
+              <a:path w="120000" h="120000" extrusionOk="0">
+                <a:moveTo>
+                  <a:pt x="0" y="0"/>
+                </a:moveTo>
+                <a:lnTo>
+                  <a:pt x="120000" y="0"/>
+                </a:lnTo>
+                <a:lnTo>
+                  <a:pt x="120000" y="120000"/>
+                </a:lnTo>
+                <a:lnTo>
+                  <a:pt x="0" y="120000"/>
+                </a:lnTo>
+                <a:close/>
+              </a:path>
+            </a:pathLst>
+          </a:custGeom>
+        </p:spPr>
+      </p:sp>
+      <p:sp>
+        <p:nvSpPr>
+          <p:cNvPr id="177" name="Google Shape;177;g1358e27b577_0_51:notes"/>
+          <p:cNvSpPr txBox="1">
+            <a:spLocks noGrp="1"/>
+          </p:cNvSpPr>
+          <p:nvPr>
+            <p:ph type="body" idx="1"/>
+          </p:nvPr>
+        </p:nvSpPr>
+        <p:spPr>
+          <a:xfrm>
+            <a:off x="685800" y="4343400"/>
+            <a:ext cx="5486400" cy="4114800"/>
+          </a:xfrm>
+          <a:prstGeom prst="rect">
+            <a:avLst/>
+          </a:prstGeom>
+        </p:spPr>
+        <p:txBody>
+          <a:bodyPr spcFirstLastPara="1" wrap="square" lIns="91425" tIns="91425" rIns="91425" bIns="91425" anchor="t" anchorCtr="0">
+            <a:noAutofit/>
+          </a:bodyPr>
+          <a:lstStyle/>
+          <a:p>
+            <a:pPr marL="0" lvl="0" indent="0" algn="l" rtl="0">
+              <a:spcBef>
+                <a:spcPts val="0"/>
+              </a:spcBef>
+              <a:spcAft>
+                <a:spcPts val="0"/>
+              </a:spcAft>
+              <a:buNone/>
+            </a:pPr>
+            <a:endParaRPr/>
+          </a:p>
+        </p:txBody>
+      </p:sp>
+    </p:spTree>
+    <p:extLst>
+      <p:ext uri="{BB962C8B-B14F-4D97-AF65-F5344CB8AC3E}">
+        <p14:creationId xmlns:p14="http://schemas.microsoft.com/office/powerpoint/2010/main" val="3330020656"/>
+      </p:ext>
+    </p:extLst>
+  </p:cSld>
+  <p:clrMapOvr>
+    <a:masterClrMapping/>
+  </p:clrMapOvr>
+</p:notes>
+</file>
+
+<file path=ppt/notesSlides/notesSlide14.xml><?xml version="1.0" encoding="utf-8"?>
+<p:notes xmlns:a="http://schemas.openxmlformats.org/drawingml/2006/main" xmlns:r="http://schemas.openxmlformats.org/officeDocument/2006/relationships" xmlns:p="http://schemas.openxmlformats.org/presentationml/2006/main" showMasterSp="0" showMasterPhAnim="0">
+  <p:cSld>
+    <p:spTree>
+      <p:nvGrpSpPr>
+        <p:cNvPr id="1" name="Shape 175"/>
+        <p:cNvGrpSpPr/>
+        <p:nvPr/>
+      </p:nvGrpSpPr>
+      <p:grpSpPr>
+        <a:xfrm>
+          <a:off x="0" y="0"/>
+          <a:ext cx="0" cy="0"/>
+          <a:chOff x="0" y="0"/>
+          <a:chExt cx="0" cy="0"/>
+        </a:xfrm>
+      </p:grpSpPr>
+      <p:sp>
+        <p:nvSpPr>
+          <p:cNvPr id="176" name="Google Shape;176;g1358e27b577_0_51:notes"/>
+          <p:cNvSpPr>
+            <a:spLocks noGrp="1" noRot="1" noChangeAspect="1"/>
+          </p:cNvSpPr>
+          <p:nvPr>
+            <p:ph type="sldImg" idx="2"/>
+          </p:nvPr>
+        </p:nvSpPr>
+        <p:spPr>
+          <a:xfrm>
+            <a:off x="381000" y="685800"/>
+            <a:ext cx="6096000" cy="3429000"/>
+          </a:xfrm>
+          <a:custGeom>
+            <a:avLst/>
+            <a:gdLst/>
+            <a:ahLst/>
+            <a:cxnLst/>
+            <a:rect l="l" t="t" r="r" b="b"/>
+            <a:pathLst>
+              <a:path w="120000" h="120000" extrusionOk="0">
+                <a:moveTo>
+                  <a:pt x="0" y="0"/>
+                </a:moveTo>
+                <a:lnTo>
+                  <a:pt x="120000" y="0"/>
+                </a:lnTo>
+                <a:lnTo>
+                  <a:pt x="120000" y="120000"/>
+                </a:lnTo>
+                <a:lnTo>
+                  <a:pt x="0" y="120000"/>
+                </a:lnTo>
+                <a:close/>
+              </a:path>
+            </a:pathLst>
+          </a:custGeom>
+        </p:spPr>
+      </p:sp>
+      <p:sp>
+        <p:nvSpPr>
+          <p:cNvPr id="177" name="Google Shape;177;g1358e27b577_0_51:notes"/>
+          <p:cNvSpPr txBox="1">
+            <a:spLocks noGrp="1"/>
+          </p:cNvSpPr>
+          <p:nvPr>
+            <p:ph type="body" idx="1"/>
+          </p:nvPr>
+        </p:nvSpPr>
+        <p:spPr>
+          <a:xfrm>
+            <a:off x="685800" y="4343400"/>
+            <a:ext cx="5486400" cy="4114800"/>
+          </a:xfrm>
+          <a:prstGeom prst="rect">
+            <a:avLst/>
+          </a:prstGeom>
+        </p:spPr>
+        <p:txBody>
+          <a:bodyPr spcFirstLastPara="1" wrap="square" lIns="91425" tIns="91425" rIns="91425" bIns="91425" anchor="t" anchorCtr="0">
+            <a:noAutofit/>
+          </a:bodyPr>
+          <a:lstStyle/>
+          <a:p>
+            <a:pPr marL="0" lvl="0" indent="0" algn="l" rtl="0">
+              <a:spcBef>
+                <a:spcPts val="0"/>
+              </a:spcBef>
+              <a:spcAft>
+                <a:spcPts val="0"/>
+              </a:spcAft>
+              <a:buNone/>
+            </a:pPr>
+            <a:endParaRPr/>
+          </a:p>
+        </p:txBody>
+      </p:sp>
+    </p:spTree>
+    <p:extLst>
+      <p:ext uri="{BB962C8B-B14F-4D97-AF65-F5344CB8AC3E}">
+        <p14:creationId xmlns:p14="http://schemas.microsoft.com/office/powerpoint/2010/main" val="312252244"/>
+      </p:ext>
+    </p:extLst>
+  </p:cSld>
+  <p:clrMapOvr>
+    <a:masterClrMapping/>
+  </p:clrMapOvr>
+</p:notes>
+</file>
+
+<file path=ppt/notesSlides/notesSlide15.xml><?xml version="1.0" encoding="utf-8"?>
+<p:notes xmlns:a="http://schemas.openxmlformats.org/drawingml/2006/main" xmlns:r="http://schemas.openxmlformats.org/officeDocument/2006/relationships" xmlns:p="http://schemas.openxmlformats.org/presentationml/2006/main" showMasterSp="0" showMasterPhAnim="0">
+  <p:cSld>
+    <p:spTree>
+      <p:nvGrpSpPr>
         <p:cNvPr id="1" name="Shape 188"/>
         <p:cNvGrpSpPr/>
         <p:nvPr/>
@@ -1180,7 +1513,7 @@
 </p:notes>
 </file>
 
-<file path=ppt/notesSlides/notesSlide13.xml><?xml version="1.0" encoding="utf-8"?>
+<file path=ppt/notesSlides/notesSlide16.xml><?xml version="1.0" encoding="utf-8"?>
 <p:notes xmlns:a="http://schemas.openxmlformats.org/drawingml/2006/main" xmlns:r="http://schemas.openxmlformats.org/officeDocument/2006/relationships" xmlns:p="http://schemas.openxmlformats.org/presentationml/2006/main" showMasterSp="0" showMasterPhAnim="0">
   <p:cSld>
     <p:spTree>
@@ -1284,7 +1617,7 @@
 </p:notes>
 </file>
 
-<file path=ppt/notesSlides/notesSlide14.xml><?xml version="1.0" encoding="utf-8"?>
+<file path=ppt/notesSlides/notesSlide17.xml><?xml version="1.0" encoding="utf-8"?>
 <p:notes xmlns:a="http://schemas.openxmlformats.org/drawingml/2006/main" xmlns:r="http://schemas.openxmlformats.org/officeDocument/2006/relationships" xmlns:p="http://schemas.openxmlformats.org/presentationml/2006/main" showMasterSp="0" showMasterPhAnim="0">
   <p:cSld>
     <p:spTree>
@@ -1388,7 +1721,7 @@
 </p:notes>
 </file>
 
-<file path=ppt/notesSlides/notesSlide15.xml><?xml version="1.0" encoding="utf-8"?>
+<file path=ppt/notesSlides/notesSlide18.xml><?xml version="1.0" encoding="utf-8"?>
 <p:notes xmlns:a="http://schemas.openxmlformats.org/drawingml/2006/main" xmlns:r="http://schemas.openxmlformats.org/officeDocument/2006/relationships" xmlns:p="http://schemas.openxmlformats.org/presentationml/2006/main" showMasterSp="0" showMasterPhAnim="0">
   <p:cSld>
     <p:spTree>
@@ -1487,7 +1820,7 @@
     </p:spTree>
     <p:extLst>
       <p:ext uri="{BB962C8B-B14F-4D97-AF65-F5344CB8AC3E}">
-        <p14:creationId xmlns:p14="http://schemas.microsoft.com/office/powerpoint/2010/main" val="2966026522"/>
+        <p14:creationId xmlns:p14="http://schemas.microsoft.com/office/powerpoint/2010/main" val="138653492"/>
       </p:ext>
     </p:extLst>
   </p:cSld>
@@ -1497,12 +1830,12 @@
 </p:notes>
 </file>
 
-<file path=ppt/notesSlides/notesSlide16.xml><?xml version="1.0" encoding="utf-8"?>
+<file path=ppt/notesSlides/notesSlide19.xml><?xml version="1.0" encoding="utf-8"?>
 <p:notes xmlns:a="http://schemas.openxmlformats.org/drawingml/2006/main" xmlns:r="http://schemas.openxmlformats.org/officeDocument/2006/relationships" xmlns:p="http://schemas.openxmlformats.org/presentationml/2006/main" showMasterSp="0" showMasterPhAnim="0">
   <p:cSld>
     <p:spTree>
       <p:nvGrpSpPr>
-        <p:cNvPr id="1" name="Shape 242"/>
+        <p:cNvPr id="1" name="Shape 229"/>
         <p:cNvGrpSpPr/>
         <p:nvPr/>
       </p:nvGrpSpPr>
@@ -1516,7 +1849,7 @@
       </p:grpSpPr>
       <p:sp>
         <p:nvSpPr>
-          <p:cNvPr id="243" name="Google Shape;243;g1358e27b577_0_113:notes"/>
+          <p:cNvPr id="230" name="Google Shape;230;g1358e27b577_0_101:notes"/>
           <p:cNvSpPr>
             <a:spLocks noGrp="1" noRot="1" noChangeAspect="1"/>
           </p:cNvSpPr>
@@ -1526,7 +1859,7 @@
         </p:nvSpPr>
         <p:spPr>
           <a:xfrm>
-            <a:off x="381300" y="685800"/>
+            <a:off x="381000" y="685800"/>
             <a:ext cx="6096000" cy="3429000"/>
           </a:xfrm>
           <a:custGeom>
@@ -1557,7 +1890,7 @@
       </p:sp>
       <p:sp>
         <p:nvSpPr>
-          <p:cNvPr id="244" name="Google Shape;244;g1358e27b577_0_113:notes"/>
+          <p:cNvPr id="231" name="Google Shape;231;g1358e27b577_0_101:notes"/>
           <p:cNvSpPr txBox="1">
             <a:spLocks noGrp="1"/>
           </p:cNvSpPr>
@@ -1589,223 +1922,16 @@
               </a:spcAft>
               <a:buNone/>
             </a:pPr>
-            <a:r>
-              <a:rPr lang="en"/>
-              <a:t>Stopper or section title</a:t>
-            </a:r>
             <a:endParaRPr/>
           </a:p>
         </p:txBody>
       </p:sp>
     </p:spTree>
-  </p:cSld>
-  <p:clrMapOvr>
-    <a:masterClrMapping/>
-  </p:clrMapOvr>
-</p:notes>
-</file>
-
-<file path=ppt/notesSlides/notesSlide17.xml><?xml version="1.0" encoding="utf-8"?>
-<p:notes xmlns:a="http://schemas.openxmlformats.org/drawingml/2006/main" xmlns:r="http://schemas.openxmlformats.org/officeDocument/2006/relationships" xmlns:p="http://schemas.openxmlformats.org/presentationml/2006/main" showMasterSp="0" showMasterPhAnim="0">
-  <p:cSld>
-    <p:spTree>
-      <p:nvGrpSpPr>
-        <p:cNvPr id="1" name="Shape 257"/>
-        <p:cNvGrpSpPr/>
-        <p:nvPr/>
-      </p:nvGrpSpPr>
-      <p:grpSpPr>
-        <a:xfrm>
-          <a:off x="0" y="0"/>
-          <a:ext cx="0" cy="0"/>
-          <a:chOff x="0" y="0"/>
-          <a:chExt cx="0" cy="0"/>
-        </a:xfrm>
-      </p:grpSpPr>
-      <p:sp>
-        <p:nvSpPr>
-          <p:cNvPr id="258" name="Google Shape;258;g1358e27b577_0_127:notes"/>
-          <p:cNvSpPr>
-            <a:spLocks noGrp="1" noRot="1" noChangeAspect="1"/>
-          </p:cNvSpPr>
-          <p:nvPr>
-            <p:ph type="sldImg" idx="2"/>
-          </p:nvPr>
-        </p:nvSpPr>
-        <p:spPr>
-          <a:xfrm>
-            <a:off x="381000" y="685800"/>
-            <a:ext cx="6096000" cy="3429000"/>
-          </a:xfrm>
-          <a:custGeom>
-            <a:avLst/>
-            <a:gdLst/>
-            <a:ahLst/>
-            <a:cxnLst/>
-            <a:rect l="l" t="t" r="r" b="b"/>
-            <a:pathLst>
-              <a:path w="120000" h="120000" extrusionOk="0">
-                <a:moveTo>
-                  <a:pt x="0" y="0"/>
-                </a:moveTo>
-                <a:lnTo>
-                  <a:pt x="120000" y="0"/>
-                </a:lnTo>
-                <a:lnTo>
-                  <a:pt x="120000" y="120000"/>
-                </a:lnTo>
-                <a:lnTo>
-                  <a:pt x="0" y="120000"/>
-                </a:lnTo>
-                <a:close/>
-              </a:path>
-            </a:pathLst>
-          </a:custGeom>
-        </p:spPr>
-      </p:sp>
-      <p:sp>
-        <p:nvSpPr>
-          <p:cNvPr id="259" name="Google Shape;259;g1358e27b577_0_127:notes"/>
-          <p:cNvSpPr txBox="1">
-            <a:spLocks noGrp="1"/>
-          </p:cNvSpPr>
-          <p:nvPr>
-            <p:ph type="body" idx="1"/>
-          </p:nvPr>
-        </p:nvSpPr>
-        <p:spPr>
-          <a:xfrm>
-            <a:off x="685800" y="4343400"/>
-            <a:ext cx="5486400" cy="4114800"/>
-          </a:xfrm>
-          <a:prstGeom prst="rect">
-            <a:avLst/>
-          </a:prstGeom>
-        </p:spPr>
-        <p:txBody>
-          <a:bodyPr spcFirstLastPara="1" wrap="square" lIns="91425" tIns="91425" rIns="91425" bIns="91425" anchor="t" anchorCtr="0">
-            <a:noAutofit/>
-          </a:bodyPr>
-          <a:lstStyle/>
-          <a:p>
-            <a:pPr marL="0" lvl="0" indent="0" algn="l" rtl="0">
-              <a:spcBef>
-                <a:spcPts val="0"/>
-              </a:spcBef>
-              <a:spcAft>
-                <a:spcPts val="0"/>
-              </a:spcAft>
-              <a:buNone/>
-            </a:pPr>
-            <a:endParaRPr/>
-          </a:p>
-        </p:txBody>
-      </p:sp>
-    </p:spTree>
-  </p:cSld>
-  <p:clrMapOvr>
-    <a:masterClrMapping/>
-  </p:clrMapOvr>
-</p:notes>
-</file>
-
-<file path=ppt/notesSlides/notesSlide18.xml><?xml version="1.0" encoding="utf-8"?>
-<p:notes xmlns:a="http://schemas.openxmlformats.org/drawingml/2006/main" xmlns:r="http://schemas.openxmlformats.org/officeDocument/2006/relationships" xmlns:p="http://schemas.openxmlformats.org/presentationml/2006/main" showMasterSp="0" showMasterPhAnim="0">
-  <p:cSld>
-    <p:spTree>
-      <p:nvGrpSpPr>
-        <p:cNvPr id="1" name="Shape 270"/>
-        <p:cNvGrpSpPr/>
-        <p:nvPr/>
-      </p:nvGrpSpPr>
-      <p:grpSpPr>
-        <a:xfrm>
-          <a:off x="0" y="0"/>
-          <a:ext cx="0" cy="0"/>
-          <a:chOff x="0" y="0"/>
-          <a:chExt cx="0" cy="0"/>
-        </a:xfrm>
-      </p:grpSpPr>
-      <p:sp>
-        <p:nvSpPr>
-          <p:cNvPr id="271" name="Google Shape;271;g114d516647d_0_127:notes"/>
-          <p:cNvSpPr>
-            <a:spLocks noGrp="1" noRot="1" noChangeAspect="1"/>
-          </p:cNvSpPr>
-          <p:nvPr>
-            <p:ph type="sldImg" idx="2"/>
-          </p:nvPr>
-        </p:nvSpPr>
-        <p:spPr>
-          <a:xfrm>
-            <a:off x="381000" y="685800"/>
-            <a:ext cx="6096000" cy="3429000"/>
-          </a:xfrm>
-          <a:custGeom>
-            <a:avLst/>
-            <a:gdLst/>
-            <a:ahLst/>
-            <a:cxnLst/>
-            <a:rect l="l" t="t" r="r" b="b"/>
-            <a:pathLst>
-              <a:path w="120000" h="120000" extrusionOk="0">
-                <a:moveTo>
-                  <a:pt x="0" y="0"/>
-                </a:moveTo>
-                <a:lnTo>
-                  <a:pt x="120000" y="0"/>
-                </a:lnTo>
-                <a:lnTo>
-                  <a:pt x="120000" y="120000"/>
-                </a:lnTo>
-                <a:lnTo>
-                  <a:pt x="0" y="120000"/>
-                </a:lnTo>
-                <a:close/>
-              </a:path>
-            </a:pathLst>
-          </a:custGeom>
-        </p:spPr>
-      </p:sp>
-      <p:sp>
-        <p:nvSpPr>
-          <p:cNvPr id="272" name="Google Shape;272;g114d516647d_0_127:notes"/>
-          <p:cNvSpPr txBox="1">
-            <a:spLocks noGrp="1"/>
-          </p:cNvSpPr>
-          <p:nvPr>
-            <p:ph type="body" idx="1"/>
-          </p:nvPr>
-        </p:nvSpPr>
-        <p:spPr>
-          <a:xfrm>
-            <a:off x="685800" y="4343400"/>
-            <a:ext cx="5486400" cy="4114800"/>
-          </a:xfrm>
-          <a:prstGeom prst="rect">
-            <a:avLst/>
-          </a:prstGeom>
-        </p:spPr>
-        <p:txBody>
-          <a:bodyPr spcFirstLastPara="1" wrap="square" lIns="91425" tIns="91425" rIns="91425" bIns="91425" anchor="t" anchorCtr="0">
-            <a:noAutofit/>
-          </a:bodyPr>
-          <a:lstStyle/>
-          <a:p>
-            <a:pPr marL="0" lvl="0" indent="0" algn="l" rtl="0">
-              <a:spcBef>
-                <a:spcPts val="0"/>
-              </a:spcBef>
-              <a:spcAft>
-                <a:spcPts val="0"/>
-              </a:spcAft>
-              <a:buNone/>
-            </a:pPr>
-            <a:endParaRPr/>
-          </a:p>
-        </p:txBody>
-      </p:sp>
-    </p:spTree>
+    <p:extLst>
+      <p:ext uri="{BB962C8B-B14F-4D97-AF65-F5344CB8AC3E}">
+        <p14:creationId xmlns:p14="http://schemas.microsoft.com/office/powerpoint/2010/main" val="3214408574"/>
+      </p:ext>
+    </p:extLst>
   </p:cSld>
   <p:clrMapOvr>
     <a:masterClrMapping/>
@@ -1874,6 +2000,540 @@
       <p:sp>
         <p:nvSpPr>
           <p:cNvPr id="69" name="Google Shape;69;g1358e27b577_0_152:notes"/>
+          <p:cNvSpPr txBox="1">
+            <a:spLocks noGrp="1"/>
+          </p:cNvSpPr>
+          <p:nvPr>
+            <p:ph type="body" idx="1"/>
+          </p:nvPr>
+        </p:nvSpPr>
+        <p:spPr>
+          <a:xfrm>
+            <a:off x="685800" y="4343400"/>
+            <a:ext cx="5486400" cy="4114800"/>
+          </a:xfrm>
+          <a:prstGeom prst="rect">
+            <a:avLst/>
+          </a:prstGeom>
+        </p:spPr>
+        <p:txBody>
+          <a:bodyPr spcFirstLastPara="1" wrap="square" lIns="91425" tIns="91425" rIns="91425" bIns="91425" anchor="t" anchorCtr="0">
+            <a:noAutofit/>
+          </a:bodyPr>
+          <a:lstStyle/>
+          <a:p>
+            <a:pPr marL="0" lvl="0" indent="0" algn="l" rtl="0">
+              <a:spcBef>
+                <a:spcPts val="0"/>
+              </a:spcBef>
+              <a:spcAft>
+                <a:spcPts val="0"/>
+              </a:spcAft>
+              <a:buNone/>
+            </a:pPr>
+            <a:endParaRPr/>
+          </a:p>
+        </p:txBody>
+      </p:sp>
+    </p:spTree>
+  </p:cSld>
+  <p:clrMapOvr>
+    <a:masterClrMapping/>
+  </p:clrMapOvr>
+</p:notes>
+</file>
+
+<file path=ppt/notesSlides/notesSlide20.xml><?xml version="1.0" encoding="utf-8"?>
+<p:notes xmlns:a="http://schemas.openxmlformats.org/drawingml/2006/main" xmlns:r="http://schemas.openxmlformats.org/officeDocument/2006/relationships" xmlns:p="http://schemas.openxmlformats.org/presentationml/2006/main" showMasterSp="0" showMasterPhAnim="0">
+  <p:cSld>
+    <p:spTree>
+      <p:nvGrpSpPr>
+        <p:cNvPr id="1" name="Shape 229"/>
+        <p:cNvGrpSpPr/>
+        <p:nvPr/>
+      </p:nvGrpSpPr>
+      <p:grpSpPr>
+        <a:xfrm>
+          <a:off x="0" y="0"/>
+          <a:ext cx="0" cy="0"/>
+          <a:chOff x="0" y="0"/>
+          <a:chExt cx="0" cy="0"/>
+        </a:xfrm>
+      </p:grpSpPr>
+      <p:sp>
+        <p:nvSpPr>
+          <p:cNvPr id="230" name="Google Shape;230;g1358e27b577_0_101:notes"/>
+          <p:cNvSpPr>
+            <a:spLocks noGrp="1" noRot="1" noChangeAspect="1"/>
+          </p:cNvSpPr>
+          <p:nvPr>
+            <p:ph type="sldImg" idx="2"/>
+          </p:nvPr>
+        </p:nvSpPr>
+        <p:spPr>
+          <a:xfrm>
+            <a:off x="381000" y="685800"/>
+            <a:ext cx="6096000" cy="3429000"/>
+          </a:xfrm>
+          <a:custGeom>
+            <a:avLst/>
+            <a:gdLst/>
+            <a:ahLst/>
+            <a:cxnLst/>
+            <a:rect l="l" t="t" r="r" b="b"/>
+            <a:pathLst>
+              <a:path w="120000" h="120000" extrusionOk="0">
+                <a:moveTo>
+                  <a:pt x="0" y="0"/>
+                </a:moveTo>
+                <a:lnTo>
+                  <a:pt x="120000" y="0"/>
+                </a:lnTo>
+                <a:lnTo>
+                  <a:pt x="120000" y="120000"/>
+                </a:lnTo>
+                <a:lnTo>
+                  <a:pt x="0" y="120000"/>
+                </a:lnTo>
+                <a:close/>
+              </a:path>
+            </a:pathLst>
+          </a:custGeom>
+        </p:spPr>
+      </p:sp>
+      <p:sp>
+        <p:nvSpPr>
+          <p:cNvPr id="231" name="Google Shape;231;g1358e27b577_0_101:notes"/>
+          <p:cNvSpPr txBox="1">
+            <a:spLocks noGrp="1"/>
+          </p:cNvSpPr>
+          <p:nvPr>
+            <p:ph type="body" idx="1"/>
+          </p:nvPr>
+        </p:nvSpPr>
+        <p:spPr>
+          <a:xfrm>
+            <a:off x="685800" y="4343400"/>
+            <a:ext cx="5486400" cy="4114800"/>
+          </a:xfrm>
+          <a:prstGeom prst="rect">
+            <a:avLst/>
+          </a:prstGeom>
+        </p:spPr>
+        <p:txBody>
+          <a:bodyPr spcFirstLastPara="1" wrap="square" lIns="91425" tIns="91425" rIns="91425" bIns="91425" anchor="t" anchorCtr="0">
+            <a:noAutofit/>
+          </a:bodyPr>
+          <a:lstStyle/>
+          <a:p>
+            <a:pPr marL="0" lvl="0" indent="0" algn="l" rtl="0">
+              <a:spcBef>
+                <a:spcPts val="0"/>
+              </a:spcBef>
+              <a:spcAft>
+                <a:spcPts val="0"/>
+              </a:spcAft>
+              <a:buNone/>
+            </a:pPr>
+            <a:endParaRPr/>
+          </a:p>
+        </p:txBody>
+      </p:sp>
+    </p:spTree>
+    <p:extLst>
+      <p:ext uri="{BB962C8B-B14F-4D97-AF65-F5344CB8AC3E}">
+        <p14:creationId xmlns:p14="http://schemas.microsoft.com/office/powerpoint/2010/main" val="2966026522"/>
+      </p:ext>
+    </p:extLst>
+  </p:cSld>
+  <p:clrMapOvr>
+    <a:masterClrMapping/>
+  </p:clrMapOvr>
+</p:notes>
+</file>
+
+<file path=ppt/notesSlides/notesSlide21.xml><?xml version="1.0" encoding="utf-8"?>
+<p:notes xmlns:a="http://schemas.openxmlformats.org/drawingml/2006/main" xmlns:r="http://schemas.openxmlformats.org/officeDocument/2006/relationships" xmlns:p="http://schemas.openxmlformats.org/presentationml/2006/main" showMasterSp="0" showMasterPhAnim="0">
+  <p:cSld>
+    <p:spTree>
+      <p:nvGrpSpPr>
+        <p:cNvPr id="1" name="Shape 229"/>
+        <p:cNvGrpSpPr/>
+        <p:nvPr/>
+      </p:nvGrpSpPr>
+      <p:grpSpPr>
+        <a:xfrm>
+          <a:off x="0" y="0"/>
+          <a:ext cx="0" cy="0"/>
+          <a:chOff x="0" y="0"/>
+          <a:chExt cx="0" cy="0"/>
+        </a:xfrm>
+      </p:grpSpPr>
+      <p:sp>
+        <p:nvSpPr>
+          <p:cNvPr id="230" name="Google Shape;230;g1358e27b577_0_101:notes"/>
+          <p:cNvSpPr>
+            <a:spLocks noGrp="1" noRot="1" noChangeAspect="1"/>
+          </p:cNvSpPr>
+          <p:nvPr>
+            <p:ph type="sldImg" idx="2"/>
+          </p:nvPr>
+        </p:nvSpPr>
+        <p:spPr>
+          <a:xfrm>
+            <a:off x="381000" y="685800"/>
+            <a:ext cx="6096000" cy="3429000"/>
+          </a:xfrm>
+          <a:custGeom>
+            <a:avLst/>
+            <a:gdLst/>
+            <a:ahLst/>
+            <a:cxnLst/>
+            <a:rect l="l" t="t" r="r" b="b"/>
+            <a:pathLst>
+              <a:path w="120000" h="120000" extrusionOk="0">
+                <a:moveTo>
+                  <a:pt x="0" y="0"/>
+                </a:moveTo>
+                <a:lnTo>
+                  <a:pt x="120000" y="0"/>
+                </a:lnTo>
+                <a:lnTo>
+                  <a:pt x="120000" y="120000"/>
+                </a:lnTo>
+                <a:lnTo>
+                  <a:pt x="0" y="120000"/>
+                </a:lnTo>
+                <a:close/>
+              </a:path>
+            </a:pathLst>
+          </a:custGeom>
+        </p:spPr>
+      </p:sp>
+      <p:sp>
+        <p:nvSpPr>
+          <p:cNvPr id="231" name="Google Shape;231;g1358e27b577_0_101:notes"/>
+          <p:cNvSpPr txBox="1">
+            <a:spLocks noGrp="1"/>
+          </p:cNvSpPr>
+          <p:nvPr>
+            <p:ph type="body" idx="1"/>
+          </p:nvPr>
+        </p:nvSpPr>
+        <p:spPr>
+          <a:xfrm>
+            <a:off x="685800" y="4343400"/>
+            <a:ext cx="5486400" cy="4114800"/>
+          </a:xfrm>
+          <a:prstGeom prst="rect">
+            <a:avLst/>
+          </a:prstGeom>
+        </p:spPr>
+        <p:txBody>
+          <a:bodyPr spcFirstLastPara="1" wrap="square" lIns="91425" tIns="91425" rIns="91425" bIns="91425" anchor="t" anchorCtr="0">
+            <a:noAutofit/>
+          </a:bodyPr>
+          <a:lstStyle/>
+          <a:p>
+            <a:pPr marL="0" lvl="0" indent="0" algn="l" rtl="0">
+              <a:spcBef>
+                <a:spcPts val="0"/>
+              </a:spcBef>
+              <a:spcAft>
+                <a:spcPts val="0"/>
+              </a:spcAft>
+              <a:buNone/>
+            </a:pPr>
+            <a:endParaRPr/>
+          </a:p>
+        </p:txBody>
+      </p:sp>
+    </p:spTree>
+    <p:extLst>
+      <p:ext uri="{BB962C8B-B14F-4D97-AF65-F5344CB8AC3E}">
+        <p14:creationId xmlns:p14="http://schemas.microsoft.com/office/powerpoint/2010/main" val="1952326926"/>
+      </p:ext>
+    </p:extLst>
+  </p:cSld>
+  <p:clrMapOvr>
+    <a:masterClrMapping/>
+  </p:clrMapOvr>
+</p:notes>
+</file>
+
+<file path=ppt/notesSlides/notesSlide22.xml><?xml version="1.0" encoding="utf-8"?>
+<p:notes xmlns:a="http://schemas.openxmlformats.org/drawingml/2006/main" xmlns:r="http://schemas.openxmlformats.org/officeDocument/2006/relationships" xmlns:p="http://schemas.openxmlformats.org/presentationml/2006/main" showMasterSp="0" showMasterPhAnim="0">
+  <p:cSld>
+    <p:spTree>
+      <p:nvGrpSpPr>
+        <p:cNvPr id="1" name="Shape 242"/>
+        <p:cNvGrpSpPr/>
+        <p:nvPr/>
+      </p:nvGrpSpPr>
+      <p:grpSpPr>
+        <a:xfrm>
+          <a:off x="0" y="0"/>
+          <a:ext cx="0" cy="0"/>
+          <a:chOff x="0" y="0"/>
+          <a:chExt cx="0" cy="0"/>
+        </a:xfrm>
+      </p:grpSpPr>
+      <p:sp>
+        <p:nvSpPr>
+          <p:cNvPr id="243" name="Google Shape;243;g1358e27b577_0_113:notes"/>
+          <p:cNvSpPr>
+            <a:spLocks noGrp="1" noRot="1" noChangeAspect="1"/>
+          </p:cNvSpPr>
+          <p:nvPr>
+            <p:ph type="sldImg" idx="2"/>
+          </p:nvPr>
+        </p:nvSpPr>
+        <p:spPr>
+          <a:xfrm>
+            <a:off x="381300" y="685800"/>
+            <a:ext cx="6096000" cy="3429000"/>
+          </a:xfrm>
+          <a:custGeom>
+            <a:avLst/>
+            <a:gdLst/>
+            <a:ahLst/>
+            <a:cxnLst/>
+            <a:rect l="l" t="t" r="r" b="b"/>
+            <a:pathLst>
+              <a:path w="120000" h="120000" extrusionOk="0">
+                <a:moveTo>
+                  <a:pt x="0" y="0"/>
+                </a:moveTo>
+                <a:lnTo>
+                  <a:pt x="120000" y="0"/>
+                </a:lnTo>
+                <a:lnTo>
+                  <a:pt x="120000" y="120000"/>
+                </a:lnTo>
+                <a:lnTo>
+                  <a:pt x="0" y="120000"/>
+                </a:lnTo>
+                <a:close/>
+              </a:path>
+            </a:pathLst>
+          </a:custGeom>
+        </p:spPr>
+      </p:sp>
+      <p:sp>
+        <p:nvSpPr>
+          <p:cNvPr id="244" name="Google Shape;244;g1358e27b577_0_113:notes"/>
+          <p:cNvSpPr txBox="1">
+            <a:spLocks noGrp="1"/>
+          </p:cNvSpPr>
+          <p:nvPr>
+            <p:ph type="body" idx="1"/>
+          </p:nvPr>
+        </p:nvSpPr>
+        <p:spPr>
+          <a:xfrm>
+            <a:off x="685800" y="4343400"/>
+            <a:ext cx="5486400" cy="4114800"/>
+          </a:xfrm>
+          <a:prstGeom prst="rect">
+            <a:avLst/>
+          </a:prstGeom>
+        </p:spPr>
+        <p:txBody>
+          <a:bodyPr spcFirstLastPara="1" wrap="square" lIns="91425" tIns="91425" rIns="91425" bIns="91425" anchor="t" anchorCtr="0">
+            <a:noAutofit/>
+          </a:bodyPr>
+          <a:lstStyle/>
+          <a:p>
+            <a:pPr marL="0" lvl="0" indent="0" algn="l" rtl="0">
+              <a:spcBef>
+                <a:spcPts val="0"/>
+              </a:spcBef>
+              <a:spcAft>
+                <a:spcPts val="0"/>
+              </a:spcAft>
+              <a:buNone/>
+            </a:pPr>
+            <a:r>
+              <a:rPr lang="en"/>
+              <a:t>Stopper or section title</a:t>
+            </a:r>
+            <a:endParaRPr/>
+          </a:p>
+        </p:txBody>
+      </p:sp>
+    </p:spTree>
+  </p:cSld>
+  <p:clrMapOvr>
+    <a:masterClrMapping/>
+  </p:clrMapOvr>
+</p:notes>
+</file>
+
+<file path=ppt/notesSlides/notesSlide23.xml><?xml version="1.0" encoding="utf-8"?>
+<p:notes xmlns:a="http://schemas.openxmlformats.org/drawingml/2006/main" xmlns:r="http://schemas.openxmlformats.org/officeDocument/2006/relationships" xmlns:p="http://schemas.openxmlformats.org/presentationml/2006/main" showMasterSp="0" showMasterPhAnim="0">
+  <p:cSld>
+    <p:spTree>
+      <p:nvGrpSpPr>
+        <p:cNvPr id="1" name="Shape 257"/>
+        <p:cNvGrpSpPr/>
+        <p:nvPr/>
+      </p:nvGrpSpPr>
+      <p:grpSpPr>
+        <a:xfrm>
+          <a:off x="0" y="0"/>
+          <a:ext cx="0" cy="0"/>
+          <a:chOff x="0" y="0"/>
+          <a:chExt cx="0" cy="0"/>
+        </a:xfrm>
+      </p:grpSpPr>
+      <p:sp>
+        <p:nvSpPr>
+          <p:cNvPr id="258" name="Google Shape;258;g1358e27b577_0_127:notes"/>
+          <p:cNvSpPr>
+            <a:spLocks noGrp="1" noRot="1" noChangeAspect="1"/>
+          </p:cNvSpPr>
+          <p:nvPr>
+            <p:ph type="sldImg" idx="2"/>
+          </p:nvPr>
+        </p:nvSpPr>
+        <p:spPr>
+          <a:xfrm>
+            <a:off x="381000" y="685800"/>
+            <a:ext cx="6096000" cy="3429000"/>
+          </a:xfrm>
+          <a:custGeom>
+            <a:avLst/>
+            <a:gdLst/>
+            <a:ahLst/>
+            <a:cxnLst/>
+            <a:rect l="l" t="t" r="r" b="b"/>
+            <a:pathLst>
+              <a:path w="120000" h="120000" extrusionOk="0">
+                <a:moveTo>
+                  <a:pt x="0" y="0"/>
+                </a:moveTo>
+                <a:lnTo>
+                  <a:pt x="120000" y="0"/>
+                </a:lnTo>
+                <a:lnTo>
+                  <a:pt x="120000" y="120000"/>
+                </a:lnTo>
+                <a:lnTo>
+                  <a:pt x="0" y="120000"/>
+                </a:lnTo>
+                <a:close/>
+              </a:path>
+            </a:pathLst>
+          </a:custGeom>
+        </p:spPr>
+      </p:sp>
+      <p:sp>
+        <p:nvSpPr>
+          <p:cNvPr id="259" name="Google Shape;259;g1358e27b577_0_127:notes"/>
+          <p:cNvSpPr txBox="1">
+            <a:spLocks noGrp="1"/>
+          </p:cNvSpPr>
+          <p:nvPr>
+            <p:ph type="body" idx="1"/>
+          </p:nvPr>
+        </p:nvSpPr>
+        <p:spPr>
+          <a:xfrm>
+            <a:off x="685800" y="4343400"/>
+            <a:ext cx="5486400" cy="4114800"/>
+          </a:xfrm>
+          <a:prstGeom prst="rect">
+            <a:avLst/>
+          </a:prstGeom>
+        </p:spPr>
+        <p:txBody>
+          <a:bodyPr spcFirstLastPara="1" wrap="square" lIns="91425" tIns="91425" rIns="91425" bIns="91425" anchor="t" anchorCtr="0">
+            <a:noAutofit/>
+          </a:bodyPr>
+          <a:lstStyle/>
+          <a:p>
+            <a:pPr marL="0" lvl="0" indent="0" algn="l" rtl="0">
+              <a:spcBef>
+                <a:spcPts val="0"/>
+              </a:spcBef>
+              <a:spcAft>
+                <a:spcPts val="0"/>
+              </a:spcAft>
+              <a:buNone/>
+            </a:pPr>
+            <a:endParaRPr/>
+          </a:p>
+        </p:txBody>
+      </p:sp>
+    </p:spTree>
+  </p:cSld>
+  <p:clrMapOvr>
+    <a:masterClrMapping/>
+  </p:clrMapOvr>
+</p:notes>
+</file>
+
+<file path=ppt/notesSlides/notesSlide24.xml><?xml version="1.0" encoding="utf-8"?>
+<p:notes xmlns:a="http://schemas.openxmlformats.org/drawingml/2006/main" xmlns:r="http://schemas.openxmlformats.org/officeDocument/2006/relationships" xmlns:p="http://schemas.openxmlformats.org/presentationml/2006/main" showMasterSp="0" showMasterPhAnim="0">
+  <p:cSld>
+    <p:spTree>
+      <p:nvGrpSpPr>
+        <p:cNvPr id="1" name="Shape 270"/>
+        <p:cNvGrpSpPr/>
+        <p:nvPr/>
+      </p:nvGrpSpPr>
+      <p:grpSpPr>
+        <a:xfrm>
+          <a:off x="0" y="0"/>
+          <a:ext cx="0" cy="0"/>
+          <a:chOff x="0" y="0"/>
+          <a:chExt cx="0" cy="0"/>
+        </a:xfrm>
+      </p:grpSpPr>
+      <p:sp>
+        <p:nvSpPr>
+          <p:cNvPr id="271" name="Google Shape;271;g114d516647d_0_127:notes"/>
+          <p:cNvSpPr>
+            <a:spLocks noGrp="1" noRot="1" noChangeAspect="1"/>
+          </p:cNvSpPr>
+          <p:nvPr>
+            <p:ph type="sldImg" idx="2"/>
+          </p:nvPr>
+        </p:nvSpPr>
+        <p:spPr>
+          <a:xfrm>
+            <a:off x="381000" y="685800"/>
+            <a:ext cx="6096000" cy="3429000"/>
+          </a:xfrm>
+          <a:custGeom>
+            <a:avLst/>
+            <a:gdLst/>
+            <a:ahLst/>
+            <a:cxnLst/>
+            <a:rect l="l" t="t" r="r" b="b"/>
+            <a:pathLst>
+              <a:path w="120000" h="120000" extrusionOk="0">
+                <a:moveTo>
+                  <a:pt x="0" y="0"/>
+                </a:moveTo>
+                <a:lnTo>
+                  <a:pt x="120000" y="0"/>
+                </a:lnTo>
+                <a:lnTo>
+                  <a:pt x="120000" y="120000"/>
+                </a:lnTo>
+                <a:lnTo>
+                  <a:pt x="0" y="120000"/>
+                </a:lnTo>
+                <a:close/>
+              </a:path>
+            </a:pathLst>
+          </a:custGeom>
+        </p:spPr>
+      </p:sp>
+      <p:sp>
+        <p:nvSpPr>
+          <p:cNvPr id="272" name="Google Shape;272;g114d516647d_0_127:notes"/>
           <p:cNvSpPr txBox="1">
             <a:spLocks noGrp="1"/>
           </p:cNvSpPr>
@@ -8204,7 +8864,7 @@
                 <a:cs typeface="Inter"/>
                 <a:sym typeface="Inter"/>
               </a:rPr>
-              <a:t>Jumlah churn (0) dan no churn (1)</a:t>
+              <a:t>Jumlah no churn (0) dan churn (1)</a:t>
             </a:r>
             <a:endParaRPr sz="1500" dirty="0">
               <a:solidFill>
@@ -8605,6 +9265,36 @@
           <a:chExt cx="0" cy="0"/>
         </a:xfrm>
       </p:grpSpPr>
+      <p:pic>
+        <p:nvPicPr>
+          <p:cNvPr id="10" name="Picture 9">
+            <a:extLst>
+              <a:ext uri="{FF2B5EF4-FFF2-40B4-BE49-F238E27FC236}">
+                <a16:creationId xmlns:a16="http://schemas.microsoft.com/office/drawing/2014/main" id="{CC2C6428-89C5-FEA9-6B44-C238CCD40FAD}"/>
+              </a:ext>
+            </a:extLst>
+          </p:cNvPr>
+          <p:cNvPicPr>
+            <a:picLocks noChangeAspect="1"/>
+          </p:cNvPicPr>
+          <p:nvPr/>
+        </p:nvPicPr>
+        <p:blipFill>
+          <a:blip r:embed="rId3"/>
+          <a:stretch>
+            <a:fillRect/>
+          </a:stretch>
+        </p:blipFill>
+        <p:spPr>
+          <a:xfrm>
+            <a:off x="824878" y="1763967"/>
+            <a:ext cx="4130785" cy="2014123"/>
+          </a:xfrm>
+          <a:prstGeom prst="rect">
+            <a:avLst/>
+          </a:prstGeom>
+        </p:spPr>
+      </p:pic>
       <p:sp>
         <p:nvSpPr>
           <p:cNvPr id="179" name="Google Shape;179;p22"/>
@@ -8617,7 +9307,7 @@
         </p:nvSpPr>
         <p:spPr>
           <a:xfrm>
-            <a:off x="311700" y="1492925"/>
+            <a:off x="311719" y="1358643"/>
             <a:ext cx="7191300" cy="2988225"/>
           </a:xfrm>
           <a:prstGeom prst="rect">
@@ -8649,116 +9339,416 @@
                 <a:cs typeface="Inter"/>
                 <a:sym typeface="Inter"/>
               </a:rPr>
-              <a:t>Correlation : Pada </a:t>
-            </a:r>
-            <a:r>
-              <a:rPr lang="en-US" sz="1500" dirty="0" err="1">
-                <a:solidFill>
-                  <a:srgbClr val="282828"/>
+              <a:t>Histogram :</a:t>
+            </a:r>
+            <a:endParaRPr lang="en" sz="1500" dirty="0">
+              <a:solidFill>
+                <a:srgbClr val="282828"/>
+              </a:solidFill>
+              <a:latin typeface="Inter"/>
+              <a:ea typeface="Inter"/>
+              <a:cs typeface="Inter"/>
+              <a:sym typeface="Inter"/>
+            </a:endParaRPr>
+          </a:p>
+        </p:txBody>
+      </p:sp>
+      <p:sp>
+        <p:nvSpPr>
+          <p:cNvPr id="180" name="Google Shape;180;p22"/>
+          <p:cNvSpPr txBox="1"/>
+          <p:nvPr/>
+        </p:nvSpPr>
+        <p:spPr>
+          <a:xfrm>
+            <a:off x="0" y="4800600"/>
+            <a:ext cx="8943600" cy="323100"/>
+          </a:xfrm>
+          <a:prstGeom prst="rect">
+            <a:avLst/>
+          </a:prstGeom>
+          <a:noFill/>
+          <a:ln>
+            <a:noFill/>
+          </a:ln>
+        </p:spPr>
+        <p:txBody>
+          <a:bodyPr spcFirstLastPara="1" wrap="square" lIns="91425" tIns="91425" rIns="91425" bIns="91425" anchor="t" anchorCtr="0">
+            <a:spAutoFit/>
+          </a:bodyPr>
+          <a:lstStyle/>
+          <a:p>
+            <a:pPr marL="0" lvl="0" indent="0" algn="l" rtl="0">
+              <a:spcBef>
+                <a:spcPts val="0"/>
+              </a:spcBef>
+              <a:spcAft>
+                <a:spcPts val="0"/>
+              </a:spcAft>
+              <a:buNone/>
+            </a:pPr>
+            <a:r>
+              <a:rPr lang="en" sz="900">
+                <a:solidFill>
+                  <a:schemeClr val="dk2"/>
                 </a:solidFill>
                 <a:latin typeface="Inter"/>
                 <a:ea typeface="Inter"/>
                 <a:cs typeface="Inter"/>
                 <a:sym typeface="Inter"/>
               </a:rPr>
-              <a:t>gambar</a:t>
-            </a:r>
-            <a:r>
-              <a:rPr lang="en-US" sz="1500" dirty="0">
-                <a:solidFill>
-                  <a:srgbClr val="282828"/>
+              <a:t>© 2022 Program Studi Independen Bersertifikat Zenius Bersama Kampus Merdeka</a:t>
+            </a:r>
+            <a:endParaRPr sz="900">
+              <a:solidFill>
+                <a:schemeClr val="dk2"/>
+              </a:solidFill>
+              <a:latin typeface="Inter"/>
+              <a:ea typeface="Inter"/>
+              <a:cs typeface="Inter"/>
+              <a:sym typeface="Inter"/>
+            </a:endParaRPr>
+          </a:p>
+        </p:txBody>
+      </p:sp>
+      <p:grpSp>
+        <p:nvGrpSpPr>
+          <p:cNvPr id="181" name="Google Shape;181;p22"/>
+          <p:cNvGrpSpPr/>
+          <p:nvPr/>
+        </p:nvGrpSpPr>
+        <p:grpSpPr>
+          <a:xfrm>
+            <a:off x="7503019" y="95797"/>
+            <a:ext cx="1516771" cy="323122"/>
+            <a:chOff x="400885" y="325214"/>
+            <a:chExt cx="2298835" cy="489727"/>
+          </a:xfrm>
+        </p:grpSpPr>
+        <p:pic>
+          <p:nvPicPr>
+            <p:cNvPr id="182" name="Google Shape;182;p22"/>
+            <p:cNvPicPr preferRelativeResize="0"/>
+            <p:nvPr/>
+          </p:nvPicPr>
+          <p:blipFill>
+            <a:blip r:embed="rId4">
+              <a:alphaModFix/>
+            </a:blip>
+            <a:stretch>
+              <a:fillRect/>
+            </a:stretch>
+          </p:blipFill>
+          <p:spPr>
+            <a:xfrm>
+              <a:off x="1906971" y="358726"/>
+              <a:ext cx="792749" cy="422701"/>
+            </a:xfrm>
+            <a:prstGeom prst="rect">
+              <a:avLst/>
+            </a:prstGeom>
+            <a:noFill/>
+            <a:ln>
+              <a:noFill/>
+            </a:ln>
+          </p:spPr>
+        </p:pic>
+        <p:cxnSp>
+          <p:nvCxnSpPr>
+            <p:cNvPr id="183" name="Google Shape;183;p22"/>
+            <p:cNvCxnSpPr/>
+            <p:nvPr/>
+          </p:nvCxnSpPr>
+          <p:spPr>
+            <a:xfrm>
+              <a:off x="1632394" y="460384"/>
+              <a:ext cx="0" cy="219345"/>
+            </a:xfrm>
+            <a:prstGeom prst="straightConnector1">
+              <a:avLst/>
+            </a:prstGeom>
+            <a:noFill/>
+            <a:ln w="9525" cap="flat" cmpd="sng">
+              <a:solidFill>
+                <a:schemeClr val="dk2"/>
+              </a:solidFill>
+              <a:prstDash val="solid"/>
+              <a:round/>
+              <a:headEnd type="none" w="med" len="med"/>
+              <a:tailEnd type="none" w="med" len="med"/>
+            </a:ln>
+          </p:spPr>
+        </p:cxnSp>
+        <p:cxnSp>
+          <p:nvCxnSpPr>
+            <p:cNvPr id="184" name="Google Shape;184;p22"/>
+            <p:cNvCxnSpPr/>
+            <p:nvPr/>
+          </p:nvCxnSpPr>
+          <p:spPr>
+            <a:xfrm>
+              <a:off x="1632360" y="460384"/>
+              <a:ext cx="0" cy="219345"/>
+            </a:xfrm>
+            <a:prstGeom prst="straightConnector1">
+              <a:avLst/>
+            </a:prstGeom>
+            <a:noFill/>
+            <a:ln w="9525" cap="flat" cmpd="sng">
+              <a:solidFill>
+                <a:schemeClr val="dk2"/>
+              </a:solidFill>
+              <a:prstDash val="solid"/>
+              <a:round/>
+              <a:headEnd type="none" w="med" len="med"/>
+              <a:tailEnd type="none" w="med" len="med"/>
+            </a:ln>
+          </p:spPr>
+        </p:cxnSp>
+        <p:pic>
+          <p:nvPicPr>
+            <p:cNvPr id="185" name="Google Shape;185;p22"/>
+            <p:cNvPicPr preferRelativeResize="0"/>
+            <p:nvPr/>
+          </p:nvPicPr>
+          <p:blipFill rotWithShape="1">
+            <a:blip r:embed="rId5">
+              <a:alphaModFix/>
+            </a:blip>
+            <a:srcRect l="9895" r="8731"/>
+            <a:stretch/>
+          </p:blipFill>
+          <p:spPr>
+            <a:xfrm>
+              <a:off x="400885" y="325214"/>
+              <a:ext cx="1033078" cy="489727"/>
+            </a:xfrm>
+            <a:prstGeom prst="rect">
+              <a:avLst/>
+            </a:prstGeom>
+            <a:noFill/>
+            <a:ln>
+              <a:noFill/>
+            </a:ln>
+          </p:spPr>
+        </p:pic>
+      </p:grpSp>
+      <p:sp>
+        <p:nvSpPr>
+          <p:cNvPr id="186" name="Google Shape;186;p22"/>
+          <p:cNvSpPr txBox="1">
+            <a:spLocks noGrp="1"/>
+          </p:cNvSpPr>
+          <p:nvPr>
+            <p:ph type="title"/>
+          </p:nvPr>
+        </p:nvSpPr>
+        <p:spPr>
+          <a:xfrm>
+            <a:off x="311700" y="673625"/>
+            <a:ext cx="8480400" cy="819300"/>
+          </a:xfrm>
+          <a:prstGeom prst="rect">
+            <a:avLst/>
+          </a:prstGeom>
+        </p:spPr>
+        <p:txBody>
+          <a:bodyPr spcFirstLastPara="1" wrap="square" lIns="91425" tIns="91425" rIns="91425" bIns="91425" anchor="ctr" anchorCtr="0">
+            <a:noAutofit/>
+          </a:bodyPr>
+          <a:lstStyle/>
+          <a:p>
+            <a:pPr marL="0" lvl="0" indent="0" algn="l" rtl="0">
+              <a:spcBef>
+                <a:spcPts val="0"/>
+              </a:spcBef>
+              <a:spcAft>
+                <a:spcPts val="0"/>
+              </a:spcAft>
+              <a:buSzPts val="990"/>
+              <a:buNone/>
+            </a:pPr>
+            <a:r>
+              <a:rPr lang="en" sz="2820">
+                <a:solidFill>
+                  <a:srgbClr val="A338EB"/>
+                </a:solidFill>
+                <a:latin typeface="Maven Pro SemiBold"/>
+                <a:ea typeface="Maven Pro SemiBold"/>
+                <a:cs typeface="Maven Pro SemiBold"/>
+                <a:sym typeface="Maven Pro SemiBold"/>
+              </a:rPr>
+              <a:t>Exploratory Data Analysis</a:t>
+            </a:r>
+            <a:endParaRPr sz="2820">
+              <a:solidFill>
+                <a:srgbClr val="A338EB"/>
+              </a:solidFill>
+              <a:latin typeface="Maven Pro SemiBold"/>
+              <a:ea typeface="Maven Pro SemiBold"/>
+              <a:cs typeface="Maven Pro SemiBold"/>
+              <a:sym typeface="Maven Pro SemiBold"/>
+            </a:endParaRPr>
+          </a:p>
+        </p:txBody>
+      </p:sp>
+      <p:sp>
+        <p:nvSpPr>
+          <p:cNvPr id="187" name="Google Shape;187;p22"/>
+          <p:cNvSpPr txBox="1"/>
+          <p:nvPr/>
+        </p:nvSpPr>
+        <p:spPr>
+          <a:xfrm>
+            <a:off x="76197" y="87997"/>
+            <a:ext cx="6081900" cy="338700"/>
+          </a:xfrm>
+          <a:prstGeom prst="rect">
+            <a:avLst/>
+          </a:prstGeom>
+          <a:noFill/>
+          <a:ln>
+            <a:noFill/>
+          </a:ln>
+        </p:spPr>
+        <p:txBody>
+          <a:bodyPr spcFirstLastPara="1" wrap="square" lIns="91425" tIns="91425" rIns="91425" bIns="91425" anchor="t" anchorCtr="0">
+            <a:spAutoFit/>
+          </a:bodyPr>
+          <a:lstStyle/>
+          <a:p>
+            <a:pPr marL="0" lvl="0" indent="0" algn="l" rtl="0">
+              <a:spcBef>
+                <a:spcPts val="0"/>
+              </a:spcBef>
+              <a:spcAft>
+                <a:spcPts val="0"/>
+              </a:spcAft>
+              <a:buClr>
+                <a:schemeClr val="dk1"/>
+              </a:buClr>
+              <a:buSzPts val="1100"/>
+              <a:buFont typeface="Arial"/>
+              <a:buNone/>
+            </a:pPr>
+            <a:r>
+              <a:rPr lang="en" sz="1000" b="1">
+                <a:solidFill>
+                  <a:srgbClr val="601F99"/>
                 </a:solidFill>
                 <a:latin typeface="Inter"/>
                 <a:ea typeface="Inter"/>
                 <a:cs typeface="Inter"/>
                 <a:sym typeface="Inter"/>
               </a:rPr>
-              <a:t> ini </a:t>
-            </a:r>
-            <a:r>
-              <a:rPr lang="en-US" sz="1500" dirty="0" err="1">
-                <a:solidFill>
-                  <a:srgbClr val="282828"/>
-                </a:solidFill>
-                <a:latin typeface="Inter"/>
-                <a:ea typeface="Inter"/>
-                <a:cs typeface="Inter"/>
-                <a:sym typeface="Inter"/>
-              </a:rPr>
-              <a:t>dapat</a:t>
-            </a:r>
-            <a:r>
-              <a:rPr lang="en-US" sz="1500" dirty="0">
-                <a:solidFill>
-                  <a:srgbClr val="282828"/>
-                </a:solidFill>
-                <a:latin typeface="Inter"/>
-                <a:ea typeface="Inter"/>
-                <a:cs typeface="Inter"/>
-                <a:sym typeface="Inter"/>
-              </a:rPr>
-              <a:t> </a:t>
-            </a:r>
-            <a:r>
-              <a:rPr lang="en-US" sz="1500" dirty="0" err="1">
-                <a:solidFill>
-                  <a:srgbClr val="282828"/>
-                </a:solidFill>
-                <a:latin typeface="Inter"/>
-                <a:ea typeface="Inter"/>
-                <a:cs typeface="Inter"/>
-                <a:sym typeface="Inter"/>
-              </a:rPr>
-              <a:t>diketahui</a:t>
-            </a:r>
-            <a:r>
-              <a:rPr lang="en-US" sz="1500" dirty="0">
-                <a:solidFill>
-                  <a:srgbClr val="282828"/>
-                </a:solidFill>
-                <a:latin typeface="Inter"/>
-                <a:ea typeface="Inter"/>
-                <a:cs typeface="Inter"/>
-                <a:sym typeface="Inter"/>
-              </a:rPr>
-              <a:t> </a:t>
-            </a:r>
-            <a:r>
-              <a:rPr lang="en-US" sz="1500" dirty="0" err="1">
-                <a:solidFill>
-                  <a:srgbClr val="282828"/>
-                </a:solidFill>
-                <a:latin typeface="Inter"/>
-                <a:ea typeface="Inter"/>
-                <a:cs typeface="Inter"/>
-                <a:sym typeface="Inter"/>
-              </a:rPr>
-              <a:t>nilai</a:t>
-            </a:r>
-            <a:r>
-              <a:rPr lang="en-US" sz="1500" dirty="0">
-                <a:solidFill>
-                  <a:srgbClr val="282828"/>
-                </a:solidFill>
-                <a:latin typeface="Inter"/>
-                <a:ea typeface="Inter"/>
-                <a:cs typeface="Inter"/>
-                <a:sym typeface="Inter"/>
-              </a:rPr>
-              <a:t> </a:t>
-            </a:r>
-            <a:r>
-              <a:rPr lang="en-US" sz="1500" dirty="0" err="1">
-                <a:solidFill>
-                  <a:srgbClr val="282828"/>
-                </a:solidFill>
-                <a:latin typeface="Inter"/>
-                <a:ea typeface="Inter"/>
-                <a:cs typeface="Inter"/>
-                <a:sym typeface="Inter"/>
-              </a:rPr>
-              <a:t>tertinggi</a:t>
-            </a:r>
+              <a:t>EDA and Visualization</a:t>
+            </a:r>
+            <a:endParaRPr sz="1000" b="1">
+              <a:solidFill>
+                <a:srgbClr val="601F99"/>
+              </a:solidFill>
+              <a:latin typeface="Inter"/>
+              <a:ea typeface="Inter"/>
+              <a:cs typeface="Inter"/>
+              <a:sym typeface="Inter"/>
+            </a:endParaRPr>
+          </a:p>
+        </p:txBody>
+      </p:sp>
+      <p:pic>
+        <p:nvPicPr>
+          <p:cNvPr id="8" name="Picture 7">
+            <a:extLst>
+              <a:ext uri="{FF2B5EF4-FFF2-40B4-BE49-F238E27FC236}">
+                <a16:creationId xmlns:a16="http://schemas.microsoft.com/office/drawing/2014/main" id="{B555E738-DD35-A6C1-2B68-89904F4B7224}"/>
+              </a:ext>
+            </a:extLst>
+          </p:cNvPr>
+          <p:cNvPicPr>
+            <a:picLocks noChangeAspect="1"/>
+          </p:cNvPicPr>
+          <p:nvPr/>
+        </p:nvPicPr>
+        <p:blipFill>
+          <a:blip r:embed="rId6"/>
+          <a:stretch>
+            <a:fillRect/>
+          </a:stretch>
+        </p:blipFill>
+        <p:spPr>
+          <a:xfrm>
+            <a:off x="3598620" y="2775150"/>
+            <a:ext cx="4220940" cy="2005880"/>
+          </a:xfrm>
+          <a:prstGeom prst="rect">
+            <a:avLst/>
+          </a:prstGeom>
+        </p:spPr>
+      </p:pic>
+    </p:spTree>
+    <p:extLst>
+      <p:ext uri="{BB962C8B-B14F-4D97-AF65-F5344CB8AC3E}">
+        <p14:creationId xmlns:p14="http://schemas.microsoft.com/office/powerpoint/2010/main" val="2818838570"/>
+      </p:ext>
+    </p:extLst>
+  </p:cSld>
+  <p:clrMapOvr>
+    <a:masterClrMapping/>
+  </p:clrMapOvr>
+</p:sld>
+</file>
+
+<file path=ppt/slides/slide12.xml><?xml version="1.0" encoding="utf-8"?>
+<p:sld xmlns:a="http://schemas.openxmlformats.org/drawingml/2006/main" xmlns:r="http://schemas.openxmlformats.org/officeDocument/2006/relationships" xmlns:p="http://schemas.openxmlformats.org/presentationml/2006/main">
+  <p:cSld>
+    <p:spTree>
+      <p:nvGrpSpPr>
+        <p:cNvPr id="1" name="Shape 178"/>
+        <p:cNvGrpSpPr/>
+        <p:nvPr/>
+      </p:nvGrpSpPr>
+      <p:grpSpPr>
+        <a:xfrm>
+          <a:off x="0" y="0"/>
+          <a:ext cx="0" cy="0"/>
+          <a:chOff x="0" y="0"/>
+          <a:chExt cx="0" cy="0"/>
+        </a:xfrm>
+      </p:grpSpPr>
+      <p:sp>
+        <p:nvSpPr>
+          <p:cNvPr id="179" name="Google Shape;179;p22"/>
+          <p:cNvSpPr txBox="1">
+            <a:spLocks noGrp="1"/>
+          </p:cNvSpPr>
+          <p:nvPr>
+            <p:ph type="body" idx="1"/>
+          </p:nvPr>
+        </p:nvSpPr>
+        <p:spPr>
+          <a:xfrm>
+            <a:off x="311700" y="1492925"/>
+            <a:ext cx="7191300" cy="2988225"/>
+          </a:xfrm>
+          <a:prstGeom prst="rect">
+            <a:avLst/>
+          </a:prstGeom>
+        </p:spPr>
+        <p:txBody>
+          <a:bodyPr spcFirstLastPara="1" wrap="square" lIns="91425" tIns="91425" rIns="91425" bIns="91425" anchor="t" anchorCtr="0">
+            <a:noAutofit/>
+          </a:bodyPr>
+          <a:lstStyle/>
+          <a:p>
+            <a:pPr marL="0" lvl="0" indent="0" algn="l" rtl="0">
+              <a:spcBef>
+                <a:spcPts val="0"/>
+              </a:spcBef>
+              <a:spcAft>
+                <a:spcPts val="1000"/>
+              </a:spcAft>
+              <a:buNone/>
+            </a:pPr>
             <a:endParaRPr lang="en" sz="1500" dirty="0">
               <a:solidFill>
                 <a:srgbClr val="282828"/>
@@ -9075,6 +10065,564 @@
       </p:sp>
       <p:pic>
         <p:nvPicPr>
+          <p:cNvPr id="8" name="Picture 7">
+            <a:extLst>
+              <a:ext uri="{FF2B5EF4-FFF2-40B4-BE49-F238E27FC236}">
+                <a16:creationId xmlns:a16="http://schemas.microsoft.com/office/drawing/2014/main" id="{9143E9C4-C30B-629E-C239-234A2F8E7E54}"/>
+              </a:ext>
+            </a:extLst>
+          </p:cNvPr>
+          <p:cNvPicPr>
+            <a:picLocks noChangeAspect="1"/>
+          </p:cNvPicPr>
+          <p:nvPr/>
+        </p:nvPicPr>
+        <p:blipFill>
+          <a:blip r:embed="rId5"/>
+          <a:stretch>
+            <a:fillRect/>
+          </a:stretch>
+        </p:blipFill>
+        <p:spPr>
+          <a:xfrm>
+            <a:off x="413853" y="1836844"/>
+            <a:ext cx="5406587" cy="2354376"/>
+          </a:xfrm>
+          <a:prstGeom prst="rect">
+            <a:avLst/>
+          </a:prstGeom>
+        </p:spPr>
+      </p:pic>
+      <p:pic>
+        <p:nvPicPr>
+          <p:cNvPr id="14" name="Picture 13">
+            <a:extLst>
+              <a:ext uri="{FF2B5EF4-FFF2-40B4-BE49-F238E27FC236}">
+                <a16:creationId xmlns:a16="http://schemas.microsoft.com/office/drawing/2014/main" id="{A525D089-6F5B-5CB7-31D0-C5F5453981FE}"/>
+              </a:ext>
+            </a:extLst>
+          </p:cNvPr>
+          <p:cNvPicPr>
+            <a:picLocks noChangeAspect="1"/>
+          </p:cNvPicPr>
+          <p:nvPr/>
+        </p:nvPicPr>
+        <p:blipFill>
+          <a:blip r:embed="rId6"/>
+          <a:stretch>
+            <a:fillRect/>
+          </a:stretch>
+        </p:blipFill>
+        <p:spPr>
+          <a:xfrm>
+            <a:off x="5695965" y="1685198"/>
+            <a:ext cx="2488679" cy="2174320"/>
+          </a:xfrm>
+          <a:prstGeom prst="rect">
+            <a:avLst/>
+          </a:prstGeom>
+        </p:spPr>
+      </p:pic>
+    </p:spTree>
+    <p:extLst>
+      <p:ext uri="{BB962C8B-B14F-4D97-AF65-F5344CB8AC3E}">
+        <p14:creationId xmlns:p14="http://schemas.microsoft.com/office/powerpoint/2010/main" val="2282766252"/>
+      </p:ext>
+    </p:extLst>
+  </p:cSld>
+  <p:clrMapOvr>
+    <a:masterClrMapping/>
+  </p:clrMapOvr>
+</p:sld>
+</file>
+
+<file path=ppt/slides/slide13.xml><?xml version="1.0" encoding="utf-8"?>
+<p:sld xmlns:a="http://schemas.openxmlformats.org/drawingml/2006/main" xmlns:r="http://schemas.openxmlformats.org/officeDocument/2006/relationships" xmlns:p="http://schemas.openxmlformats.org/presentationml/2006/main">
+  <p:cSld>
+    <p:spTree>
+      <p:nvGrpSpPr>
+        <p:cNvPr id="1" name="Shape 178"/>
+        <p:cNvGrpSpPr/>
+        <p:nvPr/>
+      </p:nvGrpSpPr>
+      <p:grpSpPr>
+        <a:xfrm>
+          <a:off x="0" y="0"/>
+          <a:ext cx="0" cy="0"/>
+          <a:chOff x="0" y="0"/>
+          <a:chExt cx="0" cy="0"/>
+        </a:xfrm>
+      </p:grpSpPr>
+      <p:sp>
+        <p:nvSpPr>
+          <p:cNvPr id="179" name="Google Shape;179;p22"/>
+          <p:cNvSpPr txBox="1">
+            <a:spLocks noGrp="1"/>
+          </p:cNvSpPr>
+          <p:nvPr>
+            <p:ph type="body" idx="1"/>
+          </p:nvPr>
+        </p:nvSpPr>
+        <p:spPr>
+          <a:xfrm>
+            <a:off x="311700" y="1492925"/>
+            <a:ext cx="7191300" cy="2988225"/>
+          </a:xfrm>
+          <a:prstGeom prst="rect">
+            <a:avLst/>
+          </a:prstGeom>
+        </p:spPr>
+        <p:txBody>
+          <a:bodyPr spcFirstLastPara="1" wrap="square" lIns="91425" tIns="91425" rIns="91425" bIns="91425" anchor="t" anchorCtr="0">
+            <a:noAutofit/>
+          </a:bodyPr>
+          <a:lstStyle/>
+          <a:p>
+            <a:pPr marL="0" lvl="0" indent="0" algn="l" rtl="0">
+              <a:spcBef>
+                <a:spcPts val="0"/>
+              </a:spcBef>
+              <a:spcAft>
+                <a:spcPts val="1000"/>
+              </a:spcAft>
+              <a:buNone/>
+            </a:pPr>
+            <a:r>
+              <a:rPr lang="en-US" sz="1500" dirty="0">
+                <a:solidFill>
+                  <a:srgbClr val="282828"/>
+                </a:solidFill>
+                <a:latin typeface="Inter"/>
+                <a:ea typeface="Inter"/>
+                <a:cs typeface="Inter"/>
+                <a:sym typeface="Inter"/>
+              </a:rPr>
+              <a:t>Correlation : Pada </a:t>
+            </a:r>
+            <a:r>
+              <a:rPr lang="en-US" sz="1500" dirty="0" err="1">
+                <a:solidFill>
+                  <a:srgbClr val="282828"/>
+                </a:solidFill>
+                <a:latin typeface="Inter"/>
+                <a:ea typeface="Inter"/>
+                <a:cs typeface="Inter"/>
+                <a:sym typeface="Inter"/>
+              </a:rPr>
+              <a:t>gambar</a:t>
+            </a:r>
+            <a:r>
+              <a:rPr lang="en-US" sz="1500" dirty="0">
+                <a:solidFill>
+                  <a:srgbClr val="282828"/>
+                </a:solidFill>
+                <a:latin typeface="Inter"/>
+                <a:ea typeface="Inter"/>
+                <a:cs typeface="Inter"/>
+                <a:sym typeface="Inter"/>
+              </a:rPr>
+              <a:t> ini </a:t>
+            </a:r>
+            <a:r>
+              <a:rPr lang="en-US" sz="1500" dirty="0" err="1">
+                <a:solidFill>
+                  <a:srgbClr val="282828"/>
+                </a:solidFill>
+                <a:latin typeface="Inter"/>
+                <a:ea typeface="Inter"/>
+                <a:cs typeface="Inter"/>
+                <a:sym typeface="Inter"/>
+              </a:rPr>
+              <a:t>dapat</a:t>
+            </a:r>
+            <a:r>
+              <a:rPr lang="en-US" sz="1500" dirty="0">
+                <a:solidFill>
+                  <a:srgbClr val="282828"/>
+                </a:solidFill>
+                <a:latin typeface="Inter"/>
+                <a:ea typeface="Inter"/>
+                <a:cs typeface="Inter"/>
+                <a:sym typeface="Inter"/>
+              </a:rPr>
+              <a:t> </a:t>
+            </a:r>
+            <a:r>
+              <a:rPr lang="en-US" sz="1500" dirty="0" err="1">
+                <a:solidFill>
+                  <a:srgbClr val="282828"/>
+                </a:solidFill>
+                <a:latin typeface="Inter"/>
+                <a:ea typeface="Inter"/>
+                <a:cs typeface="Inter"/>
+                <a:sym typeface="Inter"/>
+              </a:rPr>
+              <a:t>diketahui</a:t>
+            </a:r>
+            <a:r>
+              <a:rPr lang="en-US" sz="1500" dirty="0">
+                <a:solidFill>
+                  <a:srgbClr val="282828"/>
+                </a:solidFill>
+                <a:latin typeface="Inter"/>
+                <a:ea typeface="Inter"/>
+                <a:cs typeface="Inter"/>
+                <a:sym typeface="Inter"/>
+              </a:rPr>
+              <a:t> </a:t>
+            </a:r>
+            <a:r>
+              <a:rPr lang="en-US" sz="1500" dirty="0" err="1">
+                <a:solidFill>
+                  <a:srgbClr val="282828"/>
+                </a:solidFill>
+                <a:latin typeface="Inter"/>
+                <a:ea typeface="Inter"/>
+                <a:cs typeface="Inter"/>
+                <a:sym typeface="Inter"/>
+              </a:rPr>
+              <a:t>nilai</a:t>
+            </a:r>
+            <a:r>
+              <a:rPr lang="en-US" sz="1500" dirty="0">
+                <a:solidFill>
+                  <a:srgbClr val="282828"/>
+                </a:solidFill>
+                <a:latin typeface="Inter"/>
+                <a:ea typeface="Inter"/>
+                <a:cs typeface="Inter"/>
+                <a:sym typeface="Inter"/>
+              </a:rPr>
+              <a:t> </a:t>
+            </a:r>
+            <a:r>
+              <a:rPr lang="en-US" sz="1500" dirty="0" err="1">
+                <a:solidFill>
+                  <a:srgbClr val="282828"/>
+                </a:solidFill>
+                <a:latin typeface="Inter"/>
+                <a:ea typeface="Inter"/>
+                <a:cs typeface="Inter"/>
+                <a:sym typeface="Inter"/>
+              </a:rPr>
+              <a:t>tertinggi</a:t>
+            </a:r>
+            <a:endParaRPr lang="en" sz="1500" dirty="0">
+              <a:solidFill>
+                <a:srgbClr val="282828"/>
+              </a:solidFill>
+              <a:latin typeface="Inter"/>
+              <a:ea typeface="Inter"/>
+              <a:cs typeface="Inter"/>
+              <a:sym typeface="Inter"/>
+            </a:endParaRPr>
+          </a:p>
+        </p:txBody>
+      </p:sp>
+      <p:sp>
+        <p:nvSpPr>
+          <p:cNvPr id="180" name="Google Shape;180;p22"/>
+          <p:cNvSpPr txBox="1"/>
+          <p:nvPr/>
+        </p:nvSpPr>
+        <p:spPr>
+          <a:xfrm>
+            <a:off x="0" y="4800600"/>
+            <a:ext cx="8943600" cy="323100"/>
+          </a:xfrm>
+          <a:prstGeom prst="rect">
+            <a:avLst/>
+          </a:prstGeom>
+          <a:noFill/>
+          <a:ln>
+            <a:noFill/>
+          </a:ln>
+        </p:spPr>
+        <p:txBody>
+          <a:bodyPr spcFirstLastPara="1" wrap="square" lIns="91425" tIns="91425" rIns="91425" bIns="91425" anchor="t" anchorCtr="0">
+            <a:spAutoFit/>
+          </a:bodyPr>
+          <a:lstStyle/>
+          <a:p>
+            <a:pPr marL="0" lvl="0" indent="0" algn="l" rtl="0">
+              <a:spcBef>
+                <a:spcPts val="0"/>
+              </a:spcBef>
+              <a:spcAft>
+                <a:spcPts val="0"/>
+              </a:spcAft>
+              <a:buNone/>
+            </a:pPr>
+            <a:r>
+              <a:rPr lang="en" sz="900">
+                <a:solidFill>
+                  <a:schemeClr val="dk2"/>
+                </a:solidFill>
+                <a:latin typeface="Inter"/>
+                <a:ea typeface="Inter"/>
+                <a:cs typeface="Inter"/>
+                <a:sym typeface="Inter"/>
+              </a:rPr>
+              <a:t>© 2022 Program Studi Independen Bersertifikat Zenius Bersama Kampus Merdeka</a:t>
+            </a:r>
+            <a:endParaRPr sz="900">
+              <a:solidFill>
+                <a:schemeClr val="dk2"/>
+              </a:solidFill>
+              <a:latin typeface="Inter"/>
+              <a:ea typeface="Inter"/>
+              <a:cs typeface="Inter"/>
+              <a:sym typeface="Inter"/>
+            </a:endParaRPr>
+          </a:p>
+        </p:txBody>
+      </p:sp>
+      <p:grpSp>
+        <p:nvGrpSpPr>
+          <p:cNvPr id="181" name="Google Shape;181;p22"/>
+          <p:cNvGrpSpPr/>
+          <p:nvPr/>
+        </p:nvGrpSpPr>
+        <p:grpSpPr>
+          <a:xfrm>
+            <a:off x="7503019" y="95797"/>
+            <a:ext cx="1516771" cy="323122"/>
+            <a:chOff x="400885" y="325214"/>
+            <a:chExt cx="2298835" cy="489727"/>
+          </a:xfrm>
+        </p:grpSpPr>
+        <p:pic>
+          <p:nvPicPr>
+            <p:cNvPr id="182" name="Google Shape;182;p22"/>
+            <p:cNvPicPr preferRelativeResize="0"/>
+            <p:nvPr/>
+          </p:nvPicPr>
+          <p:blipFill>
+            <a:blip r:embed="rId3">
+              <a:alphaModFix/>
+            </a:blip>
+            <a:stretch>
+              <a:fillRect/>
+            </a:stretch>
+          </p:blipFill>
+          <p:spPr>
+            <a:xfrm>
+              <a:off x="1906971" y="358726"/>
+              <a:ext cx="792749" cy="422701"/>
+            </a:xfrm>
+            <a:prstGeom prst="rect">
+              <a:avLst/>
+            </a:prstGeom>
+            <a:noFill/>
+            <a:ln>
+              <a:noFill/>
+            </a:ln>
+          </p:spPr>
+        </p:pic>
+        <p:cxnSp>
+          <p:nvCxnSpPr>
+            <p:cNvPr id="183" name="Google Shape;183;p22"/>
+            <p:cNvCxnSpPr/>
+            <p:nvPr/>
+          </p:nvCxnSpPr>
+          <p:spPr>
+            <a:xfrm>
+              <a:off x="1632394" y="460384"/>
+              <a:ext cx="0" cy="219345"/>
+            </a:xfrm>
+            <a:prstGeom prst="straightConnector1">
+              <a:avLst/>
+            </a:prstGeom>
+            <a:noFill/>
+            <a:ln w="9525" cap="flat" cmpd="sng">
+              <a:solidFill>
+                <a:schemeClr val="dk2"/>
+              </a:solidFill>
+              <a:prstDash val="solid"/>
+              <a:round/>
+              <a:headEnd type="none" w="med" len="med"/>
+              <a:tailEnd type="none" w="med" len="med"/>
+            </a:ln>
+          </p:spPr>
+        </p:cxnSp>
+        <p:cxnSp>
+          <p:nvCxnSpPr>
+            <p:cNvPr id="184" name="Google Shape;184;p22"/>
+            <p:cNvCxnSpPr/>
+            <p:nvPr/>
+          </p:nvCxnSpPr>
+          <p:spPr>
+            <a:xfrm>
+              <a:off x="1632360" y="460384"/>
+              <a:ext cx="0" cy="219345"/>
+            </a:xfrm>
+            <a:prstGeom prst="straightConnector1">
+              <a:avLst/>
+            </a:prstGeom>
+            <a:noFill/>
+            <a:ln w="9525" cap="flat" cmpd="sng">
+              <a:solidFill>
+                <a:schemeClr val="dk2"/>
+              </a:solidFill>
+              <a:prstDash val="solid"/>
+              <a:round/>
+              <a:headEnd type="none" w="med" len="med"/>
+              <a:tailEnd type="none" w="med" len="med"/>
+            </a:ln>
+          </p:spPr>
+        </p:cxnSp>
+        <p:pic>
+          <p:nvPicPr>
+            <p:cNvPr id="185" name="Google Shape;185;p22"/>
+            <p:cNvPicPr preferRelativeResize="0"/>
+            <p:nvPr/>
+          </p:nvPicPr>
+          <p:blipFill rotWithShape="1">
+            <a:blip r:embed="rId4">
+              <a:alphaModFix/>
+            </a:blip>
+            <a:srcRect l="9895" r="8731"/>
+            <a:stretch/>
+          </p:blipFill>
+          <p:spPr>
+            <a:xfrm>
+              <a:off x="400885" y="325214"/>
+              <a:ext cx="1033078" cy="489727"/>
+            </a:xfrm>
+            <a:prstGeom prst="rect">
+              <a:avLst/>
+            </a:prstGeom>
+            <a:noFill/>
+            <a:ln>
+              <a:noFill/>
+            </a:ln>
+          </p:spPr>
+        </p:pic>
+      </p:grpSp>
+      <p:sp>
+        <p:nvSpPr>
+          <p:cNvPr id="186" name="Google Shape;186;p22"/>
+          <p:cNvSpPr txBox="1">
+            <a:spLocks noGrp="1"/>
+          </p:cNvSpPr>
+          <p:nvPr>
+            <p:ph type="title"/>
+          </p:nvPr>
+        </p:nvSpPr>
+        <p:spPr>
+          <a:xfrm>
+            <a:off x="311700" y="673625"/>
+            <a:ext cx="8480400" cy="819300"/>
+          </a:xfrm>
+          <a:prstGeom prst="rect">
+            <a:avLst/>
+          </a:prstGeom>
+        </p:spPr>
+        <p:txBody>
+          <a:bodyPr spcFirstLastPara="1" wrap="square" lIns="91425" tIns="91425" rIns="91425" bIns="91425" anchor="ctr" anchorCtr="0">
+            <a:noAutofit/>
+          </a:bodyPr>
+          <a:lstStyle/>
+          <a:p>
+            <a:pPr marL="0" lvl="0" indent="0" algn="l" rtl="0">
+              <a:spcBef>
+                <a:spcPts val="0"/>
+              </a:spcBef>
+              <a:spcAft>
+                <a:spcPts val="0"/>
+              </a:spcAft>
+              <a:buSzPts val="990"/>
+              <a:buNone/>
+            </a:pPr>
+            <a:r>
+              <a:rPr lang="en" sz="2820">
+                <a:solidFill>
+                  <a:srgbClr val="A338EB"/>
+                </a:solidFill>
+                <a:latin typeface="Maven Pro SemiBold"/>
+                <a:ea typeface="Maven Pro SemiBold"/>
+                <a:cs typeface="Maven Pro SemiBold"/>
+                <a:sym typeface="Maven Pro SemiBold"/>
+              </a:rPr>
+              <a:t>Exploratory Data Analysis</a:t>
+            </a:r>
+            <a:endParaRPr sz="2820">
+              <a:solidFill>
+                <a:srgbClr val="A338EB"/>
+              </a:solidFill>
+              <a:latin typeface="Maven Pro SemiBold"/>
+              <a:ea typeface="Maven Pro SemiBold"/>
+              <a:cs typeface="Maven Pro SemiBold"/>
+              <a:sym typeface="Maven Pro SemiBold"/>
+            </a:endParaRPr>
+          </a:p>
+        </p:txBody>
+      </p:sp>
+      <p:sp>
+        <p:nvSpPr>
+          <p:cNvPr id="187" name="Google Shape;187;p22"/>
+          <p:cNvSpPr txBox="1"/>
+          <p:nvPr/>
+        </p:nvSpPr>
+        <p:spPr>
+          <a:xfrm>
+            <a:off x="76197" y="87997"/>
+            <a:ext cx="6081900" cy="338700"/>
+          </a:xfrm>
+          <a:prstGeom prst="rect">
+            <a:avLst/>
+          </a:prstGeom>
+          <a:noFill/>
+          <a:ln>
+            <a:noFill/>
+          </a:ln>
+        </p:spPr>
+        <p:txBody>
+          <a:bodyPr spcFirstLastPara="1" wrap="square" lIns="91425" tIns="91425" rIns="91425" bIns="91425" anchor="t" anchorCtr="0">
+            <a:spAutoFit/>
+          </a:bodyPr>
+          <a:lstStyle/>
+          <a:p>
+            <a:pPr marL="0" lvl="0" indent="0" algn="l" rtl="0">
+              <a:spcBef>
+                <a:spcPts val="0"/>
+              </a:spcBef>
+              <a:spcAft>
+                <a:spcPts val="0"/>
+              </a:spcAft>
+              <a:buClr>
+                <a:schemeClr val="dk1"/>
+              </a:buClr>
+              <a:buSzPts val="1100"/>
+              <a:buFont typeface="Arial"/>
+              <a:buNone/>
+            </a:pPr>
+            <a:r>
+              <a:rPr lang="en" sz="1000" b="1">
+                <a:solidFill>
+                  <a:srgbClr val="601F99"/>
+                </a:solidFill>
+                <a:latin typeface="Inter"/>
+                <a:ea typeface="Inter"/>
+                <a:cs typeface="Inter"/>
+                <a:sym typeface="Inter"/>
+              </a:rPr>
+              <a:t>EDA and Visualization</a:t>
+            </a:r>
+            <a:endParaRPr sz="1000" b="1">
+              <a:solidFill>
+                <a:srgbClr val="601F99"/>
+              </a:solidFill>
+              <a:latin typeface="Inter"/>
+              <a:ea typeface="Inter"/>
+              <a:cs typeface="Inter"/>
+              <a:sym typeface="Inter"/>
+            </a:endParaRPr>
+          </a:p>
+        </p:txBody>
+      </p:sp>
+      <p:pic>
+        <p:nvPicPr>
           <p:cNvPr id="4" name="Picture 3">
             <a:extLst>
               <a:ext uri="{FF2B5EF4-FFF2-40B4-BE49-F238E27FC236}">
@@ -9106,7 +10654,7 @@
     </p:spTree>
     <p:extLst>
       <p:ext uri="{BB962C8B-B14F-4D97-AF65-F5344CB8AC3E}">
-        <p14:creationId xmlns:p14="http://schemas.microsoft.com/office/powerpoint/2010/main" val="2818838570"/>
+        <p14:creationId xmlns:p14="http://schemas.microsoft.com/office/powerpoint/2010/main" val="2309949952"/>
       </p:ext>
     </p:extLst>
   </p:cSld>
@@ -9116,7 +10664,534 @@
 </p:sld>
 </file>
 
-<file path=ppt/slides/slide12.xml><?xml version="1.0" encoding="utf-8"?>
+<file path=ppt/slides/slide14.xml><?xml version="1.0" encoding="utf-8"?>
+<p:sld xmlns:a="http://schemas.openxmlformats.org/drawingml/2006/main" xmlns:r="http://schemas.openxmlformats.org/officeDocument/2006/relationships" xmlns:p="http://schemas.openxmlformats.org/presentationml/2006/main">
+  <p:cSld>
+    <p:spTree>
+      <p:nvGrpSpPr>
+        <p:cNvPr id="1" name="Shape 178"/>
+        <p:cNvGrpSpPr/>
+        <p:nvPr/>
+      </p:nvGrpSpPr>
+      <p:grpSpPr>
+        <a:xfrm>
+          <a:off x="0" y="0"/>
+          <a:ext cx="0" cy="0"/>
+          <a:chOff x="0" y="0"/>
+          <a:chExt cx="0" cy="0"/>
+        </a:xfrm>
+      </p:grpSpPr>
+      <p:sp>
+        <p:nvSpPr>
+          <p:cNvPr id="179" name="Google Shape;179;p22"/>
+          <p:cNvSpPr txBox="1">
+            <a:spLocks noGrp="1"/>
+          </p:cNvSpPr>
+          <p:nvPr>
+            <p:ph type="body" idx="1"/>
+          </p:nvPr>
+        </p:nvSpPr>
+        <p:spPr>
+          <a:xfrm>
+            <a:off x="311700" y="1492925"/>
+            <a:ext cx="7191300" cy="2988225"/>
+          </a:xfrm>
+          <a:prstGeom prst="rect">
+            <a:avLst/>
+          </a:prstGeom>
+        </p:spPr>
+        <p:txBody>
+          <a:bodyPr spcFirstLastPara="1" wrap="square" lIns="91425" tIns="91425" rIns="91425" bIns="91425" anchor="t" anchorCtr="0">
+            <a:noAutofit/>
+          </a:bodyPr>
+          <a:lstStyle/>
+          <a:p>
+            <a:pPr marL="0" lvl="0" indent="0" algn="l" rtl="0">
+              <a:spcBef>
+                <a:spcPts val="0"/>
+              </a:spcBef>
+              <a:spcAft>
+                <a:spcPts val="1000"/>
+              </a:spcAft>
+              <a:buNone/>
+            </a:pPr>
+            <a:r>
+              <a:rPr lang="en-US" sz="1500" dirty="0" err="1">
+                <a:solidFill>
+                  <a:srgbClr val="282828"/>
+                </a:solidFill>
+                <a:latin typeface="Inter"/>
+                <a:ea typeface="Inter"/>
+                <a:cs typeface="Inter"/>
+                <a:sym typeface="Inter"/>
+              </a:rPr>
+              <a:t>Visualisasi</a:t>
+            </a:r>
+            <a:r>
+              <a:rPr lang="en-US" sz="1500" dirty="0">
+                <a:solidFill>
+                  <a:srgbClr val="282828"/>
+                </a:solidFill>
+                <a:latin typeface="Inter"/>
+                <a:ea typeface="Inter"/>
+                <a:cs typeface="Inter"/>
+                <a:sym typeface="Inter"/>
+              </a:rPr>
+              <a:t> </a:t>
+            </a:r>
+            <a:br>
+              <a:rPr lang="en-US" sz="1500" dirty="0">
+                <a:solidFill>
+                  <a:srgbClr val="282828"/>
+                </a:solidFill>
+                <a:latin typeface="Inter"/>
+                <a:ea typeface="Inter"/>
+                <a:cs typeface="Inter"/>
+                <a:sym typeface="Inter"/>
+              </a:rPr>
+            </a:br>
+            <a:r>
+              <a:rPr lang="en-US" sz="1500" dirty="0" err="1">
+                <a:solidFill>
+                  <a:srgbClr val="282828"/>
+                </a:solidFill>
+                <a:latin typeface="Inter"/>
+                <a:ea typeface="Inter"/>
+                <a:cs typeface="Inter"/>
+                <a:sym typeface="Inter"/>
+              </a:rPr>
+              <a:t>HeatMap</a:t>
+            </a:r>
+            <a:r>
+              <a:rPr lang="en-US" sz="1500" dirty="0">
+                <a:solidFill>
+                  <a:srgbClr val="282828"/>
+                </a:solidFill>
+                <a:latin typeface="Inter"/>
+                <a:ea typeface="Inter"/>
+                <a:cs typeface="Inter"/>
+                <a:sym typeface="Inter"/>
+              </a:rPr>
+              <a:t> :</a:t>
+            </a:r>
+            <a:endParaRPr lang="en" sz="1500" dirty="0">
+              <a:solidFill>
+                <a:srgbClr val="282828"/>
+              </a:solidFill>
+              <a:latin typeface="Inter"/>
+              <a:ea typeface="Inter"/>
+              <a:cs typeface="Inter"/>
+              <a:sym typeface="Inter"/>
+            </a:endParaRPr>
+          </a:p>
+        </p:txBody>
+      </p:sp>
+      <p:sp>
+        <p:nvSpPr>
+          <p:cNvPr id="180" name="Google Shape;180;p22"/>
+          <p:cNvSpPr txBox="1"/>
+          <p:nvPr/>
+        </p:nvSpPr>
+        <p:spPr>
+          <a:xfrm>
+            <a:off x="0" y="4800600"/>
+            <a:ext cx="8943600" cy="323100"/>
+          </a:xfrm>
+          <a:prstGeom prst="rect">
+            <a:avLst/>
+          </a:prstGeom>
+          <a:noFill/>
+          <a:ln>
+            <a:noFill/>
+          </a:ln>
+        </p:spPr>
+        <p:txBody>
+          <a:bodyPr spcFirstLastPara="1" wrap="square" lIns="91425" tIns="91425" rIns="91425" bIns="91425" anchor="t" anchorCtr="0">
+            <a:spAutoFit/>
+          </a:bodyPr>
+          <a:lstStyle/>
+          <a:p>
+            <a:pPr marL="0" lvl="0" indent="0" algn="l" rtl="0">
+              <a:spcBef>
+                <a:spcPts val="0"/>
+              </a:spcBef>
+              <a:spcAft>
+                <a:spcPts val="0"/>
+              </a:spcAft>
+              <a:buNone/>
+            </a:pPr>
+            <a:r>
+              <a:rPr lang="en" sz="900">
+                <a:solidFill>
+                  <a:schemeClr val="dk2"/>
+                </a:solidFill>
+                <a:latin typeface="Inter"/>
+                <a:ea typeface="Inter"/>
+                <a:cs typeface="Inter"/>
+                <a:sym typeface="Inter"/>
+              </a:rPr>
+              <a:t>© 2022 Program Studi Independen Bersertifikat Zenius Bersama Kampus Merdeka</a:t>
+            </a:r>
+            <a:endParaRPr sz="900">
+              <a:solidFill>
+                <a:schemeClr val="dk2"/>
+              </a:solidFill>
+              <a:latin typeface="Inter"/>
+              <a:ea typeface="Inter"/>
+              <a:cs typeface="Inter"/>
+              <a:sym typeface="Inter"/>
+            </a:endParaRPr>
+          </a:p>
+        </p:txBody>
+      </p:sp>
+      <p:grpSp>
+        <p:nvGrpSpPr>
+          <p:cNvPr id="181" name="Google Shape;181;p22"/>
+          <p:cNvGrpSpPr/>
+          <p:nvPr/>
+        </p:nvGrpSpPr>
+        <p:grpSpPr>
+          <a:xfrm>
+            <a:off x="7503019" y="95797"/>
+            <a:ext cx="1516771" cy="323122"/>
+            <a:chOff x="400885" y="325214"/>
+            <a:chExt cx="2298835" cy="489727"/>
+          </a:xfrm>
+        </p:grpSpPr>
+        <p:pic>
+          <p:nvPicPr>
+            <p:cNvPr id="182" name="Google Shape;182;p22"/>
+            <p:cNvPicPr preferRelativeResize="0"/>
+            <p:nvPr/>
+          </p:nvPicPr>
+          <p:blipFill>
+            <a:blip r:embed="rId3">
+              <a:alphaModFix/>
+            </a:blip>
+            <a:stretch>
+              <a:fillRect/>
+            </a:stretch>
+          </p:blipFill>
+          <p:spPr>
+            <a:xfrm>
+              <a:off x="1906971" y="358726"/>
+              <a:ext cx="792749" cy="422701"/>
+            </a:xfrm>
+            <a:prstGeom prst="rect">
+              <a:avLst/>
+            </a:prstGeom>
+            <a:noFill/>
+            <a:ln>
+              <a:noFill/>
+            </a:ln>
+          </p:spPr>
+        </p:pic>
+        <p:cxnSp>
+          <p:nvCxnSpPr>
+            <p:cNvPr id="183" name="Google Shape;183;p22"/>
+            <p:cNvCxnSpPr/>
+            <p:nvPr/>
+          </p:nvCxnSpPr>
+          <p:spPr>
+            <a:xfrm>
+              <a:off x="1632394" y="460384"/>
+              <a:ext cx="0" cy="219345"/>
+            </a:xfrm>
+            <a:prstGeom prst="straightConnector1">
+              <a:avLst/>
+            </a:prstGeom>
+            <a:noFill/>
+            <a:ln w="9525" cap="flat" cmpd="sng">
+              <a:solidFill>
+                <a:schemeClr val="dk2"/>
+              </a:solidFill>
+              <a:prstDash val="solid"/>
+              <a:round/>
+              <a:headEnd type="none" w="med" len="med"/>
+              <a:tailEnd type="none" w="med" len="med"/>
+            </a:ln>
+          </p:spPr>
+        </p:cxnSp>
+        <p:cxnSp>
+          <p:nvCxnSpPr>
+            <p:cNvPr id="184" name="Google Shape;184;p22"/>
+            <p:cNvCxnSpPr/>
+            <p:nvPr/>
+          </p:nvCxnSpPr>
+          <p:spPr>
+            <a:xfrm>
+              <a:off x="1632360" y="460384"/>
+              <a:ext cx="0" cy="219345"/>
+            </a:xfrm>
+            <a:prstGeom prst="straightConnector1">
+              <a:avLst/>
+            </a:prstGeom>
+            <a:noFill/>
+            <a:ln w="9525" cap="flat" cmpd="sng">
+              <a:solidFill>
+                <a:schemeClr val="dk2"/>
+              </a:solidFill>
+              <a:prstDash val="solid"/>
+              <a:round/>
+              <a:headEnd type="none" w="med" len="med"/>
+              <a:tailEnd type="none" w="med" len="med"/>
+            </a:ln>
+          </p:spPr>
+        </p:cxnSp>
+        <p:pic>
+          <p:nvPicPr>
+            <p:cNvPr id="185" name="Google Shape;185;p22"/>
+            <p:cNvPicPr preferRelativeResize="0"/>
+            <p:nvPr/>
+          </p:nvPicPr>
+          <p:blipFill rotWithShape="1">
+            <a:blip r:embed="rId4">
+              <a:alphaModFix/>
+            </a:blip>
+            <a:srcRect l="9895" r="8731"/>
+            <a:stretch/>
+          </p:blipFill>
+          <p:spPr>
+            <a:xfrm>
+              <a:off x="400885" y="325214"/>
+              <a:ext cx="1033078" cy="489727"/>
+            </a:xfrm>
+            <a:prstGeom prst="rect">
+              <a:avLst/>
+            </a:prstGeom>
+            <a:noFill/>
+            <a:ln>
+              <a:noFill/>
+            </a:ln>
+          </p:spPr>
+        </p:pic>
+      </p:grpSp>
+      <p:sp>
+        <p:nvSpPr>
+          <p:cNvPr id="186" name="Google Shape;186;p22"/>
+          <p:cNvSpPr txBox="1">
+            <a:spLocks noGrp="1"/>
+          </p:cNvSpPr>
+          <p:nvPr>
+            <p:ph type="title"/>
+          </p:nvPr>
+        </p:nvSpPr>
+        <p:spPr>
+          <a:xfrm>
+            <a:off x="311700" y="673625"/>
+            <a:ext cx="8480400" cy="819300"/>
+          </a:xfrm>
+          <a:prstGeom prst="rect">
+            <a:avLst/>
+          </a:prstGeom>
+        </p:spPr>
+        <p:txBody>
+          <a:bodyPr spcFirstLastPara="1" wrap="square" lIns="91425" tIns="91425" rIns="91425" bIns="91425" anchor="ctr" anchorCtr="0">
+            <a:noAutofit/>
+          </a:bodyPr>
+          <a:lstStyle/>
+          <a:p>
+            <a:pPr marL="0" lvl="0" indent="0" algn="l" rtl="0">
+              <a:spcBef>
+                <a:spcPts val="0"/>
+              </a:spcBef>
+              <a:spcAft>
+                <a:spcPts val="0"/>
+              </a:spcAft>
+              <a:buSzPts val="990"/>
+              <a:buNone/>
+            </a:pPr>
+            <a:r>
+              <a:rPr lang="en" sz="2820">
+                <a:solidFill>
+                  <a:srgbClr val="A338EB"/>
+                </a:solidFill>
+                <a:latin typeface="Maven Pro SemiBold"/>
+                <a:ea typeface="Maven Pro SemiBold"/>
+                <a:cs typeface="Maven Pro SemiBold"/>
+                <a:sym typeface="Maven Pro SemiBold"/>
+              </a:rPr>
+              <a:t>Exploratory Data Analysis</a:t>
+            </a:r>
+            <a:endParaRPr sz="2820">
+              <a:solidFill>
+                <a:srgbClr val="A338EB"/>
+              </a:solidFill>
+              <a:latin typeface="Maven Pro SemiBold"/>
+              <a:ea typeface="Maven Pro SemiBold"/>
+              <a:cs typeface="Maven Pro SemiBold"/>
+              <a:sym typeface="Maven Pro SemiBold"/>
+            </a:endParaRPr>
+          </a:p>
+        </p:txBody>
+      </p:sp>
+      <p:sp>
+        <p:nvSpPr>
+          <p:cNvPr id="187" name="Google Shape;187;p22"/>
+          <p:cNvSpPr txBox="1"/>
+          <p:nvPr/>
+        </p:nvSpPr>
+        <p:spPr>
+          <a:xfrm>
+            <a:off x="76197" y="87997"/>
+            <a:ext cx="6081900" cy="338700"/>
+          </a:xfrm>
+          <a:prstGeom prst="rect">
+            <a:avLst/>
+          </a:prstGeom>
+          <a:noFill/>
+          <a:ln>
+            <a:noFill/>
+          </a:ln>
+        </p:spPr>
+        <p:txBody>
+          <a:bodyPr spcFirstLastPara="1" wrap="square" lIns="91425" tIns="91425" rIns="91425" bIns="91425" anchor="t" anchorCtr="0">
+            <a:spAutoFit/>
+          </a:bodyPr>
+          <a:lstStyle/>
+          <a:p>
+            <a:pPr marL="0" lvl="0" indent="0" algn="l" rtl="0">
+              <a:spcBef>
+                <a:spcPts val="0"/>
+              </a:spcBef>
+              <a:spcAft>
+                <a:spcPts val="0"/>
+              </a:spcAft>
+              <a:buClr>
+                <a:schemeClr val="dk1"/>
+              </a:buClr>
+              <a:buSzPts val="1100"/>
+              <a:buFont typeface="Arial"/>
+              <a:buNone/>
+            </a:pPr>
+            <a:r>
+              <a:rPr lang="en" sz="1000" b="1">
+                <a:solidFill>
+                  <a:srgbClr val="601F99"/>
+                </a:solidFill>
+                <a:latin typeface="Inter"/>
+                <a:ea typeface="Inter"/>
+                <a:cs typeface="Inter"/>
+                <a:sym typeface="Inter"/>
+              </a:rPr>
+              <a:t>EDA and Visualization</a:t>
+            </a:r>
+            <a:endParaRPr sz="1000" b="1">
+              <a:solidFill>
+                <a:srgbClr val="601F99"/>
+              </a:solidFill>
+              <a:latin typeface="Inter"/>
+              <a:ea typeface="Inter"/>
+              <a:cs typeface="Inter"/>
+              <a:sym typeface="Inter"/>
+            </a:endParaRPr>
+          </a:p>
+        </p:txBody>
+      </p:sp>
+      <p:pic>
+        <p:nvPicPr>
+          <p:cNvPr id="3" name="Picture 2">
+            <a:extLst>
+              <a:ext uri="{FF2B5EF4-FFF2-40B4-BE49-F238E27FC236}">
+                <a16:creationId xmlns:a16="http://schemas.microsoft.com/office/drawing/2014/main" id="{A98D471D-2140-59BB-10E7-D1EED09BC636}"/>
+              </a:ext>
+            </a:extLst>
+          </p:cNvPr>
+          <p:cNvPicPr>
+            <a:picLocks noChangeAspect="1"/>
+          </p:cNvPicPr>
+          <p:nvPr/>
+        </p:nvPicPr>
+        <p:blipFill>
+          <a:blip r:embed="rId5"/>
+          <a:stretch>
+            <a:fillRect/>
+          </a:stretch>
+        </p:blipFill>
+        <p:spPr>
+          <a:xfrm>
+            <a:off x="1908080" y="1609185"/>
+            <a:ext cx="4627972" cy="910211"/>
+          </a:xfrm>
+          <a:prstGeom prst="rect">
+            <a:avLst/>
+          </a:prstGeom>
+        </p:spPr>
+      </p:pic>
+      <p:pic>
+        <p:nvPicPr>
+          <p:cNvPr id="6" name="Picture 5">
+            <a:extLst>
+              <a:ext uri="{FF2B5EF4-FFF2-40B4-BE49-F238E27FC236}">
+                <a16:creationId xmlns:a16="http://schemas.microsoft.com/office/drawing/2014/main" id="{51372CC9-3B32-92B7-DD36-7A7EAF9AD8C9}"/>
+              </a:ext>
+            </a:extLst>
+          </p:cNvPr>
+          <p:cNvPicPr>
+            <a:picLocks noChangeAspect="1"/>
+          </p:cNvPicPr>
+          <p:nvPr/>
+        </p:nvPicPr>
+        <p:blipFill>
+          <a:blip r:embed="rId6"/>
+          <a:stretch>
+            <a:fillRect/>
+          </a:stretch>
+        </p:blipFill>
+        <p:spPr>
+          <a:xfrm>
+            <a:off x="1957793" y="2610079"/>
+            <a:ext cx="2551226" cy="2212431"/>
+          </a:xfrm>
+          <a:prstGeom prst="rect">
+            <a:avLst/>
+          </a:prstGeom>
+        </p:spPr>
+      </p:pic>
+      <p:pic>
+        <p:nvPicPr>
+          <p:cNvPr id="8" name="Picture 7">
+            <a:extLst>
+              <a:ext uri="{FF2B5EF4-FFF2-40B4-BE49-F238E27FC236}">
+                <a16:creationId xmlns:a16="http://schemas.microsoft.com/office/drawing/2014/main" id="{71F8AF3F-7B61-063A-14C2-CA8F19AF96C2}"/>
+              </a:ext>
+            </a:extLst>
+          </p:cNvPr>
+          <p:cNvPicPr>
+            <a:picLocks noChangeAspect="1"/>
+          </p:cNvPicPr>
+          <p:nvPr/>
+        </p:nvPicPr>
+        <p:blipFill>
+          <a:blip r:embed="rId7"/>
+          <a:stretch>
+            <a:fillRect/>
+          </a:stretch>
+        </p:blipFill>
+        <p:spPr>
+          <a:xfrm>
+            <a:off x="4292552" y="2567017"/>
+            <a:ext cx="2551226" cy="2233583"/>
+          </a:xfrm>
+          <a:prstGeom prst="rect">
+            <a:avLst/>
+          </a:prstGeom>
+        </p:spPr>
+      </p:pic>
+    </p:spTree>
+    <p:extLst>
+      <p:ext uri="{BB962C8B-B14F-4D97-AF65-F5344CB8AC3E}">
+        <p14:creationId xmlns:p14="http://schemas.microsoft.com/office/powerpoint/2010/main" val="3984304271"/>
+      </p:ext>
+    </p:extLst>
+  </p:cSld>
+  <p:clrMapOvr>
+    <a:masterClrMapping/>
+  </p:clrMapOvr>
+</p:sld>
+</file>
+
+<file path=ppt/slides/slide15.xml><?xml version="1.0" encoding="utf-8"?>
 <p:sld xmlns:a="http://schemas.openxmlformats.org/drawingml/2006/main" xmlns:r="http://schemas.openxmlformats.org/officeDocument/2006/relationships" xmlns:p="http://schemas.openxmlformats.org/presentationml/2006/main">
   <p:cSld>
     <p:bg>
@@ -9591,7 +11666,7 @@
 </p:sld>
 </file>
 
-<file path=ppt/slides/slide13.xml><?xml version="1.0" encoding="utf-8"?>
+<file path=ppt/slides/slide16.xml><?xml version="1.0" encoding="utf-8"?>
 <p:sld xmlns:a="http://schemas.openxmlformats.org/drawingml/2006/main" xmlns:r="http://schemas.openxmlformats.org/officeDocument/2006/relationships" xmlns:p="http://schemas.openxmlformats.org/presentationml/2006/main">
   <p:cSld>
     <p:spTree>
@@ -10925,7 +13000,7 @@
 </p:sld>
 </file>
 
-<file path=ppt/slides/slide14.xml><?xml version="1.0" encoding="utf-8"?>
+<file path=ppt/slides/slide17.xml><?xml version="1.0" encoding="utf-8"?>
 <p:sld xmlns:a="http://schemas.openxmlformats.org/drawingml/2006/main" xmlns:r="http://schemas.openxmlformats.org/officeDocument/2006/relationships" xmlns:p="http://schemas.openxmlformats.org/presentationml/2006/main">
   <p:cSld>
     <p:spTree>
@@ -10967,7 +13042,7 @@
           </a:bodyPr>
           <a:lstStyle/>
           <a:p>
-            <a:pPr marL="457200" lvl="0" indent="-323850" algn="l" rtl="0">
+            <a:pPr marL="133350" lvl="0" indent="0" algn="l" rtl="0">
               <a:spcBef>
                 <a:spcPts val="0"/>
               </a:spcBef>
@@ -10978,11 +13053,10 @@
                 <a:srgbClr val="282828"/>
               </a:buClr>
               <a:buSzPts val="1500"/>
-              <a:buFont typeface="Inter"/>
-              <a:buChar char="-"/>
+              <a:buNone/>
             </a:pPr>
             <a:r>
-              <a:rPr lang="en-US" sz="1500" dirty="0" err="1">
+              <a:rPr lang="en-US" sz="1500" dirty="0">
                 <a:solidFill>
                   <a:srgbClr val="282828"/>
                 </a:solidFill>
@@ -10991,151 +13065,7 @@
                 <a:cs typeface="Inter"/>
                 <a:sym typeface="Inter"/>
               </a:rPr>
-              <a:t>Perbandingan</a:t>
-            </a:r>
-            <a:r>
-              <a:rPr lang="en-US" sz="1500" dirty="0">
-                <a:solidFill>
-                  <a:srgbClr val="282828"/>
-                </a:solidFill>
-                <a:latin typeface="Inter"/>
-                <a:ea typeface="Inter"/>
-                <a:cs typeface="Inter"/>
-                <a:sym typeface="Inter"/>
-              </a:rPr>
-              <a:t> </a:t>
-            </a:r>
-            <a:r>
-              <a:rPr lang="en-US" sz="1500" dirty="0" err="1">
-                <a:solidFill>
-                  <a:srgbClr val="282828"/>
-                </a:solidFill>
-                <a:latin typeface="Inter"/>
-                <a:ea typeface="Inter"/>
-                <a:cs typeface="Inter"/>
-                <a:sym typeface="Inter"/>
-              </a:rPr>
-              <a:t>nilai</a:t>
-            </a:r>
-            <a:r>
-              <a:rPr lang="en-US" sz="1500" dirty="0">
-                <a:solidFill>
-                  <a:srgbClr val="282828"/>
-                </a:solidFill>
-                <a:latin typeface="Inter"/>
-                <a:ea typeface="Inter"/>
-                <a:cs typeface="Inter"/>
-                <a:sym typeface="Inter"/>
-              </a:rPr>
-              <a:t> </a:t>
-            </a:r>
-            <a:r>
-              <a:rPr lang="en-US" sz="1500" dirty="0" err="1">
-                <a:solidFill>
-                  <a:srgbClr val="282828"/>
-                </a:solidFill>
-                <a:latin typeface="Inter"/>
-                <a:ea typeface="Inter"/>
-                <a:cs typeface="Inter"/>
-                <a:sym typeface="Inter"/>
-              </a:rPr>
-              <a:t>dari</a:t>
-            </a:r>
-            <a:r>
-              <a:rPr lang="en-US" sz="1500" dirty="0">
-                <a:solidFill>
-                  <a:srgbClr val="282828"/>
-                </a:solidFill>
-                <a:latin typeface="Inter"/>
-                <a:ea typeface="Inter"/>
-                <a:cs typeface="Inter"/>
-                <a:sym typeface="Inter"/>
-              </a:rPr>
-              <a:t> 3 model	       - Ada 4 </a:t>
-            </a:r>
-            <a:r>
-              <a:rPr lang="en-US" sz="1500" dirty="0" err="1">
-                <a:solidFill>
-                  <a:srgbClr val="282828"/>
-                </a:solidFill>
-                <a:latin typeface="Inter"/>
-                <a:ea typeface="Inter"/>
-                <a:cs typeface="Inter"/>
-                <a:sym typeface="Inter"/>
-              </a:rPr>
-              <a:t>kolom</a:t>
-            </a:r>
-            <a:r>
-              <a:rPr lang="en-US" sz="1500" dirty="0">
-                <a:solidFill>
-                  <a:srgbClr val="282828"/>
-                </a:solidFill>
-                <a:latin typeface="Inter"/>
-                <a:ea typeface="Inter"/>
-                <a:cs typeface="Inter"/>
-                <a:sym typeface="Inter"/>
-              </a:rPr>
-              <a:t> </a:t>
-            </a:r>
-            <a:r>
-              <a:rPr lang="en-US" sz="1500" dirty="0" err="1">
-                <a:solidFill>
-                  <a:srgbClr val="282828"/>
-                </a:solidFill>
-                <a:latin typeface="Inter"/>
-                <a:ea typeface="Inter"/>
-                <a:cs typeface="Inter"/>
-                <a:sym typeface="Inter"/>
-              </a:rPr>
-              <a:t>dengan</a:t>
-            </a:r>
-            <a:r>
-              <a:rPr lang="en-US" sz="1500" dirty="0">
-                <a:solidFill>
-                  <a:srgbClr val="282828"/>
-                </a:solidFill>
-                <a:latin typeface="Inter"/>
-                <a:ea typeface="Inter"/>
-                <a:cs typeface="Inter"/>
-                <a:sym typeface="Inter"/>
-              </a:rPr>
-              <a:t> </a:t>
-            </a:r>
-            <a:r>
-              <a:rPr lang="en-US" sz="1500" dirty="0" err="1">
-                <a:solidFill>
-                  <a:srgbClr val="282828"/>
-                </a:solidFill>
-                <a:latin typeface="Inter"/>
-                <a:ea typeface="Inter"/>
-                <a:cs typeface="Inter"/>
-                <a:sym typeface="Inter"/>
-              </a:rPr>
-              <a:t>nilai</a:t>
-            </a:r>
-            <a:r>
-              <a:rPr lang="en-US" sz="1500" dirty="0">
-                <a:solidFill>
-                  <a:srgbClr val="282828"/>
-                </a:solidFill>
-                <a:latin typeface="Inter"/>
-                <a:ea typeface="Inter"/>
-                <a:cs typeface="Inter"/>
-                <a:sym typeface="Inter"/>
-              </a:rPr>
-              <a:t> </a:t>
-            </a:r>
-            <a:r>
-              <a:rPr lang="en-US" sz="1500" dirty="0" err="1">
-                <a:solidFill>
-                  <a:srgbClr val="282828"/>
-                </a:solidFill>
-                <a:latin typeface="Inter"/>
-                <a:ea typeface="Inter"/>
-                <a:cs typeface="Inter"/>
-                <a:sym typeface="Inter"/>
-              </a:rPr>
-              <a:t>tertinggi</a:t>
+              <a:t>	</a:t>
             </a:r>
             <a:endParaRPr sz="1500" dirty="0">
               <a:solidFill>
@@ -11441,10 +13371,10 @@
       </p:sp>
       <p:pic>
         <p:nvPicPr>
-          <p:cNvPr id="3" name="Picture 2">
+          <p:cNvPr id="4" name="Picture 3">
             <a:extLst>
               <a:ext uri="{FF2B5EF4-FFF2-40B4-BE49-F238E27FC236}">
-                <a16:creationId xmlns:a16="http://schemas.microsoft.com/office/drawing/2014/main" id="{E579D0C4-017A-F71D-F1A5-99199B956D88}"/>
+                <a16:creationId xmlns:a16="http://schemas.microsoft.com/office/drawing/2014/main" id="{CD758574-BFAA-B94B-D1EF-5D45546D6E9B}"/>
               </a:ext>
             </a:extLst>
           </p:cNvPr>
@@ -11461,38 +13391,8 @@
         </p:blipFill>
         <p:spPr>
           <a:xfrm>
-            <a:off x="5326050" y="1896640"/>
-            <a:ext cx="2787793" cy="2933851"/>
-          </a:xfrm>
-          <a:prstGeom prst="rect">
-            <a:avLst/>
-          </a:prstGeom>
-        </p:spPr>
-      </p:pic>
-      <p:pic>
-        <p:nvPicPr>
-          <p:cNvPr id="5" name="Picture 4">
-            <a:extLst>
-              <a:ext uri="{FF2B5EF4-FFF2-40B4-BE49-F238E27FC236}">
-                <a16:creationId xmlns:a16="http://schemas.microsoft.com/office/drawing/2014/main" id="{6929E498-F310-9413-109E-917901AA4B6C}"/>
-              </a:ext>
-            </a:extLst>
-          </p:cNvPr>
-          <p:cNvPicPr>
-            <a:picLocks noChangeAspect="1"/>
-          </p:cNvPicPr>
-          <p:nvPr/>
-        </p:nvPicPr>
-        <p:blipFill>
-          <a:blip r:embed="rId6"/>
-          <a:stretch>
-            <a:fillRect/>
-          </a:stretch>
-        </p:blipFill>
-        <p:spPr>
-          <a:xfrm>
-            <a:off x="388616" y="2037954"/>
-            <a:ext cx="3664138" cy="2597283"/>
+            <a:off x="1653416" y="1506913"/>
+            <a:ext cx="5837167" cy="3162997"/>
           </a:xfrm>
           <a:prstGeom prst="rect">
             <a:avLst/>
@@ -11507,7 +13407,7 @@
 </p:sld>
 </file>
 
-<file path=ppt/slides/slide15.xml><?xml version="1.0" encoding="utf-8"?>
+<file path=ppt/slides/slide18.xml><?xml version="1.0" encoding="utf-8"?>
 <p:sld xmlns:a="http://schemas.openxmlformats.org/drawingml/2006/main" xmlns:r="http://schemas.openxmlformats.org/officeDocument/2006/relationships" xmlns:p="http://schemas.openxmlformats.org/presentationml/2006/main">
   <p:cSld>
     <p:spTree>
@@ -11536,7 +13436,7 @@
         </p:nvSpPr>
         <p:spPr>
           <a:xfrm>
-            <a:off x="311700" y="1492925"/>
+            <a:off x="311700" y="1486530"/>
             <a:ext cx="7934100" cy="2924400"/>
           </a:xfrm>
           <a:prstGeom prst="rect">
@@ -11549,7 +13449,7 @@
           </a:bodyPr>
           <a:lstStyle/>
           <a:p>
-            <a:pPr marL="457200" lvl="0" indent="-323850" algn="l" rtl="0">
+            <a:pPr marL="133350" lvl="0" indent="0" algn="l" rtl="0">
               <a:spcBef>
                 <a:spcPts val="0"/>
               </a:spcBef>
@@ -11560,11 +13460,10 @@
                 <a:srgbClr val="282828"/>
               </a:buClr>
               <a:buSzPts val="1500"/>
-              <a:buFont typeface="Inter"/>
-              <a:buChar char="-"/>
+              <a:buNone/>
             </a:pPr>
             <a:r>
-              <a:rPr lang="en-US" sz="1500" dirty="0" err="1">
+              <a:rPr lang="en-US" sz="1500" dirty="0">
                 <a:solidFill>
                   <a:srgbClr val="282828"/>
                 </a:solidFill>
@@ -11573,43 +13472,7 @@
                 <a:cs typeface="Inter"/>
                 <a:sym typeface="Inter"/>
               </a:rPr>
-              <a:t>Perbandingan</a:t>
-            </a:r>
-            <a:r>
-              <a:rPr lang="en-US" sz="1500">
-                <a:solidFill>
-                  <a:srgbClr val="282828"/>
-                </a:solidFill>
-                <a:latin typeface="Inter"/>
-                <a:ea typeface="Inter"/>
-                <a:cs typeface="Inter"/>
-                <a:sym typeface="Inter"/>
-              </a:rPr>
-              <a:t> CVS </a:t>
-            </a:r>
-            <a:r>
-              <a:rPr lang="en-US" sz="1500" dirty="0" err="1">
-                <a:solidFill>
-                  <a:srgbClr val="282828"/>
-                </a:solidFill>
-                <a:latin typeface="Inter"/>
-                <a:ea typeface="Inter"/>
-                <a:cs typeface="Inter"/>
-                <a:sym typeface="Inter"/>
-              </a:rPr>
-              <a:t>dari</a:t>
-            </a:r>
-            <a:r>
-              <a:rPr lang="en-US" sz="1500" dirty="0">
-                <a:solidFill>
-                  <a:srgbClr val="282828"/>
-                </a:solidFill>
-                <a:latin typeface="Inter"/>
-                <a:ea typeface="Inter"/>
-                <a:cs typeface="Inter"/>
-                <a:sym typeface="Inter"/>
-              </a:rPr>
-              <a:t> 3 model machine learning</a:t>
+              <a:t>	</a:t>
             </a:r>
             <a:endParaRPr sz="1500" dirty="0">
               <a:solidFill>
@@ -11838,6 +13701,1565 @@
               <a:buSzPts val="990"/>
               <a:buNone/>
             </a:pPr>
+            <a:endParaRPr sz="2820" dirty="0">
+              <a:solidFill>
+                <a:srgbClr val="A338EB"/>
+              </a:solidFill>
+              <a:latin typeface="Maven Pro SemiBold"/>
+              <a:ea typeface="Maven Pro SemiBold"/>
+              <a:cs typeface="Maven Pro SemiBold"/>
+              <a:sym typeface="Maven Pro SemiBold"/>
+            </a:endParaRPr>
+          </a:p>
+        </p:txBody>
+      </p:sp>
+      <p:sp>
+        <p:nvSpPr>
+          <p:cNvPr id="241" name="Google Shape;241;p26"/>
+          <p:cNvSpPr txBox="1"/>
+          <p:nvPr/>
+        </p:nvSpPr>
+        <p:spPr>
+          <a:xfrm>
+            <a:off x="76197" y="87997"/>
+            <a:ext cx="6081900" cy="338700"/>
+          </a:xfrm>
+          <a:prstGeom prst="rect">
+            <a:avLst/>
+          </a:prstGeom>
+          <a:noFill/>
+          <a:ln>
+            <a:noFill/>
+          </a:ln>
+        </p:spPr>
+        <p:txBody>
+          <a:bodyPr spcFirstLastPara="1" wrap="square" lIns="91425" tIns="91425" rIns="91425" bIns="91425" anchor="t" anchorCtr="0">
+            <a:spAutoFit/>
+          </a:bodyPr>
+          <a:lstStyle/>
+          <a:p>
+            <a:pPr marL="0" lvl="0" indent="0" algn="l" rtl="0">
+              <a:spcBef>
+                <a:spcPts val="0"/>
+              </a:spcBef>
+              <a:spcAft>
+                <a:spcPts val="0"/>
+              </a:spcAft>
+              <a:buClr>
+                <a:schemeClr val="dk1"/>
+              </a:buClr>
+              <a:buSzPts val="1100"/>
+              <a:buFont typeface="Arial"/>
+              <a:buNone/>
+            </a:pPr>
+            <a:r>
+              <a:rPr lang="en" sz="1000" b="1">
+                <a:solidFill>
+                  <a:srgbClr val="601F99"/>
+                </a:solidFill>
+                <a:latin typeface="Inter"/>
+                <a:ea typeface="Inter"/>
+                <a:cs typeface="Inter"/>
+                <a:sym typeface="Inter"/>
+              </a:rPr>
+              <a:t>Modelling</a:t>
+            </a:r>
+            <a:endParaRPr sz="1000" b="1">
+              <a:solidFill>
+                <a:srgbClr val="601F99"/>
+              </a:solidFill>
+              <a:latin typeface="Inter"/>
+              <a:ea typeface="Inter"/>
+              <a:cs typeface="Inter"/>
+              <a:sym typeface="Inter"/>
+            </a:endParaRPr>
+          </a:p>
+        </p:txBody>
+      </p:sp>
+      <p:pic>
+        <p:nvPicPr>
+          <p:cNvPr id="3" name="Picture 2">
+            <a:extLst>
+              <a:ext uri="{FF2B5EF4-FFF2-40B4-BE49-F238E27FC236}">
+                <a16:creationId xmlns:a16="http://schemas.microsoft.com/office/drawing/2014/main" id="{457A9690-8184-B7AA-E8C9-6054293A045C}"/>
+              </a:ext>
+            </a:extLst>
+          </p:cNvPr>
+          <p:cNvPicPr>
+            <a:picLocks noChangeAspect="1"/>
+          </p:cNvPicPr>
+          <p:nvPr/>
+        </p:nvPicPr>
+        <p:blipFill>
+          <a:blip r:embed="rId5"/>
+          <a:stretch>
+            <a:fillRect/>
+          </a:stretch>
+        </p:blipFill>
+        <p:spPr>
+          <a:xfrm>
+            <a:off x="246712" y="1634327"/>
+            <a:ext cx="2743200" cy="2389045"/>
+          </a:xfrm>
+          <a:prstGeom prst="rect">
+            <a:avLst/>
+          </a:prstGeom>
+        </p:spPr>
+      </p:pic>
+      <p:pic>
+        <p:nvPicPr>
+          <p:cNvPr id="6" name="Picture 5">
+            <a:extLst>
+              <a:ext uri="{FF2B5EF4-FFF2-40B4-BE49-F238E27FC236}">
+                <a16:creationId xmlns:a16="http://schemas.microsoft.com/office/drawing/2014/main" id="{20C94184-2E8C-91F6-170A-91F5131F6495}"/>
+              </a:ext>
+            </a:extLst>
+          </p:cNvPr>
+          <p:cNvPicPr>
+            <a:picLocks noChangeAspect="1"/>
+          </p:cNvPicPr>
+          <p:nvPr/>
+        </p:nvPicPr>
+        <p:blipFill>
+          <a:blip r:embed="rId6"/>
+          <a:stretch>
+            <a:fillRect/>
+          </a:stretch>
+        </p:blipFill>
+        <p:spPr>
+          <a:xfrm>
+            <a:off x="3054900" y="1603098"/>
+            <a:ext cx="2743200" cy="2451502"/>
+          </a:xfrm>
+          <a:prstGeom prst="rect">
+            <a:avLst/>
+          </a:prstGeom>
+        </p:spPr>
+      </p:pic>
+      <p:pic>
+        <p:nvPicPr>
+          <p:cNvPr id="8" name="Picture 7">
+            <a:extLst>
+              <a:ext uri="{FF2B5EF4-FFF2-40B4-BE49-F238E27FC236}">
+                <a16:creationId xmlns:a16="http://schemas.microsoft.com/office/drawing/2014/main" id="{21FA36CF-F75C-386A-B6DC-C73190A3A940}"/>
+              </a:ext>
+            </a:extLst>
+          </p:cNvPr>
+          <p:cNvPicPr>
+            <a:picLocks noChangeAspect="1"/>
+          </p:cNvPicPr>
+          <p:nvPr/>
+        </p:nvPicPr>
+        <p:blipFill>
+          <a:blip r:embed="rId7"/>
+          <a:stretch>
+            <a:fillRect/>
+          </a:stretch>
+        </p:blipFill>
+        <p:spPr>
+          <a:xfrm>
+            <a:off x="5863088" y="1641631"/>
+            <a:ext cx="2743200" cy="2436355"/>
+          </a:xfrm>
+          <a:prstGeom prst="rect">
+            <a:avLst/>
+          </a:prstGeom>
+        </p:spPr>
+      </p:pic>
+    </p:spTree>
+    <p:extLst>
+      <p:ext uri="{BB962C8B-B14F-4D97-AF65-F5344CB8AC3E}">
+        <p14:creationId xmlns:p14="http://schemas.microsoft.com/office/powerpoint/2010/main" val="1449403619"/>
+      </p:ext>
+    </p:extLst>
+  </p:cSld>
+  <p:clrMapOvr>
+    <a:masterClrMapping/>
+  </p:clrMapOvr>
+</p:sld>
+</file>
+
+<file path=ppt/slides/slide19.xml><?xml version="1.0" encoding="utf-8"?>
+<p:sld xmlns:a="http://schemas.openxmlformats.org/drawingml/2006/main" xmlns:r="http://schemas.openxmlformats.org/officeDocument/2006/relationships" xmlns:p="http://schemas.openxmlformats.org/presentationml/2006/main">
+  <p:cSld>
+    <p:spTree>
+      <p:nvGrpSpPr>
+        <p:cNvPr id="1" name="Shape 232"/>
+        <p:cNvGrpSpPr/>
+        <p:nvPr/>
+      </p:nvGrpSpPr>
+      <p:grpSpPr>
+        <a:xfrm>
+          <a:off x="0" y="0"/>
+          <a:ext cx="0" cy="0"/>
+          <a:chOff x="0" y="0"/>
+          <a:chExt cx="0" cy="0"/>
+        </a:xfrm>
+      </p:grpSpPr>
+      <p:sp>
+        <p:nvSpPr>
+          <p:cNvPr id="233" name="Google Shape;233;p26"/>
+          <p:cNvSpPr txBox="1">
+            <a:spLocks noGrp="1"/>
+          </p:cNvSpPr>
+          <p:nvPr>
+            <p:ph type="body" idx="1"/>
+          </p:nvPr>
+        </p:nvSpPr>
+        <p:spPr>
+          <a:xfrm>
+            <a:off x="311700" y="1492925"/>
+            <a:ext cx="7934100" cy="2924400"/>
+          </a:xfrm>
+          <a:prstGeom prst="rect">
+            <a:avLst/>
+          </a:prstGeom>
+        </p:spPr>
+        <p:txBody>
+          <a:bodyPr spcFirstLastPara="1" wrap="square" lIns="91425" tIns="91425" rIns="91425" bIns="91425" anchor="t" anchorCtr="0">
+            <a:noAutofit/>
+          </a:bodyPr>
+          <a:lstStyle/>
+          <a:p>
+            <a:pPr marL="457200" lvl="0" indent="-323850" algn="l" rtl="0">
+              <a:spcBef>
+                <a:spcPts val="0"/>
+              </a:spcBef>
+              <a:spcAft>
+                <a:spcPts val="0"/>
+              </a:spcAft>
+              <a:buClr>
+                <a:srgbClr val="282828"/>
+              </a:buClr>
+              <a:buSzPts val="1500"/>
+              <a:buFont typeface="Inter"/>
+              <a:buChar char="-"/>
+            </a:pPr>
+            <a:r>
+              <a:rPr lang="en-US" sz="1500" dirty="0" err="1">
+                <a:solidFill>
+                  <a:srgbClr val="282828"/>
+                </a:solidFill>
+                <a:latin typeface="Inter"/>
+                <a:ea typeface="Inter"/>
+                <a:cs typeface="Inter"/>
+                <a:sym typeface="Inter"/>
+              </a:rPr>
+              <a:t>Perbandingan</a:t>
+            </a:r>
+            <a:r>
+              <a:rPr lang="en-US" sz="1500" dirty="0">
+                <a:solidFill>
+                  <a:srgbClr val="282828"/>
+                </a:solidFill>
+                <a:latin typeface="Inter"/>
+                <a:ea typeface="Inter"/>
+                <a:cs typeface="Inter"/>
+                <a:sym typeface="Inter"/>
+              </a:rPr>
+              <a:t> </a:t>
+            </a:r>
+            <a:r>
+              <a:rPr lang="en-US" sz="1500" dirty="0" err="1">
+                <a:solidFill>
+                  <a:srgbClr val="282828"/>
+                </a:solidFill>
+                <a:latin typeface="Inter"/>
+                <a:ea typeface="Inter"/>
+                <a:cs typeface="Inter"/>
+                <a:sym typeface="Inter"/>
+              </a:rPr>
+              <a:t>nilai</a:t>
+            </a:r>
+            <a:r>
+              <a:rPr lang="en-US" sz="1500" dirty="0">
+                <a:solidFill>
+                  <a:srgbClr val="282828"/>
+                </a:solidFill>
+                <a:latin typeface="Inter"/>
+                <a:ea typeface="Inter"/>
+                <a:cs typeface="Inter"/>
+                <a:sym typeface="Inter"/>
+              </a:rPr>
+              <a:t> </a:t>
+            </a:r>
+            <a:r>
+              <a:rPr lang="en-US" sz="1500" dirty="0" err="1">
+                <a:solidFill>
+                  <a:srgbClr val="282828"/>
+                </a:solidFill>
+                <a:latin typeface="Inter"/>
+                <a:ea typeface="Inter"/>
+                <a:cs typeface="Inter"/>
+                <a:sym typeface="Inter"/>
+              </a:rPr>
+              <a:t>dari</a:t>
+            </a:r>
+            <a:r>
+              <a:rPr lang="en-US" sz="1500" dirty="0">
+                <a:solidFill>
+                  <a:srgbClr val="282828"/>
+                </a:solidFill>
+                <a:latin typeface="Inter"/>
+                <a:ea typeface="Inter"/>
+                <a:cs typeface="Inter"/>
+                <a:sym typeface="Inter"/>
+              </a:rPr>
+              <a:t> 3 model	</a:t>
+            </a:r>
+            <a:endParaRPr sz="1500" dirty="0">
+              <a:solidFill>
+                <a:srgbClr val="282828"/>
+              </a:solidFill>
+              <a:latin typeface="Inter"/>
+              <a:ea typeface="Inter"/>
+              <a:cs typeface="Inter"/>
+              <a:sym typeface="Inter"/>
+            </a:endParaRPr>
+          </a:p>
+        </p:txBody>
+      </p:sp>
+      <p:sp>
+        <p:nvSpPr>
+          <p:cNvPr id="234" name="Google Shape;234;p26"/>
+          <p:cNvSpPr txBox="1"/>
+          <p:nvPr/>
+        </p:nvSpPr>
+        <p:spPr>
+          <a:xfrm>
+            <a:off x="0" y="4800600"/>
+            <a:ext cx="8943600" cy="323100"/>
+          </a:xfrm>
+          <a:prstGeom prst="rect">
+            <a:avLst/>
+          </a:prstGeom>
+          <a:noFill/>
+          <a:ln>
+            <a:noFill/>
+          </a:ln>
+        </p:spPr>
+        <p:txBody>
+          <a:bodyPr spcFirstLastPara="1" wrap="square" lIns="91425" tIns="91425" rIns="91425" bIns="91425" anchor="t" anchorCtr="0">
+            <a:spAutoFit/>
+          </a:bodyPr>
+          <a:lstStyle/>
+          <a:p>
+            <a:pPr marL="0" lvl="0" indent="0" algn="l" rtl="0">
+              <a:spcBef>
+                <a:spcPts val="0"/>
+              </a:spcBef>
+              <a:spcAft>
+                <a:spcPts val="0"/>
+              </a:spcAft>
+              <a:buNone/>
+            </a:pPr>
+            <a:r>
+              <a:rPr lang="en" sz="900">
+                <a:solidFill>
+                  <a:schemeClr val="dk2"/>
+                </a:solidFill>
+                <a:latin typeface="Inter"/>
+                <a:ea typeface="Inter"/>
+                <a:cs typeface="Inter"/>
+                <a:sym typeface="Inter"/>
+              </a:rPr>
+              <a:t>© 2022 Program Studi Independen Bersertifikat Zenius Bersama Kampus Merdeka</a:t>
+            </a:r>
+            <a:endParaRPr sz="900">
+              <a:solidFill>
+                <a:schemeClr val="dk2"/>
+              </a:solidFill>
+              <a:latin typeface="Inter"/>
+              <a:ea typeface="Inter"/>
+              <a:cs typeface="Inter"/>
+              <a:sym typeface="Inter"/>
+            </a:endParaRPr>
+          </a:p>
+        </p:txBody>
+      </p:sp>
+      <p:grpSp>
+        <p:nvGrpSpPr>
+          <p:cNvPr id="235" name="Google Shape;235;p26"/>
+          <p:cNvGrpSpPr/>
+          <p:nvPr/>
+        </p:nvGrpSpPr>
+        <p:grpSpPr>
+          <a:xfrm>
+            <a:off x="7503019" y="95797"/>
+            <a:ext cx="1516771" cy="323122"/>
+            <a:chOff x="400885" y="325214"/>
+            <a:chExt cx="2298835" cy="489727"/>
+          </a:xfrm>
+        </p:grpSpPr>
+        <p:pic>
+          <p:nvPicPr>
+            <p:cNvPr id="236" name="Google Shape;236;p26"/>
+            <p:cNvPicPr preferRelativeResize="0"/>
+            <p:nvPr/>
+          </p:nvPicPr>
+          <p:blipFill>
+            <a:blip r:embed="rId3">
+              <a:alphaModFix/>
+            </a:blip>
+            <a:stretch>
+              <a:fillRect/>
+            </a:stretch>
+          </p:blipFill>
+          <p:spPr>
+            <a:xfrm>
+              <a:off x="1906971" y="358726"/>
+              <a:ext cx="792749" cy="422701"/>
+            </a:xfrm>
+            <a:prstGeom prst="rect">
+              <a:avLst/>
+            </a:prstGeom>
+            <a:noFill/>
+            <a:ln>
+              <a:noFill/>
+            </a:ln>
+          </p:spPr>
+        </p:pic>
+        <p:cxnSp>
+          <p:nvCxnSpPr>
+            <p:cNvPr id="237" name="Google Shape;237;p26"/>
+            <p:cNvCxnSpPr/>
+            <p:nvPr/>
+          </p:nvCxnSpPr>
+          <p:spPr>
+            <a:xfrm>
+              <a:off x="1632394" y="460384"/>
+              <a:ext cx="0" cy="219345"/>
+            </a:xfrm>
+            <a:prstGeom prst="straightConnector1">
+              <a:avLst/>
+            </a:prstGeom>
+            <a:noFill/>
+            <a:ln w="9525" cap="flat" cmpd="sng">
+              <a:solidFill>
+                <a:schemeClr val="dk2"/>
+              </a:solidFill>
+              <a:prstDash val="solid"/>
+              <a:round/>
+              <a:headEnd type="none" w="med" len="med"/>
+              <a:tailEnd type="none" w="med" len="med"/>
+            </a:ln>
+          </p:spPr>
+        </p:cxnSp>
+        <p:cxnSp>
+          <p:nvCxnSpPr>
+            <p:cNvPr id="238" name="Google Shape;238;p26"/>
+            <p:cNvCxnSpPr/>
+            <p:nvPr/>
+          </p:nvCxnSpPr>
+          <p:spPr>
+            <a:xfrm>
+              <a:off x="1632360" y="460384"/>
+              <a:ext cx="0" cy="219345"/>
+            </a:xfrm>
+            <a:prstGeom prst="straightConnector1">
+              <a:avLst/>
+            </a:prstGeom>
+            <a:noFill/>
+            <a:ln w="9525" cap="flat" cmpd="sng">
+              <a:solidFill>
+                <a:schemeClr val="dk2"/>
+              </a:solidFill>
+              <a:prstDash val="solid"/>
+              <a:round/>
+              <a:headEnd type="none" w="med" len="med"/>
+              <a:tailEnd type="none" w="med" len="med"/>
+            </a:ln>
+          </p:spPr>
+        </p:cxnSp>
+        <p:pic>
+          <p:nvPicPr>
+            <p:cNvPr id="239" name="Google Shape;239;p26"/>
+            <p:cNvPicPr preferRelativeResize="0"/>
+            <p:nvPr/>
+          </p:nvPicPr>
+          <p:blipFill rotWithShape="1">
+            <a:blip r:embed="rId4">
+              <a:alphaModFix/>
+            </a:blip>
+            <a:srcRect l="9895" r="8731"/>
+            <a:stretch/>
+          </p:blipFill>
+          <p:spPr>
+            <a:xfrm>
+              <a:off x="400885" y="325214"/>
+              <a:ext cx="1033078" cy="489727"/>
+            </a:xfrm>
+            <a:prstGeom prst="rect">
+              <a:avLst/>
+            </a:prstGeom>
+            <a:noFill/>
+            <a:ln>
+              <a:noFill/>
+            </a:ln>
+          </p:spPr>
+        </p:pic>
+      </p:grpSp>
+      <p:sp>
+        <p:nvSpPr>
+          <p:cNvPr id="240" name="Google Shape;240;p26"/>
+          <p:cNvSpPr txBox="1">
+            <a:spLocks noGrp="1"/>
+          </p:cNvSpPr>
+          <p:nvPr>
+            <p:ph type="title"/>
+          </p:nvPr>
+        </p:nvSpPr>
+        <p:spPr>
+          <a:xfrm>
+            <a:off x="311700" y="673625"/>
+            <a:ext cx="8480400" cy="819300"/>
+          </a:xfrm>
+          <a:prstGeom prst="rect">
+            <a:avLst/>
+          </a:prstGeom>
+        </p:spPr>
+        <p:txBody>
+          <a:bodyPr spcFirstLastPara="1" wrap="square" lIns="91425" tIns="91425" rIns="91425" bIns="91425" anchor="ctr" anchorCtr="0">
+            <a:noAutofit/>
+          </a:bodyPr>
+          <a:lstStyle/>
+          <a:p>
+            <a:pPr marL="0" lvl="0" indent="0" algn="l" rtl="0">
+              <a:spcBef>
+                <a:spcPts val="0"/>
+              </a:spcBef>
+              <a:spcAft>
+                <a:spcPts val="0"/>
+              </a:spcAft>
+              <a:buSzPts val="990"/>
+              <a:buNone/>
+            </a:pPr>
+            <a:endParaRPr sz="2820" dirty="0">
+              <a:solidFill>
+                <a:srgbClr val="A338EB"/>
+              </a:solidFill>
+              <a:latin typeface="Maven Pro SemiBold"/>
+              <a:ea typeface="Maven Pro SemiBold"/>
+              <a:cs typeface="Maven Pro SemiBold"/>
+              <a:sym typeface="Maven Pro SemiBold"/>
+            </a:endParaRPr>
+          </a:p>
+        </p:txBody>
+      </p:sp>
+      <p:sp>
+        <p:nvSpPr>
+          <p:cNvPr id="241" name="Google Shape;241;p26"/>
+          <p:cNvSpPr txBox="1"/>
+          <p:nvPr/>
+        </p:nvSpPr>
+        <p:spPr>
+          <a:xfrm>
+            <a:off x="76197" y="87997"/>
+            <a:ext cx="6081900" cy="338700"/>
+          </a:xfrm>
+          <a:prstGeom prst="rect">
+            <a:avLst/>
+          </a:prstGeom>
+          <a:noFill/>
+          <a:ln>
+            <a:noFill/>
+          </a:ln>
+        </p:spPr>
+        <p:txBody>
+          <a:bodyPr spcFirstLastPara="1" wrap="square" lIns="91425" tIns="91425" rIns="91425" bIns="91425" anchor="t" anchorCtr="0">
+            <a:spAutoFit/>
+          </a:bodyPr>
+          <a:lstStyle/>
+          <a:p>
+            <a:pPr marL="0" lvl="0" indent="0" algn="l" rtl="0">
+              <a:spcBef>
+                <a:spcPts val="0"/>
+              </a:spcBef>
+              <a:spcAft>
+                <a:spcPts val="0"/>
+              </a:spcAft>
+              <a:buClr>
+                <a:schemeClr val="dk1"/>
+              </a:buClr>
+              <a:buSzPts val="1100"/>
+              <a:buFont typeface="Arial"/>
+              <a:buNone/>
+            </a:pPr>
+            <a:r>
+              <a:rPr lang="en" sz="1000" b="1">
+                <a:solidFill>
+                  <a:srgbClr val="601F99"/>
+                </a:solidFill>
+                <a:latin typeface="Inter"/>
+                <a:ea typeface="Inter"/>
+                <a:cs typeface="Inter"/>
+                <a:sym typeface="Inter"/>
+              </a:rPr>
+              <a:t>Modelling</a:t>
+            </a:r>
+            <a:endParaRPr sz="1000" b="1">
+              <a:solidFill>
+                <a:srgbClr val="601F99"/>
+              </a:solidFill>
+              <a:latin typeface="Inter"/>
+              <a:ea typeface="Inter"/>
+              <a:cs typeface="Inter"/>
+              <a:sym typeface="Inter"/>
+            </a:endParaRPr>
+          </a:p>
+        </p:txBody>
+      </p:sp>
+      <p:pic>
+        <p:nvPicPr>
+          <p:cNvPr id="5" name="Picture 4">
+            <a:extLst>
+              <a:ext uri="{FF2B5EF4-FFF2-40B4-BE49-F238E27FC236}">
+                <a16:creationId xmlns:a16="http://schemas.microsoft.com/office/drawing/2014/main" id="{6929E498-F310-9413-109E-917901AA4B6C}"/>
+              </a:ext>
+            </a:extLst>
+          </p:cNvPr>
+          <p:cNvPicPr>
+            <a:picLocks noChangeAspect="1"/>
+          </p:cNvPicPr>
+          <p:nvPr/>
+        </p:nvPicPr>
+        <p:blipFill>
+          <a:blip r:embed="rId5"/>
+          <a:stretch>
+            <a:fillRect/>
+          </a:stretch>
+        </p:blipFill>
+        <p:spPr>
+          <a:xfrm>
+            <a:off x="388616" y="2037954"/>
+            <a:ext cx="3664138" cy="2597283"/>
+          </a:xfrm>
+          <a:prstGeom prst="rect">
+            <a:avLst/>
+          </a:prstGeom>
+        </p:spPr>
+      </p:pic>
+    </p:spTree>
+    <p:extLst>
+      <p:ext uri="{BB962C8B-B14F-4D97-AF65-F5344CB8AC3E}">
+        <p14:creationId xmlns:p14="http://schemas.microsoft.com/office/powerpoint/2010/main" val="373925052"/>
+      </p:ext>
+    </p:extLst>
+  </p:cSld>
+  <p:clrMapOvr>
+    <a:masterClrMapping/>
+  </p:clrMapOvr>
+</p:sld>
+</file>
+
+<file path=ppt/slides/slide2.xml><?xml version="1.0" encoding="utf-8"?>
+<p:sld xmlns:a="http://schemas.openxmlformats.org/drawingml/2006/main" xmlns:r="http://schemas.openxmlformats.org/officeDocument/2006/relationships" xmlns:p="http://schemas.openxmlformats.org/presentationml/2006/main" show="0">
+  <p:cSld>
+    <p:spTree>
+      <p:nvGrpSpPr>
+        <p:cNvPr id="1" name="Shape 70"/>
+        <p:cNvGrpSpPr/>
+        <p:nvPr/>
+      </p:nvGrpSpPr>
+      <p:grpSpPr>
+        <a:xfrm>
+          <a:off x="0" y="0"/>
+          <a:ext cx="0" cy="0"/>
+          <a:chOff x="0" y="0"/>
+          <a:chExt cx="0" cy="0"/>
+        </a:xfrm>
+      </p:grpSpPr>
+      <p:sp>
+        <p:nvSpPr>
+          <p:cNvPr id="71" name="Google Shape;71;p14"/>
+          <p:cNvSpPr txBox="1">
+            <a:spLocks noGrp="1"/>
+          </p:cNvSpPr>
+          <p:nvPr>
+            <p:ph type="body" idx="1"/>
+          </p:nvPr>
+        </p:nvSpPr>
+        <p:spPr>
+          <a:xfrm>
+            <a:off x="311700" y="1744750"/>
+            <a:ext cx="7853400" cy="2924400"/>
+          </a:xfrm>
+          <a:prstGeom prst="rect">
+            <a:avLst/>
+          </a:prstGeom>
+        </p:spPr>
+        <p:txBody>
+          <a:bodyPr spcFirstLastPara="1" wrap="square" lIns="91425" tIns="91425" rIns="91425" bIns="91425" anchor="t" anchorCtr="0">
+            <a:noAutofit/>
+          </a:bodyPr>
+          <a:lstStyle/>
+          <a:p>
+            <a:pPr marL="457200" lvl="0" indent="-323850" algn="l" rtl="0">
+              <a:lnSpc>
+                <a:spcPct val="115000"/>
+              </a:lnSpc>
+              <a:spcBef>
+                <a:spcPts val="0"/>
+              </a:spcBef>
+              <a:spcAft>
+                <a:spcPts val="0"/>
+              </a:spcAft>
+              <a:buClr>
+                <a:srgbClr val="282828"/>
+              </a:buClr>
+              <a:buSzPts val="1500"/>
+              <a:buFont typeface="Inter"/>
+              <a:buChar char="-"/>
+            </a:pPr>
+            <a:r>
+              <a:rPr lang="en" sz="1500">
+                <a:solidFill>
+                  <a:srgbClr val="282828"/>
+                </a:solidFill>
+                <a:latin typeface="Inter"/>
+                <a:ea typeface="Inter"/>
+                <a:cs typeface="Inter"/>
+                <a:sym typeface="Inter"/>
+              </a:rPr>
+              <a:t>Waktu presentasi adalah 5 menit (tentatif, tergantung dari banyaknya kelompok yang mendaftarkan diri)</a:t>
+            </a:r>
+            <a:endParaRPr sz="1500">
+              <a:solidFill>
+                <a:srgbClr val="282828"/>
+              </a:solidFill>
+              <a:latin typeface="Inter"/>
+              <a:ea typeface="Inter"/>
+              <a:cs typeface="Inter"/>
+              <a:sym typeface="Inter"/>
+            </a:endParaRPr>
+          </a:p>
+          <a:p>
+            <a:pPr marL="457200" lvl="0" indent="-323850" algn="l" rtl="0">
+              <a:lnSpc>
+                <a:spcPct val="115000"/>
+              </a:lnSpc>
+              <a:spcBef>
+                <a:spcPts val="0"/>
+              </a:spcBef>
+              <a:spcAft>
+                <a:spcPts val="0"/>
+              </a:spcAft>
+              <a:buClr>
+                <a:srgbClr val="282828"/>
+              </a:buClr>
+              <a:buSzPts val="1500"/>
+              <a:buFont typeface="Inter"/>
+              <a:buChar char="-"/>
+            </a:pPr>
+            <a:r>
+              <a:rPr lang="en" sz="1500">
+                <a:solidFill>
+                  <a:srgbClr val="282828"/>
+                </a:solidFill>
+                <a:latin typeface="Inter"/>
+                <a:ea typeface="Inter"/>
+                <a:cs typeface="Inter"/>
+                <a:sym typeface="Inter"/>
+              </a:rPr>
+              <a:t>Waktu tanya jawab adalah 5 menit</a:t>
+            </a:r>
+            <a:endParaRPr sz="1500">
+              <a:solidFill>
+                <a:srgbClr val="282828"/>
+              </a:solidFill>
+              <a:latin typeface="Inter"/>
+              <a:ea typeface="Inter"/>
+              <a:cs typeface="Inter"/>
+              <a:sym typeface="Inter"/>
+            </a:endParaRPr>
+          </a:p>
+          <a:p>
+            <a:pPr marL="457200" lvl="0" indent="-323850" algn="l" rtl="0">
+              <a:lnSpc>
+                <a:spcPct val="115000"/>
+              </a:lnSpc>
+              <a:spcBef>
+                <a:spcPts val="0"/>
+              </a:spcBef>
+              <a:spcAft>
+                <a:spcPts val="0"/>
+              </a:spcAft>
+              <a:buClr>
+                <a:srgbClr val="282828"/>
+              </a:buClr>
+              <a:buSzPts val="1500"/>
+              <a:buFont typeface="Inter"/>
+              <a:buChar char="-"/>
+            </a:pPr>
+            <a:r>
+              <a:rPr lang="en" sz="1500">
+                <a:solidFill>
+                  <a:srgbClr val="282828"/>
+                </a:solidFill>
+                <a:latin typeface="Inter"/>
+                <a:ea typeface="Inter"/>
+                <a:cs typeface="Inter"/>
+                <a:sym typeface="Inter"/>
+              </a:rPr>
+              <a:t>Silakan menambahkan gambar/visualisasi pada slide presentasi</a:t>
+            </a:r>
+            <a:endParaRPr sz="1500">
+              <a:solidFill>
+                <a:srgbClr val="282828"/>
+              </a:solidFill>
+              <a:latin typeface="Inter"/>
+              <a:ea typeface="Inter"/>
+              <a:cs typeface="Inter"/>
+              <a:sym typeface="Inter"/>
+            </a:endParaRPr>
+          </a:p>
+          <a:p>
+            <a:pPr marL="457200" lvl="0" indent="-323850" algn="l" rtl="0">
+              <a:lnSpc>
+                <a:spcPct val="115000"/>
+              </a:lnSpc>
+              <a:spcBef>
+                <a:spcPts val="0"/>
+              </a:spcBef>
+              <a:spcAft>
+                <a:spcPts val="0"/>
+              </a:spcAft>
+              <a:buClr>
+                <a:srgbClr val="282828"/>
+              </a:buClr>
+              <a:buSzPts val="1500"/>
+              <a:buFont typeface="Inter"/>
+              <a:buChar char="-"/>
+            </a:pPr>
+            <a:r>
+              <a:rPr lang="en" sz="1500">
+                <a:solidFill>
+                  <a:srgbClr val="282828"/>
+                </a:solidFill>
+                <a:latin typeface="Inter"/>
+                <a:ea typeface="Inter"/>
+                <a:cs typeface="Inter"/>
+                <a:sym typeface="Inter"/>
+              </a:rPr>
+              <a:t>Upayakan agar tetap dalam format poin-poin (ingat, ini presentasi, bukan esai)</a:t>
+            </a:r>
+            <a:endParaRPr sz="1500">
+              <a:solidFill>
+                <a:srgbClr val="282828"/>
+              </a:solidFill>
+              <a:latin typeface="Inter"/>
+              <a:ea typeface="Inter"/>
+              <a:cs typeface="Inter"/>
+              <a:sym typeface="Inter"/>
+            </a:endParaRPr>
+          </a:p>
+          <a:p>
+            <a:pPr marL="457200" lvl="0" indent="-323850" algn="l" rtl="0">
+              <a:lnSpc>
+                <a:spcPct val="115000"/>
+              </a:lnSpc>
+              <a:spcBef>
+                <a:spcPts val="0"/>
+              </a:spcBef>
+              <a:spcAft>
+                <a:spcPts val="0"/>
+              </a:spcAft>
+              <a:buClr>
+                <a:srgbClr val="282828"/>
+              </a:buClr>
+              <a:buSzPts val="1500"/>
+              <a:buFont typeface="Inter"/>
+              <a:buChar char="-"/>
+            </a:pPr>
+            <a:r>
+              <a:rPr lang="en" sz="1500">
+                <a:solidFill>
+                  <a:srgbClr val="282828"/>
+                </a:solidFill>
+                <a:latin typeface="Inter"/>
+                <a:ea typeface="Inter"/>
+                <a:cs typeface="Inter"/>
+                <a:sym typeface="Inter"/>
+              </a:rPr>
+              <a:t>Jangan masukkan </a:t>
+            </a:r>
+            <a:r>
+              <a:rPr lang="en" sz="1500" i="1">
+                <a:solidFill>
+                  <a:srgbClr val="282828"/>
+                </a:solidFill>
+                <a:latin typeface="Inter"/>
+                <a:ea typeface="Inter"/>
+                <a:cs typeface="Inter"/>
+                <a:sym typeface="Inter"/>
+              </a:rPr>
+              <a:t>code</a:t>
+            </a:r>
+            <a:r>
+              <a:rPr lang="en" sz="1500">
+                <a:solidFill>
+                  <a:srgbClr val="282828"/>
+                </a:solidFill>
+                <a:latin typeface="Inter"/>
+                <a:ea typeface="Inter"/>
+                <a:cs typeface="Inter"/>
+                <a:sym typeface="Inter"/>
+              </a:rPr>
+              <a:t> ke dalam slide presentasi (tidak usah memasukan screenshot jupyter notebook)</a:t>
+            </a:r>
+            <a:endParaRPr sz="1500">
+              <a:solidFill>
+                <a:srgbClr val="282828"/>
+              </a:solidFill>
+              <a:latin typeface="Inter"/>
+              <a:ea typeface="Inter"/>
+              <a:cs typeface="Inter"/>
+              <a:sym typeface="Inter"/>
+            </a:endParaRPr>
+          </a:p>
+        </p:txBody>
+      </p:sp>
+      <p:sp>
+        <p:nvSpPr>
+          <p:cNvPr id="72" name="Google Shape;72;p14"/>
+          <p:cNvSpPr txBox="1"/>
+          <p:nvPr/>
+        </p:nvSpPr>
+        <p:spPr>
+          <a:xfrm>
+            <a:off x="76197" y="87997"/>
+            <a:ext cx="6081900" cy="338700"/>
+          </a:xfrm>
+          <a:prstGeom prst="rect">
+            <a:avLst/>
+          </a:prstGeom>
+          <a:noFill/>
+          <a:ln>
+            <a:noFill/>
+          </a:ln>
+        </p:spPr>
+        <p:txBody>
+          <a:bodyPr spcFirstLastPara="1" wrap="square" lIns="91425" tIns="91425" rIns="91425" bIns="91425" anchor="t" anchorCtr="0">
+            <a:spAutoFit/>
+          </a:bodyPr>
+          <a:lstStyle/>
+          <a:p>
+            <a:pPr marL="0" lvl="0" indent="0" algn="l" rtl="0">
+              <a:spcBef>
+                <a:spcPts val="0"/>
+              </a:spcBef>
+              <a:spcAft>
+                <a:spcPts val="0"/>
+              </a:spcAft>
+              <a:buClr>
+                <a:schemeClr val="dk1"/>
+              </a:buClr>
+              <a:buSzPts val="1100"/>
+              <a:buFont typeface="Arial"/>
+              <a:buNone/>
+            </a:pPr>
+            <a:r>
+              <a:rPr lang="en" sz="1000" b="1">
+                <a:solidFill>
+                  <a:srgbClr val="601F99"/>
+                </a:solidFill>
+                <a:latin typeface="Inter"/>
+                <a:ea typeface="Inter"/>
+                <a:cs typeface="Inter"/>
+                <a:sym typeface="Inter"/>
+              </a:rPr>
+              <a:t>Latar Belakang</a:t>
+            </a:r>
+            <a:endParaRPr sz="1000" b="1">
+              <a:solidFill>
+                <a:srgbClr val="601F99"/>
+              </a:solidFill>
+              <a:latin typeface="Inter"/>
+              <a:ea typeface="Inter"/>
+              <a:cs typeface="Inter"/>
+              <a:sym typeface="Inter"/>
+            </a:endParaRPr>
+          </a:p>
+        </p:txBody>
+      </p:sp>
+      <p:sp>
+        <p:nvSpPr>
+          <p:cNvPr id="73" name="Google Shape;73;p14"/>
+          <p:cNvSpPr txBox="1"/>
+          <p:nvPr/>
+        </p:nvSpPr>
+        <p:spPr>
+          <a:xfrm>
+            <a:off x="0" y="4800600"/>
+            <a:ext cx="8943600" cy="323100"/>
+          </a:xfrm>
+          <a:prstGeom prst="rect">
+            <a:avLst/>
+          </a:prstGeom>
+          <a:noFill/>
+          <a:ln>
+            <a:noFill/>
+          </a:ln>
+        </p:spPr>
+        <p:txBody>
+          <a:bodyPr spcFirstLastPara="1" wrap="square" lIns="91425" tIns="91425" rIns="91425" bIns="91425" anchor="t" anchorCtr="0">
+            <a:spAutoFit/>
+          </a:bodyPr>
+          <a:lstStyle/>
+          <a:p>
+            <a:pPr marL="0" lvl="0" indent="0" algn="l" rtl="0">
+              <a:spcBef>
+                <a:spcPts val="0"/>
+              </a:spcBef>
+              <a:spcAft>
+                <a:spcPts val="0"/>
+              </a:spcAft>
+              <a:buNone/>
+            </a:pPr>
+            <a:r>
+              <a:rPr lang="en" sz="900">
+                <a:solidFill>
+                  <a:schemeClr val="dk2"/>
+                </a:solidFill>
+                <a:latin typeface="Inter"/>
+                <a:ea typeface="Inter"/>
+                <a:cs typeface="Inter"/>
+                <a:sym typeface="Inter"/>
+              </a:rPr>
+              <a:t>© 2022 Program Studi Independen Bersertifikat Zenius Bersama Kampus Merdeka</a:t>
+            </a:r>
+            <a:endParaRPr sz="900">
+              <a:solidFill>
+                <a:schemeClr val="dk2"/>
+              </a:solidFill>
+              <a:latin typeface="Inter"/>
+              <a:ea typeface="Inter"/>
+              <a:cs typeface="Inter"/>
+              <a:sym typeface="Inter"/>
+            </a:endParaRPr>
+          </a:p>
+        </p:txBody>
+      </p:sp>
+      <p:grpSp>
+        <p:nvGrpSpPr>
+          <p:cNvPr id="74" name="Google Shape;74;p14"/>
+          <p:cNvGrpSpPr/>
+          <p:nvPr/>
+        </p:nvGrpSpPr>
+        <p:grpSpPr>
+          <a:xfrm>
+            <a:off x="7503019" y="95797"/>
+            <a:ext cx="1516771" cy="323122"/>
+            <a:chOff x="400885" y="325214"/>
+            <a:chExt cx="2298835" cy="489727"/>
+          </a:xfrm>
+        </p:grpSpPr>
+        <p:pic>
+          <p:nvPicPr>
+            <p:cNvPr id="75" name="Google Shape;75;p14"/>
+            <p:cNvPicPr preferRelativeResize="0"/>
+            <p:nvPr/>
+          </p:nvPicPr>
+          <p:blipFill>
+            <a:blip r:embed="rId3">
+              <a:alphaModFix/>
+            </a:blip>
+            <a:stretch>
+              <a:fillRect/>
+            </a:stretch>
+          </p:blipFill>
+          <p:spPr>
+            <a:xfrm>
+              <a:off x="1906971" y="358726"/>
+              <a:ext cx="792749" cy="422701"/>
+            </a:xfrm>
+            <a:prstGeom prst="rect">
+              <a:avLst/>
+            </a:prstGeom>
+            <a:noFill/>
+            <a:ln>
+              <a:noFill/>
+            </a:ln>
+          </p:spPr>
+        </p:pic>
+        <p:cxnSp>
+          <p:nvCxnSpPr>
+            <p:cNvPr id="76" name="Google Shape;76;p14"/>
+            <p:cNvCxnSpPr/>
+            <p:nvPr/>
+          </p:nvCxnSpPr>
+          <p:spPr>
+            <a:xfrm>
+              <a:off x="1632394" y="460384"/>
+              <a:ext cx="0" cy="219345"/>
+            </a:xfrm>
+            <a:prstGeom prst="straightConnector1">
+              <a:avLst/>
+            </a:prstGeom>
+            <a:noFill/>
+            <a:ln w="9525" cap="flat" cmpd="sng">
+              <a:solidFill>
+                <a:schemeClr val="dk2"/>
+              </a:solidFill>
+              <a:prstDash val="solid"/>
+              <a:round/>
+              <a:headEnd type="none" w="med" len="med"/>
+              <a:tailEnd type="none" w="med" len="med"/>
+            </a:ln>
+          </p:spPr>
+        </p:cxnSp>
+        <p:cxnSp>
+          <p:nvCxnSpPr>
+            <p:cNvPr id="77" name="Google Shape;77;p14"/>
+            <p:cNvCxnSpPr/>
+            <p:nvPr/>
+          </p:nvCxnSpPr>
+          <p:spPr>
+            <a:xfrm>
+              <a:off x="1632360" y="460384"/>
+              <a:ext cx="0" cy="219345"/>
+            </a:xfrm>
+            <a:prstGeom prst="straightConnector1">
+              <a:avLst/>
+            </a:prstGeom>
+            <a:noFill/>
+            <a:ln w="9525" cap="flat" cmpd="sng">
+              <a:solidFill>
+                <a:schemeClr val="dk2"/>
+              </a:solidFill>
+              <a:prstDash val="solid"/>
+              <a:round/>
+              <a:headEnd type="none" w="med" len="med"/>
+              <a:tailEnd type="none" w="med" len="med"/>
+            </a:ln>
+          </p:spPr>
+        </p:cxnSp>
+        <p:pic>
+          <p:nvPicPr>
+            <p:cNvPr id="78" name="Google Shape;78;p14"/>
+            <p:cNvPicPr preferRelativeResize="0"/>
+            <p:nvPr/>
+          </p:nvPicPr>
+          <p:blipFill rotWithShape="1">
+            <a:blip r:embed="rId4">
+              <a:alphaModFix/>
+            </a:blip>
+            <a:srcRect l="9895" r="8731"/>
+            <a:stretch/>
+          </p:blipFill>
+          <p:spPr>
+            <a:xfrm>
+              <a:off x="400885" y="325214"/>
+              <a:ext cx="1033078" cy="489727"/>
+            </a:xfrm>
+            <a:prstGeom prst="rect">
+              <a:avLst/>
+            </a:prstGeom>
+            <a:noFill/>
+            <a:ln>
+              <a:noFill/>
+            </a:ln>
+          </p:spPr>
+        </p:pic>
+      </p:grpSp>
+      <p:sp>
+        <p:nvSpPr>
+          <p:cNvPr id="79" name="Google Shape;79;p14"/>
+          <p:cNvSpPr txBox="1">
+            <a:spLocks noGrp="1"/>
+          </p:cNvSpPr>
+          <p:nvPr>
+            <p:ph type="title"/>
+          </p:nvPr>
+        </p:nvSpPr>
+        <p:spPr>
+          <a:xfrm>
+            <a:off x="311700" y="673625"/>
+            <a:ext cx="8480400" cy="819300"/>
+          </a:xfrm>
+          <a:prstGeom prst="rect">
+            <a:avLst/>
+          </a:prstGeom>
+        </p:spPr>
+        <p:txBody>
+          <a:bodyPr spcFirstLastPara="1" wrap="square" lIns="91425" tIns="91425" rIns="91425" bIns="91425" anchor="ctr" anchorCtr="0">
+            <a:noAutofit/>
+          </a:bodyPr>
+          <a:lstStyle/>
+          <a:p>
+            <a:pPr marL="0" lvl="0" indent="0" algn="l" rtl="0">
+              <a:spcBef>
+                <a:spcPts val="0"/>
+              </a:spcBef>
+              <a:spcAft>
+                <a:spcPts val="0"/>
+              </a:spcAft>
+              <a:buSzPts val="990"/>
+              <a:buNone/>
+            </a:pPr>
+            <a:r>
+              <a:rPr lang="en" sz="2820">
+                <a:solidFill>
+                  <a:srgbClr val="A338EB"/>
+                </a:solidFill>
+                <a:latin typeface="Maven Pro SemiBold"/>
+                <a:ea typeface="Maven Pro SemiBold"/>
+                <a:cs typeface="Maven Pro SemiBold"/>
+                <a:sym typeface="Maven Pro SemiBold"/>
+              </a:rPr>
+              <a:t>Petunjuk</a:t>
+            </a:r>
+            <a:endParaRPr sz="2820">
+              <a:solidFill>
+                <a:srgbClr val="A338EB"/>
+              </a:solidFill>
+              <a:latin typeface="Maven Pro SemiBold"/>
+              <a:ea typeface="Maven Pro SemiBold"/>
+              <a:cs typeface="Maven Pro SemiBold"/>
+              <a:sym typeface="Maven Pro SemiBold"/>
+            </a:endParaRPr>
+          </a:p>
+        </p:txBody>
+      </p:sp>
+    </p:spTree>
+  </p:cSld>
+  <p:clrMapOvr>
+    <a:masterClrMapping/>
+  </p:clrMapOvr>
+</p:sld>
+</file>
+
+<file path=ppt/slides/slide20.xml><?xml version="1.0" encoding="utf-8"?>
+<p:sld xmlns:a="http://schemas.openxmlformats.org/drawingml/2006/main" xmlns:r="http://schemas.openxmlformats.org/officeDocument/2006/relationships" xmlns:p="http://schemas.openxmlformats.org/presentationml/2006/main">
+  <p:cSld>
+    <p:spTree>
+      <p:nvGrpSpPr>
+        <p:cNvPr id="1" name="Shape 232"/>
+        <p:cNvGrpSpPr/>
+        <p:nvPr/>
+      </p:nvGrpSpPr>
+      <p:grpSpPr>
+        <a:xfrm>
+          <a:off x="0" y="0"/>
+          <a:ext cx="0" cy="0"/>
+          <a:chOff x="0" y="0"/>
+          <a:chExt cx="0" cy="0"/>
+        </a:xfrm>
+      </p:grpSpPr>
+      <p:sp>
+        <p:nvSpPr>
+          <p:cNvPr id="233" name="Google Shape;233;p26"/>
+          <p:cNvSpPr txBox="1">
+            <a:spLocks noGrp="1"/>
+          </p:cNvSpPr>
+          <p:nvPr>
+            <p:ph type="body" idx="1"/>
+          </p:nvPr>
+        </p:nvSpPr>
+        <p:spPr>
+          <a:xfrm>
+            <a:off x="311700" y="1492925"/>
+            <a:ext cx="7934100" cy="2924400"/>
+          </a:xfrm>
+          <a:prstGeom prst="rect">
+            <a:avLst/>
+          </a:prstGeom>
+        </p:spPr>
+        <p:txBody>
+          <a:bodyPr spcFirstLastPara="1" wrap="square" lIns="91425" tIns="91425" rIns="91425" bIns="91425" anchor="t" anchorCtr="0">
+            <a:noAutofit/>
+          </a:bodyPr>
+          <a:lstStyle/>
+          <a:p>
+            <a:pPr marL="457200" lvl="0" indent="-323850" algn="l" rtl="0">
+              <a:spcBef>
+                <a:spcPts val="0"/>
+              </a:spcBef>
+              <a:spcAft>
+                <a:spcPts val="0"/>
+              </a:spcAft>
+              <a:buClr>
+                <a:srgbClr val="282828"/>
+              </a:buClr>
+              <a:buSzPts val="1500"/>
+              <a:buFont typeface="Inter"/>
+              <a:buChar char="-"/>
+            </a:pPr>
+            <a:r>
+              <a:rPr lang="en-US" sz="1500" dirty="0" err="1">
+                <a:solidFill>
+                  <a:srgbClr val="282828"/>
+                </a:solidFill>
+                <a:latin typeface="Inter"/>
+                <a:ea typeface="Inter"/>
+                <a:cs typeface="Inter"/>
+                <a:sym typeface="Inter"/>
+              </a:rPr>
+              <a:t>Perbandingan</a:t>
+            </a:r>
+            <a:r>
+              <a:rPr lang="en-US" sz="1500">
+                <a:solidFill>
+                  <a:srgbClr val="282828"/>
+                </a:solidFill>
+                <a:latin typeface="Inter"/>
+                <a:ea typeface="Inter"/>
+                <a:cs typeface="Inter"/>
+                <a:sym typeface="Inter"/>
+              </a:rPr>
+              <a:t> CVS </a:t>
+            </a:r>
+            <a:r>
+              <a:rPr lang="en-US" sz="1500" dirty="0" err="1">
+                <a:solidFill>
+                  <a:srgbClr val="282828"/>
+                </a:solidFill>
+                <a:latin typeface="Inter"/>
+                <a:ea typeface="Inter"/>
+                <a:cs typeface="Inter"/>
+                <a:sym typeface="Inter"/>
+              </a:rPr>
+              <a:t>dari</a:t>
+            </a:r>
+            <a:r>
+              <a:rPr lang="en-US" sz="1500" dirty="0">
+                <a:solidFill>
+                  <a:srgbClr val="282828"/>
+                </a:solidFill>
+                <a:latin typeface="Inter"/>
+                <a:ea typeface="Inter"/>
+                <a:cs typeface="Inter"/>
+                <a:sym typeface="Inter"/>
+              </a:rPr>
+              <a:t> 3 model machine learning</a:t>
+            </a:r>
+            <a:endParaRPr sz="1500" dirty="0">
+              <a:solidFill>
+                <a:srgbClr val="282828"/>
+              </a:solidFill>
+              <a:latin typeface="Inter"/>
+              <a:ea typeface="Inter"/>
+              <a:cs typeface="Inter"/>
+              <a:sym typeface="Inter"/>
+            </a:endParaRPr>
+          </a:p>
+        </p:txBody>
+      </p:sp>
+      <p:sp>
+        <p:nvSpPr>
+          <p:cNvPr id="234" name="Google Shape;234;p26"/>
+          <p:cNvSpPr txBox="1"/>
+          <p:nvPr/>
+        </p:nvSpPr>
+        <p:spPr>
+          <a:xfrm>
+            <a:off x="0" y="4800600"/>
+            <a:ext cx="8943600" cy="323100"/>
+          </a:xfrm>
+          <a:prstGeom prst="rect">
+            <a:avLst/>
+          </a:prstGeom>
+          <a:noFill/>
+          <a:ln>
+            <a:noFill/>
+          </a:ln>
+        </p:spPr>
+        <p:txBody>
+          <a:bodyPr spcFirstLastPara="1" wrap="square" lIns="91425" tIns="91425" rIns="91425" bIns="91425" anchor="t" anchorCtr="0">
+            <a:spAutoFit/>
+          </a:bodyPr>
+          <a:lstStyle/>
+          <a:p>
+            <a:pPr marL="0" lvl="0" indent="0" algn="l" rtl="0">
+              <a:spcBef>
+                <a:spcPts val="0"/>
+              </a:spcBef>
+              <a:spcAft>
+                <a:spcPts val="0"/>
+              </a:spcAft>
+              <a:buNone/>
+            </a:pPr>
+            <a:r>
+              <a:rPr lang="en" sz="900">
+                <a:solidFill>
+                  <a:schemeClr val="dk2"/>
+                </a:solidFill>
+                <a:latin typeface="Inter"/>
+                <a:ea typeface="Inter"/>
+                <a:cs typeface="Inter"/>
+                <a:sym typeface="Inter"/>
+              </a:rPr>
+              <a:t>© 2022 Program Studi Independen Bersertifikat Zenius Bersama Kampus Merdeka</a:t>
+            </a:r>
+            <a:endParaRPr sz="900">
+              <a:solidFill>
+                <a:schemeClr val="dk2"/>
+              </a:solidFill>
+              <a:latin typeface="Inter"/>
+              <a:ea typeface="Inter"/>
+              <a:cs typeface="Inter"/>
+              <a:sym typeface="Inter"/>
+            </a:endParaRPr>
+          </a:p>
+        </p:txBody>
+      </p:sp>
+      <p:grpSp>
+        <p:nvGrpSpPr>
+          <p:cNvPr id="235" name="Google Shape;235;p26"/>
+          <p:cNvGrpSpPr/>
+          <p:nvPr/>
+        </p:nvGrpSpPr>
+        <p:grpSpPr>
+          <a:xfrm>
+            <a:off x="7503019" y="95797"/>
+            <a:ext cx="1516771" cy="323122"/>
+            <a:chOff x="400885" y="325214"/>
+            <a:chExt cx="2298835" cy="489727"/>
+          </a:xfrm>
+        </p:grpSpPr>
+        <p:pic>
+          <p:nvPicPr>
+            <p:cNvPr id="236" name="Google Shape;236;p26"/>
+            <p:cNvPicPr preferRelativeResize="0"/>
+            <p:nvPr/>
+          </p:nvPicPr>
+          <p:blipFill>
+            <a:blip r:embed="rId3">
+              <a:alphaModFix/>
+            </a:blip>
+            <a:stretch>
+              <a:fillRect/>
+            </a:stretch>
+          </p:blipFill>
+          <p:spPr>
+            <a:xfrm>
+              <a:off x="1906971" y="358726"/>
+              <a:ext cx="792749" cy="422701"/>
+            </a:xfrm>
+            <a:prstGeom prst="rect">
+              <a:avLst/>
+            </a:prstGeom>
+            <a:noFill/>
+            <a:ln>
+              <a:noFill/>
+            </a:ln>
+          </p:spPr>
+        </p:pic>
+        <p:cxnSp>
+          <p:nvCxnSpPr>
+            <p:cNvPr id="237" name="Google Shape;237;p26"/>
+            <p:cNvCxnSpPr/>
+            <p:nvPr/>
+          </p:nvCxnSpPr>
+          <p:spPr>
+            <a:xfrm>
+              <a:off x="1632394" y="460384"/>
+              <a:ext cx="0" cy="219345"/>
+            </a:xfrm>
+            <a:prstGeom prst="straightConnector1">
+              <a:avLst/>
+            </a:prstGeom>
+            <a:noFill/>
+            <a:ln w="9525" cap="flat" cmpd="sng">
+              <a:solidFill>
+                <a:schemeClr val="dk2"/>
+              </a:solidFill>
+              <a:prstDash val="solid"/>
+              <a:round/>
+              <a:headEnd type="none" w="med" len="med"/>
+              <a:tailEnd type="none" w="med" len="med"/>
+            </a:ln>
+          </p:spPr>
+        </p:cxnSp>
+        <p:cxnSp>
+          <p:nvCxnSpPr>
+            <p:cNvPr id="238" name="Google Shape;238;p26"/>
+            <p:cNvCxnSpPr/>
+            <p:nvPr/>
+          </p:nvCxnSpPr>
+          <p:spPr>
+            <a:xfrm>
+              <a:off x="1632360" y="460384"/>
+              <a:ext cx="0" cy="219345"/>
+            </a:xfrm>
+            <a:prstGeom prst="straightConnector1">
+              <a:avLst/>
+            </a:prstGeom>
+            <a:noFill/>
+            <a:ln w="9525" cap="flat" cmpd="sng">
+              <a:solidFill>
+                <a:schemeClr val="dk2"/>
+              </a:solidFill>
+              <a:prstDash val="solid"/>
+              <a:round/>
+              <a:headEnd type="none" w="med" len="med"/>
+              <a:tailEnd type="none" w="med" len="med"/>
+            </a:ln>
+          </p:spPr>
+        </p:cxnSp>
+        <p:pic>
+          <p:nvPicPr>
+            <p:cNvPr id="239" name="Google Shape;239;p26"/>
+            <p:cNvPicPr preferRelativeResize="0"/>
+            <p:nvPr/>
+          </p:nvPicPr>
+          <p:blipFill rotWithShape="1">
+            <a:blip r:embed="rId4">
+              <a:alphaModFix/>
+            </a:blip>
+            <a:srcRect l="9895" r="8731"/>
+            <a:stretch/>
+          </p:blipFill>
+          <p:spPr>
+            <a:xfrm>
+              <a:off x="400885" y="325214"/>
+              <a:ext cx="1033078" cy="489727"/>
+            </a:xfrm>
+            <a:prstGeom prst="rect">
+              <a:avLst/>
+            </a:prstGeom>
+            <a:noFill/>
+            <a:ln>
+              <a:noFill/>
+            </a:ln>
+          </p:spPr>
+        </p:pic>
+      </p:grpSp>
+      <p:sp>
+        <p:nvSpPr>
+          <p:cNvPr id="240" name="Google Shape;240;p26"/>
+          <p:cNvSpPr txBox="1">
+            <a:spLocks noGrp="1"/>
+          </p:cNvSpPr>
+          <p:nvPr>
+            <p:ph type="title"/>
+          </p:nvPr>
+        </p:nvSpPr>
+        <p:spPr>
+          <a:xfrm>
+            <a:off x="311700" y="673625"/>
+            <a:ext cx="8480400" cy="819300"/>
+          </a:xfrm>
+          <a:prstGeom prst="rect">
+            <a:avLst/>
+          </a:prstGeom>
+        </p:spPr>
+        <p:txBody>
+          <a:bodyPr spcFirstLastPara="1" wrap="square" lIns="91425" tIns="91425" rIns="91425" bIns="91425" anchor="ctr" anchorCtr="0">
+            <a:noAutofit/>
+          </a:bodyPr>
+          <a:lstStyle/>
+          <a:p>
+            <a:pPr marL="0" lvl="0" indent="0" algn="l" rtl="0">
+              <a:spcBef>
+                <a:spcPts val="0"/>
+              </a:spcBef>
+              <a:spcAft>
+                <a:spcPts val="0"/>
+              </a:spcAft>
+              <a:buSzPts val="990"/>
+              <a:buNone/>
+            </a:pPr>
             <a:r>
               <a:rPr lang="en-US" sz="2820" dirty="0">
                 <a:solidFill>
@@ -11968,7 +15390,479 @@
 </p:sld>
 </file>
 
-<file path=ppt/slides/slide16.xml><?xml version="1.0" encoding="utf-8"?>
+<file path=ppt/slides/slide21.xml><?xml version="1.0" encoding="utf-8"?>
+<p:sld xmlns:a="http://schemas.openxmlformats.org/drawingml/2006/main" xmlns:r="http://schemas.openxmlformats.org/officeDocument/2006/relationships" xmlns:p="http://schemas.openxmlformats.org/presentationml/2006/main">
+  <p:cSld>
+    <p:spTree>
+      <p:nvGrpSpPr>
+        <p:cNvPr id="1" name="Shape 232"/>
+        <p:cNvGrpSpPr/>
+        <p:nvPr/>
+      </p:nvGrpSpPr>
+      <p:grpSpPr>
+        <a:xfrm>
+          <a:off x="0" y="0"/>
+          <a:ext cx="0" cy="0"/>
+          <a:chOff x="0" y="0"/>
+          <a:chExt cx="0" cy="0"/>
+        </a:xfrm>
+      </p:grpSpPr>
+      <p:sp>
+        <p:nvSpPr>
+          <p:cNvPr id="233" name="Google Shape;233;p26"/>
+          <p:cNvSpPr txBox="1">
+            <a:spLocks noGrp="1"/>
+          </p:cNvSpPr>
+          <p:nvPr>
+            <p:ph type="body" idx="1"/>
+          </p:nvPr>
+        </p:nvSpPr>
+        <p:spPr>
+          <a:xfrm>
+            <a:off x="311700" y="1492925"/>
+            <a:ext cx="7934100" cy="2924400"/>
+          </a:xfrm>
+          <a:prstGeom prst="rect">
+            <a:avLst/>
+          </a:prstGeom>
+        </p:spPr>
+        <p:txBody>
+          <a:bodyPr spcFirstLastPara="1" wrap="square" lIns="91425" tIns="91425" rIns="91425" bIns="91425" anchor="t" anchorCtr="0">
+            <a:noAutofit/>
+          </a:bodyPr>
+          <a:lstStyle/>
+          <a:p>
+            <a:pPr marL="133350" lvl="0" indent="0" algn="l" rtl="0">
+              <a:spcBef>
+                <a:spcPts val="0"/>
+              </a:spcBef>
+              <a:spcAft>
+                <a:spcPts val="0"/>
+              </a:spcAft>
+              <a:buClr>
+                <a:srgbClr val="282828"/>
+              </a:buClr>
+              <a:buSzPts val="1500"/>
+              <a:buNone/>
+            </a:pPr>
+            <a:r>
+              <a:rPr lang="en-US" sz="1500" dirty="0">
+                <a:solidFill>
+                  <a:srgbClr val="282828"/>
+                </a:solidFill>
+                <a:latin typeface="Inter"/>
+                <a:ea typeface="Inter"/>
+                <a:cs typeface="Inter"/>
+                <a:sym typeface="Inter"/>
+              </a:rPr>
+              <a:t>- Ada 4 </a:t>
+            </a:r>
+            <a:r>
+              <a:rPr lang="en-US" sz="1500" dirty="0" err="1">
+                <a:solidFill>
+                  <a:srgbClr val="282828"/>
+                </a:solidFill>
+                <a:latin typeface="Inter"/>
+                <a:ea typeface="Inter"/>
+                <a:cs typeface="Inter"/>
+                <a:sym typeface="Inter"/>
+              </a:rPr>
+              <a:t>kolom</a:t>
+            </a:r>
+            <a:r>
+              <a:rPr lang="en-US" sz="1500" dirty="0">
+                <a:solidFill>
+                  <a:srgbClr val="282828"/>
+                </a:solidFill>
+                <a:latin typeface="Inter"/>
+                <a:ea typeface="Inter"/>
+                <a:cs typeface="Inter"/>
+                <a:sym typeface="Inter"/>
+              </a:rPr>
+              <a:t> dengan </a:t>
+            </a:r>
+            <a:r>
+              <a:rPr lang="en-US" sz="1500" dirty="0" err="1">
+                <a:solidFill>
+                  <a:srgbClr val="282828"/>
+                </a:solidFill>
+                <a:latin typeface="Inter"/>
+                <a:ea typeface="Inter"/>
+                <a:cs typeface="Inter"/>
+                <a:sym typeface="Inter"/>
+              </a:rPr>
+              <a:t>nilai</a:t>
+            </a:r>
+            <a:r>
+              <a:rPr lang="en-US" sz="1500" dirty="0">
+                <a:solidFill>
+                  <a:srgbClr val="282828"/>
+                </a:solidFill>
+                <a:latin typeface="Inter"/>
+                <a:ea typeface="Inter"/>
+                <a:cs typeface="Inter"/>
+                <a:sym typeface="Inter"/>
+              </a:rPr>
+              <a:t> </a:t>
+            </a:r>
+            <a:r>
+              <a:rPr lang="en-US" sz="1500" dirty="0" err="1">
+                <a:solidFill>
+                  <a:srgbClr val="282828"/>
+                </a:solidFill>
+                <a:latin typeface="Inter"/>
+                <a:ea typeface="Inter"/>
+                <a:cs typeface="Inter"/>
+                <a:sym typeface="Inter"/>
+              </a:rPr>
+              <a:t>tertinggi</a:t>
+            </a:r>
+            <a:endParaRPr sz="1500" dirty="0">
+              <a:solidFill>
+                <a:srgbClr val="282828"/>
+              </a:solidFill>
+              <a:latin typeface="Inter"/>
+              <a:ea typeface="Inter"/>
+              <a:cs typeface="Inter"/>
+              <a:sym typeface="Inter"/>
+            </a:endParaRPr>
+          </a:p>
+        </p:txBody>
+      </p:sp>
+      <p:sp>
+        <p:nvSpPr>
+          <p:cNvPr id="234" name="Google Shape;234;p26"/>
+          <p:cNvSpPr txBox="1"/>
+          <p:nvPr/>
+        </p:nvSpPr>
+        <p:spPr>
+          <a:xfrm>
+            <a:off x="0" y="4800600"/>
+            <a:ext cx="8943600" cy="323100"/>
+          </a:xfrm>
+          <a:prstGeom prst="rect">
+            <a:avLst/>
+          </a:prstGeom>
+          <a:noFill/>
+          <a:ln>
+            <a:noFill/>
+          </a:ln>
+        </p:spPr>
+        <p:txBody>
+          <a:bodyPr spcFirstLastPara="1" wrap="square" lIns="91425" tIns="91425" rIns="91425" bIns="91425" anchor="t" anchorCtr="0">
+            <a:spAutoFit/>
+          </a:bodyPr>
+          <a:lstStyle/>
+          <a:p>
+            <a:pPr marL="0" lvl="0" indent="0" algn="l" rtl="0">
+              <a:spcBef>
+                <a:spcPts val="0"/>
+              </a:spcBef>
+              <a:spcAft>
+                <a:spcPts val="0"/>
+              </a:spcAft>
+              <a:buNone/>
+            </a:pPr>
+            <a:r>
+              <a:rPr lang="en" sz="900">
+                <a:solidFill>
+                  <a:schemeClr val="dk2"/>
+                </a:solidFill>
+                <a:latin typeface="Inter"/>
+                <a:ea typeface="Inter"/>
+                <a:cs typeface="Inter"/>
+                <a:sym typeface="Inter"/>
+              </a:rPr>
+              <a:t>© 2022 Program Studi Independen Bersertifikat Zenius Bersama Kampus Merdeka</a:t>
+            </a:r>
+            <a:endParaRPr sz="900">
+              <a:solidFill>
+                <a:schemeClr val="dk2"/>
+              </a:solidFill>
+              <a:latin typeface="Inter"/>
+              <a:ea typeface="Inter"/>
+              <a:cs typeface="Inter"/>
+              <a:sym typeface="Inter"/>
+            </a:endParaRPr>
+          </a:p>
+        </p:txBody>
+      </p:sp>
+      <p:grpSp>
+        <p:nvGrpSpPr>
+          <p:cNvPr id="235" name="Google Shape;235;p26"/>
+          <p:cNvGrpSpPr/>
+          <p:nvPr/>
+        </p:nvGrpSpPr>
+        <p:grpSpPr>
+          <a:xfrm>
+            <a:off x="7503019" y="95797"/>
+            <a:ext cx="1516771" cy="323122"/>
+            <a:chOff x="400885" y="325214"/>
+            <a:chExt cx="2298835" cy="489727"/>
+          </a:xfrm>
+        </p:grpSpPr>
+        <p:pic>
+          <p:nvPicPr>
+            <p:cNvPr id="236" name="Google Shape;236;p26"/>
+            <p:cNvPicPr preferRelativeResize="0"/>
+            <p:nvPr/>
+          </p:nvPicPr>
+          <p:blipFill>
+            <a:blip r:embed="rId3">
+              <a:alphaModFix/>
+            </a:blip>
+            <a:stretch>
+              <a:fillRect/>
+            </a:stretch>
+          </p:blipFill>
+          <p:spPr>
+            <a:xfrm>
+              <a:off x="1906971" y="358726"/>
+              <a:ext cx="792749" cy="422701"/>
+            </a:xfrm>
+            <a:prstGeom prst="rect">
+              <a:avLst/>
+            </a:prstGeom>
+            <a:noFill/>
+            <a:ln>
+              <a:noFill/>
+            </a:ln>
+          </p:spPr>
+        </p:pic>
+        <p:cxnSp>
+          <p:nvCxnSpPr>
+            <p:cNvPr id="237" name="Google Shape;237;p26"/>
+            <p:cNvCxnSpPr/>
+            <p:nvPr/>
+          </p:nvCxnSpPr>
+          <p:spPr>
+            <a:xfrm>
+              <a:off x="1632394" y="460384"/>
+              <a:ext cx="0" cy="219345"/>
+            </a:xfrm>
+            <a:prstGeom prst="straightConnector1">
+              <a:avLst/>
+            </a:prstGeom>
+            <a:noFill/>
+            <a:ln w="9525" cap="flat" cmpd="sng">
+              <a:solidFill>
+                <a:schemeClr val="dk2"/>
+              </a:solidFill>
+              <a:prstDash val="solid"/>
+              <a:round/>
+              <a:headEnd type="none" w="med" len="med"/>
+              <a:tailEnd type="none" w="med" len="med"/>
+            </a:ln>
+          </p:spPr>
+        </p:cxnSp>
+        <p:cxnSp>
+          <p:nvCxnSpPr>
+            <p:cNvPr id="238" name="Google Shape;238;p26"/>
+            <p:cNvCxnSpPr/>
+            <p:nvPr/>
+          </p:nvCxnSpPr>
+          <p:spPr>
+            <a:xfrm>
+              <a:off x="1632360" y="460384"/>
+              <a:ext cx="0" cy="219345"/>
+            </a:xfrm>
+            <a:prstGeom prst="straightConnector1">
+              <a:avLst/>
+            </a:prstGeom>
+            <a:noFill/>
+            <a:ln w="9525" cap="flat" cmpd="sng">
+              <a:solidFill>
+                <a:schemeClr val="dk2"/>
+              </a:solidFill>
+              <a:prstDash val="solid"/>
+              <a:round/>
+              <a:headEnd type="none" w="med" len="med"/>
+              <a:tailEnd type="none" w="med" len="med"/>
+            </a:ln>
+          </p:spPr>
+        </p:cxnSp>
+        <p:pic>
+          <p:nvPicPr>
+            <p:cNvPr id="239" name="Google Shape;239;p26"/>
+            <p:cNvPicPr preferRelativeResize="0"/>
+            <p:nvPr/>
+          </p:nvPicPr>
+          <p:blipFill rotWithShape="1">
+            <a:blip r:embed="rId4">
+              <a:alphaModFix/>
+            </a:blip>
+            <a:srcRect l="9895" r="8731"/>
+            <a:stretch/>
+          </p:blipFill>
+          <p:spPr>
+            <a:xfrm>
+              <a:off x="400885" y="325214"/>
+              <a:ext cx="1033078" cy="489727"/>
+            </a:xfrm>
+            <a:prstGeom prst="rect">
+              <a:avLst/>
+            </a:prstGeom>
+            <a:noFill/>
+            <a:ln>
+              <a:noFill/>
+            </a:ln>
+          </p:spPr>
+        </p:pic>
+      </p:grpSp>
+      <p:sp>
+        <p:nvSpPr>
+          <p:cNvPr id="240" name="Google Shape;240;p26"/>
+          <p:cNvSpPr txBox="1">
+            <a:spLocks noGrp="1"/>
+          </p:cNvSpPr>
+          <p:nvPr>
+            <p:ph type="title"/>
+          </p:nvPr>
+        </p:nvSpPr>
+        <p:spPr>
+          <a:xfrm>
+            <a:off x="311700" y="673625"/>
+            <a:ext cx="8480400" cy="819300"/>
+          </a:xfrm>
+          <a:prstGeom prst="rect">
+            <a:avLst/>
+          </a:prstGeom>
+        </p:spPr>
+        <p:txBody>
+          <a:bodyPr spcFirstLastPara="1" wrap="square" lIns="91425" tIns="91425" rIns="91425" bIns="91425" anchor="ctr" anchorCtr="0">
+            <a:noAutofit/>
+          </a:bodyPr>
+          <a:lstStyle/>
+          <a:p>
+            <a:pPr marL="0" lvl="0" indent="0" algn="l" rtl="0">
+              <a:spcBef>
+                <a:spcPts val="0"/>
+              </a:spcBef>
+              <a:spcAft>
+                <a:spcPts val="0"/>
+              </a:spcAft>
+              <a:buSzPts val="990"/>
+              <a:buNone/>
+            </a:pPr>
+            <a:endParaRPr sz="2820" dirty="0">
+              <a:solidFill>
+                <a:srgbClr val="A338EB"/>
+              </a:solidFill>
+              <a:latin typeface="Maven Pro SemiBold"/>
+              <a:ea typeface="Maven Pro SemiBold"/>
+              <a:cs typeface="Maven Pro SemiBold"/>
+              <a:sym typeface="Maven Pro SemiBold"/>
+            </a:endParaRPr>
+          </a:p>
+        </p:txBody>
+      </p:sp>
+      <p:sp>
+        <p:nvSpPr>
+          <p:cNvPr id="241" name="Google Shape;241;p26"/>
+          <p:cNvSpPr txBox="1"/>
+          <p:nvPr/>
+        </p:nvSpPr>
+        <p:spPr>
+          <a:xfrm>
+            <a:off x="76197" y="87997"/>
+            <a:ext cx="6081900" cy="338700"/>
+          </a:xfrm>
+          <a:prstGeom prst="rect">
+            <a:avLst/>
+          </a:prstGeom>
+          <a:noFill/>
+          <a:ln>
+            <a:noFill/>
+          </a:ln>
+        </p:spPr>
+        <p:txBody>
+          <a:bodyPr spcFirstLastPara="1" wrap="square" lIns="91425" tIns="91425" rIns="91425" bIns="91425" anchor="t" anchorCtr="0">
+            <a:spAutoFit/>
+          </a:bodyPr>
+          <a:lstStyle/>
+          <a:p>
+            <a:pPr marL="0" lvl="0" indent="0" algn="l" rtl="0">
+              <a:spcBef>
+                <a:spcPts val="0"/>
+              </a:spcBef>
+              <a:spcAft>
+                <a:spcPts val="0"/>
+              </a:spcAft>
+              <a:buClr>
+                <a:schemeClr val="dk1"/>
+              </a:buClr>
+              <a:buSzPts val="1100"/>
+              <a:buFont typeface="Arial"/>
+              <a:buNone/>
+            </a:pPr>
+            <a:r>
+              <a:rPr lang="en" sz="1000" b="1">
+                <a:solidFill>
+                  <a:srgbClr val="601F99"/>
+                </a:solidFill>
+                <a:latin typeface="Inter"/>
+                <a:ea typeface="Inter"/>
+                <a:cs typeface="Inter"/>
+                <a:sym typeface="Inter"/>
+              </a:rPr>
+              <a:t>Modelling</a:t>
+            </a:r>
+            <a:endParaRPr sz="1000" b="1">
+              <a:solidFill>
+                <a:srgbClr val="601F99"/>
+              </a:solidFill>
+              <a:latin typeface="Inter"/>
+              <a:ea typeface="Inter"/>
+              <a:cs typeface="Inter"/>
+              <a:sym typeface="Inter"/>
+            </a:endParaRPr>
+          </a:p>
+        </p:txBody>
+      </p:sp>
+      <p:pic>
+        <p:nvPicPr>
+          <p:cNvPr id="3" name="Picture 2">
+            <a:extLst>
+              <a:ext uri="{FF2B5EF4-FFF2-40B4-BE49-F238E27FC236}">
+                <a16:creationId xmlns:a16="http://schemas.microsoft.com/office/drawing/2014/main" id="{E579D0C4-017A-F71D-F1A5-99199B956D88}"/>
+              </a:ext>
+            </a:extLst>
+          </p:cNvPr>
+          <p:cNvPicPr>
+            <a:picLocks noChangeAspect="1"/>
+          </p:cNvPicPr>
+          <p:nvPr/>
+        </p:nvPicPr>
+        <p:blipFill>
+          <a:blip r:embed="rId5"/>
+          <a:stretch>
+            <a:fillRect/>
+          </a:stretch>
+        </p:blipFill>
+        <p:spPr>
+          <a:xfrm>
+            <a:off x="453513" y="1896640"/>
+            <a:ext cx="2787793" cy="2933851"/>
+          </a:xfrm>
+          <a:prstGeom prst="rect">
+            <a:avLst/>
+          </a:prstGeom>
+        </p:spPr>
+      </p:pic>
+    </p:spTree>
+    <p:extLst>
+      <p:ext uri="{BB962C8B-B14F-4D97-AF65-F5344CB8AC3E}">
+        <p14:creationId xmlns:p14="http://schemas.microsoft.com/office/powerpoint/2010/main" val="4104209411"/>
+      </p:ext>
+    </p:extLst>
+  </p:cSld>
+  <p:clrMapOvr>
+    <a:masterClrMapping/>
+  </p:clrMapOvr>
+</p:sld>
+</file>
+
+<file path=ppt/slides/slide22.xml><?xml version="1.0" encoding="utf-8"?>
 <p:sld xmlns:a="http://schemas.openxmlformats.org/drawingml/2006/main" xmlns:r="http://schemas.openxmlformats.org/officeDocument/2006/relationships" xmlns:p="http://schemas.openxmlformats.org/presentationml/2006/main">
   <p:cSld>
     <p:bg>
@@ -12443,7 +16337,7 @@
 </p:sld>
 </file>
 
-<file path=ppt/slides/slide17.xml><?xml version="1.0" encoding="utf-8"?>
+<file path=ppt/slides/slide23.xml><?xml version="1.0" encoding="utf-8"?>
 <p:sld xmlns:a="http://schemas.openxmlformats.org/drawingml/2006/main" xmlns:r="http://schemas.openxmlformats.org/officeDocument/2006/relationships" xmlns:p="http://schemas.openxmlformats.org/presentationml/2006/main">
   <p:cSld>
     <p:spTree>
@@ -13318,19 +17212,7 @@
                 <a:cs typeface="Maven Pro SemiBold"/>
                 <a:sym typeface="Maven Pro SemiBold"/>
               </a:rPr>
-              <a:t>Saran dan </a:t>
-            </a:r>
-            <a:r>
-              <a:rPr lang="en-US" sz="2820" dirty="0" err="1">
-                <a:solidFill>
-                  <a:srgbClr val="A338EB"/>
-                </a:solidFill>
-                <a:latin typeface="Maven Pro SemiBold"/>
-                <a:ea typeface="Maven Pro SemiBold"/>
-                <a:cs typeface="Maven Pro SemiBold"/>
-                <a:sym typeface="Maven Pro SemiBold"/>
-              </a:rPr>
-              <a:t>kesimppulan</a:t>
+              <a:t>Saran dan Kesimpulan</a:t>
             </a:r>
             <a:endParaRPr sz="2820" dirty="0">
               <a:solidFill>
@@ -13415,7 +17297,7 @@
 </p:sld>
 </file>
 
-<file path=ppt/slides/slide18.xml><?xml version="1.0" encoding="utf-8"?>
+<file path=ppt/slides/slide24.xml><?xml version="1.0" encoding="utf-8"?>
 <p:sld xmlns:a="http://schemas.openxmlformats.org/drawingml/2006/main" xmlns:r="http://schemas.openxmlformats.org/officeDocument/2006/relationships" xmlns:p="http://schemas.openxmlformats.org/presentationml/2006/main">
   <p:cSld>
     <p:bg>
@@ -13631,583 +17513,6 @@
           </a:ln>
         </p:spPr>
       </p:pic>
-    </p:spTree>
-  </p:cSld>
-  <p:clrMapOvr>
-    <a:masterClrMapping/>
-  </p:clrMapOvr>
-</p:sld>
-</file>
-
-<file path=ppt/slides/slide2.xml><?xml version="1.0" encoding="utf-8"?>
-<p:sld xmlns:a="http://schemas.openxmlformats.org/drawingml/2006/main" xmlns:r="http://schemas.openxmlformats.org/officeDocument/2006/relationships" xmlns:p="http://schemas.openxmlformats.org/presentationml/2006/main" show="0">
-  <p:cSld>
-    <p:spTree>
-      <p:nvGrpSpPr>
-        <p:cNvPr id="1" name="Shape 70"/>
-        <p:cNvGrpSpPr/>
-        <p:nvPr/>
-      </p:nvGrpSpPr>
-      <p:grpSpPr>
-        <a:xfrm>
-          <a:off x="0" y="0"/>
-          <a:ext cx="0" cy="0"/>
-          <a:chOff x="0" y="0"/>
-          <a:chExt cx="0" cy="0"/>
-        </a:xfrm>
-      </p:grpSpPr>
-      <p:sp>
-        <p:nvSpPr>
-          <p:cNvPr id="71" name="Google Shape;71;p14"/>
-          <p:cNvSpPr txBox="1">
-            <a:spLocks noGrp="1"/>
-          </p:cNvSpPr>
-          <p:nvPr>
-            <p:ph type="body" idx="1"/>
-          </p:nvPr>
-        </p:nvSpPr>
-        <p:spPr>
-          <a:xfrm>
-            <a:off x="311700" y="1744750"/>
-            <a:ext cx="7853400" cy="2924400"/>
-          </a:xfrm>
-          <a:prstGeom prst="rect">
-            <a:avLst/>
-          </a:prstGeom>
-        </p:spPr>
-        <p:txBody>
-          <a:bodyPr spcFirstLastPara="1" wrap="square" lIns="91425" tIns="91425" rIns="91425" bIns="91425" anchor="t" anchorCtr="0">
-            <a:noAutofit/>
-          </a:bodyPr>
-          <a:lstStyle/>
-          <a:p>
-            <a:pPr marL="457200" lvl="0" indent="-323850" algn="l" rtl="0">
-              <a:lnSpc>
-                <a:spcPct val="115000"/>
-              </a:lnSpc>
-              <a:spcBef>
-                <a:spcPts val="0"/>
-              </a:spcBef>
-              <a:spcAft>
-                <a:spcPts val="0"/>
-              </a:spcAft>
-              <a:buClr>
-                <a:srgbClr val="282828"/>
-              </a:buClr>
-              <a:buSzPts val="1500"/>
-              <a:buFont typeface="Inter"/>
-              <a:buChar char="-"/>
-            </a:pPr>
-            <a:r>
-              <a:rPr lang="en" sz="1500">
-                <a:solidFill>
-                  <a:srgbClr val="282828"/>
-                </a:solidFill>
-                <a:latin typeface="Inter"/>
-                <a:ea typeface="Inter"/>
-                <a:cs typeface="Inter"/>
-                <a:sym typeface="Inter"/>
-              </a:rPr>
-              <a:t>Waktu presentasi adalah 5 menit (tentatif, tergantung dari banyaknya kelompok yang mendaftarkan diri)</a:t>
-            </a:r>
-            <a:endParaRPr sz="1500">
-              <a:solidFill>
-                <a:srgbClr val="282828"/>
-              </a:solidFill>
-              <a:latin typeface="Inter"/>
-              <a:ea typeface="Inter"/>
-              <a:cs typeface="Inter"/>
-              <a:sym typeface="Inter"/>
-            </a:endParaRPr>
-          </a:p>
-          <a:p>
-            <a:pPr marL="457200" lvl="0" indent="-323850" algn="l" rtl="0">
-              <a:lnSpc>
-                <a:spcPct val="115000"/>
-              </a:lnSpc>
-              <a:spcBef>
-                <a:spcPts val="0"/>
-              </a:spcBef>
-              <a:spcAft>
-                <a:spcPts val="0"/>
-              </a:spcAft>
-              <a:buClr>
-                <a:srgbClr val="282828"/>
-              </a:buClr>
-              <a:buSzPts val="1500"/>
-              <a:buFont typeface="Inter"/>
-              <a:buChar char="-"/>
-            </a:pPr>
-            <a:r>
-              <a:rPr lang="en" sz="1500">
-                <a:solidFill>
-                  <a:srgbClr val="282828"/>
-                </a:solidFill>
-                <a:latin typeface="Inter"/>
-                <a:ea typeface="Inter"/>
-                <a:cs typeface="Inter"/>
-                <a:sym typeface="Inter"/>
-              </a:rPr>
-              <a:t>Waktu tanya jawab adalah 5 menit</a:t>
-            </a:r>
-            <a:endParaRPr sz="1500">
-              <a:solidFill>
-                <a:srgbClr val="282828"/>
-              </a:solidFill>
-              <a:latin typeface="Inter"/>
-              <a:ea typeface="Inter"/>
-              <a:cs typeface="Inter"/>
-              <a:sym typeface="Inter"/>
-            </a:endParaRPr>
-          </a:p>
-          <a:p>
-            <a:pPr marL="457200" lvl="0" indent="-323850" algn="l" rtl="0">
-              <a:lnSpc>
-                <a:spcPct val="115000"/>
-              </a:lnSpc>
-              <a:spcBef>
-                <a:spcPts val="0"/>
-              </a:spcBef>
-              <a:spcAft>
-                <a:spcPts val="0"/>
-              </a:spcAft>
-              <a:buClr>
-                <a:srgbClr val="282828"/>
-              </a:buClr>
-              <a:buSzPts val="1500"/>
-              <a:buFont typeface="Inter"/>
-              <a:buChar char="-"/>
-            </a:pPr>
-            <a:r>
-              <a:rPr lang="en" sz="1500">
-                <a:solidFill>
-                  <a:srgbClr val="282828"/>
-                </a:solidFill>
-                <a:latin typeface="Inter"/>
-                <a:ea typeface="Inter"/>
-                <a:cs typeface="Inter"/>
-                <a:sym typeface="Inter"/>
-              </a:rPr>
-              <a:t>Silakan menambahkan gambar/visualisasi pada slide presentasi</a:t>
-            </a:r>
-            <a:endParaRPr sz="1500">
-              <a:solidFill>
-                <a:srgbClr val="282828"/>
-              </a:solidFill>
-              <a:latin typeface="Inter"/>
-              <a:ea typeface="Inter"/>
-              <a:cs typeface="Inter"/>
-              <a:sym typeface="Inter"/>
-            </a:endParaRPr>
-          </a:p>
-          <a:p>
-            <a:pPr marL="457200" lvl="0" indent="-323850" algn="l" rtl="0">
-              <a:lnSpc>
-                <a:spcPct val="115000"/>
-              </a:lnSpc>
-              <a:spcBef>
-                <a:spcPts val="0"/>
-              </a:spcBef>
-              <a:spcAft>
-                <a:spcPts val="0"/>
-              </a:spcAft>
-              <a:buClr>
-                <a:srgbClr val="282828"/>
-              </a:buClr>
-              <a:buSzPts val="1500"/>
-              <a:buFont typeface="Inter"/>
-              <a:buChar char="-"/>
-            </a:pPr>
-            <a:r>
-              <a:rPr lang="en" sz="1500">
-                <a:solidFill>
-                  <a:srgbClr val="282828"/>
-                </a:solidFill>
-                <a:latin typeface="Inter"/>
-                <a:ea typeface="Inter"/>
-                <a:cs typeface="Inter"/>
-                <a:sym typeface="Inter"/>
-              </a:rPr>
-              <a:t>Upayakan agar tetap dalam format poin-poin (ingat, ini presentasi, bukan esai)</a:t>
-            </a:r>
-            <a:endParaRPr sz="1500">
-              <a:solidFill>
-                <a:srgbClr val="282828"/>
-              </a:solidFill>
-              <a:latin typeface="Inter"/>
-              <a:ea typeface="Inter"/>
-              <a:cs typeface="Inter"/>
-              <a:sym typeface="Inter"/>
-            </a:endParaRPr>
-          </a:p>
-          <a:p>
-            <a:pPr marL="457200" lvl="0" indent="-323850" algn="l" rtl="0">
-              <a:lnSpc>
-                <a:spcPct val="115000"/>
-              </a:lnSpc>
-              <a:spcBef>
-                <a:spcPts val="0"/>
-              </a:spcBef>
-              <a:spcAft>
-                <a:spcPts val="0"/>
-              </a:spcAft>
-              <a:buClr>
-                <a:srgbClr val="282828"/>
-              </a:buClr>
-              <a:buSzPts val="1500"/>
-              <a:buFont typeface="Inter"/>
-              <a:buChar char="-"/>
-            </a:pPr>
-            <a:r>
-              <a:rPr lang="en" sz="1500">
-                <a:solidFill>
-                  <a:srgbClr val="282828"/>
-                </a:solidFill>
-                <a:latin typeface="Inter"/>
-                <a:ea typeface="Inter"/>
-                <a:cs typeface="Inter"/>
-                <a:sym typeface="Inter"/>
-              </a:rPr>
-              <a:t>Jangan masukkan </a:t>
-            </a:r>
-            <a:r>
-              <a:rPr lang="en" sz="1500" i="1">
-                <a:solidFill>
-                  <a:srgbClr val="282828"/>
-                </a:solidFill>
-                <a:latin typeface="Inter"/>
-                <a:ea typeface="Inter"/>
-                <a:cs typeface="Inter"/>
-                <a:sym typeface="Inter"/>
-              </a:rPr>
-              <a:t>code</a:t>
-            </a:r>
-            <a:r>
-              <a:rPr lang="en" sz="1500">
-                <a:solidFill>
-                  <a:srgbClr val="282828"/>
-                </a:solidFill>
-                <a:latin typeface="Inter"/>
-                <a:ea typeface="Inter"/>
-                <a:cs typeface="Inter"/>
-                <a:sym typeface="Inter"/>
-              </a:rPr>
-              <a:t> ke dalam slide presentasi (tidak usah memasukan screenshot jupyter notebook)</a:t>
-            </a:r>
-            <a:endParaRPr sz="1500">
-              <a:solidFill>
-                <a:srgbClr val="282828"/>
-              </a:solidFill>
-              <a:latin typeface="Inter"/>
-              <a:ea typeface="Inter"/>
-              <a:cs typeface="Inter"/>
-              <a:sym typeface="Inter"/>
-            </a:endParaRPr>
-          </a:p>
-        </p:txBody>
-      </p:sp>
-      <p:sp>
-        <p:nvSpPr>
-          <p:cNvPr id="72" name="Google Shape;72;p14"/>
-          <p:cNvSpPr txBox="1"/>
-          <p:nvPr/>
-        </p:nvSpPr>
-        <p:spPr>
-          <a:xfrm>
-            <a:off x="76197" y="87997"/>
-            <a:ext cx="6081900" cy="338700"/>
-          </a:xfrm>
-          <a:prstGeom prst="rect">
-            <a:avLst/>
-          </a:prstGeom>
-          <a:noFill/>
-          <a:ln>
-            <a:noFill/>
-          </a:ln>
-        </p:spPr>
-        <p:txBody>
-          <a:bodyPr spcFirstLastPara="1" wrap="square" lIns="91425" tIns="91425" rIns="91425" bIns="91425" anchor="t" anchorCtr="0">
-            <a:spAutoFit/>
-          </a:bodyPr>
-          <a:lstStyle/>
-          <a:p>
-            <a:pPr marL="0" lvl="0" indent="0" algn="l" rtl="0">
-              <a:spcBef>
-                <a:spcPts val="0"/>
-              </a:spcBef>
-              <a:spcAft>
-                <a:spcPts val="0"/>
-              </a:spcAft>
-              <a:buClr>
-                <a:schemeClr val="dk1"/>
-              </a:buClr>
-              <a:buSzPts val="1100"/>
-              <a:buFont typeface="Arial"/>
-              <a:buNone/>
-            </a:pPr>
-            <a:r>
-              <a:rPr lang="en" sz="1000" b="1">
-                <a:solidFill>
-                  <a:srgbClr val="601F99"/>
-                </a:solidFill>
-                <a:latin typeface="Inter"/>
-                <a:ea typeface="Inter"/>
-                <a:cs typeface="Inter"/>
-                <a:sym typeface="Inter"/>
-              </a:rPr>
-              <a:t>Latar Belakang</a:t>
-            </a:r>
-            <a:endParaRPr sz="1000" b="1">
-              <a:solidFill>
-                <a:srgbClr val="601F99"/>
-              </a:solidFill>
-              <a:latin typeface="Inter"/>
-              <a:ea typeface="Inter"/>
-              <a:cs typeface="Inter"/>
-              <a:sym typeface="Inter"/>
-            </a:endParaRPr>
-          </a:p>
-        </p:txBody>
-      </p:sp>
-      <p:sp>
-        <p:nvSpPr>
-          <p:cNvPr id="73" name="Google Shape;73;p14"/>
-          <p:cNvSpPr txBox="1"/>
-          <p:nvPr/>
-        </p:nvSpPr>
-        <p:spPr>
-          <a:xfrm>
-            <a:off x="0" y="4800600"/>
-            <a:ext cx="8943600" cy="323100"/>
-          </a:xfrm>
-          <a:prstGeom prst="rect">
-            <a:avLst/>
-          </a:prstGeom>
-          <a:noFill/>
-          <a:ln>
-            <a:noFill/>
-          </a:ln>
-        </p:spPr>
-        <p:txBody>
-          <a:bodyPr spcFirstLastPara="1" wrap="square" lIns="91425" tIns="91425" rIns="91425" bIns="91425" anchor="t" anchorCtr="0">
-            <a:spAutoFit/>
-          </a:bodyPr>
-          <a:lstStyle/>
-          <a:p>
-            <a:pPr marL="0" lvl="0" indent="0" algn="l" rtl="0">
-              <a:spcBef>
-                <a:spcPts val="0"/>
-              </a:spcBef>
-              <a:spcAft>
-                <a:spcPts val="0"/>
-              </a:spcAft>
-              <a:buNone/>
-            </a:pPr>
-            <a:r>
-              <a:rPr lang="en" sz="900">
-                <a:solidFill>
-                  <a:schemeClr val="dk2"/>
-                </a:solidFill>
-                <a:latin typeface="Inter"/>
-                <a:ea typeface="Inter"/>
-                <a:cs typeface="Inter"/>
-                <a:sym typeface="Inter"/>
-              </a:rPr>
-              <a:t>© 2022 Program Studi Independen Bersertifikat Zenius Bersama Kampus Merdeka</a:t>
-            </a:r>
-            <a:endParaRPr sz="900">
-              <a:solidFill>
-                <a:schemeClr val="dk2"/>
-              </a:solidFill>
-              <a:latin typeface="Inter"/>
-              <a:ea typeface="Inter"/>
-              <a:cs typeface="Inter"/>
-              <a:sym typeface="Inter"/>
-            </a:endParaRPr>
-          </a:p>
-        </p:txBody>
-      </p:sp>
-      <p:grpSp>
-        <p:nvGrpSpPr>
-          <p:cNvPr id="74" name="Google Shape;74;p14"/>
-          <p:cNvGrpSpPr/>
-          <p:nvPr/>
-        </p:nvGrpSpPr>
-        <p:grpSpPr>
-          <a:xfrm>
-            <a:off x="7503019" y="95797"/>
-            <a:ext cx="1516771" cy="323122"/>
-            <a:chOff x="400885" y="325214"/>
-            <a:chExt cx="2298835" cy="489727"/>
-          </a:xfrm>
-        </p:grpSpPr>
-        <p:pic>
-          <p:nvPicPr>
-            <p:cNvPr id="75" name="Google Shape;75;p14"/>
-            <p:cNvPicPr preferRelativeResize="0"/>
-            <p:nvPr/>
-          </p:nvPicPr>
-          <p:blipFill>
-            <a:blip r:embed="rId3">
-              <a:alphaModFix/>
-            </a:blip>
-            <a:stretch>
-              <a:fillRect/>
-            </a:stretch>
-          </p:blipFill>
-          <p:spPr>
-            <a:xfrm>
-              <a:off x="1906971" y="358726"/>
-              <a:ext cx="792749" cy="422701"/>
-            </a:xfrm>
-            <a:prstGeom prst="rect">
-              <a:avLst/>
-            </a:prstGeom>
-            <a:noFill/>
-            <a:ln>
-              <a:noFill/>
-            </a:ln>
-          </p:spPr>
-        </p:pic>
-        <p:cxnSp>
-          <p:nvCxnSpPr>
-            <p:cNvPr id="76" name="Google Shape;76;p14"/>
-            <p:cNvCxnSpPr/>
-            <p:nvPr/>
-          </p:nvCxnSpPr>
-          <p:spPr>
-            <a:xfrm>
-              <a:off x="1632394" y="460384"/>
-              <a:ext cx="0" cy="219345"/>
-            </a:xfrm>
-            <a:prstGeom prst="straightConnector1">
-              <a:avLst/>
-            </a:prstGeom>
-            <a:noFill/>
-            <a:ln w="9525" cap="flat" cmpd="sng">
-              <a:solidFill>
-                <a:schemeClr val="dk2"/>
-              </a:solidFill>
-              <a:prstDash val="solid"/>
-              <a:round/>
-              <a:headEnd type="none" w="med" len="med"/>
-              <a:tailEnd type="none" w="med" len="med"/>
-            </a:ln>
-          </p:spPr>
-        </p:cxnSp>
-        <p:cxnSp>
-          <p:nvCxnSpPr>
-            <p:cNvPr id="77" name="Google Shape;77;p14"/>
-            <p:cNvCxnSpPr/>
-            <p:nvPr/>
-          </p:nvCxnSpPr>
-          <p:spPr>
-            <a:xfrm>
-              <a:off x="1632360" y="460384"/>
-              <a:ext cx="0" cy="219345"/>
-            </a:xfrm>
-            <a:prstGeom prst="straightConnector1">
-              <a:avLst/>
-            </a:prstGeom>
-            <a:noFill/>
-            <a:ln w="9525" cap="flat" cmpd="sng">
-              <a:solidFill>
-                <a:schemeClr val="dk2"/>
-              </a:solidFill>
-              <a:prstDash val="solid"/>
-              <a:round/>
-              <a:headEnd type="none" w="med" len="med"/>
-              <a:tailEnd type="none" w="med" len="med"/>
-            </a:ln>
-          </p:spPr>
-        </p:cxnSp>
-        <p:pic>
-          <p:nvPicPr>
-            <p:cNvPr id="78" name="Google Shape;78;p14"/>
-            <p:cNvPicPr preferRelativeResize="0"/>
-            <p:nvPr/>
-          </p:nvPicPr>
-          <p:blipFill rotWithShape="1">
-            <a:blip r:embed="rId4">
-              <a:alphaModFix/>
-            </a:blip>
-            <a:srcRect l="9895" r="8731"/>
-            <a:stretch/>
-          </p:blipFill>
-          <p:spPr>
-            <a:xfrm>
-              <a:off x="400885" y="325214"/>
-              <a:ext cx="1033078" cy="489727"/>
-            </a:xfrm>
-            <a:prstGeom prst="rect">
-              <a:avLst/>
-            </a:prstGeom>
-            <a:noFill/>
-            <a:ln>
-              <a:noFill/>
-            </a:ln>
-          </p:spPr>
-        </p:pic>
-      </p:grpSp>
-      <p:sp>
-        <p:nvSpPr>
-          <p:cNvPr id="79" name="Google Shape;79;p14"/>
-          <p:cNvSpPr txBox="1">
-            <a:spLocks noGrp="1"/>
-          </p:cNvSpPr>
-          <p:nvPr>
-            <p:ph type="title"/>
-          </p:nvPr>
-        </p:nvSpPr>
-        <p:spPr>
-          <a:xfrm>
-            <a:off x="311700" y="673625"/>
-            <a:ext cx="8480400" cy="819300"/>
-          </a:xfrm>
-          <a:prstGeom prst="rect">
-            <a:avLst/>
-          </a:prstGeom>
-        </p:spPr>
-        <p:txBody>
-          <a:bodyPr spcFirstLastPara="1" wrap="square" lIns="91425" tIns="91425" rIns="91425" bIns="91425" anchor="ctr" anchorCtr="0">
-            <a:noAutofit/>
-          </a:bodyPr>
-          <a:lstStyle/>
-          <a:p>
-            <a:pPr marL="0" lvl="0" indent="0" algn="l" rtl="0">
-              <a:spcBef>
-                <a:spcPts val="0"/>
-              </a:spcBef>
-              <a:spcAft>
-                <a:spcPts val="0"/>
-              </a:spcAft>
-              <a:buSzPts val="990"/>
-              <a:buNone/>
-            </a:pPr>
-            <a:r>
-              <a:rPr lang="en" sz="2820">
-                <a:solidFill>
-                  <a:srgbClr val="A338EB"/>
-                </a:solidFill>
-                <a:latin typeface="Maven Pro SemiBold"/>
-                <a:ea typeface="Maven Pro SemiBold"/>
-                <a:cs typeface="Maven Pro SemiBold"/>
-                <a:sym typeface="Maven Pro SemiBold"/>
-              </a:rPr>
-              <a:t>Petunjuk</a:t>
-            </a:r>
-            <a:endParaRPr sz="2820">
-              <a:solidFill>
-                <a:srgbClr val="A338EB"/>
-              </a:solidFill>
-              <a:latin typeface="Maven Pro SemiBold"/>
-              <a:ea typeface="Maven Pro SemiBold"/>
-              <a:cs typeface="Maven Pro SemiBold"/>
-              <a:sym typeface="Maven Pro SemiBold"/>
-            </a:endParaRPr>
-          </a:p>
-        </p:txBody>
-      </p:sp>
     </p:spTree>
   </p:cSld>
   <p:clrMapOvr>
@@ -16940,7 +20245,7 @@
                 <a:cs typeface="Inter"/>
                 <a:sym typeface="Inter"/>
               </a:rPr>
-              <a:t>ata telecom churn ini tidak memiliki missing value, sudah dicek pada type data, jumlah baris, dan mencari nilai kosong. Semua tindakan yang dilakukan tidak menemukan data yang perlu diubah atau di hapus. </a:t>
+              <a:t>ata telecom churn ini tidak memiliki missing value, sudah dicek pada type data, jumlah baris, dan mencari nilai kosong. Semua tindakan yang dilakukan tidak menemukan data yang perlu diubah atau dihapus. </a:t>
             </a:r>
             <a:r>
               <a:rPr lang="en-US" sz="1500" dirty="0">

--- a/final-project-kelompok-5-Aditya Bariq Ikhsan.pptx
+++ b/final-project-kelompok-5-Aditya Bariq Ikhsan.pptx
@@ -5,7 +5,7 @@
     <p:sldMasterId id="2147483659" r:id="rId1"/>
   </p:sldMasterIdLst>
   <p:notesMasterIdLst>
-    <p:notesMasterId r:id="rId26"/>
+    <p:notesMasterId r:id="rId29"/>
   </p:notesMasterIdLst>
   <p:sldIdLst>
     <p:sldId id="256" r:id="rId2"/>
@@ -15,53 +15,56 @@
     <p:sldId id="260" r:id="rId6"/>
     <p:sldId id="261" r:id="rId7"/>
     <p:sldId id="262" r:id="rId8"/>
-    <p:sldId id="263" r:id="rId9"/>
-    <p:sldId id="264" r:id="rId10"/>
-    <p:sldId id="265" r:id="rId11"/>
-    <p:sldId id="273" r:id="rId12"/>
-    <p:sldId id="276" r:id="rId13"/>
-    <p:sldId id="279" r:id="rId14"/>
-    <p:sldId id="275" r:id="rId15"/>
-    <p:sldId id="266" r:id="rId16"/>
-    <p:sldId id="267" r:id="rId17"/>
-    <p:sldId id="269" r:id="rId18"/>
-    <p:sldId id="280" r:id="rId19"/>
-    <p:sldId id="278" r:id="rId20"/>
-    <p:sldId id="274" r:id="rId21"/>
-    <p:sldId id="277" r:id="rId22"/>
-    <p:sldId id="270" r:id="rId23"/>
-    <p:sldId id="271" r:id="rId24"/>
-    <p:sldId id="272" r:id="rId25"/>
+    <p:sldId id="283" r:id="rId9"/>
+    <p:sldId id="263" r:id="rId10"/>
+    <p:sldId id="264" r:id="rId11"/>
+    <p:sldId id="265" r:id="rId12"/>
+    <p:sldId id="273" r:id="rId13"/>
+    <p:sldId id="276" r:id="rId14"/>
+    <p:sldId id="279" r:id="rId15"/>
+    <p:sldId id="275" r:id="rId16"/>
+    <p:sldId id="281" r:id="rId17"/>
+    <p:sldId id="282" r:id="rId18"/>
+    <p:sldId id="266" r:id="rId19"/>
+    <p:sldId id="267" r:id="rId20"/>
+    <p:sldId id="269" r:id="rId21"/>
+    <p:sldId id="280" r:id="rId22"/>
+    <p:sldId id="278" r:id="rId23"/>
+    <p:sldId id="274" r:id="rId24"/>
+    <p:sldId id="277" r:id="rId25"/>
+    <p:sldId id="270" r:id="rId26"/>
+    <p:sldId id="271" r:id="rId27"/>
+    <p:sldId id="272" r:id="rId28"/>
   </p:sldIdLst>
   <p:sldSz cx="9144000" cy="5143500" type="screen16x9"/>
   <p:notesSz cx="6858000" cy="9144000"/>
   <p:embeddedFontLst>
     <p:embeddedFont>
       <p:font typeface="Inter" panose="020B0604020202020204" charset="0"/>
-      <p:regular r:id="rId27"/>
-      <p:bold r:id="rId28"/>
+      <p:regular r:id="rId30"/>
+      <p:bold r:id="rId31"/>
     </p:embeddedFont>
     <p:embeddedFont>
       <p:font typeface="Inter Medium" panose="020B0604020202020204" charset="0"/>
-      <p:regular r:id="rId29"/>
-      <p:bold r:id="rId30"/>
+      <p:regular r:id="rId32"/>
+      <p:bold r:id="rId33"/>
     </p:embeddedFont>
     <p:embeddedFont>
       <p:font typeface="Inter SemiBold" panose="020B0604020202020204" charset="0"/>
-      <p:regular r:id="rId31"/>
-      <p:bold r:id="rId32"/>
+      <p:regular r:id="rId34"/>
+      <p:bold r:id="rId35"/>
     </p:embeddedFont>
     <p:embeddedFont>
       <p:font typeface="Maven Pro SemiBold" panose="020B0604020202020204" charset="0"/>
-      <p:regular r:id="rId33"/>
-      <p:bold r:id="rId34"/>
+      <p:regular r:id="rId36"/>
+      <p:bold r:id="rId37"/>
     </p:embeddedFont>
     <p:embeddedFont>
       <p:font typeface="Roboto" panose="02000000000000000000" pitchFamily="2" charset="0"/>
-      <p:regular r:id="rId35"/>
-      <p:bold r:id="rId36"/>
-      <p:italic r:id="rId37"/>
-      <p:boldItalic r:id="rId38"/>
+      <p:regular r:id="rId38"/>
+      <p:bold r:id="rId39"/>
+      <p:italic r:id="rId40"/>
+      <p:boldItalic r:id="rId41"/>
     </p:embeddedFont>
   </p:embeddedFontLst>
   <p:defaultTextStyle>
@@ -870,7 +873,7 @@
   <p:cSld>
     <p:spTree>
       <p:nvGrpSpPr>
-        <p:cNvPr id="1" name="Shape 175"/>
+        <p:cNvPr id="1" name="Shape 162"/>
         <p:cNvGrpSpPr/>
         <p:nvPr/>
       </p:nvGrpSpPr>
@@ -884,7 +887,7 @@
       </p:grpSpPr>
       <p:sp>
         <p:nvSpPr>
-          <p:cNvPr id="176" name="Google Shape;176;g1358e27b577_0_51:notes"/>
+          <p:cNvPr id="163" name="Google Shape;163;g1358e27b577_0_39:notes"/>
           <p:cNvSpPr>
             <a:spLocks noGrp="1" noRot="1" noChangeAspect="1"/>
           </p:cNvSpPr>
@@ -925,7 +928,7 @@
       </p:sp>
       <p:sp>
         <p:nvSpPr>
-          <p:cNvPr id="177" name="Google Shape;177;g1358e27b577_0_51:notes"/>
+          <p:cNvPr id="164" name="Google Shape;164;g1358e27b577_0_39:notes"/>
           <p:cNvSpPr txBox="1">
             <a:spLocks noGrp="1"/>
           </p:cNvSpPr>
@@ -1066,11 +1069,6 @@
         </p:txBody>
       </p:sp>
     </p:spTree>
-    <p:extLst>
-      <p:ext uri="{BB962C8B-B14F-4D97-AF65-F5344CB8AC3E}">
-        <p14:creationId xmlns:p14="http://schemas.microsoft.com/office/powerpoint/2010/main" val="3690966514"/>
-      </p:ext>
-    </p:extLst>
   </p:cSld>
   <p:clrMapOvr>
     <a:masterClrMapping/>
@@ -1177,7 +1175,7 @@
     </p:spTree>
     <p:extLst>
       <p:ext uri="{BB962C8B-B14F-4D97-AF65-F5344CB8AC3E}">
-        <p14:creationId xmlns:p14="http://schemas.microsoft.com/office/powerpoint/2010/main" val="551018270"/>
+        <p14:creationId xmlns:p14="http://schemas.microsoft.com/office/powerpoint/2010/main" val="3690966514"/>
       </p:ext>
     </p:extLst>
   </p:cSld>
@@ -1286,7 +1284,7 @@
     </p:spTree>
     <p:extLst>
       <p:ext uri="{BB962C8B-B14F-4D97-AF65-F5344CB8AC3E}">
-        <p14:creationId xmlns:p14="http://schemas.microsoft.com/office/powerpoint/2010/main" val="3330020656"/>
+        <p14:creationId xmlns:p14="http://schemas.microsoft.com/office/powerpoint/2010/main" val="551018270"/>
       </p:ext>
     </p:extLst>
   </p:cSld>
@@ -1395,6 +1393,115 @@
     </p:spTree>
     <p:extLst>
       <p:ext uri="{BB962C8B-B14F-4D97-AF65-F5344CB8AC3E}">
+        <p14:creationId xmlns:p14="http://schemas.microsoft.com/office/powerpoint/2010/main" val="3330020656"/>
+      </p:ext>
+    </p:extLst>
+  </p:cSld>
+  <p:clrMapOvr>
+    <a:masterClrMapping/>
+  </p:clrMapOvr>
+</p:notes>
+</file>
+
+<file path=ppt/notesSlides/notesSlide15.xml><?xml version="1.0" encoding="utf-8"?>
+<p:notes xmlns:a="http://schemas.openxmlformats.org/drawingml/2006/main" xmlns:r="http://schemas.openxmlformats.org/officeDocument/2006/relationships" xmlns:p="http://schemas.openxmlformats.org/presentationml/2006/main" showMasterSp="0" showMasterPhAnim="0">
+  <p:cSld>
+    <p:spTree>
+      <p:nvGrpSpPr>
+        <p:cNvPr id="1" name="Shape 175"/>
+        <p:cNvGrpSpPr/>
+        <p:nvPr/>
+      </p:nvGrpSpPr>
+      <p:grpSpPr>
+        <a:xfrm>
+          <a:off x="0" y="0"/>
+          <a:ext cx="0" cy="0"/>
+          <a:chOff x="0" y="0"/>
+          <a:chExt cx="0" cy="0"/>
+        </a:xfrm>
+      </p:grpSpPr>
+      <p:sp>
+        <p:nvSpPr>
+          <p:cNvPr id="176" name="Google Shape;176;g1358e27b577_0_51:notes"/>
+          <p:cNvSpPr>
+            <a:spLocks noGrp="1" noRot="1" noChangeAspect="1"/>
+          </p:cNvSpPr>
+          <p:nvPr>
+            <p:ph type="sldImg" idx="2"/>
+          </p:nvPr>
+        </p:nvSpPr>
+        <p:spPr>
+          <a:xfrm>
+            <a:off x="381000" y="685800"/>
+            <a:ext cx="6096000" cy="3429000"/>
+          </a:xfrm>
+          <a:custGeom>
+            <a:avLst/>
+            <a:gdLst/>
+            <a:ahLst/>
+            <a:cxnLst/>
+            <a:rect l="l" t="t" r="r" b="b"/>
+            <a:pathLst>
+              <a:path w="120000" h="120000" extrusionOk="0">
+                <a:moveTo>
+                  <a:pt x="0" y="0"/>
+                </a:moveTo>
+                <a:lnTo>
+                  <a:pt x="120000" y="0"/>
+                </a:lnTo>
+                <a:lnTo>
+                  <a:pt x="120000" y="120000"/>
+                </a:lnTo>
+                <a:lnTo>
+                  <a:pt x="0" y="120000"/>
+                </a:lnTo>
+                <a:close/>
+              </a:path>
+            </a:pathLst>
+          </a:custGeom>
+        </p:spPr>
+      </p:sp>
+      <p:sp>
+        <p:nvSpPr>
+          <p:cNvPr id="177" name="Google Shape;177;g1358e27b577_0_51:notes"/>
+          <p:cNvSpPr txBox="1">
+            <a:spLocks noGrp="1"/>
+          </p:cNvSpPr>
+          <p:nvPr>
+            <p:ph type="body" idx="1"/>
+          </p:nvPr>
+        </p:nvSpPr>
+        <p:spPr>
+          <a:xfrm>
+            <a:off x="685800" y="4343400"/>
+            <a:ext cx="5486400" cy="4114800"/>
+          </a:xfrm>
+          <a:prstGeom prst="rect">
+            <a:avLst/>
+          </a:prstGeom>
+        </p:spPr>
+        <p:txBody>
+          <a:bodyPr spcFirstLastPara="1" wrap="square" lIns="91425" tIns="91425" rIns="91425" bIns="91425" anchor="t" anchorCtr="0">
+            <a:noAutofit/>
+          </a:bodyPr>
+          <a:lstStyle/>
+          <a:p>
+            <a:pPr marL="0" lvl="0" indent="0" algn="l" rtl="0">
+              <a:spcBef>
+                <a:spcPts val="0"/>
+              </a:spcBef>
+              <a:spcAft>
+                <a:spcPts val="0"/>
+              </a:spcAft>
+              <a:buNone/>
+            </a:pPr>
+            <a:endParaRPr/>
+          </a:p>
+        </p:txBody>
+      </p:sp>
+    </p:spTree>
+    <p:extLst>
+      <p:ext uri="{BB962C8B-B14F-4D97-AF65-F5344CB8AC3E}">
         <p14:creationId xmlns:p14="http://schemas.microsoft.com/office/powerpoint/2010/main" val="312252244"/>
       </p:ext>
     </p:extLst>
@@ -1405,7 +1512,225 @@
 </p:notes>
 </file>
 
-<file path=ppt/notesSlides/notesSlide15.xml><?xml version="1.0" encoding="utf-8"?>
+<file path=ppt/notesSlides/notesSlide16.xml><?xml version="1.0" encoding="utf-8"?>
+<p:notes xmlns:a="http://schemas.openxmlformats.org/drawingml/2006/main" xmlns:r="http://schemas.openxmlformats.org/officeDocument/2006/relationships" xmlns:p="http://schemas.openxmlformats.org/presentationml/2006/main" showMasterSp="0" showMasterPhAnim="0">
+  <p:cSld>
+    <p:spTree>
+      <p:nvGrpSpPr>
+        <p:cNvPr id="1" name="Shape 175"/>
+        <p:cNvGrpSpPr/>
+        <p:nvPr/>
+      </p:nvGrpSpPr>
+      <p:grpSpPr>
+        <a:xfrm>
+          <a:off x="0" y="0"/>
+          <a:ext cx="0" cy="0"/>
+          <a:chOff x="0" y="0"/>
+          <a:chExt cx="0" cy="0"/>
+        </a:xfrm>
+      </p:grpSpPr>
+      <p:sp>
+        <p:nvSpPr>
+          <p:cNvPr id="176" name="Google Shape;176;g1358e27b577_0_51:notes"/>
+          <p:cNvSpPr>
+            <a:spLocks noGrp="1" noRot="1" noChangeAspect="1"/>
+          </p:cNvSpPr>
+          <p:nvPr>
+            <p:ph type="sldImg" idx="2"/>
+          </p:nvPr>
+        </p:nvSpPr>
+        <p:spPr>
+          <a:xfrm>
+            <a:off x="381000" y="685800"/>
+            <a:ext cx="6096000" cy="3429000"/>
+          </a:xfrm>
+          <a:custGeom>
+            <a:avLst/>
+            <a:gdLst/>
+            <a:ahLst/>
+            <a:cxnLst/>
+            <a:rect l="l" t="t" r="r" b="b"/>
+            <a:pathLst>
+              <a:path w="120000" h="120000" extrusionOk="0">
+                <a:moveTo>
+                  <a:pt x="0" y="0"/>
+                </a:moveTo>
+                <a:lnTo>
+                  <a:pt x="120000" y="0"/>
+                </a:lnTo>
+                <a:lnTo>
+                  <a:pt x="120000" y="120000"/>
+                </a:lnTo>
+                <a:lnTo>
+                  <a:pt x="0" y="120000"/>
+                </a:lnTo>
+                <a:close/>
+              </a:path>
+            </a:pathLst>
+          </a:custGeom>
+        </p:spPr>
+      </p:sp>
+      <p:sp>
+        <p:nvSpPr>
+          <p:cNvPr id="177" name="Google Shape;177;g1358e27b577_0_51:notes"/>
+          <p:cNvSpPr txBox="1">
+            <a:spLocks noGrp="1"/>
+          </p:cNvSpPr>
+          <p:nvPr>
+            <p:ph type="body" idx="1"/>
+          </p:nvPr>
+        </p:nvSpPr>
+        <p:spPr>
+          <a:xfrm>
+            <a:off x="685800" y="4343400"/>
+            <a:ext cx="5486400" cy="4114800"/>
+          </a:xfrm>
+          <a:prstGeom prst="rect">
+            <a:avLst/>
+          </a:prstGeom>
+        </p:spPr>
+        <p:txBody>
+          <a:bodyPr spcFirstLastPara="1" wrap="square" lIns="91425" tIns="91425" rIns="91425" bIns="91425" anchor="t" anchorCtr="0">
+            <a:noAutofit/>
+          </a:bodyPr>
+          <a:lstStyle/>
+          <a:p>
+            <a:pPr marL="0" lvl="0" indent="0" algn="l" rtl="0">
+              <a:spcBef>
+                <a:spcPts val="0"/>
+              </a:spcBef>
+              <a:spcAft>
+                <a:spcPts val="0"/>
+              </a:spcAft>
+              <a:buNone/>
+            </a:pPr>
+            <a:endParaRPr/>
+          </a:p>
+        </p:txBody>
+      </p:sp>
+    </p:spTree>
+    <p:extLst>
+      <p:ext uri="{BB962C8B-B14F-4D97-AF65-F5344CB8AC3E}">
+        <p14:creationId xmlns:p14="http://schemas.microsoft.com/office/powerpoint/2010/main" val="2188168876"/>
+      </p:ext>
+    </p:extLst>
+  </p:cSld>
+  <p:clrMapOvr>
+    <a:masterClrMapping/>
+  </p:clrMapOvr>
+</p:notes>
+</file>
+
+<file path=ppt/notesSlides/notesSlide17.xml><?xml version="1.0" encoding="utf-8"?>
+<p:notes xmlns:a="http://schemas.openxmlformats.org/drawingml/2006/main" xmlns:r="http://schemas.openxmlformats.org/officeDocument/2006/relationships" xmlns:p="http://schemas.openxmlformats.org/presentationml/2006/main" showMasterSp="0" showMasterPhAnim="0">
+  <p:cSld>
+    <p:spTree>
+      <p:nvGrpSpPr>
+        <p:cNvPr id="1" name="Shape 175"/>
+        <p:cNvGrpSpPr/>
+        <p:nvPr/>
+      </p:nvGrpSpPr>
+      <p:grpSpPr>
+        <a:xfrm>
+          <a:off x="0" y="0"/>
+          <a:ext cx="0" cy="0"/>
+          <a:chOff x="0" y="0"/>
+          <a:chExt cx="0" cy="0"/>
+        </a:xfrm>
+      </p:grpSpPr>
+      <p:sp>
+        <p:nvSpPr>
+          <p:cNvPr id="176" name="Google Shape;176;g1358e27b577_0_51:notes"/>
+          <p:cNvSpPr>
+            <a:spLocks noGrp="1" noRot="1" noChangeAspect="1"/>
+          </p:cNvSpPr>
+          <p:nvPr>
+            <p:ph type="sldImg" idx="2"/>
+          </p:nvPr>
+        </p:nvSpPr>
+        <p:spPr>
+          <a:xfrm>
+            <a:off x="381000" y="685800"/>
+            <a:ext cx="6096000" cy="3429000"/>
+          </a:xfrm>
+          <a:custGeom>
+            <a:avLst/>
+            <a:gdLst/>
+            <a:ahLst/>
+            <a:cxnLst/>
+            <a:rect l="l" t="t" r="r" b="b"/>
+            <a:pathLst>
+              <a:path w="120000" h="120000" extrusionOk="0">
+                <a:moveTo>
+                  <a:pt x="0" y="0"/>
+                </a:moveTo>
+                <a:lnTo>
+                  <a:pt x="120000" y="0"/>
+                </a:lnTo>
+                <a:lnTo>
+                  <a:pt x="120000" y="120000"/>
+                </a:lnTo>
+                <a:lnTo>
+                  <a:pt x="0" y="120000"/>
+                </a:lnTo>
+                <a:close/>
+              </a:path>
+            </a:pathLst>
+          </a:custGeom>
+        </p:spPr>
+      </p:sp>
+      <p:sp>
+        <p:nvSpPr>
+          <p:cNvPr id="177" name="Google Shape;177;g1358e27b577_0_51:notes"/>
+          <p:cNvSpPr txBox="1">
+            <a:spLocks noGrp="1"/>
+          </p:cNvSpPr>
+          <p:nvPr>
+            <p:ph type="body" idx="1"/>
+          </p:nvPr>
+        </p:nvSpPr>
+        <p:spPr>
+          <a:xfrm>
+            <a:off x="685800" y="4343400"/>
+            <a:ext cx="5486400" cy="4114800"/>
+          </a:xfrm>
+          <a:prstGeom prst="rect">
+            <a:avLst/>
+          </a:prstGeom>
+        </p:spPr>
+        <p:txBody>
+          <a:bodyPr spcFirstLastPara="1" wrap="square" lIns="91425" tIns="91425" rIns="91425" bIns="91425" anchor="t" anchorCtr="0">
+            <a:noAutofit/>
+          </a:bodyPr>
+          <a:lstStyle/>
+          <a:p>
+            <a:pPr marL="0" lvl="0" indent="0" algn="l" rtl="0">
+              <a:spcBef>
+                <a:spcPts val="0"/>
+              </a:spcBef>
+              <a:spcAft>
+                <a:spcPts val="0"/>
+              </a:spcAft>
+              <a:buNone/>
+            </a:pPr>
+            <a:endParaRPr/>
+          </a:p>
+        </p:txBody>
+      </p:sp>
+    </p:spTree>
+    <p:extLst>
+      <p:ext uri="{BB962C8B-B14F-4D97-AF65-F5344CB8AC3E}">
+        <p14:creationId xmlns:p14="http://schemas.microsoft.com/office/powerpoint/2010/main" val="3282604622"/>
+      </p:ext>
+    </p:extLst>
+  </p:cSld>
+  <p:clrMapOvr>
+    <a:masterClrMapping/>
+  </p:clrMapOvr>
+</p:notes>
+</file>
+
+<file path=ppt/notesSlides/notesSlide18.xml><?xml version="1.0" encoding="utf-8"?>
 <p:notes xmlns:a="http://schemas.openxmlformats.org/drawingml/2006/main" xmlns:r="http://schemas.openxmlformats.org/officeDocument/2006/relationships" xmlns:p="http://schemas.openxmlformats.org/presentationml/2006/main" showMasterSp="0" showMasterPhAnim="0">
   <p:cSld>
     <p:spTree>
@@ -1513,7 +1838,7 @@
 </p:notes>
 </file>
 
-<file path=ppt/notesSlides/notesSlide16.xml><?xml version="1.0" encoding="utf-8"?>
+<file path=ppt/notesSlides/notesSlide19.xml><?xml version="1.0" encoding="utf-8"?>
 <p:notes xmlns:a="http://schemas.openxmlformats.org/drawingml/2006/main" xmlns:r="http://schemas.openxmlformats.org/officeDocument/2006/relationships" xmlns:p="http://schemas.openxmlformats.org/presentationml/2006/main" showMasterSp="0" showMasterPhAnim="0">
   <p:cSld>
     <p:spTree>
@@ -1610,328 +1935,6 @@
         </p:txBody>
       </p:sp>
     </p:spTree>
-  </p:cSld>
-  <p:clrMapOvr>
-    <a:masterClrMapping/>
-  </p:clrMapOvr>
-</p:notes>
-</file>
-
-<file path=ppt/notesSlides/notesSlide17.xml><?xml version="1.0" encoding="utf-8"?>
-<p:notes xmlns:a="http://schemas.openxmlformats.org/drawingml/2006/main" xmlns:r="http://schemas.openxmlformats.org/officeDocument/2006/relationships" xmlns:p="http://schemas.openxmlformats.org/presentationml/2006/main" showMasterSp="0" showMasterPhAnim="0">
-  <p:cSld>
-    <p:spTree>
-      <p:nvGrpSpPr>
-        <p:cNvPr id="1" name="Shape 229"/>
-        <p:cNvGrpSpPr/>
-        <p:nvPr/>
-      </p:nvGrpSpPr>
-      <p:grpSpPr>
-        <a:xfrm>
-          <a:off x="0" y="0"/>
-          <a:ext cx="0" cy="0"/>
-          <a:chOff x="0" y="0"/>
-          <a:chExt cx="0" cy="0"/>
-        </a:xfrm>
-      </p:grpSpPr>
-      <p:sp>
-        <p:nvSpPr>
-          <p:cNvPr id="230" name="Google Shape;230;g1358e27b577_0_101:notes"/>
-          <p:cNvSpPr>
-            <a:spLocks noGrp="1" noRot="1" noChangeAspect="1"/>
-          </p:cNvSpPr>
-          <p:nvPr>
-            <p:ph type="sldImg" idx="2"/>
-          </p:nvPr>
-        </p:nvSpPr>
-        <p:spPr>
-          <a:xfrm>
-            <a:off x="381000" y="685800"/>
-            <a:ext cx="6096000" cy="3429000"/>
-          </a:xfrm>
-          <a:custGeom>
-            <a:avLst/>
-            <a:gdLst/>
-            <a:ahLst/>
-            <a:cxnLst/>
-            <a:rect l="l" t="t" r="r" b="b"/>
-            <a:pathLst>
-              <a:path w="120000" h="120000" extrusionOk="0">
-                <a:moveTo>
-                  <a:pt x="0" y="0"/>
-                </a:moveTo>
-                <a:lnTo>
-                  <a:pt x="120000" y="0"/>
-                </a:lnTo>
-                <a:lnTo>
-                  <a:pt x="120000" y="120000"/>
-                </a:lnTo>
-                <a:lnTo>
-                  <a:pt x="0" y="120000"/>
-                </a:lnTo>
-                <a:close/>
-              </a:path>
-            </a:pathLst>
-          </a:custGeom>
-        </p:spPr>
-      </p:sp>
-      <p:sp>
-        <p:nvSpPr>
-          <p:cNvPr id="231" name="Google Shape;231;g1358e27b577_0_101:notes"/>
-          <p:cNvSpPr txBox="1">
-            <a:spLocks noGrp="1"/>
-          </p:cNvSpPr>
-          <p:nvPr>
-            <p:ph type="body" idx="1"/>
-          </p:nvPr>
-        </p:nvSpPr>
-        <p:spPr>
-          <a:xfrm>
-            <a:off x="685800" y="4343400"/>
-            <a:ext cx="5486400" cy="4114800"/>
-          </a:xfrm>
-          <a:prstGeom prst="rect">
-            <a:avLst/>
-          </a:prstGeom>
-        </p:spPr>
-        <p:txBody>
-          <a:bodyPr spcFirstLastPara="1" wrap="square" lIns="91425" tIns="91425" rIns="91425" bIns="91425" anchor="t" anchorCtr="0">
-            <a:noAutofit/>
-          </a:bodyPr>
-          <a:lstStyle/>
-          <a:p>
-            <a:pPr marL="0" lvl="0" indent="0" algn="l" rtl="0">
-              <a:spcBef>
-                <a:spcPts val="0"/>
-              </a:spcBef>
-              <a:spcAft>
-                <a:spcPts val="0"/>
-              </a:spcAft>
-              <a:buNone/>
-            </a:pPr>
-            <a:endParaRPr/>
-          </a:p>
-        </p:txBody>
-      </p:sp>
-    </p:spTree>
-  </p:cSld>
-  <p:clrMapOvr>
-    <a:masterClrMapping/>
-  </p:clrMapOvr>
-</p:notes>
-</file>
-
-<file path=ppt/notesSlides/notesSlide18.xml><?xml version="1.0" encoding="utf-8"?>
-<p:notes xmlns:a="http://schemas.openxmlformats.org/drawingml/2006/main" xmlns:r="http://schemas.openxmlformats.org/officeDocument/2006/relationships" xmlns:p="http://schemas.openxmlformats.org/presentationml/2006/main" showMasterSp="0" showMasterPhAnim="0">
-  <p:cSld>
-    <p:spTree>
-      <p:nvGrpSpPr>
-        <p:cNvPr id="1" name="Shape 229"/>
-        <p:cNvGrpSpPr/>
-        <p:nvPr/>
-      </p:nvGrpSpPr>
-      <p:grpSpPr>
-        <a:xfrm>
-          <a:off x="0" y="0"/>
-          <a:ext cx="0" cy="0"/>
-          <a:chOff x="0" y="0"/>
-          <a:chExt cx="0" cy="0"/>
-        </a:xfrm>
-      </p:grpSpPr>
-      <p:sp>
-        <p:nvSpPr>
-          <p:cNvPr id="230" name="Google Shape;230;g1358e27b577_0_101:notes"/>
-          <p:cNvSpPr>
-            <a:spLocks noGrp="1" noRot="1" noChangeAspect="1"/>
-          </p:cNvSpPr>
-          <p:nvPr>
-            <p:ph type="sldImg" idx="2"/>
-          </p:nvPr>
-        </p:nvSpPr>
-        <p:spPr>
-          <a:xfrm>
-            <a:off x="381000" y="685800"/>
-            <a:ext cx="6096000" cy="3429000"/>
-          </a:xfrm>
-          <a:custGeom>
-            <a:avLst/>
-            <a:gdLst/>
-            <a:ahLst/>
-            <a:cxnLst/>
-            <a:rect l="l" t="t" r="r" b="b"/>
-            <a:pathLst>
-              <a:path w="120000" h="120000" extrusionOk="0">
-                <a:moveTo>
-                  <a:pt x="0" y="0"/>
-                </a:moveTo>
-                <a:lnTo>
-                  <a:pt x="120000" y="0"/>
-                </a:lnTo>
-                <a:lnTo>
-                  <a:pt x="120000" y="120000"/>
-                </a:lnTo>
-                <a:lnTo>
-                  <a:pt x="0" y="120000"/>
-                </a:lnTo>
-                <a:close/>
-              </a:path>
-            </a:pathLst>
-          </a:custGeom>
-        </p:spPr>
-      </p:sp>
-      <p:sp>
-        <p:nvSpPr>
-          <p:cNvPr id="231" name="Google Shape;231;g1358e27b577_0_101:notes"/>
-          <p:cNvSpPr txBox="1">
-            <a:spLocks noGrp="1"/>
-          </p:cNvSpPr>
-          <p:nvPr>
-            <p:ph type="body" idx="1"/>
-          </p:nvPr>
-        </p:nvSpPr>
-        <p:spPr>
-          <a:xfrm>
-            <a:off x="685800" y="4343400"/>
-            <a:ext cx="5486400" cy="4114800"/>
-          </a:xfrm>
-          <a:prstGeom prst="rect">
-            <a:avLst/>
-          </a:prstGeom>
-        </p:spPr>
-        <p:txBody>
-          <a:bodyPr spcFirstLastPara="1" wrap="square" lIns="91425" tIns="91425" rIns="91425" bIns="91425" anchor="t" anchorCtr="0">
-            <a:noAutofit/>
-          </a:bodyPr>
-          <a:lstStyle/>
-          <a:p>
-            <a:pPr marL="0" lvl="0" indent="0" algn="l" rtl="0">
-              <a:spcBef>
-                <a:spcPts val="0"/>
-              </a:spcBef>
-              <a:spcAft>
-                <a:spcPts val="0"/>
-              </a:spcAft>
-              <a:buNone/>
-            </a:pPr>
-            <a:endParaRPr/>
-          </a:p>
-        </p:txBody>
-      </p:sp>
-    </p:spTree>
-    <p:extLst>
-      <p:ext uri="{BB962C8B-B14F-4D97-AF65-F5344CB8AC3E}">
-        <p14:creationId xmlns:p14="http://schemas.microsoft.com/office/powerpoint/2010/main" val="138653492"/>
-      </p:ext>
-    </p:extLst>
-  </p:cSld>
-  <p:clrMapOvr>
-    <a:masterClrMapping/>
-  </p:clrMapOvr>
-</p:notes>
-</file>
-
-<file path=ppt/notesSlides/notesSlide19.xml><?xml version="1.0" encoding="utf-8"?>
-<p:notes xmlns:a="http://schemas.openxmlformats.org/drawingml/2006/main" xmlns:r="http://schemas.openxmlformats.org/officeDocument/2006/relationships" xmlns:p="http://schemas.openxmlformats.org/presentationml/2006/main" showMasterSp="0" showMasterPhAnim="0">
-  <p:cSld>
-    <p:spTree>
-      <p:nvGrpSpPr>
-        <p:cNvPr id="1" name="Shape 229"/>
-        <p:cNvGrpSpPr/>
-        <p:nvPr/>
-      </p:nvGrpSpPr>
-      <p:grpSpPr>
-        <a:xfrm>
-          <a:off x="0" y="0"/>
-          <a:ext cx="0" cy="0"/>
-          <a:chOff x="0" y="0"/>
-          <a:chExt cx="0" cy="0"/>
-        </a:xfrm>
-      </p:grpSpPr>
-      <p:sp>
-        <p:nvSpPr>
-          <p:cNvPr id="230" name="Google Shape;230;g1358e27b577_0_101:notes"/>
-          <p:cNvSpPr>
-            <a:spLocks noGrp="1" noRot="1" noChangeAspect="1"/>
-          </p:cNvSpPr>
-          <p:nvPr>
-            <p:ph type="sldImg" idx="2"/>
-          </p:nvPr>
-        </p:nvSpPr>
-        <p:spPr>
-          <a:xfrm>
-            <a:off x="381000" y="685800"/>
-            <a:ext cx="6096000" cy="3429000"/>
-          </a:xfrm>
-          <a:custGeom>
-            <a:avLst/>
-            <a:gdLst/>
-            <a:ahLst/>
-            <a:cxnLst/>
-            <a:rect l="l" t="t" r="r" b="b"/>
-            <a:pathLst>
-              <a:path w="120000" h="120000" extrusionOk="0">
-                <a:moveTo>
-                  <a:pt x="0" y="0"/>
-                </a:moveTo>
-                <a:lnTo>
-                  <a:pt x="120000" y="0"/>
-                </a:lnTo>
-                <a:lnTo>
-                  <a:pt x="120000" y="120000"/>
-                </a:lnTo>
-                <a:lnTo>
-                  <a:pt x="0" y="120000"/>
-                </a:lnTo>
-                <a:close/>
-              </a:path>
-            </a:pathLst>
-          </a:custGeom>
-        </p:spPr>
-      </p:sp>
-      <p:sp>
-        <p:nvSpPr>
-          <p:cNvPr id="231" name="Google Shape;231;g1358e27b577_0_101:notes"/>
-          <p:cNvSpPr txBox="1">
-            <a:spLocks noGrp="1"/>
-          </p:cNvSpPr>
-          <p:nvPr>
-            <p:ph type="body" idx="1"/>
-          </p:nvPr>
-        </p:nvSpPr>
-        <p:spPr>
-          <a:xfrm>
-            <a:off x="685800" y="4343400"/>
-            <a:ext cx="5486400" cy="4114800"/>
-          </a:xfrm>
-          <a:prstGeom prst="rect">
-            <a:avLst/>
-          </a:prstGeom>
-        </p:spPr>
-        <p:txBody>
-          <a:bodyPr spcFirstLastPara="1" wrap="square" lIns="91425" tIns="91425" rIns="91425" bIns="91425" anchor="t" anchorCtr="0">
-            <a:noAutofit/>
-          </a:bodyPr>
-          <a:lstStyle/>
-          <a:p>
-            <a:pPr marL="0" lvl="0" indent="0" algn="l" rtl="0">
-              <a:spcBef>
-                <a:spcPts val="0"/>
-              </a:spcBef>
-              <a:spcAft>
-                <a:spcPts val="0"/>
-              </a:spcAft>
-              <a:buNone/>
-            </a:pPr>
-            <a:endParaRPr/>
-          </a:p>
-        </p:txBody>
-      </p:sp>
-    </p:spTree>
-    <p:extLst>
-      <p:ext uri="{BB962C8B-B14F-4D97-AF65-F5344CB8AC3E}">
-        <p14:creationId xmlns:p14="http://schemas.microsoft.com/office/powerpoint/2010/main" val="3214408574"/>
-      </p:ext>
-    </p:extLst>
   </p:cSld>
   <p:clrMapOvr>
     <a:masterClrMapping/>
@@ -2140,11 +2143,6 @@
         </p:txBody>
       </p:sp>
     </p:spTree>
-    <p:extLst>
-      <p:ext uri="{BB962C8B-B14F-4D97-AF65-F5344CB8AC3E}">
-        <p14:creationId xmlns:p14="http://schemas.microsoft.com/office/powerpoint/2010/main" val="2966026522"/>
-      </p:ext>
-    </p:extLst>
   </p:cSld>
   <p:clrMapOvr>
     <a:masterClrMapping/>
@@ -2251,6 +2249,333 @@
     </p:spTree>
     <p:extLst>
       <p:ext uri="{BB962C8B-B14F-4D97-AF65-F5344CB8AC3E}">
+        <p14:creationId xmlns:p14="http://schemas.microsoft.com/office/powerpoint/2010/main" val="138653492"/>
+      </p:ext>
+    </p:extLst>
+  </p:cSld>
+  <p:clrMapOvr>
+    <a:masterClrMapping/>
+  </p:clrMapOvr>
+</p:notes>
+</file>
+
+<file path=ppt/notesSlides/notesSlide22.xml><?xml version="1.0" encoding="utf-8"?>
+<p:notes xmlns:a="http://schemas.openxmlformats.org/drawingml/2006/main" xmlns:r="http://schemas.openxmlformats.org/officeDocument/2006/relationships" xmlns:p="http://schemas.openxmlformats.org/presentationml/2006/main" showMasterSp="0" showMasterPhAnim="0">
+  <p:cSld>
+    <p:spTree>
+      <p:nvGrpSpPr>
+        <p:cNvPr id="1" name="Shape 229"/>
+        <p:cNvGrpSpPr/>
+        <p:nvPr/>
+      </p:nvGrpSpPr>
+      <p:grpSpPr>
+        <a:xfrm>
+          <a:off x="0" y="0"/>
+          <a:ext cx="0" cy="0"/>
+          <a:chOff x="0" y="0"/>
+          <a:chExt cx="0" cy="0"/>
+        </a:xfrm>
+      </p:grpSpPr>
+      <p:sp>
+        <p:nvSpPr>
+          <p:cNvPr id="230" name="Google Shape;230;g1358e27b577_0_101:notes"/>
+          <p:cNvSpPr>
+            <a:spLocks noGrp="1" noRot="1" noChangeAspect="1"/>
+          </p:cNvSpPr>
+          <p:nvPr>
+            <p:ph type="sldImg" idx="2"/>
+          </p:nvPr>
+        </p:nvSpPr>
+        <p:spPr>
+          <a:xfrm>
+            <a:off x="381000" y="685800"/>
+            <a:ext cx="6096000" cy="3429000"/>
+          </a:xfrm>
+          <a:custGeom>
+            <a:avLst/>
+            <a:gdLst/>
+            <a:ahLst/>
+            <a:cxnLst/>
+            <a:rect l="l" t="t" r="r" b="b"/>
+            <a:pathLst>
+              <a:path w="120000" h="120000" extrusionOk="0">
+                <a:moveTo>
+                  <a:pt x="0" y="0"/>
+                </a:moveTo>
+                <a:lnTo>
+                  <a:pt x="120000" y="0"/>
+                </a:lnTo>
+                <a:lnTo>
+                  <a:pt x="120000" y="120000"/>
+                </a:lnTo>
+                <a:lnTo>
+                  <a:pt x="0" y="120000"/>
+                </a:lnTo>
+                <a:close/>
+              </a:path>
+            </a:pathLst>
+          </a:custGeom>
+        </p:spPr>
+      </p:sp>
+      <p:sp>
+        <p:nvSpPr>
+          <p:cNvPr id="231" name="Google Shape;231;g1358e27b577_0_101:notes"/>
+          <p:cNvSpPr txBox="1">
+            <a:spLocks noGrp="1"/>
+          </p:cNvSpPr>
+          <p:nvPr>
+            <p:ph type="body" idx="1"/>
+          </p:nvPr>
+        </p:nvSpPr>
+        <p:spPr>
+          <a:xfrm>
+            <a:off x="685800" y="4343400"/>
+            <a:ext cx="5486400" cy="4114800"/>
+          </a:xfrm>
+          <a:prstGeom prst="rect">
+            <a:avLst/>
+          </a:prstGeom>
+        </p:spPr>
+        <p:txBody>
+          <a:bodyPr spcFirstLastPara="1" wrap="square" lIns="91425" tIns="91425" rIns="91425" bIns="91425" anchor="t" anchorCtr="0">
+            <a:noAutofit/>
+          </a:bodyPr>
+          <a:lstStyle/>
+          <a:p>
+            <a:pPr marL="0" lvl="0" indent="0" algn="l" rtl="0">
+              <a:spcBef>
+                <a:spcPts val="0"/>
+              </a:spcBef>
+              <a:spcAft>
+                <a:spcPts val="0"/>
+              </a:spcAft>
+              <a:buNone/>
+            </a:pPr>
+            <a:endParaRPr/>
+          </a:p>
+        </p:txBody>
+      </p:sp>
+    </p:spTree>
+    <p:extLst>
+      <p:ext uri="{BB962C8B-B14F-4D97-AF65-F5344CB8AC3E}">
+        <p14:creationId xmlns:p14="http://schemas.microsoft.com/office/powerpoint/2010/main" val="3214408574"/>
+      </p:ext>
+    </p:extLst>
+  </p:cSld>
+  <p:clrMapOvr>
+    <a:masterClrMapping/>
+  </p:clrMapOvr>
+</p:notes>
+</file>
+
+<file path=ppt/notesSlides/notesSlide23.xml><?xml version="1.0" encoding="utf-8"?>
+<p:notes xmlns:a="http://schemas.openxmlformats.org/drawingml/2006/main" xmlns:r="http://schemas.openxmlformats.org/officeDocument/2006/relationships" xmlns:p="http://schemas.openxmlformats.org/presentationml/2006/main" showMasterSp="0" showMasterPhAnim="0">
+  <p:cSld>
+    <p:spTree>
+      <p:nvGrpSpPr>
+        <p:cNvPr id="1" name="Shape 229"/>
+        <p:cNvGrpSpPr/>
+        <p:nvPr/>
+      </p:nvGrpSpPr>
+      <p:grpSpPr>
+        <a:xfrm>
+          <a:off x="0" y="0"/>
+          <a:ext cx="0" cy="0"/>
+          <a:chOff x="0" y="0"/>
+          <a:chExt cx="0" cy="0"/>
+        </a:xfrm>
+      </p:grpSpPr>
+      <p:sp>
+        <p:nvSpPr>
+          <p:cNvPr id="230" name="Google Shape;230;g1358e27b577_0_101:notes"/>
+          <p:cNvSpPr>
+            <a:spLocks noGrp="1" noRot="1" noChangeAspect="1"/>
+          </p:cNvSpPr>
+          <p:nvPr>
+            <p:ph type="sldImg" idx="2"/>
+          </p:nvPr>
+        </p:nvSpPr>
+        <p:spPr>
+          <a:xfrm>
+            <a:off x="381000" y="685800"/>
+            <a:ext cx="6096000" cy="3429000"/>
+          </a:xfrm>
+          <a:custGeom>
+            <a:avLst/>
+            <a:gdLst/>
+            <a:ahLst/>
+            <a:cxnLst/>
+            <a:rect l="l" t="t" r="r" b="b"/>
+            <a:pathLst>
+              <a:path w="120000" h="120000" extrusionOk="0">
+                <a:moveTo>
+                  <a:pt x="0" y="0"/>
+                </a:moveTo>
+                <a:lnTo>
+                  <a:pt x="120000" y="0"/>
+                </a:lnTo>
+                <a:lnTo>
+                  <a:pt x="120000" y="120000"/>
+                </a:lnTo>
+                <a:lnTo>
+                  <a:pt x="0" y="120000"/>
+                </a:lnTo>
+                <a:close/>
+              </a:path>
+            </a:pathLst>
+          </a:custGeom>
+        </p:spPr>
+      </p:sp>
+      <p:sp>
+        <p:nvSpPr>
+          <p:cNvPr id="231" name="Google Shape;231;g1358e27b577_0_101:notes"/>
+          <p:cNvSpPr txBox="1">
+            <a:spLocks noGrp="1"/>
+          </p:cNvSpPr>
+          <p:nvPr>
+            <p:ph type="body" idx="1"/>
+          </p:nvPr>
+        </p:nvSpPr>
+        <p:spPr>
+          <a:xfrm>
+            <a:off x="685800" y="4343400"/>
+            <a:ext cx="5486400" cy="4114800"/>
+          </a:xfrm>
+          <a:prstGeom prst="rect">
+            <a:avLst/>
+          </a:prstGeom>
+        </p:spPr>
+        <p:txBody>
+          <a:bodyPr spcFirstLastPara="1" wrap="square" lIns="91425" tIns="91425" rIns="91425" bIns="91425" anchor="t" anchorCtr="0">
+            <a:noAutofit/>
+          </a:bodyPr>
+          <a:lstStyle/>
+          <a:p>
+            <a:pPr marL="0" lvl="0" indent="0" algn="l" rtl="0">
+              <a:spcBef>
+                <a:spcPts val="0"/>
+              </a:spcBef>
+              <a:spcAft>
+                <a:spcPts val="0"/>
+              </a:spcAft>
+              <a:buNone/>
+            </a:pPr>
+            <a:endParaRPr/>
+          </a:p>
+        </p:txBody>
+      </p:sp>
+    </p:spTree>
+    <p:extLst>
+      <p:ext uri="{BB962C8B-B14F-4D97-AF65-F5344CB8AC3E}">
+        <p14:creationId xmlns:p14="http://schemas.microsoft.com/office/powerpoint/2010/main" val="2966026522"/>
+      </p:ext>
+    </p:extLst>
+  </p:cSld>
+  <p:clrMapOvr>
+    <a:masterClrMapping/>
+  </p:clrMapOvr>
+</p:notes>
+</file>
+
+<file path=ppt/notesSlides/notesSlide24.xml><?xml version="1.0" encoding="utf-8"?>
+<p:notes xmlns:a="http://schemas.openxmlformats.org/drawingml/2006/main" xmlns:r="http://schemas.openxmlformats.org/officeDocument/2006/relationships" xmlns:p="http://schemas.openxmlformats.org/presentationml/2006/main" showMasterSp="0" showMasterPhAnim="0">
+  <p:cSld>
+    <p:spTree>
+      <p:nvGrpSpPr>
+        <p:cNvPr id="1" name="Shape 229"/>
+        <p:cNvGrpSpPr/>
+        <p:nvPr/>
+      </p:nvGrpSpPr>
+      <p:grpSpPr>
+        <a:xfrm>
+          <a:off x="0" y="0"/>
+          <a:ext cx="0" cy="0"/>
+          <a:chOff x="0" y="0"/>
+          <a:chExt cx="0" cy="0"/>
+        </a:xfrm>
+      </p:grpSpPr>
+      <p:sp>
+        <p:nvSpPr>
+          <p:cNvPr id="230" name="Google Shape;230;g1358e27b577_0_101:notes"/>
+          <p:cNvSpPr>
+            <a:spLocks noGrp="1" noRot="1" noChangeAspect="1"/>
+          </p:cNvSpPr>
+          <p:nvPr>
+            <p:ph type="sldImg" idx="2"/>
+          </p:nvPr>
+        </p:nvSpPr>
+        <p:spPr>
+          <a:xfrm>
+            <a:off x="381000" y="685800"/>
+            <a:ext cx="6096000" cy="3429000"/>
+          </a:xfrm>
+          <a:custGeom>
+            <a:avLst/>
+            <a:gdLst/>
+            <a:ahLst/>
+            <a:cxnLst/>
+            <a:rect l="l" t="t" r="r" b="b"/>
+            <a:pathLst>
+              <a:path w="120000" h="120000" extrusionOk="0">
+                <a:moveTo>
+                  <a:pt x="0" y="0"/>
+                </a:moveTo>
+                <a:lnTo>
+                  <a:pt x="120000" y="0"/>
+                </a:lnTo>
+                <a:lnTo>
+                  <a:pt x="120000" y="120000"/>
+                </a:lnTo>
+                <a:lnTo>
+                  <a:pt x="0" y="120000"/>
+                </a:lnTo>
+                <a:close/>
+              </a:path>
+            </a:pathLst>
+          </a:custGeom>
+        </p:spPr>
+      </p:sp>
+      <p:sp>
+        <p:nvSpPr>
+          <p:cNvPr id="231" name="Google Shape;231;g1358e27b577_0_101:notes"/>
+          <p:cNvSpPr txBox="1">
+            <a:spLocks noGrp="1"/>
+          </p:cNvSpPr>
+          <p:nvPr>
+            <p:ph type="body" idx="1"/>
+          </p:nvPr>
+        </p:nvSpPr>
+        <p:spPr>
+          <a:xfrm>
+            <a:off x="685800" y="4343400"/>
+            <a:ext cx="5486400" cy="4114800"/>
+          </a:xfrm>
+          <a:prstGeom prst="rect">
+            <a:avLst/>
+          </a:prstGeom>
+        </p:spPr>
+        <p:txBody>
+          <a:bodyPr spcFirstLastPara="1" wrap="square" lIns="91425" tIns="91425" rIns="91425" bIns="91425" anchor="t" anchorCtr="0">
+            <a:noAutofit/>
+          </a:bodyPr>
+          <a:lstStyle/>
+          <a:p>
+            <a:pPr marL="0" lvl="0" indent="0" algn="l" rtl="0">
+              <a:spcBef>
+                <a:spcPts val="0"/>
+              </a:spcBef>
+              <a:spcAft>
+                <a:spcPts val="0"/>
+              </a:spcAft>
+              <a:buNone/>
+            </a:pPr>
+            <a:endParaRPr/>
+          </a:p>
+        </p:txBody>
+      </p:sp>
+    </p:spTree>
+    <p:extLst>
+      <p:ext uri="{BB962C8B-B14F-4D97-AF65-F5344CB8AC3E}">
         <p14:creationId xmlns:p14="http://schemas.microsoft.com/office/powerpoint/2010/main" val="1952326926"/>
       </p:ext>
     </p:extLst>
@@ -2261,7 +2586,7 @@
 </p:notes>
 </file>
 
-<file path=ppt/notesSlides/notesSlide22.xml><?xml version="1.0" encoding="utf-8"?>
+<file path=ppt/notesSlides/notesSlide25.xml><?xml version="1.0" encoding="utf-8"?>
 <p:notes xmlns:a="http://schemas.openxmlformats.org/drawingml/2006/main" xmlns:r="http://schemas.openxmlformats.org/officeDocument/2006/relationships" xmlns:p="http://schemas.openxmlformats.org/presentationml/2006/main" showMasterSp="0" showMasterPhAnim="0">
   <p:cSld>
     <p:spTree>
@@ -2369,7 +2694,7 @@
 </p:notes>
 </file>
 
-<file path=ppt/notesSlides/notesSlide23.xml><?xml version="1.0" encoding="utf-8"?>
+<file path=ppt/notesSlides/notesSlide26.xml><?xml version="1.0" encoding="utf-8"?>
 <p:notes xmlns:a="http://schemas.openxmlformats.org/drawingml/2006/main" xmlns:r="http://schemas.openxmlformats.org/officeDocument/2006/relationships" xmlns:p="http://schemas.openxmlformats.org/presentationml/2006/main" showMasterSp="0" showMasterPhAnim="0">
   <p:cSld>
     <p:spTree>
@@ -2473,7 +2798,7 @@
 </p:notes>
 </file>
 
-<file path=ppt/notesSlides/notesSlide24.xml><?xml version="1.0" encoding="utf-8"?>
+<file path=ppt/notesSlides/notesSlide27.xml><?xml version="1.0" encoding="utf-8"?>
 <p:notes xmlns:a="http://schemas.openxmlformats.org/drawingml/2006/main" xmlns:r="http://schemas.openxmlformats.org/officeDocument/2006/relationships" xmlns:p="http://schemas.openxmlformats.org/presentationml/2006/main" showMasterSp="0" showMasterPhAnim="0">
   <p:cSld>
     <p:spTree>
@@ -3114,6 +3439,115 @@
   <p:cSld>
     <p:spTree>
       <p:nvGrpSpPr>
+        <p:cNvPr id="1" name="Shape 136"/>
+        <p:cNvGrpSpPr/>
+        <p:nvPr/>
+      </p:nvGrpSpPr>
+      <p:grpSpPr>
+        <a:xfrm>
+          <a:off x="0" y="0"/>
+          <a:ext cx="0" cy="0"/>
+          <a:chOff x="0" y="0"/>
+          <a:chExt cx="0" cy="0"/>
+        </a:xfrm>
+      </p:grpSpPr>
+      <p:sp>
+        <p:nvSpPr>
+          <p:cNvPr id="137" name="Google Shape;137;g1358e27b577_0_14:notes"/>
+          <p:cNvSpPr>
+            <a:spLocks noGrp="1" noRot="1" noChangeAspect="1"/>
+          </p:cNvSpPr>
+          <p:nvPr>
+            <p:ph type="sldImg" idx="2"/>
+          </p:nvPr>
+        </p:nvSpPr>
+        <p:spPr>
+          <a:xfrm>
+            <a:off x="381000" y="685800"/>
+            <a:ext cx="6096000" cy="3429000"/>
+          </a:xfrm>
+          <a:custGeom>
+            <a:avLst/>
+            <a:gdLst/>
+            <a:ahLst/>
+            <a:cxnLst/>
+            <a:rect l="l" t="t" r="r" b="b"/>
+            <a:pathLst>
+              <a:path w="120000" h="120000" extrusionOk="0">
+                <a:moveTo>
+                  <a:pt x="0" y="0"/>
+                </a:moveTo>
+                <a:lnTo>
+                  <a:pt x="120000" y="0"/>
+                </a:lnTo>
+                <a:lnTo>
+                  <a:pt x="120000" y="120000"/>
+                </a:lnTo>
+                <a:lnTo>
+                  <a:pt x="0" y="120000"/>
+                </a:lnTo>
+                <a:close/>
+              </a:path>
+            </a:pathLst>
+          </a:custGeom>
+        </p:spPr>
+      </p:sp>
+      <p:sp>
+        <p:nvSpPr>
+          <p:cNvPr id="138" name="Google Shape;138;g1358e27b577_0_14:notes"/>
+          <p:cNvSpPr txBox="1">
+            <a:spLocks noGrp="1"/>
+          </p:cNvSpPr>
+          <p:nvPr>
+            <p:ph type="body" idx="1"/>
+          </p:nvPr>
+        </p:nvSpPr>
+        <p:spPr>
+          <a:xfrm>
+            <a:off x="685800" y="4343400"/>
+            <a:ext cx="5486400" cy="4114800"/>
+          </a:xfrm>
+          <a:prstGeom prst="rect">
+            <a:avLst/>
+          </a:prstGeom>
+        </p:spPr>
+        <p:txBody>
+          <a:bodyPr spcFirstLastPara="1" wrap="square" lIns="91425" tIns="91425" rIns="91425" bIns="91425" anchor="t" anchorCtr="0">
+            <a:noAutofit/>
+          </a:bodyPr>
+          <a:lstStyle/>
+          <a:p>
+            <a:pPr marL="0" lvl="0" indent="0" algn="l" rtl="0">
+              <a:spcBef>
+                <a:spcPts val="0"/>
+              </a:spcBef>
+              <a:spcAft>
+                <a:spcPts val="0"/>
+              </a:spcAft>
+              <a:buNone/>
+            </a:pPr>
+            <a:endParaRPr/>
+          </a:p>
+        </p:txBody>
+      </p:sp>
+    </p:spTree>
+    <p:extLst>
+      <p:ext uri="{BB962C8B-B14F-4D97-AF65-F5344CB8AC3E}">
+        <p14:creationId xmlns:p14="http://schemas.microsoft.com/office/powerpoint/2010/main" val="948793080"/>
+      </p:ext>
+    </p:extLst>
+  </p:cSld>
+  <p:clrMapOvr>
+    <a:masterClrMapping/>
+  </p:clrMapOvr>
+</p:notes>
+</file>
+
+<file path=ppt/notesSlides/notesSlide9.xml><?xml version="1.0" encoding="utf-8"?>
+<p:notes xmlns:a="http://schemas.openxmlformats.org/drawingml/2006/main" xmlns:r="http://schemas.openxmlformats.org/officeDocument/2006/relationships" xmlns:p="http://schemas.openxmlformats.org/presentationml/2006/main" showMasterSp="0" showMasterPhAnim="0">
+  <p:cSld>
+    <p:spTree>
+      <p:nvGrpSpPr>
         <p:cNvPr id="1" name="Shape 149"/>
         <p:cNvGrpSpPr/>
         <p:nvPr/>
@@ -3170,110 +3604,6 @@
       <p:sp>
         <p:nvSpPr>
           <p:cNvPr id="151" name="Google Shape;151;g1358e27b577_0_26:notes"/>
-          <p:cNvSpPr txBox="1">
-            <a:spLocks noGrp="1"/>
-          </p:cNvSpPr>
-          <p:nvPr>
-            <p:ph type="body" idx="1"/>
-          </p:nvPr>
-        </p:nvSpPr>
-        <p:spPr>
-          <a:xfrm>
-            <a:off x="685800" y="4343400"/>
-            <a:ext cx="5486400" cy="4114800"/>
-          </a:xfrm>
-          <a:prstGeom prst="rect">
-            <a:avLst/>
-          </a:prstGeom>
-        </p:spPr>
-        <p:txBody>
-          <a:bodyPr spcFirstLastPara="1" wrap="square" lIns="91425" tIns="91425" rIns="91425" bIns="91425" anchor="t" anchorCtr="0">
-            <a:noAutofit/>
-          </a:bodyPr>
-          <a:lstStyle/>
-          <a:p>
-            <a:pPr marL="0" lvl="0" indent="0" algn="l" rtl="0">
-              <a:spcBef>
-                <a:spcPts val="0"/>
-              </a:spcBef>
-              <a:spcAft>
-                <a:spcPts val="0"/>
-              </a:spcAft>
-              <a:buNone/>
-            </a:pPr>
-            <a:endParaRPr/>
-          </a:p>
-        </p:txBody>
-      </p:sp>
-    </p:spTree>
-  </p:cSld>
-  <p:clrMapOvr>
-    <a:masterClrMapping/>
-  </p:clrMapOvr>
-</p:notes>
-</file>
-
-<file path=ppt/notesSlides/notesSlide9.xml><?xml version="1.0" encoding="utf-8"?>
-<p:notes xmlns:a="http://schemas.openxmlformats.org/drawingml/2006/main" xmlns:r="http://schemas.openxmlformats.org/officeDocument/2006/relationships" xmlns:p="http://schemas.openxmlformats.org/presentationml/2006/main" showMasterSp="0" showMasterPhAnim="0">
-  <p:cSld>
-    <p:spTree>
-      <p:nvGrpSpPr>
-        <p:cNvPr id="1" name="Shape 162"/>
-        <p:cNvGrpSpPr/>
-        <p:nvPr/>
-      </p:nvGrpSpPr>
-      <p:grpSpPr>
-        <a:xfrm>
-          <a:off x="0" y="0"/>
-          <a:ext cx="0" cy="0"/>
-          <a:chOff x="0" y="0"/>
-          <a:chExt cx="0" cy="0"/>
-        </a:xfrm>
-      </p:grpSpPr>
-      <p:sp>
-        <p:nvSpPr>
-          <p:cNvPr id="163" name="Google Shape;163;g1358e27b577_0_39:notes"/>
-          <p:cNvSpPr>
-            <a:spLocks noGrp="1" noRot="1" noChangeAspect="1"/>
-          </p:cNvSpPr>
-          <p:nvPr>
-            <p:ph type="sldImg" idx="2"/>
-          </p:nvPr>
-        </p:nvSpPr>
-        <p:spPr>
-          <a:xfrm>
-            <a:off x="381000" y="685800"/>
-            <a:ext cx="6096000" cy="3429000"/>
-          </a:xfrm>
-          <a:custGeom>
-            <a:avLst/>
-            <a:gdLst/>
-            <a:ahLst/>
-            <a:cxnLst/>
-            <a:rect l="l" t="t" r="r" b="b"/>
-            <a:pathLst>
-              <a:path w="120000" h="120000" extrusionOk="0">
-                <a:moveTo>
-                  <a:pt x="0" y="0"/>
-                </a:moveTo>
-                <a:lnTo>
-                  <a:pt x="120000" y="0"/>
-                </a:lnTo>
-                <a:lnTo>
-                  <a:pt x="120000" y="120000"/>
-                </a:lnTo>
-                <a:lnTo>
-                  <a:pt x="0" y="120000"/>
-                </a:lnTo>
-                <a:close/>
-              </a:path>
-            </a:pathLst>
-          </a:custGeom>
-        </p:spPr>
-      </p:sp>
-      <p:sp>
-        <p:nvSpPr>
-          <p:cNvPr id="164" name="Google Shape;164;g1358e27b577_0_39:notes"/>
           <p:cNvSpPr txBox="1">
             <a:spLocks noGrp="1"/>
           </p:cNvSpPr>
@@ -8808,6 +9138,469 @@
   <p:cSld>
     <p:spTree>
       <p:nvGrpSpPr>
+        <p:cNvPr id="1" name="Shape 165"/>
+        <p:cNvGrpSpPr/>
+        <p:nvPr/>
+      </p:nvGrpSpPr>
+      <p:grpSpPr>
+        <a:xfrm>
+          <a:off x="0" y="0"/>
+          <a:ext cx="0" cy="0"/>
+          <a:chOff x="0" y="0"/>
+          <a:chExt cx="0" cy="0"/>
+        </a:xfrm>
+      </p:grpSpPr>
+      <p:sp>
+        <p:nvSpPr>
+          <p:cNvPr id="166" name="Google Shape;166;p21"/>
+          <p:cNvSpPr txBox="1">
+            <a:spLocks noGrp="1"/>
+          </p:cNvSpPr>
+          <p:nvPr>
+            <p:ph type="body" idx="1"/>
+          </p:nvPr>
+        </p:nvSpPr>
+        <p:spPr>
+          <a:xfrm>
+            <a:off x="311700" y="1556750"/>
+            <a:ext cx="7872944" cy="2924400"/>
+          </a:xfrm>
+          <a:prstGeom prst="rect">
+            <a:avLst/>
+          </a:prstGeom>
+        </p:spPr>
+        <p:txBody>
+          <a:bodyPr spcFirstLastPara="1" wrap="square" lIns="91425" tIns="91425" rIns="91425" bIns="91425" anchor="t" anchorCtr="0">
+            <a:noAutofit/>
+          </a:bodyPr>
+          <a:lstStyle/>
+          <a:p>
+            <a:pPr marL="0" lvl="0" indent="0" algn="l" rtl="0">
+              <a:spcBef>
+                <a:spcPts val="0"/>
+              </a:spcBef>
+              <a:spcAft>
+                <a:spcPts val="1000"/>
+              </a:spcAft>
+              <a:buNone/>
+            </a:pPr>
+            <a:endParaRPr sz="1500" dirty="0">
+              <a:solidFill>
+                <a:srgbClr val="282828"/>
+              </a:solidFill>
+              <a:latin typeface="Inter"/>
+              <a:ea typeface="Inter"/>
+              <a:cs typeface="Inter"/>
+              <a:sym typeface="Inter"/>
+            </a:endParaRPr>
+          </a:p>
+        </p:txBody>
+      </p:sp>
+      <p:sp>
+        <p:nvSpPr>
+          <p:cNvPr id="167" name="Google Shape;167;p21"/>
+          <p:cNvSpPr txBox="1"/>
+          <p:nvPr/>
+        </p:nvSpPr>
+        <p:spPr>
+          <a:xfrm>
+            <a:off x="0" y="4800600"/>
+            <a:ext cx="8943600" cy="323100"/>
+          </a:xfrm>
+          <a:prstGeom prst="rect">
+            <a:avLst/>
+          </a:prstGeom>
+          <a:noFill/>
+          <a:ln>
+            <a:noFill/>
+          </a:ln>
+        </p:spPr>
+        <p:txBody>
+          <a:bodyPr spcFirstLastPara="1" wrap="square" lIns="91425" tIns="91425" rIns="91425" bIns="91425" anchor="t" anchorCtr="0">
+            <a:spAutoFit/>
+          </a:bodyPr>
+          <a:lstStyle/>
+          <a:p>
+            <a:pPr marL="0" lvl="0" indent="0" algn="l" rtl="0">
+              <a:spcBef>
+                <a:spcPts val="0"/>
+              </a:spcBef>
+              <a:spcAft>
+                <a:spcPts val="0"/>
+              </a:spcAft>
+              <a:buNone/>
+            </a:pPr>
+            <a:r>
+              <a:rPr lang="en" sz="900">
+                <a:solidFill>
+                  <a:schemeClr val="dk2"/>
+                </a:solidFill>
+                <a:latin typeface="Inter"/>
+                <a:ea typeface="Inter"/>
+                <a:cs typeface="Inter"/>
+                <a:sym typeface="Inter"/>
+              </a:rPr>
+              <a:t>© 2022 Program Studi Independen Bersertifikat Zenius Bersama Kampus Merdeka</a:t>
+            </a:r>
+            <a:endParaRPr sz="900">
+              <a:solidFill>
+                <a:schemeClr val="dk2"/>
+              </a:solidFill>
+              <a:latin typeface="Inter"/>
+              <a:ea typeface="Inter"/>
+              <a:cs typeface="Inter"/>
+              <a:sym typeface="Inter"/>
+            </a:endParaRPr>
+          </a:p>
+        </p:txBody>
+      </p:sp>
+      <p:grpSp>
+        <p:nvGrpSpPr>
+          <p:cNvPr id="168" name="Google Shape;168;p21"/>
+          <p:cNvGrpSpPr/>
+          <p:nvPr/>
+        </p:nvGrpSpPr>
+        <p:grpSpPr>
+          <a:xfrm>
+            <a:off x="7503019" y="95797"/>
+            <a:ext cx="1516771" cy="323122"/>
+            <a:chOff x="400885" y="325214"/>
+            <a:chExt cx="2298835" cy="489727"/>
+          </a:xfrm>
+        </p:grpSpPr>
+        <p:pic>
+          <p:nvPicPr>
+            <p:cNvPr id="169" name="Google Shape;169;p21"/>
+            <p:cNvPicPr preferRelativeResize="0"/>
+            <p:nvPr/>
+          </p:nvPicPr>
+          <p:blipFill>
+            <a:blip r:embed="rId3">
+              <a:alphaModFix/>
+            </a:blip>
+            <a:stretch>
+              <a:fillRect/>
+            </a:stretch>
+          </p:blipFill>
+          <p:spPr>
+            <a:xfrm>
+              <a:off x="1906971" y="358726"/>
+              <a:ext cx="792749" cy="422701"/>
+            </a:xfrm>
+            <a:prstGeom prst="rect">
+              <a:avLst/>
+            </a:prstGeom>
+            <a:noFill/>
+            <a:ln>
+              <a:noFill/>
+            </a:ln>
+          </p:spPr>
+        </p:pic>
+        <p:cxnSp>
+          <p:nvCxnSpPr>
+            <p:cNvPr id="170" name="Google Shape;170;p21"/>
+            <p:cNvCxnSpPr/>
+            <p:nvPr/>
+          </p:nvCxnSpPr>
+          <p:spPr>
+            <a:xfrm>
+              <a:off x="1632394" y="460384"/>
+              <a:ext cx="0" cy="219345"/>
+            </a:xfrm>
+            <a:prstGeom prst="straightConnector1">
+              <a:avLst/>
+            </a:prstGeom>
+            <a:noFill/>
+            <a:ln w="9525" cap="flat" cmpd="sng">
+              <a:solidFill>
+                <a:schemeClr val="dk2"/>
+              </a:solidFill>
+              <a:prstDash val="solid"/>
+              <a:round/>
+              <a:headEnd type="none" w="med" len="med"/>
+              <a:tailEnd type="none" w="med" len="med"/>
+            </a:ln>
+          </p:spPr>
+        </p:cxnSp>
+        <p:cxnSp>
+          <p:nvCxnSpPr>
+            <p:cNvPr id="171" name="Google Shape;171;p21"/>
+            <p:cNvCxnSpPr/>
+            <p:nvPr/>
+          </p:nvCxnSpPr>
+          <p:spPr>
+            <a:xfrm>
+              <a:off x="1632360" y="460384"/>
+              <a:ext cx="0" cy="219345"/>
+            </a:xfrm>
+            <a:prstGeom prst="straightConnector1">
+              <a:avLst/>
+            </a:prstGeom>
+            <a:noFill/>
+            <a:ln w="9525" cap="flat" cmpd="sng">
+              <a:solidFill>
+                <a:schemeClr val="dk2"/>
+              </a:solidFill>
+              <a:prstDash val="solid"/>
+              <a:round/>
+              <a:headEnd type="none" w="med" len="med"/>
+              <a:tailEnd type="none" w="med" len="med"/>
+            </a:ln>
+          </p:spPr>
+        </p:cxnSp>
+        <p:pic>
+          <p:nvPicPr>
+            <p:cNvPr id="172" name="Google Shape;172;p21"/>
+            <p:cNvPicPr preferRelativeResize="0"/>
+            <p:nvPr/>
+          </p:nvPicPr>
+          <p:blipFill rotWithShape="1">
+            <a:blip r:embed="rId4">
+              <a:alphaModFix/>
+            </a:blip>
+            <a:srcRect l="9895" r="8731"/>
+            <a:stretch/>
+          </p:blipFill>
+          <p:spPr>
+            <a:xfrm>
+              <a:off x="400885" y="325214"/>
+              <a:ext cx="1033078" cy="489727"/>
+            </a:xfrm>
+            <a:prstGeom prst="rect">
+              <a:avLst/>
+            </a:prstGeom>
+            <a:noFill/>
+            <a:ln>
+              <a:noFill/>
+            </a:ln>
+          </p:spPr>
+        </p:pic>
+      </p:grpSp>
+      <p:sp>
+        <p:nvSpPr>
+          <p:cNvPr id="173" name="Google Shape;173;p21"/>
+          <p:cNvSpPr txBox="1">
+            <a:spLocks noGrp="1"/>
+          </p:cNvSpPr>
+          <p:nvPr>
+            <p:ph type="title"/>
+          </p:nvPr>
+        </p:nvSpPr>
+        <p:spPr>
+          <a:xfrm>
+            <a:off x="311700" y="673625"/>
+            <a:ext cx="8480400" cy="819300"/>
+          </a:xfrm>
+          <a:prstGeom prst="rect">
+            <a:avLst/>
+          </a:prstGeom>
+        </p:spPr>
+        <p:txBody>
+          <a:bodyPr spcFirstLastPara="1" wrap="square" lIns="91425" tIns="91425" rIns="91425" bIns="91425" anchor="ctr" anchorCtr="0">
+            <a:noAutofit/>
+          </a:bodyPr>
+          <a:lstStyle/>
+          <a:p>
+            <a:pPr marL="0" lvl="0" indent="0" algn="l" rtl="0">
+              <a:spcBef>
+                <a:spcPts val="0"/>
+              </a:spcBef>
+              <a:spcAft>
+                <a:spcPts val="0"/>
+              </a:spcAft>
+              <a:buSzPts val="990"/>
+              <a:buNone/>
+            </a:pPr>
+            <a:r>
+              <a:rPr lang="en" sz="2820">
+                <a:solidFill>
+                  <a:srgbClr val="A338EB"/>
+                </a:solidFill>
+                <a:latin typeface="Maven Pro SemiBold"/>
+                <a:ea typeface="Maven Pro SemiBold"/>
+                <a:cs typeface="Maven Pro SemiBold"/>
+                <a:sym typeface="Maven Pro SemiBold"/>
+              </a:rPr>
+              <a:t>Data Cleansing</a:t>
+            </a:r>
+            <a:endParaRPr sz="2820">
+              <a:solidFill>
+                <a:srgbClr val="A338EB"/>
+              </a:solidFill>
+              <a:latin typeface="Maven Pro SemiBold"/>
+              <a:ea typeface="Maven Pro SemiBold"/>
+              <a:cs typeface="Maven Pro SemiBold"/>
+              <a:sym typeface="Maven Pro SemiBold"/>
+            </a:endParaRPr>
+          </a:p>
+        </p:txBody>
+      </p:sp>
+      <p:sp>
+        <p:nvSpPr>
+          <p:cNvPr id="174" name="Google Shape;174;p21"/>
+          <p:cNvSpPr txBox="1"/>
+          <p:nvPr/>
+        </p:nvSpPr>
+        <p:spPr>
+          <a:xfrm>
+            <a:off x="76197" y="55340"/>
+            <a:ext cx="6081900" cy="338700"/>
+          </a:xfrm>
+          <a:prstGeom prst="rect">
+            <a:avLst/>
+          </a:prstGeom>
+          <a:noFill/>
+          <a:ln>
+            <a:noFill/>
+          </a:ln>
+        </p:spPr>
+        <p:txBody>
+          <a:bodyPr spcFirstLastPara="1" wrap="square" lIns="91425" tIns="91425" rIns="91425" bIns="91425" anchor="t" anchorCtr="0">
+            <a:spAutoFit/>
+          </a:bodyPr>
+          <a:lstStyle/>
+          <a:p>
+            <a:pPr marL="0" lvl="0" indent="0" algn="l" rtl="0">
+              <a:spcBef>
+                <a:spcPts val="0"/>
+              </a:spcBef>
+              <a:spcAft>
+                <a:spcPts val="0"/>
+              </a:spcAft>
+              <a:buClr>
+                <a:schemeClr val="dk1"/>
+              </a:buClr>
+              <a:buSzPts val="1100"/>
+              <a:buFont typeface="Arial"/>
+              <a:buNone/>
+            </a:pPr>
+            <a:r>
+              <a:rPr lang="en" sz="1000" b="1">
+                <a:solidFill>
+                  <a:srgbClr val="601F99"/>
+                </a:solidFill>
+                <a:latin typeface="Inter"/>
+                <a:ea typeface="Inter"/>
+                <a:cs typeface="Inter"/>
+                <a:sym typeface="Inter"/>
+              </a:rPr>
+              <a:t>EDA and Visualization</a:t>
+            </a:r>
+            <a:endParaRPr sz="1000" b="1">
+              <a:solidFill>
+                <a:srgbClr val="601F99"/>
+              </a:solidFill>
+              <a:latin typeface="Inter"/>
+              <a:ea typeface="Inter"/>
+              <a:cs typeface="Inter"/>
+              <a:sym typeface="Inter"/>
+            </a:endParaRPr>
+          </a:p>
+        </p:txBody>
+      </p:sp>
+      <p:pic>
+        <p:nvPicPr>
+          <p:cNvPr id="3" name="Picture 2">
+            <a:extLst>
+              <a:ext uri="{FF2B5EF4-FFF2-40B4-BE49-F238E27FC236}">
+                <a16:creationId xmlns:a16="http://schemas.microsoft.com/office/drawing/2014/main" id="{A7949C08-C5DD-1843-FDC4-C4EE548BFC62}"/>
+              </a:ext>
+            </a:extLst>
+          </p:cNvPr>
+          <p:cNvPicPr>
+            <a:picLocks noChangeAspect="1"/>
+          </p:cNvPicPr>
+          <p:nvPr/>
+        </p:nvPicPr>
+        <p:blipFill>
+          <a:blip r:embed="rId5"/>
+          <a:stretch>
+            <a:fillRect/>
+          </a:stretch>
+        </p:blipFill>
+        <p:spPr>
+          <a:xfrm>
+            <a:off x="341312" y="1506657"/>
+            <a:ext cx="1981477" cy="3191320"/>
+          </a:xfrm>
+          <a:prstGeom prst="rect">
+            <a:avLst/>
+          </a:prstGeom>
+        </p:spPr>
+      </p:pic>
+      <p:pic>
+        <p:nvPicPr>
+          <p:cNvPr id="7" name="Picture 6">
+            <a:extLst>
+              <a:ext uri="{FF2B5EF4-FFF2-40B4-BE49-F238E27FC236}">
+                <a16:creationId xmlns:a16="http://schemas.microsoft.com/office/drawing/2014/main" id="{EA2DE0E7-3D8F-56A4-8A44-6D9FE7E0E6EF}"/>
+              </a:ext>
+            </a:extLst>
+          </p:cNvPr>
+          <p:cNvPicPr>
+            <a:picLocks noChangeAspect="1"/>
+          </p:cNvPicPr>
+          <p:nvPr/>
+        </p:nvPicPr>
+        <p:blipFill>
+          <a:blip r:embed="rId6"/>
+          <a:stretch>
+            <a:fillRect/>
+          </a:stretch>
+        </p:blipFill>
+        <p:spPr>
+          <a:xfrm>
+            <a:off x="5593127" y="1492925"/>
+            <a:ext cx="1826870" cy="904977"/>
+          </a:xfrm>
+          <a:prstGeom prst="rect">
+            <a:avLst/>
+          </a:prstGeom>
+        </p:spPr>
+      </p:pic>
+      <p:pic>
+        <p:nvPicPr>
+          <p:cNvPr id="10" name="Picture 9">
+            <a:extLst>
+              <a:ext uri="{FF2B5EF4-FFF2-40B4-BE49-F238E27FC236}">
+                <a16:creationId xmlns:a16="http://schemas.microsoft.com/office/drawing/2014/main" id="{72A1812C-985F-8977-AE4B-C6FC17E4E6CC}"/>
+              </a:ext>
+            </a:extLst>
+          </p:cNvPr>
+          <p:cNvPicPr>
+            <a:picLocks noChangeAspect="1"/>
+          </p:cNvPicPr>
+          <p:nvPr/>
+        </p:nvPicPr>
+        <p:blipFill>
+          <a:blip r:embed="rId7"/>
+          <a:stretch>
+            <a:fillRect/>
+          </a:stretch>
+        </p:blipFill>
+        <p:spPr>
+          <a:xfrm>
+            <a:off x="2352401" y="1451645"/>
+            <a:ext cx="3228228" cy="3250139"/>
+          </a:xfrm>
+          <a:prstGeom prst="rect">
+            <a:avLst/>
+          </a:prstGeom>
+        </p:spPr>
+      </p:pic>
+    </p:spTree>
+  </p:cSld>
+  <p:clrMapOvr>
+    <a:masterClrMapping/>
+  </p:clrMapOvr>
+</p:sld>
+</file>
+
+<file path=ppt/slides/slide11.xml><?xml version="1.0" encoding="utf-8"?>
+<p:sld xmlns:a="http://schemas.openxmlformats.org/drawingml/2006/main" xmlns:r="http://schemas.openxmlformats.org/officeDocument/2006/relationships" xmlns:p="http://schemas.openxmlformats.org/presentationml/2006/main">
+  <p:cSld>
+    <p:spTree>
+      <p:nvGrpSpPr>
         <p:cNvPr id="1" name="Shape 178"/>
         <p:cNvGrpSpPr/>
         <p:nvPr/>
@@ -9248,7 +10041,7 @@
 </p:sld>
 </file>
 
-<file path=ppt/slides/slide11.xml><?xml version="1.0" encoding="utf-8"?>
+<file path=ppt/slides/slide12.xml><?xml version="1.0" encoding="utf-8"?>
 <p:sld xmlns:a="http://schemas.openxmlformats.org/drawingml/2006/main" xmlns:r="http://schemas.openxmlformats.org/officeDocument/2006/relationships" xmlns:p="http://schemas.openxmlformats.org/presentationml/2006/main">
   <p:cSld>
     <p:spTree>
@@ -9698,7 +10491,7 @@
 </p:sld>
 </file>
 
-<file path=ppt/slides/slide12.xml><?xml version="1.0" encoding="utf-8"?>
+<file path=ppt/slides/slide13.xml><?xml version="1.0" encoding="utf-8"?>
 <p:sld xmlns:a="http://schemas.openxmlformats.org/drawingml/2006/main" xmlns:r="http://schemas.openxmlformats.org/officeDocument/2006/relationships" xmlns:p="http://schemas.openxmlformats.org/presentationml/2006/main">
   <p:cSld>
     <p:spTree>
@@ -10136,7 +10929,7 @@
 </p:sld>
 </file>
 
-<file path=ppt/slides/slide13.xml><?xml version="1.0" encoding="utf-8"?>
+<file path=ppt/slides/slide14.xml><?xml version="1.0" encoding="utf-8"?>
 <p:sld xmlns:a="http://schemas.openxmlformats.org/drawingml/2006/main" xmlns:r="http://schemas.openxmlformats.org/officeDocument/2006/relationships" xmlns:p="http://schemas.openxmlformats.org/presentationml/2006/main">
   <p:cSld>
     <p:spTree>
@@ -10664,7 +11457,7 @@
 </p:sld>
 </file>
 
-<file path=ppt/slides/slide14.xml><?xml version="1.0" encoding="utf-8"?>
+<file path=ppt/slides/slide15.xml><?xml version="1.0" encoding="utf-8"?>
 <p:sld xmlns:a="http://schemas.openxmlformats.org/drawingml/2006/main" xmlns:r="http://schemas.openxmlformats.org/officeDocument/2006/relationships" xmlns:p="http://schemas.openxmlformats.org/presentationml/2006/main">
   <p:cSld>
     <p:spTree>
@@ -11191,7 +11984,823 @@
 </p:sld>
 </file>
 
-<file path=ppt/slides/slide15.xml><?xml version="1.0" encoding="utf-8"?>
+<file path=ppt/slides/slide16.xml><?xml version="1.0" encoding="utf-8"?>
+<p:sld xmlns:a="http://schemas.openxmlformats.org/drawingml/2006/main" xmlns:r="http://schemas.openxmlformats.org/officeDocument/2006/relationships" xmlns:p="http://schemas.openxmlformats.org/presentationml/2006/main">
+  <p:cSld>
+    <p:spTree>
+      <p:nvGrpSpPr>
+        <p:cNvPr id="1" name="Shape 178"/>
+        <p:cNvGrpSpPr/>
+        <p:nvPr/>
+      </p:nvGrpSpPr>
+      <p:grpSpPr>
+        <a:xfrm>
+          <a:off x="0" y="0"/>
+          <a:ext cx="0" cy="0"/>
+          <a:chOff x="0" y="0"/>
+          <a:chExt cx="0" cy="0"/>
+        </a:xfrm>
+      </p:grpSpPr>
+      <p:sp>
+        <p:nvSpPr>
+          <p:cNvPr id="179" name="Google Shape;179;p22"/>
+          <p:cNvSpPr txBox="1">
+            <a:spLocks noGrp="1"/>
+          </p:cNvSpPr>
+          <p:nvPr>
+            <p:ph type="body" idx="1"/>
+          </p:nvPr>
+        </p:nvSpPr>
+        <p:spPr>
+          <a:xfrm>
+            <a:off x="311700" y="1492925"/>
+            <a:ext cx="7191300" cy="2988225"/>
+          </a:xfrm>
+          <a:prstGeom prst="rect">
+            <a:avLst/>
+          </a:prstGeom>
+        </p:spPr>
+        <p:txBody>
+          <a:bodyPr spcFirstLastPara="1" wrap="square" lIns="91425" tIns="91425" rIns="91425" bIns="91425" anchor="t" anchorCtr="0">
+            <a:noAutofit/>
+          </a:bodyPr>
+          <a:lstStyle/>
+          <a:p>
+            <a:pPr marL="0" lvl="0" indent="0" algn="l" rtl="0">
+              <a:spcBef>
+                <a:spcPts val="0"/>
+              </a:spcBef>
+              <a:spcAft>
+                <a:spcPts val="1000"/>
+              </a:spcAft>
+              <a:buNone/>
+            </a:pPr>
+            <a:endParaRPr lang="en" sz="1500" dirty="0">
+              <a:solidFill>
+                <a:srgbClr val="282828"/>
+              </a:solidFill>
+              <a:latin typeface="Inter"/>
+              <a:ea typeface="Inter"/>
+              <a:cs typeface="Inter"/>
+              <a:sym typeface="Inter"/>
+            </a:endParaRPr>
+          </a:p>
+        </p:txBody>
+      </p:sp>
+      <p:sp>
+        <p:nvSpPr>
+          <p:cNvPr id="180" name="Google Shape;180;p22"/>
+          <p:cNvSpPr txBox="1"/>
+          <p:nvPr/>
+        </p:nvSpPr>
+        <p:spPr>
+          <a:xfrm>
+            <a:off x="0" y="4800600"/>
+            <a:ext cx="8943600" cy="323100"/>
+          </a:xfrm>
+          <a:prstGeom prst="rect">
+            <a:avLst/>
+          </a:prstGeom>
+          <a:noFill/>
+          <a:ln>
+            <a:noFill/>
+          </a:ln>
+        </p:spPr>
+        <p:txBody>
+          <a:bodyPr spcFirstLastPara="1" wrap="square" lIns="91425" tIns="91425" rIns="91425" bIns="91425" anchor="t" anchorCtr="0">
+            <a:spAutoFit/>
+          </a:bodyPr>
+          <a:lstStyle/>
+          <a:p>
+            <a:pPr marL="0" lvl="0" indent="0" algn="l" rtl="0">
+              <a:spcBef>
+                <a:spcPts val="0"/>
+              </a:spcBef>
+              <a:spcAft>
+                <a:spcPts val="0"/>
+              </a:spcAft>
+              <a:buNone/>
+            </a:pPr>
+            <a:r>
+              <a:rPr lang="en" sz="900">
+                <a:solidFill>
+                  <a:schemeClr val="dk2"/>
+                </a:solidFill>
+                <a:latin typeface="Inter"/>
+                <a:ea typeface="Inter"/>
+                <a:cs typeface="Inter"/>
+                <a:sym typeface="Inter"/>
+              </a:rPr>
+              <a:t>© 2022 Program Studi Independen Bersertifikat Zenius Bersama Kampus Merdeka</a:t>
+            </a:r>
+            <a:endParaRPr sz="900">
+              <a:solidFill>
+                <a:schemeClr val="dk2"/>
+              </a:solidFill>
+              <a:latin typeface="Inter"/>
+              <a:ea typeface="Inter"/>
+              <a:cs typeface="Inter"/>
+              <a:sym typeface="Inter"/>
+            </a:endParaRPr>
+          </a:p>
+        </p:txBody>
+      </p:sp>
+      <p:grpSp>
+        <p:nvGrpSpPr>
+          <p:cNvPr id="181" name="Google Shape;181;p22"/>
+          <p:cNvGrpSpPr/>
+          <p:nvPr/>
+        </p:nvGrpSpPr>
+        <p:grpSpPr>
+          <a:xfrm>
+            <a:off x="7503019" y="95797"/>
+            <a:ext cx="1516771" cy="323122"/>
+            <a:chOff x="400885" y="325214"/>
+            <a:chExt cx="2298835" cy="489727"/>
+          </a:xfrm>
+        </p:grpSpPr>
+        <p:pic>
+          <p:nvPicPr>
+            <p:cNvPr id="182" name="Google Shape;182;p22"/>
+            <p:cNvPicPr preferRelativeResize="0"/>
+            <p:nvPr/>
+          </p:nvPicPr>
+          <p:blipFill>
+            <a:blip r:embed="rId3">
+              <a:alphaModFix/>
+            </a:blip>
+            <a:stretch>
+              <a:fillRect/>
+            </a:stretch>
+          </p:blipFill>
+          <p:spPr>
+            <a:xfrm>
+              <a:off x="1906971" y="358726"/>
+              <a:ext cx="792749" cy="422701"/>
+            </a:xfrm>
+            <a:prstGeom prst="rect">
+              <a:avLst/>
+            </a:prstGeom>
+            <a:noFill/>
+            <a:ln>
+              <a:noFill/>
+            </a:ln>
+          </p:spPr>
+        </p:pic>
+        <p:cxnSp>
+          <p:nvCxnSpPr>
+            <p:cNvPr id="183" name="Google Shape;183;p22"/>
+            <p:cNvCxnSpPr/>
+            <p:nvPr/>
+          </p:nvCxnSpPr>
+          <p:spPr>
+            <a:xfrm>
+              <a:off x="1632394" y="460384"/>
+              <a:ext cx="0" cy="219345"/>
+            </a:xfrm>
+            <a:prstGeom prst="straightConnector1">
+              <a:avLst/>
+            </a:prstGeom>
+            <a:noFill/>
+            <a:ln w="9525" cap="flat" cmpd="sng">
+              <a:solidFill>
+                <a:schemeClr val="dk2"/>
+              </a:solidFill>
+              <a:prstDash val="solid"/>
+              <a:round/>
+              <a:headEnd type="none" w="med" len="med"/>
+              <a:tailEnd type="none" w="med" len="med"/>
+            </a:ln>
+          </p:spPr>
+        </p:cxnSp>
+        <p:cxnSp>
+          <p:nvCxnSpPr>
+            <p:cNvPr id="184" name="Google Shape;184;p22"/>
+            <p:cNvCxnSpPr/>
+            <p:nvPr/>
+          </p:nvCxnSpPr>
+          <p:spPr>
+            <a:xfrm>
+              <a:off x="1632360" y="460384"/>
+              <a:ext cx="0" cy="219345"/>
+            </a:xfrm>
+            <a:prstGeom prst="straightConnector1">
+              <a:avLst/>
+            </a:prstGeom>
+            <a:noFill/>
+            <a:ln w="9525" cap="flat" cmpd="sng">
+              <a:solidFill>
+                <a:schemeClr val="dk2"/>
+              </a:solidFill>
+              <a:prstDash val="solid"/>
+              <a:round/>
+              <a:headEnd type="none" w="med" len="med"/>
+              <a:tailEnd type="none" w="med" len="med"/>
+            </a:ln>
+          </p:spPr>
+        </p:cxnSp>
+        <p:pic>
+          <p:nvPicPr>
+            <p:cNvPr id="185" name="Google Shape;185;p22"/>
+            <p:cNvPicPr preferRelativeResize="0"/>
+            <p:nvPr/>
+          </p:nvPicPr>
+          <p:blipFill rotWithShape="1">
+            <a:blip r:embed="rId4">
+              <a:alphaModFix/>
+            </a:blip>
+            <a:srcRect l="9895" r="8731"/>
+            <a:stretch/>
+          </p:blipFill>
+          <p:spPr>
+            <a:xfrm>
+              <a:off x="400885" y="325214"/>
+              <a:ext cx="1033078" cy="489727"/>
+            </a:xfrm>
+            <a:prstGeom prst="rect">
+              <a:avLst/>
+            </a:prstGeom>
+            <a:noFill/>
+            <a:ln>
+              <a:noFill/>
+            </a:ln>
+          </p:spPr>
+        </p:pic>
+      </p:grpSp>
+      <p:sp>
+        <p:nvSpPr>
+          <p:cNvPr id="186" name="Google Shape;186;p22"/>
+          <p:cNvSpPr txBox="1">
+            <a:spLocks noGrp="1"/>
+          </p:cNvSpPr>
+          <p:nvPr>
+            <p:ph type="title"/>
+          </p:nvPr>
+        </p:nvSpPr>
+        <p:spPr>
+          <a:xfrm>
+            <a:off x="311700" y="673625"/>
+            <a:ext cx="8480400" cy="819300"/>
+          </a:xfrm>
+          <a:prstGeom prst="rect">
+            <a:avLst/>
+          </a:prstGeom>
+        </p:spPr>
+        <p:txBody>
+          <a:bodyPr spcFirstLastPara="1" wrap="square" lIns="91425" tIns="91425" rIns="91425" bIns="91425" anchor="ctr" anchorCtr="0">
+            <a:noAutofit/>
+          </a:bodyPr>
+          <a:lstStyle/>
+          <a:p>
+            <a:pPr marL="0" lvl="0" indent="0" algn="l" rtl="0">
+              <a:spcBef>
+                <a:spcPts val="0"/>
+              </a:spcBef>
+              <a:spcAft>
+                <a:spcPts val="0"/>
+              </a:spcAft>
+              <a:buSzPts val="990"/>
+              <a:buNone/>
+            </a:pPr>
+            <a:r>
+              <a:rPr lang="en" sz="2820">
+                <a:solidFill>
+                  <a:srgbClr val="A338EB"/>
+                </a:solidFill>
+                <a:latin typeface="Maven Pro SemiBold"/>
+                <a:ea typeface="Maven Pro SemiBold"/>
+                <a:cs typeface="Maven Pro SemiBold"/>
+                <a:sym typeface="Maven Pro SemiBold"/>
+              </a:rPr>
+              <a:t>Exploratory Data Analysis</a:t>
+            </a:r>
+            <a:endParaRPr sz="2820">
+              <a:solidFill>
+                <a:srgbClr val="A338EB"/>
+              </a:solidFill>
+              <a:latin typeface="Maven Pro SemiBold"/>
+              <a:ea typeface="Maven Pro SemiBold"/>
+              <a:cs typeface="Maven Pro SemiBold"/>
+              <a:sym typeface="Maven Pro SemiBold"/>
+            </a:endParaRPr>
+          </a:p>
+        </p:txBody>
+      </p:sp>
+      <p:sp>
+        <p:nvSpPr>
+          <p:cNvPr id="187" name="Google Shape;187;p22"/>
+          <p:cNvSpPr txBox="1"/>
+          <p:nvPr/>
+        </p:nvSpPr>
+        <p:spPr>
+          <a:xfrm>
+            <a:off x="76197" y="87997"/>
+            <a:ext cx="6081900" cy="338700"/>
+          </a:xfrm>
+          <a:prstGeom prst="rect">
+            <a:avLst/>
+          </a:prstGeom>
+          <a:noFill/>
+          <a:ln>
+            <a:noFill/>
+          </a:ln>
+        </p:spPr>
+        <p:txBody>
+          <a:bodyPr spcFirstLastPara="1" wrap="square" lIns="91425" tIns="91425" rIns="91425" bIns="91425" anchor="t" anchorCtr="0">
+            <a:spAutoFit/>
+          </a:bodyPr>
+          <a:lstStyle/>
+          <a:p>
+            <a:pPr marL="0" lvl="0" indent="0" algn="l" rtl="0">
+              <a:spcBef>
+                <a:spcPts val="0"/>
+              </a:spcBef>
+              <a:spcAft>
+                <a:spcPts val="0"/>
+              </a:spcAft>
+              <a:buClr>
+                <a:schemeClr val="dk1"/>
+              </a:buClr>
+              <a:buSzPts val="1100"/>
+              <a:buFont typeface="Arial"/>
+              <a:buNone/>
+            </a:pPr>
+            <a:r>
+              <a:rPr lang="en" sz="1000" b="1">
+                <a:solidFill>
+                  <a:srgbClr val="601F99"/>
+                </a:solidFill>
+                <a:latin typeface="Inter"/>
+                <a:ea typeface="Inter"/>
+                <a:cs typeface="Inter"/>
+                <a:sym typeface="Inter"/>
+              </a:rPr>
+              <a:t>EDA and Visualization</a:t>
+            </a:r>
+            <a:endParaRPr sz="1000" b="1">
+              <a:solidFill>
+                <a:srgbClr val="601F99"/>
+              </a:solidFill>
+              <a:latin typeface="Inter"/>
+              <a:ea typeface="Inter"/>
+              <a:cs typeface="Inter"/>
+              <a:sym typeface="Inter"/>
+            </a:endParaRPr>
+          </a:p>
+        </p:txBody>
+      </p:sp>
+      <p:pic>
+        <p:nvPicPr>
+          <p:cNvPr id="4" name="Picture 3">
+            <a:extLst>
+              <a:ext uri="{FF2B5EF4-FFF2-40B4-BE49-F238E27FC236}">
+                <a16:creationId xmlns:a16="http://schemas.microsoft.com/office/drawing/2014/main" id="{65F8B75B-7447-E1BB-C239-26DF2C436926}"/>
+              </a:ext>
+            </a:extLst>
+          </p:cNvPr>
+          <p:cNvPicPr>
+            <a:picLocks noChangeAspect="1"/>
+          </p:cNvPicPr>
+          <p:nvPr/>
+        </p:nvPicPr>
+        <p:blipFill>
+          <a:blip r:embed="rId5"/>
+          <a:stretch>
+            <a:fillRect/>
+          </a:stretch>
+        </p:blipFill>
+        <p:spPr>
+          <a:xfrm>
+            <a:off x="1117934" y="1486049"/>
+            <a:ext cx="6707731" cy="3314551"/>
+          </a:xfrm>
+          <a:prstGeom prst="rect">
+            <a:avLst/>
+          </a:prstGeom>
+        </p:spPr>
+      </p:pic>
+    </p:spTree>
+    <p:extLst>
+      <p:ext uri="{BB962C8B-B14F-4D97-AF65-F5344CB8AC3E}">
+        <p14:creationId xmlns:p14="http://schemas.microsoft.com/office/powerpoint/2010/main" val="3070572263"/>
+      </p:ext>
+    </p:extLst>
+  </p:cSld>
+  <p:clrMapOvr>
+    <a:masterClrMapping/>
+  </p:clrMapOvr>
+</p:sld>
+</file>
+
+<file path=ppt/slides/slide17.xml><?xml version="1.0" encoding="utf-8"?>
+<p:sld xmlns:a="http://schemas.openxmlformats.org/drawingml/2006/main" xmlns:r="http://schemas.openxmlformats.org/officeDocument/2006/relationships" xmlns:p="http://schemas.openxmlformats.org/presentationml/2006/main">
+  <p:cSld>
+    <p:spTree>
+      <p:nvGrpSpPr>
+        <p:cNvPr id="1" name="Shape 178"/>
+        <p:cNvGrpSpPr/>
+        <p:nvPr/>
+      </p:nvGrpSpPr>
+      <p:grpSpPr>
+        <a:xfrm>
+          <a:off x="0" y="0"/>
+          <a:ext cx="0" cy="0"/>
+          <a:chOff x="0" y="0"/>
+          <a:chExt cx="0" cy="0"/>
+        </a:xfrm>
+      </p:grpSpPr>
+      <p:sp>
+        <p:nvSpPr>
+          <p:cNvPr id="179" name="Google Shape;179;p22"/>
+          <p:cNvSpPr txBox="1">
+            <a:spLocks noGrp="1"/>
+          </p:cNvSpPr>
+          <p:nvPr>
+            <p:ph type="body" idx="1"/>
+          </p:nvPr>
+        </p:nvSpPr>
+        <p:spPr>
+          <a:xfrm>
+            <a:off x="311700" y="1492925"/>
+            <a:ext cx="7191300" cy="2988225"/>
+          </a:xfrm>
+          <a:prstGeom prst="rect">
+            <a:avLst/>
+          </a:prstGeom>
+        </p:spPr>
+        <p:txBody>
+          <a:bodyPr spcFirstLastPara="1" wrap="square" lIns="91425" tIns="91425" rIns="91425" bIns="91425" anchor="t" anchorCtr="0">
+            <a:noAutofit/>
+          </a:bodyPr>
+          <a:lstStyle/>
+          <a:p>
+            <a:pPr marL="0" lvl="0" indent="0" algn="l" rtl="0">
+              <a:spcBef>
+                <a:spcPts val="0"/>
+              </a:spcBef>
+              <a:spcAft>
+                <a:spcPts val="1000"/>
+              </a:spcAft>
+              <a:buNone/>
+            </a:pPr>
+            <a:endParaRPr lang="en" sz="1500" dirty="0">
+              <a:solidFill>
+                <a:srgbClr val="282828"/>
+              </a:solidFill>
+              <a:latin typeface="Inter"/>
+              <a:ea typeface="Inter"/>
+              <a:cs typeface="Inter"/>
+              <a:sym typeface="Inter"/>
+            </a:endParaRPr>
+          </a:p>
+        </p:txBody>
+      </p:sp>
+      <p:sp>
+        <p:nvSpPr>
+          <p:cNvPr id="180" name="Google Shape;180;p22"/>
+          <p:cNvSpPr txBox="1"/>
+          <p:nvPr/>
+        </p:nvSpPr>
+        <p:spPr>
+          <a:xfrm>
+            <a:off x="0" y="4800600"/>
+            <a:ext cx="8943600" cy="323100"/>
+          </a:xfrm>
+          <a:prstGeom prst="rect">
+            <a:avLst/>
+          </a:prstGeom>
+          <a:noFill/>
+          <a:ln>
+            <a:noFill/>
+          </a:ln>
+        </p:spPr>
+        <p:txBody>
+          <a:bodyPr spcFirstLastPara="1" wrap="square" lIns="91425" tIns="91425" rIns="91425" bIns="91425" anchor="t" anchorCtr="0">
+            <a:spAutoFit/>
+          </a:bodyPr>
+          <a:lstStyle/>
+          <a:p>
+            <a:pPr marL="0" lvl="0" indent="0" algn="l" rtl="0">
+              <a:spcBef>
+                <a:spcPts val="0"/>
+              </a:spcBef>
+              <a:spcAft>
+                <a:spcPts val="0"/>
+              </a:spcAft>
+              <a:buNone/>
+            </a:pPr>
+            <a:r>
+              <a:rPr lang="en" sz="900">
+                <a:solidFill>
+                  <a:schemeClr val="dk2"/>
+                </a:solidFill>
+                <a:latin typeface="Inter"/>
+                <a:ea typeface="Inter"/>
+                <a:cs typeface="Inter"/>
+                <a:sym typeface="Inter"/>
+              </a:rPr>
+              <a:t>© 2022 Program Studi Independen Bersertifikat Zenius Bersama Kampus Merdeka</a:t>
+            </a:r>
+            <a:endParaRPr sz="900">
+              <a:solidFill>
+                <a:schemeClr val="dk2"/>
+              </a:solidFill>
+              <a:latin typeface="Inter"/>
+              <a:ea typeface="Inter"/>
+              <a:cs typeface="Inter"/>
+              <a:sym typeface="Inter"/>
+            </a:endParaRPr>
+          </a:p>
+        </p:txBody>
+      </p:sp>
+      <p:grpSp>
+        <p:nvGrpSpPr>
+          <p:cNvPr id="181" name="Google Shape;181;p22"/>
+          <p:cNvGrpSpPr/>
+          <p:nvPr/>
+        </p:nvGrpSpPr>
+        <p:grpSpPr>
+          <a:xfrm>
+            <a:off x="7503019" y="95797"/>
+            <a:ext cx="1516771" cy="323122"/>
+            <a:chOff x="400885" y="325214"/>
+            <a:chExt cx="2298835" cy="489727"/>
+          </a:xfrm>
+        </p:grpSpPr>
+        <p:pic>
+          <p:nvPicPr>
+            <p:cNvPr id="182" name="Google Shape;182;p22"/>
+            <p:cNvPicPr preferRelativeResize="0"/>
+            <p:nvPr/>
+          </p:nvPicPr>
+          <p:blipFill>
+            <a:blip r:embed="rId3">
+              <a:alphaModFix/>
+            </a:blip>
+            <a:stretch>
+              <a:fillRect/>
+            </a:stretch>
+          </p:blipFill>
+          <p:spPr>
+            <a:xfrm>
+              <a:off x="1906971" y="358726"/>
+              <a:ext cx="792749" cy="422701"/>
+            </a:xfrm>
+            <a:prstGeom prst="rect">
+              <a:avLst/>
+            </a:prstGeom>
+            <a:noFill/>
+            <a:ln>
+              <a:noFill/>
+            </a:ln>
+          </p:spPr>
+        </p:pic>
+        <p:cxnSp>
+          <p:nvCxnSpPr>
+            <p:cNvPr id="183" name="Google Shape;183;p22"/>
+            <p:cNvCxnSpPr/>
+            <p:nvPr/>
+          </p:nvCxnSpPr>
+          <p:spPr>
+            <a:xfrm>
+              <a:off x="1632394" y="460384"/>
+              <a:ext cx="0" cy="219345"/>
+            </a:xfrm>
+            <a:prstGeom prst="straightConnector1">
+              <a:avLst/>
+            </a:prstGeom>
+            <a:noFill/>
+            <a:ln w="9525" cap="flat" cmpd="sng">
+              <a:solidFill>
+                <a:schemeClr val="dk2"/>
+              </a:solidFill>
+              <a:prstDash val="solid"/>
+              <a:round/>
+              <a:headEnd type="none" w="med" len="med"/>
+              <a:tailEnd type="none" w="med" len="med"/>
+            </a:ln>
+          </p:spPr>
+        </p:cxnSp>
+        <p:cxnSp>
+          <p:nvCxnSpPr>
+            <p:cNvPr id="184" name="Google Shape;184;p22"/>
+            <p:cNvCxnSpPr/>
+            <p:nvPr/>
+          </p:nvCxnSpPr>
+          <p:spPr>
+            <a:xfrm>
+              <a:off x="1632360" y="460384"/>
+              <a:ext cx="0" cy="219345"/>
+            </a:xfrm>
+            <a:prstGeom prst="straightConnector1">
+              <a:avLst/>
+            </a:prstGeom>
+            <a:noFill/>
+            <a:ln w="9525" cap="flat" cmpd="sng">
+              <a:solidFill>
+                <a:schemeClr val="dk2"/>
+              </a:solidFill>
+              <a:prstDash val="solid"/>
+              <a:round/>
+              <a:headEnd type="none" w="med" len="med"/>
+              <a:tailEnd type="none" w="med" len="med"/>
+            </a:ln>
+          </p:spPr>
+        </p:cxnSp>
+        <p:pic>
+          <p:nvPicPr>
+            <p:cNvPr id="185" name="Google Shape;185;p22"/>
+            <p:cNvPicPr preferRelativeResize="0"/>
+            <p:nvPr/>
+          </p:nvPicPr>
+          <p:blipFill rotWithShape="1">
+            <a:blip r:embed="rId4">
+              <a:alphaModFix/>
+            </a:blip>
+            <a:srcRect l="9895" r="8731"/>
+            <a:stretch/>
+          </p:blipFill>
+          <p:spPr>
+            <a:xfrm>
+              <a:off x="400885" y="325214"/>
+              <a:ext cx="1033078" cy="489727"/>
+            </a:xfrm>
+            <a:prstGeom prst="rect">
+              <a:avLst/>
+            </a:prstGeom>
+            <a:noFill/>
+            <a:ln>
+              <a:noFill/>
+            </a:ln>
+          </p:spPr>
+        </p:pic>
+      </p:grpSp>
+      <p:sp>
+        <p:nvSpPr>
+          <p:cNvPr id="186" name="Google Shape;186;p22"/>
+          <p:cNvSpPr txBox="1">
+            <a:spLocks noGrp="1"/>
+          </p:cNvSpPr>
+          <p:nvPr>
+            <p:ph type="title"/>
+          </p:nvPr>
+        </p:nvSpPr>
+        <p:spPr>
+          <a:xfrm>
+            <a:off x="311700" y="673625"/>
+            <a:ext cx="8480400" cy="819300"/>
+          </a:xfrm>
+          <a:prstGeom prst="rect">
+            <a:avLst/>
+          </a:prstGeom>
+        </p:spPr>
+        <p:txBody>
+          <a:bodyPr spcFirstLastPara="1" wrap="square" lIns="91425" tIns="91425" rIns="91425" bIns="91425" anchor="ctr" anchorCtr="0">
+            <a:noAutofit/>
+          </a:bodyPr>
+          <a:lstStyle/>
+          <a:p>
+            <a:pPr marL="0" lvl="0" indent="0" algn="l" rtl="0">
+              <a:spcBef>
+                <a:spcPts val="0"/>
+              </a:spcBef>
+              <a:spcAft>
+                <a:spcPts val="0"/>
+              </a:spcAft>
+              <a:buSzPts val="990"/>
+              <a:buNone/>
+            </a:pPr>
+            <a:r>
+              <a:rPr lang="en" sz="2820">
+                <a:solidFill>
+                  <a:srgbClr val="A338EB"/>
+                </a:solidFill>
+                <a:latin typeface="Maven Pro SemiBold"/>
+                <a:ea typeface="Maven Pro SemiBold"/>
+                <a:cs typeface="Maven Pro SemiBold"/>
+                <a:sym typeface="Maven Pro SemiBold"/>
+              </a:rPr>
+              <a:t>Exploratory Data Analysis</a:t>
+            </a:r>
+            <a:endParaRPr sz="2820">
+              <a:solidFill>
+                <a:srgbClr val="A338EB"/>
+              </a:solidFill>
+              <a:latin typeface="Maven Pro SemiBold"/>
+              <a:ea typeface="Maven Pro SemiBold"/>
+              <a:cs typeface="Maven Pro SemiBold"/>
+              <a:sym typeface="Maven Pro SemiBold"/>
+            </a:endParaRPr>
+          </a:p>
+        </p:txBody>
+      </p:sp>
+      <p:sp>
+        <p:nvSpPr>
+          <p:cNvPr id="187" name="Google Shape;187;p22"/>
+          <p:cNvSpPr txBox="1"/>
+          <p:nvPr/>
+        </p:nvSpPr>
+        <p:spPr>
+          <a:xfrm>
+            <a:off x="76197" y="87997"/>
+            <a:ext cx="6081900" cy="338700"/>
+          </a:xfrm>
+          <a:prstGeom prst="rect">
+            <a:avLst/>
+          </a:prstGeom>
+          <a:noFill/>
+          <a:ln>
+            <a:noFill/>
+          </a:ln>
+        </p:spPr>
+        <p:txBody>
+          <a:bodyPr spcFirstLastPara="1" wrap="square" lIns="91425" tIns="91425" rIns="91425" bIns="91425" anchor="t" anchorCtr="0">
+            <a:spAutoFit/>
+          </a:bodyPr>
+          <a:lstStyle/>
+          <a:p>
+            <a:pPr marL="0" lvl="0" indent="0" algn="l" rtl="0">
+              <a:spcBef>
+                <a:spcPts val="0"/>
+              </a:spcBef>
+              <a:spcAft>
+                <a:spcPts val="0"/>
+              </a:spcAft>
+              <a:buClr>
+                <a:schemeClr val="dk1"/>
+              </a:buClr>
+              <a:buSzPts val="1100"/>
+              <a:buFont typeface="Arial"/>
+              <a:buNone/>
+            </a:pPr>
+            <a:r>
+              <a:rPr lang="en" sz="1000" b="1">
+                <a:solidFill>
+                  <a:srgbClr val="601F99"/>
+                </a:solidFill>
+                <a:latin typeface="Inter"/>
+                <a:ea typeface="Inter"/>
+                <a:cs typeface="Inter"/>
+                <a:sym typeface="Inter"/>
+              </a:rPr>
+              <a:t>EDA and Visualization</a:t>
+            </a:r>
+            <a:endParaRPr sz="1000" b="1">
+              <a:solidFill>
+                <a:srgbClr val="601F99"/>
+              </a:solidFill>
+              <a:latin typeface="Inter"/>
+              <a:ea typeface="Inter"/>
+              <a:cs typeface="Inter"/>
+              <a:sym typeface="Inter"/>
+            </a:endParaRPr>
+          </a:p>
+        </p:txBody>
+      </p:sp>
+      <p:pic>
+        <p:nvPicPr>
+          <p:cNvPr id="3" name="Picture 2">
+            <a:extLst>
+              <a:ext uri="{FF2B5EF4-FFF2-40B4-BE49-F238E27FC236}">
+                <a16:creationId xmlns:a16="http://schemas.microsoft.com/office/drawing/2014/main" id="{C78C9E5E-D819-6D0C-44D6-4CB9E7158EE5}"/>
+              </a:ext>
+            </a:extLst>
+          </p:cNvPr>
+          <p:cNvPicPr>
+            <a:picLocks noChangeAspect="1"/>
+          </p:cNvPicPr>
+          <p:nvPr/>
+        </p:nvPicPr>
+        <p:blipFill>
+          <a:blip r:embed="rId5"/>
+          <a:stretch>
+            <a:fillRect/>
+          </a:stretch>
+        </p:blipFill>
+        <p:spPr>
+          <a:xfrm>
+            <a:off x="942088" y="1424326"/>
+            <a:ext cx="7059424" cy="3292735"/>
+          </a:xfrm>
+          <a:prstGeom prst="rect">
+            <a:avLst/>
+          </a:prstGeom>
+        </p:spPr>
+      </p:pic>
+    </p:spTree>
+    <p:extLst>
+      <p:ext uri="{BB962C8B-B14F-4D97-AF65-F5344CB8AC3E}">
+        <p14:creationId xmlns:p14="http://schemas.microsoft.com/office/powerpoint/2010/main" val="2638139184"/>
+      </p:ext>
+    </p:extLst>
+  </p:cSld>
+  <p:clrMapOvr>
+    <a:masterClrMapping/>
+  </p:clrMapOvr>
+</p:sld>
+</file>
+
+<file path=ppt/slides/slide18.xml><?xml version="1.0" encoding="utf-8"?>
 <p:sld xmlns:a="http://schemas.openxmlformats.org/drawingml/2006/main" xmlns:r="http://schemas.openxmlformats.org/officeDocument/2006/relationships" xmlns:p="http://schemas.openxmlformats.org/presentationml/2006/main">
   <p:cSld>
     <p:bg>
@@ -11666,7 +13275,7 @@
 </p:sld>
 </file>
 
-<file path=ppt/slides/slide16.xml><?xml version="1.0" encoding="utf-8"?>
+<file path=ppt/slides/slide19.xml><?xml version="1.0" encoding="utf-8"?>
 <p:sld xmlns:a="http://schemas.openxmlformats.org/drawingml/2006/main" xmlns:r="http://schemas.openxmlformats.org/officeDocument/2006/relationships" xmlns:p="http://schemas.openxmlformats.org/presentationml/2006/main">
   <p:cSld>
     <p:spTree>
@@ -13000,7 +14609,584 @@
 </p:sld>
 </file>
 
-<file path=ppt/slides/slide17.xml><?xml version="1.0" encoding="utf-8"?>
+<file path=ppt/slides/slide2.xml><?xml version="1.0" encoding="utf-8"?>
+<p:sld xmlns:a="http://schemas.openxmlformats.org/drawingml/2006/main" xmlns:r="http://schemas.openxmlformats.org/officeDocument/2006/relationships" xmlns:p="http://schemas.openxmlformats.org/presentationml/2006/main" show="0">
+  <p:cSld>
+    <p:spTree>
+      <p:nvGrpSpPr>
+        <p:cNvPr id="1" name="Shape 70"/>
+        <p:cNvGrpSpPr/>
+        <p:nvPr/>
+      </p:nvGrpSpPr>
+      <p:grpSpPr>
+        <a:xfrm>
+          <a:off x="0" y="0"/>
+          <a:ext cx="0" cy="0"/>
+          <a:chOff x="0" y="0"/>
+          <a:chExt cx="0" cy="0"/>
+        </a:xfrm>
+      </p:grpSpPr>
+      <p:sp>
+        <p:nvSpPr>
+          <p:cNvPr id="71" name="Google Shape;71;p14"/>
+          <p:cNvSpPr txBox="1">
+            <a:spLocks noGrp="1"/>
+          </p:cNvSpPr>
+          <p:nvPr>
+            <p:ph type="body" idx="1"/>
+          </p:nvPr>
+        </p:nvSpPr>
+        <p:spPr>
+          <a:xfrm>
+            <a:off x="311700" y="1744750"/>
+            <a:ext cx="7853400" cy="2924400"/>
+          </a:xfrm>
+          <a:prstGeom prst="rect">
+            <a:avLst/>
+          </a:prstGeom>
+        </p:spPr>
+        <p:txBody>
+          <a:bodyPr spcFirstLastPara="1" wrap="square" lIns="91425" tIns="91425" rIns="91425" bIns="91425" anchor="t" anchorCtr="0">
+            <a:noAutofit/>
+          </a:bodyPr>
+          <a:lstStyle/>
+          <a:p>
+            <a:pPr marL="457200" lvl="0" indent="-323850" algn="l" rtl="0">
+              <a:lnSpc>
+                <a:spcPct val="115000"/>
+              </a:lnSpc>
+              <a:spcBef>
+                <a:spcPts val="0"/>
+              </a:spcBef>
+              <a:spcAft>
+                <a:spcPts val="0"/>
+              </a:spcAft>
+              <a:buClr>
+                <a:srgbClr val="282828"/>
+              </a:buClr>
+              <a:buSzPts val="1500"/>
+              <a:buFont typeface="Inter"/>
+              <a:buChar char="-"/>
+            </a:pPr>
+            <a:r>
+              <a:rPr lang="en" sz="1500">
+                <a:solidFill>
+                  <a:srgbClr val="282828"/>
+                </a:solidFill>
+                <a:latin typeface="Inter"/>
+                <a:ea typeface="Inter"/>
+                <a:cs typeface="Inter"/>
+                <a:sym typeface="Inter"/>
+              </a:rPr>
+              <a:t>Waktu presentasi adalah 5 menit (tentatif, tergantung dari banyaknya kelompok yang mendaftarkan diri)</a:t>
+            </a:r>
+            <a:endParaRPr sz="1500">
+              <a:solidFill>
+                <a:srgbClr val="282828"/>
+              </a:solidFill>
+              <a:latin typeface="Inter"/>
+              <a:ea typeface="Inter"/>
+              <a:cs typeface="Inter"/>
+              <a:sym typeface="Inter"/>
+            </a:endParaRPr>
+          </a:p>
+          <a:p>
+            <a:pPr marL="457200" lvl="0" indent="-323850" algn="l" rtl="0">
+              <a:lnSpc>
+                <a:spcPct val="115000"/>
+              </a:lnSpc>
+              <a:spcBef>
+                <a:spcPts val="0"/>
+              </a:spcBef>
+              <a:spcAft>
+                <a:spcPts val="0"/>
+              </a:spcAft>
+              <a:buClr>
+                <a:srgbClr val="282828"/>
+              </a:buClr>
+              <a:buSzPts val="1500"/>
+              <a:buFont typeface="Inter"/>
+              <a:buChar char="-"/>
+            </a:pPr>
+            <a:r>
+              <a:rPr lang="en" sz="1500">
+                <a:solidFill>
+                  <a:srgbClr val="282828"/>
+                </a:solidFill>
+                <a:latin typeface="Inter"/>
+                <a:ea typeface="Inter"/>
+                <a:cs typeface="Inter"/>
+                <a:sym typeface="Inter"/>
+              </a:rPr>
+              <a:t>Waktu tanya jawab adalah 5 menit</a:t>
+            </a:r>
+            <a:endParaRPr sz="1500">
+              <a:solidFill>
+                <a:srgbClr val="282828"/>
+              </a:solidFill>
+              <a:latin typeface="Inter"/>
+              <a:ea typeface="Inter"/>
+              <a:cs typeface="Inter"/>
+              <a:sym typeface="Inter"/>
+            </a:endParaRPr>
+          </a:p>
+          <a:p>
+            <a:pPr marL="457200" lvl="0" indent="-323850" algn="l" rtl="0">
+              <a:lnSpc>
+                <a:spcPct val="115000"/>
+              </a:lnSpc>
+              <a:spcBef>
+                <a:spcPts val="0"/>
+              </a:spcBef>
+              <a:spcAft>
+                <a:spcPts val="0"/>
+              </a:spcAft>
+              <a:buClr>
+                <a:srgbClr val="282828"/>
+              </a:buClr>
+              <a:buSzPts val="1500"/>
+              <a:buFont typeface="Inter"/>
+              <a:buChar char="-"/>
+            </a:pPr>
+            <a:r>
+              <a:rPr lang="en" sz="1500">
+                <a:solidFill>
+                  <a:srgbClr val="282828"/>
+                </a:solidFill>
+                <a:latin typeface="Inter"/>
+                <a:ea typeface="Inter"/>
+                <a:cs typeface="Inter"/>
+                <a:sym typeface="Inter"/>
+              </a:rPr>
+              <a:t>Silakan menambahkan gambar/visualisasi pada slide presentasi</a:t>
+            </a:r>
+            <a:endParaRPr sz="1500">
+              <a:solidFill>
+                <a:srgbClr val="282828"/>
+              </a:solidFill>
+              <a:latin typeface="Inter"/>
+              <a:ea typeface="Inter"/>
+              <a:cs typeface="Inter"/>
+              <a:sym typeface="Inter"/>
+            </a:endParaRPr>
+          </a:p>
+          <a:p>
+            <a:pPr marL="457200" lvl="0" indent="-323850" algn="l" rtl="0">
+              <a:lnSpc>
+                <a:spcPct val="115000"/>
+              </a:lnSpc>
+              <a:spcBef>
+                <a:spcPts val="0"/>
+              </a:spcBef>
+              <a:spcAft>
+                <a:spcPts val="0"/>
+              </a:spcAft>
+              <a:buClr>
+                <a:srgbClr val="282828"/>
+              </a:buClr>
+              <a:buSzPts val="1500"/>
+              <a:buFont typeface="Inter"/>
+              <a:buChar char="-"/>
+            </a:pPr>
+            <a:r>
+              <a:rPr lang="en" sz="1500">
+                <a:solidFill>
+                  <a:srgbClr val="282828"/>
+                </a:solidFill>
+                <a:latin typeface="Inter"/>
+                <a:ea typeface="Inter"/>
+                <a:cs typeface="Inter"/>
+                <a:sym typeface="Inter"/>
+              </a:rPr>
+              <a:t>Upayakan agar tetap dalam format poin-poin (ingat, ini presentasi, bukan esai)</a:t>
+            </a:r>
+            <a:endParaRPr sz="1500">
+              <a:solidFill>
+                <a:srgbClr val="282828"/>
+              </a:solidFill>
+              <a:latin typeface="Inter"/>
+              <a:ea typeface="Inter"/>
+              <a:cs typeface="Inter"/>
+              <a:sym typeface="Inter"/>
+            </a:endParaRPr>
+          </a:p>
+          <a:p>
+            <a:pPr marL="457200" lvl="0" indent="-323850" algn="l" rtl="0">
+              <a:lnSpc>
+                <a:spcPct val="115000"/>
+              </a:lnSpc>
+              <a:spcBef>
+                <a:spcPts val="0"/>
+              </a:spcBef>
+              <a:spcAft>
+                <a:spcPts val="0"/>
+              </a:spcAft>
+              <a:buClr>
+                <a:srgbClr val="282828"/>
+              </a:buClr>
+              <a:buSzPts val="1500"/>
+              <a:buFont typeface="Inter"/>
+              <a:buChar char="-"/>
+            </a:pPr>
+            <a:r>
+              <a:rPr lang="en" sz="1500">
+                <a:solidFill>
+                  <a:srgbClr val="282828"/>
+                </a:solidFill>
+                <a:latin typeface="Inter"/>
+                <a:ea typeface="Inter"/>
+                <a:cs typeface="Inter"/>
+                <a:sym typeface="Inter"/>
+              </a:rPr>
+              <a:t>Jangan masukkan </a:t>
+            </a:r>
+            <a:r>
+              <a:rPr lang="en" sz="1500" i="1">
+                <a:solidFill>
+                  <a:srgbClr val="282828"/>
+                </a:solidFill>
+                <a:latin typeface="Inter"/>
+                <a:ea typeface="Inter"/>
+                <a:cs typeface="Inter"/>
+                <a:sym typeface="Inter"/>
+              </a:rPr>
+              <a:t>code</a:t>
+            </a:r>
+            <a:r>
+              <a:rPr lang="en" sz="1500">
+                <a:solidFill>
+                  <a:srgbClr val="282828"/>
+                </a:solidFill>
+                <a:latin typeface="Inter"/>
+                <a:ea typeface="Inter"/>
+                <a:cs typeface="Inter"/>
+                <a:sym typeface="Inter"/>
+              </a:rPr>
+              <a:t> ke dalam slide presentasi (tidak usah memasukan screenshot jupyter notebook)</a:t>
+            </a:r>
+            <a:endParaRPr sz="1500">
+              <a:solidFill>
+                <a:srgbClr val="282828"/>
+              </a:solidFill>
+              <a:latin typeface="Inter"/>
+              <a:ea typeface="Inter"/>
+              <a:cs typeface="Inter"/>
+              <a:sym typeface="Inter"/>
+            </a:endParaRPr>
+          </a:p>
+        </p:txBody>
+      </p:sp>
+      <p:sp>
+        <p:nvSpPr>
+          <p:cNvPr id="72" name="Google Shape;72;p14"/>
+          <p:cNvSpPr txBox="1"/>
+          <p:nvPr/>
+        </p:nvSpPr>
+        <p:spPr>
+          <a:xfrm>
+            <a:off x="76197" y="87997"/>
+            <a:ext cx="6081900" cy="338700"/>
+          </a:xfrm>
+          <a:prstGeom prst="rect">
+            <a:avLst/>
+          </a:prstGeom>
+          <a:noFill/>
+          <a:ln>
+            <a:noFill/>
+          </a:ln>
+        </p:spPr>
+        <p:txBody>
+          <a:bodyPr spcFirstLastPara="1" wrap="square" lIns="91425" tIns="91425" rIns="91425" bIns="91425" anchor="t" anchorCtr="0">
+            <a:spAutoFit/>
+          </a:bodyPr>
+          <a:lstStyle/>
+          <a:p>
+            <a:pPr marL="0" lvl="0" indent="0" algn="l" rtl="0">
+              <a:spcBef>
+                <a:spcPts val="0"/>
+              </a:spcBef>
+              <a:spcAft>
+                <a:spcPts val="0"/>
+              </a:spcAft>
+              <a:buClr>
+                <a:schemeClr val="dk1"/>
+              </a:buClr>
+              <a:buSzPts val="1100"/>
+              <a:buFont typeface="Arial"/>
+              <a:buNone/>
+            </a:pPr>
+            <a:r>
+              <a:rPr lang="en" sz="1000" b="1">
+                <a:solidFill>
+                  <a:srgbClr val="601F99"/>
+                </a:solidFill>
+                <a:latin typeface="Inter"/>
+                <a:ea typeface="Inter"/>
+                <a:cs typeface="Inter"/>
+                <a:sym typeface="Inter"/>
+              </a:rPr>
+              <a:t>Latar Belakang</a:t>
+            </a:r>
+            <a:endParaRPr sz="1000" b="1">
+              <a:solidFill>
+                <a:srgbClr val="601F99"/>
+              </a:solidFill>
+              <a:latin typeface="Inter"/>
+              <a:ea typeface="Inter"/>
+              <a:cs typeface="Inter"/>
+              <a:sym typeface="Inter"/>
+            </a:endParaRPr>
+          </a:p>
+        </p:txBody>
+      </p:sp>
+      <p:sp>
+        <p:nvSpPr>
+          <p:cNvPr id="73" name="Google Shape;73;p14"/>
+          <p:cNvSpPr txBox="1"/>
+          <p:nvPr/>
+        </p:nvSpPr>
+        <p:spPr>
+          <a:xfrm>
+            <a:off x="0" y="4800600"/>
+            <a:ext cx="8943600" cy="323100"/>
+          </a:xfrm>
+          <a:prstGeom prst="rect">
+            <a:avLst/>
+          </a:prstGeom>
+          <a:noFill/>
+          <a:ln>
+            <a:noFill/>
+          </a:ln>
+        </p:spPr>
+        <p:txBody>
+          <a:bodyPr spcFirstLastPara="1" wrap="square" lIns="91425" tIns="91425" rIns="91425" bIns="91425" anchor="t" anchorCtr="0">
+            <a:spAutoFit/>
+          </a:bodyPr>
+          <a:lstStyle/>
+          <a:p>
+            <a:pPr marL="0" lvl="0" indent="0" algn="l" rtl="0">
+              <a:spcBef>
+                <a:spcPts val="0"/>
+              </a:spcBef>
+              <a:spcAft>
+                <a:spcPts val="0"/>
+              </a:spcAft>
+              <a:buNone/>
+            </a:pPr>
+            <a:r>
+              <a:rPr lang="en" sz="900">
+                <a:solidFill>
+                  <a:schemeClr val="dk2"/>
+                </a:solidFill>
+                <a:latin typeface="Inter"/>
+                <a:ea typeface="Inter"/>
+                <a:cs typeface="Inter"/>
+                <a:sym typeface="Inter"/>
+              </a:rPr>
+              <a:t>© 2022 Program Studi Independen Bersertifikat Zenius Bersama Kampus Merdeka</a:t>
+            </a:r>
+            <a:endParaRPr sz="900">
+              <a:solidFill>
+                <a:schemeClr val="dk2"/>
+              </a:solidFill>
+              <a:latin typeface="Inter"/>
+              <a:ea typeface="Inter"/>
+              <a:cs typeface="Inter"/>
+              <a:sym typeface="Inter"/>
+            </a:endParaRPr>
+          </a:p>
+        </p:txBody>
+      </p:sp>
+      <p:grpSp>
+        <p:nvGrpSpPr>
+          <p:cNvPr id="74" name="Google Shape;74;p14"/>
+          <p:cNvGrpSpPr/>
+          <p:nvPr/>
+        </p:nvGrpSpPr>
+        <p:grpSpPr>
+          <a:xfrm>
+            <a:off x="7503019" y="95797"/>
+            <a:ext cx="1516771" cy="323122"/>
+            <a:chOff x="400885" y="325214"/>
+            <a:chExt cx="2298835" cy="489727"/>
+          </a:xfrm>
+        </p:grpSpPr>
+        <p:pic>
+          <p:nvPicPr>
+            <p:cNvPr id="75" name="Google Shape;75;p14"/>
+            <p:cNvPicPr preferRelativeResize="0"/>
+            <p:nvPr/>
+          </p:nvPicPr>
+          <p:blipFill>
+            <a:blip r:embed="rId3">
+              <a:alphaModFix/>
+            </a:blip>
+            <a:stretch>
+              <a:fillRect/>
+            </a:stretch>
+          </p:blipFill>
+          <p:spPr>
+            <a:xfrm>
+              <a:off x="1906971" y="358726"/>
+              <a:ext cx="792749" cy="422701"/>
+            </a:xfrm>
+            <a:prstGeom prst="rect">
+              <a:avLst/>
+            </a:prstGeom>
+            <a:noFill/>
+            <a:ln>
+              <a:noFill/>
+            </a:ln>
+          </p:spPr>
+        </p:pic>
+        <p:cxnSp>
+          <p:nvCxnSpPr>
+            <p:cNvPr id="76" name="Google Shape;76;p14"/>
+            <p:cNvCxnSpPr/>
+            <p:nvPr/>
+          </p:nvCxnSpPr>
+          <p:spPr>
+            <a:xfrm>
+              <a:off x="1632394" y="460384"/>
+              <a:ext cx="0" cy="219345"/>
+            </a:xfrm>
+            <a:prstGeom prst="straightConnector1">
+              <a:avLst/>
+            </a:prstGeom>
+            <a:noFill/>
+            <a:ln w="9525" cap="flat" cmpd="sng">
+              <a:solidFill>
+                <a:schemeClr val="dk2"/>
+              </a:solidFill>
+              <a:prstDash val="solid"/>
+              <a:round/>
+              <a:headEnd type="none" w="med" len="med"/>
+              <a:tailEnd type="none" w="med" len="med"/>
+            </a:ln>
+          </p:spPr>
+        </p:cxnSp>
+        <p:cxnSp>
+          <p:nvCxnSpPr>
+            <p:cNvPr id="77" name="Google Shape;77;p14"/>
+            <p:cNvCxnSpPr/>
+            <p:nvPr/>
+          </p:nvCxnSpPr>
+          <p:spPr>
+            <a:xfrm>
+              <a:off x="1632360" y="460384"/>
+              <a:ext cx="0" cy="219345"/>
+            </a:xfrm>
+            <a:prstGeom prst="straightConnector1">
+              <a:avLst/>
+            </a:prstGeom>
+            <a:noFill/>
+            <a:ln w="9525" cap="flat" cmpd="sng">
+              <a:solidFill>
+                <a:schemeClr val="dk2"/>
+              </a:solidFill>
+              <a:prstDash val="solid"/>
+              <a:round/>
+              <a:headEnd type="none" w="med" len="med"/>
+              <a:tailEnd type="none" w="med" len="med"/>
+            </a:ln>
+          </p:spPr>
+        </p:cxnSp>
+        <p:pic>
+          <p:nvPicPr>
+            <p:cNvPr id="78" name="Google Shape;78;p14"/>
+            <p:cNvPicPr preferRelativeResize="0"/>
+            <p:nvPr/>
+          </p:nvPicPr>
+          <p:blipFill rotWithShape="1">
+            <a:blip r:embed="rId4">
+              <a:alphaModFix/>
+            </a:blip>
+            <a:srcRect l="9895" r="8731"/>
+            <a:stretch/>
+          </p:blipFill>
+          <p:spPr>
+            <a:xfrm>
+              <a:off x="400885" y="325214"/>
+              <a:ext cx="1033078" cy="489727"/>
+            </a:xfrm>
+            <a:prstGeom prst="rect">
+              <a:avLst/>
+            </a:prstGeom>
+            <a:noFill/>
+            <a:ln>
+              <a:noFill/>
+            </a:ln>
+          </p:spPr>
+        </p:pic>
+      </p:grpSp>
+      <p:sp>
+        <p:nvSpPr>
+          <p:cNvPr id="79" name="Google Shape;79;p14"/>
+          <p:cNvSpPr txBox="1">
+            <a:spLocks noGrp="1"/>
+          </p:cNvSpPr>
+          <p:nvPr>
+            <p:ph type="title"/>
+          </p:nvPr>
+        </p:nvSpPr>
+        <p:spPr>
+          <a:xfrm>
+            <a:off x="311700" y="673625"/>
+            <a:ext cx="8480400" cy="819300"/>
+          </a:xfrm>
+          <a:prstGeom prst="rect">
+            <a:avLst/>
+          </a:prstGeom>
+        </p:spPr>
+        <p:txBody>
+          <a:bodyPr spcFirstLastPara="1" wrap="square" lIns="91425" tIns="91425" rIns="91425" bIns="91425" anchor="ctr" anchorCtr="0">
+            <a:noAutofit/>
+          </a:bodyPr>
+          <a:lstStyle/>
+          <a:p>
+            <a:pPr marL="0" lvl="0" indent="0" algn="l" rtl="0">
+              <a:spcBef>
+                <a:spcPts val="0"/>
+              </a:spcBef>
+              <a:spcAft>
+                <a:spcPts val="0"/>
+              </a:spcAft>
+              <a:buSzPts val="990"/>
+              <a:buNone/>
+            </a:pPr>
+            <a:r>
+              <a:rPr lang="en" sz="2820">
+                <a:solidFill>
+                  <a:srgbClr val="A338EB"/>
+                </a:solidFill>
+                <a:latin typeface="Maven Pro SemiBold"/>
+                <a:ea typeface="Maven Pro SemiBold"/>
+                <a:cs typeface="Maven Pro SemiBold"/>
+                <a:sym typeface="Maven Pro SemiBold"/>
+              </a:rPr>
+              <a:t>Petunjuk</a:t>
+            </a:r>
+            <a:endParaRPr sz="2820">
+              <a:solidFill>
+                <a:srgbClr val="A338EB"/>
+              </a:solidFill>
+              <a:latin typeface="Maven Pro SemiBold"/>
+              <a:ea typeface="Maven Pro SemiBold"/>
+              <a:cs typeface="Maven Pro SemiBold"/>
+              <a:sym typeface="Maven Pro SemiBold"/>
+            </a:endParaRPr>
+          </a:p>
+        </p:txBody>
+      </p:sp>
+    </p:spTree>
+  </p:cSld>
+  <p:clrMapOvr>
+    <a:masterClrMapping/>
+  </p:clrMapOvr>
+</p:sld>
+</file>
+
+<file path=ppt/slides/slide20.xml><?xml version="1.0" encoding="utf-8"?>
 <p:sld xmlns:a="http://schemas.openxmlformats.org/drawingml/2006/main" xmlns:r="http://schemas.openxmlformats.org/officeDocument/2006/relationships" xmlns:p="http://schemas.openxmlformats.org/presentationml/2006/main">
   <p:cSld>
     <p:spTree>
@@ -13407,7 +15593,7 @@
 </p:sld>
 </file>
 
-<file path=ppt/slides/slide18.xml><?xml version="1.0" encoding="utf-8"?>
+<file path=ppt/slides/slide21.xml><?xml version="1.0" encoding="utf-8"?>
 <p:sld xmlns:a="http://schemas.openxmlformats.org/drawingml/2006/main" xmlns:r="http://schemas.openxmlformats.org/officeDocument/2006/relationships" xmlns:p="http://schemas.openxmlformats.org/presentationml/2006/main">
   <p:cSld>
     <p:spTree>
@@ -13879,7 +16065,7 @@
 </p:sld>
 </file>
 
-<file path=ppt/slides/slide19.xml><?xml version="1.0" encoding="utf-8"?>
+<file path=ppt/slides/slide22.xml><?xml version="1.0" encoding="utf-8"?>
 <p:sld xmlns:a="http://schemas.openxmlformats.org/drawingml/2006/main" xmlns:r="http://schemas.openxmlformats.org/officeDocument/2006/relationships" xmlns:p="http://schemas.openxmlformats.org/presentationml/2006/main">
   <p:cSld>
     <p:spTree>
@@ -14352,584 +16538,7 @@
 </p:sld>
 </file>
 
-<file path=ppt/slides/slide2.xml><?xml version="1.0" encoding="utf-8"?>
-<p:sld xmlns:a="http://schemas.openxmlformats.org/drawingml/2006/main" xmlns:r="http://schemas.openxmlformats.org/officeDocument/2006/relationships" xmlns:p="http://schemas.openxmlformats.org/presentationml/2006/main" show="0">
-  <p:cSld>
-    <p:spTree>
-      <p:nvGrpSpPr>
-        <p:cNvPr id="1" name="Shape 70"/>
-        <p:cNvGrpSpPr/>
-        <p:nvPr/>
-      </p:nvGrpSpPr>
-      <p:grpSpPr>
-        <a:xfrm>
-          <a:off x="0" y="0"/>
-          <a:ext cx="0" cy="0"/>
-          <a:chOff x="0" y="0"/>
-          <a:chExt cx="0" cy="0"/>
-        </a:xfrm>
-      </p:grpSpPr>
-      <p:sp>
-        <p:nvSpPr>
-          <p:cNvPr id="71" name="Google Shape;71;p14"/>
-          <p:cNvSpPr txBox="1">
-            <a:spLocks noGrp="1"/>
-          </p:cNvSpPr>
-          <p:nvPr>
-            <p:ph type="body" idx="1"/>
-          </p:nvPr>
-        </p:nvSpPr>
-        <p:spPr>
-          <a:xfrm>
-            <a:off x="311700" y="1744750"/>
-            <a:ext cx="7853400" cy="2924400"/>
-          </a:xfrm>
-          <a:prstGeom prst="rect">
-            <a:avLst/>
-          </a:prstGeom>
-        </p:spPr>
-        <p:txBody>
-          <a:bodyPr spcFirstLastPara="1" wrap="square" lIns="91425" tIns="91425" rIns="91425" bIns="91425" anchor="t" anchorCtr="0">
-            <a:noAutofit/>
-          </a:bodyPr>
-          <a:lstStyle/>
-          <a:p>
-            <a:pPr marL="457200" lvl="0" indent="-323850" algn="l" rtl="0">
-              <a:lnSpc>
-                <a:spcPct val="115000"/>
-              </a:lnSpc>
-              <a:spcBef>
-                <a:spcPts val="0"/>
-              </a:spcBef>
-              <a:spcAft>
-                <a:spcPts val="0"/>
-              </a:spcAft>
-              <a:buClr>
-                <a:srgbClr val="282828"/>
-              </a:buClr>
-              <a:buSzPts val="1500"/>
-              <a:buFont typeface="Inter"/>
-              <a:buChar char="-"/>
-            </a:pPr>
-            <a:r>
-              <a:rPr lang="en" sz="1500">
-                <a:solidFill>
-                  <a:srgbClr val="282828"/>
-                </a:solidFill>
-                <a:latin typeface="Inter"/>
-                <a:ea typeface="Inter"/>
-                <a:cs typeface="Inter"/>
-                <a:sym typeface="Inter"/>
-              </a:rPr>
-              <a:t>Waktu presentasi adalah 5 menit (tentatif, tergantung dari banyaknya kelompok yang mendaftarkan diri)</a:t>
-            </a:r>
-            <a:endParaRPr sz="1500">
-              <a:solidFill>
-                <a:srgbClr val="282828"/>
-              </a:solidFill>
-              <a:latin typeface="Inter"/>
-              <a:ea typeface="Inter"/>
-              <a:cs typeface="Inter"/>
-              <a:sym typeface="Inter"/>
-            </a:endParaRPr>
-          </a:p>
-          <a:p>
-            <a:pPr marL="457200" lvl="0" indent="-323850" algn="l" rtl="0">
-              <a:lnSpc>
-                <a:spcPct val="115000"/>
-              </a:lnSpc>
-              <a:spcBef>
-                <a:spcPts val="0"/>
-              </a:spcBef>
-              <a:spcAft>
-                <a:spcPts val="0"/>
-              </a:spcAft>
-              <a:buClr>
-                <a:srgbClr val="282828"/>
-              </a:buClr>
-              <a:buSzPts val="1500"/>
-              <a:buFont typeface="Inter"/>
-              <a:buChar char="-"/>
-            </a:pPr>
-            <a:r>
-              <a:rPr lang="en" sz="1500">
-                <a:solidFill>
-                  <a:srgbClr val="282828"/>
-                </a:solidFill>
-                <a:latin typeface="Inter"/>
-                <a:ea typeface="Inter"/>
-                <a:cs typeface="Inter"/>
-                <a:sym typeface="Inter"/>
-              </a:rPr>
-              <a:t>Waktu tanya jawab adalah 5 menit</a:t>
-            </a:r>
-            <a:endParaRPr sz="1500">
-              <a:solidFill>
-                <a:srgbClr val="282828"/>
-              </a:solidFill>
-              <a:latin typeface="Inter"/>
-              <a:ea typeface="Inter"/>
-              <a:cs typeface="Inter"/>
-              <a:sym typeface="Inter"/>
-            </a:endParaRPr>
-          </a:p>
-          <a:p>
-            <a:pPr marL="457200" lvl="0" indent="-323850" algn="l" rtl="0">
-              <a:lnSpc>
-                <a:spcPct val="115000"/>
-              </a:lnSpc>
-              <a:spcBef>
-                <a:spcPts val="0"/>
-              </a:spcBef>
-              <a:spcAft>
-                <a:spcPts val="0"/>
-              </a:spcAft>
-              <a:buClr>
-                <a:srgbClr val="282828"/>
-              </a:buClr>
-              <a:buSzPts val="1500"/>
-              <a:buFont typeface="Inter"/>
-              <a:buChar char="-"/>
-            </a:pPr>
-            <a:r>
-              <a:rPr lang="en" sz="1500">
-                <a:solidFill>
-                  <a:srgbClr val="282828"/>
-                </a:solidFill>
-                <a:latin typeface="Inter"/>
-                <a:ea typeface="Inter"/>
-                <a:cs typeface="Inter"/>
-                <a:sym typeface="Inter"/>
-              </a:rPr>
-              <a:t>Silakan menambahkan gambar/visualisasi pada slide presentasi</a:t>
-            </a:r>
-            <a:endParaRPr sz="1500">
-              <a:solidFill>
-                <a:srgbClr val="282828"/>
-              </a:solidFill>
-              <a:latin typeface="Inter"/>
-              <a:ea typeface="Inter"/>
-              <a:cs typeface="Inter"/>
-              <a:sym typeface="Inter"/>
-            </a:endParaRPr>
-          </a:p>
-          <a:p>
-            <a:pPr marL="457200" lvl="0" indent="-323850" algn="l" rtl="0">
-              <a:lnSpc>
-                <a:spcPct val="115000"/>
-              </a:lnSpc>
-              <a:spcBef>
-                <a:spcPts val="0"/>
-              </a:spcBef>
-              <a:spcAft>
-                <a:spcPts val="0"/>
-              </a:spcAft>
-              <a:buClr>
-                <a:srgbClr val="282828"/>
-              </a:buClr>
-              <a:buSzPts val="1500"/>
-              <a:buFont typeface="Inter"/>
-              <a:buChar char="-"/>
-            </a:pPr>
-            <a:r>
-              <a:rPr lang="en" sz="1500">
-                <a:solidFill>
-                  <a:srgbClr val="282828"/>
-                </a:solidFill>
-                <a:latin typeface="Inter"/>
-                <a:ea typeface="Inter"/>
-                <a:cs typeface="Inter"/>
-                <a:sym typeface="Inter"/>
-              </a:rPr>
-              <a:t>Upayakan agar tetap dalam format poin-poin (ingat, ini presentasi, bukan esai)</a:t>
-            </a:r>
-            <a:endParaRPr sz="1500">
-              <a:solidFill>
-                <a:srgbClr val="282828"/>
-              </a:solidFill>
-              <a:latin typeface="Inter"/>
-              <a:ea typeface="Inter"/>
-              <a:cs typeface="Inter"/>
-              <a:sym typeface="Inter"/>
-            </a:endParaRPr>
-          </a:p>
-          <a:p>
-            <a:pPr marL="457200" lvl="0" indent="-323850" algn="l" rtl="0">
-              <a:lnSpc>
-                <a:spcPct val="115000"/>
-              </a:lnSpc>
-              <a:spcBef>
-                <a:spcPts val="0"/>
-              </a:spcBef>
-              <a:spcAft>
-                <a:spcPts val="0"/>
-              </a:spcAft>
-              <a:buClr>
-                <a:srgbClr val="282828"/>
-              </a:buClr>
-              <a:buSzPts val="1500"/>
-              <a:buFont typeface="Inter"/>
-              <a:buChar char="-"/>
-            </a:pPr>
-            <a:r>
-              <a:rPr lang="en" sz="1500">
-                <a:solidFill>
-                  <a:srgbClr val="282828"/>
-                </a:solidFill>
-                <a:latin typeface="Inter"/>
-                <a:ea typeface="Inter"/>
-                <a:cs typeface="Inter"/>
-                <a:sym typeface="Inter"/>
-              </a:rPr>
-              <a:t>Jangan masukkan </a:t>
-            </a:r>
-            <a:r>
-              <a:rPr lang="en" sz="1500" i="1">
-                <a:solidFill>
-                  <a:srgbClr val="282828"/>
-                </a:solidFill>
-                <a:latin typeface="Inter"/>
-                <a:ea typeface="Inter"/>
-                <a:cs typeface="Inter"/>
-                <a:sym typeface="Inter"/>
-              </a:rPr>
-              <a:t>code</a:t>
-            </a:r>
-            <a:r>
-              <a:rPr lang="en" sz="1500">
-                <a:solidFill>
-                  <a:srgbClr val="282828"/>
-                </a:solidFill>
-                <a:latin typeface="Inter"/>
-                <a:ea typeface="Inter"/>
-                <a:cs typeface="Inter"/>
-                <a:sym typeface="Inter"/>
-              </a:rPr>
-              <a:t> ke dalam slide presentasi (tidak usah memasukan screenshot jupyter notebook)</a:t>
-            </a:r>
-            <a:endParaRPr sz="1500">
-              <a:solidFill>
-                <a:srgbClr val="282828"/>
-              </a:solidFill>
-              <a:latin typeface="Inter"/>
-              <a:ea typeface="Inter"/>
-              <a:cs typeface="Inter"/>
-              <a:sym typeface="Inter"/>
-            </a:endParaRPr>
-          </a:p>
-        </p:txBody>
-      </p:sp>
-      <p:sp>
-        <p:nvSpPr>
-          <p:cNvPr id="72" name="Google Shape;72;p14"/>
-          <p:cNvSpPr txBox="1"/>
-          <p:nvPr/>
-        </p:nvSpPr>
-        <p:spPr>
-          <a:xfrm>
-            <a:off x="76197" y="87997"/>
-            <a:ext cx="6081900" cy="338700"/>
-          </a:xfrm>
-          <a:prstGeom prst="rect">
-            <a:avLst/>
-          </a:prstGeom>
-          <a:noFill/>
-          <a:ln>
-            <a:noFill/>
-          </a:ln>
-        </p:spPr>
-        <p:txBody>
-          <a:bodyPr spcFirstLastPara="1" wrap="square" lIns="91425" tIns="91425" rIns="91425" bIns="91425" anchor="t" anchorCtr="0">
-            <a:spAutoFit/>
-          </a:bodyPr>
-          <a:lstStyle/>
-          <a:p>
-            <a:pPr marL="0" lvl="0" indent="0" algn="l" rtl="0">
-              <a:spcBef>
-                <a:spcPts val="0"/>
-              </a:spcBef>
-              <a:spcAft>
-                <a:spcPts val="0"/>
-              </a:spcAft>
-              <a:buClr>
-                <a:schemeClr val="dk1"/>
-              </a:buClr>
-              <a:buSzPts val="1100"/>
-              <a:buFont typeface="Arial"/>
-              <a:buNone/>
-            </a:pPr>
-            <a:r>
-              <a:rPr lang="en" sz="1000" b="1">
-                <a:solidFill>
-                  <a:srgbClr val="601F99"/>
-                </a:solidFill>
-                <a:latin typeface="Inter"/>
-                <a:ea typeface="Inter"/>
-                <a:cs typeface="Inter"/>
-                <a:sym typeface="Inter"/>
-              </a:rPr>
-              <a:t>Latar Belakang</a:t>
-            </a:r>
-            <a:endParaRPr sz="1000" b="1">
-              <a:solidFill>
-                <a:srgbClr val="601F99"/>
-              </a:solidFill>
-              <a:latin typeface="Inter"/>
-              <a:ea typeface="Inter"/>
-              <a:cs typeface="Inter"/>
-              <a:sym typeface="Inter"/>
-            </a:endParaRPr>
-          </a:p>
-        </p:txBody>
-      </p:sp>
-      <p:sp>
-        <p:nvSpPr>
-          <p:cNvPr id="73" name="Google Shape;73;p14"/>
-          <p:cNvSpPr txBox="1"/>
-          <p:nvPr/>
-        </p:nvSpPr>
-        <p:spPr>
-          <a:xfrm>
-            <a:off x="0" y="4800600"/>
-            <a:ext cx="8943600" cy="323100"/>
-          </a:xfrm>
-          <a:prstGeom prst="rect">
-            <a:avLst/>
-          </a:prstGeom>
-          <a:noFill/>
-          <a:ln>
-            <a:noFill/>
-          </a:ln>
-        </p:spPr>
-        <p:txBody>
-          <a:bodyPr spcFirstLastPara="1" wrap="square" lIns="91425" tIns="91425" rIns="91425" bIns="91425" anchor="t" anchorCtr="0">
-            <a:spAutoFit/>
-          </a:bodyPr>
-          <a:lstStyle/>
-          <a:p>
-            <a:pPr marL="0" lvl="0" indent="0" algn="l" rtl="0">
-              <a:spcBef>
-                <a:spcPts val="0"/>
-              </a:spcBef>
-              <a:spcAft>
-                <a:spcPts val="0"/>
-              </a:spcAft>
-              <a:buNone/>
-            </a:pPr>
-            <a:r>
-              <a:rPr lang="en" sz="900">
-                <a:solidFill>
-                  <a:schemeClr val="dk2"/>
-                </a:solidFill>
-                <a:latin typeface="Inter"/>
-                <a:ea typeface="Inter"/>
-                <a:cs typeface="Inter"/>
-                <a:sym typeface="Inter"/>
-              </a:rPr>
-              <a:t>© 2022 Program Studi Independen Bersertifikat Zenius Bersama Kampus Merdeka</a:t>
-            </a:r>
-            <a:endParaRPr sz="900">
-              <a:solidFill>
-                <a:schemeClr val="dk2"/>
-              </a:solidFill>
-              <a:latin typeface="Inter"/>
-              <a:ea typeface="Inter"/>
-              <a:cs typeface="Inter"/>
-              <a:sym typeface="Inter"/>
-            </a:endParaRPr>
-          </a:p>
-        </p:txBody>
-      </p:sp>
-      <p:grpSp>
-        <p:nvGrpSpPr>
-          <p:cNvPr id="74" name="Google Shape;74;p14"/>
-          <p:cNvGrpSpPr/>
-          <p:nvPr/>
-        </p:nvGrpSpPr>
-        <p:grpSpPr>
-          <a:xfrm>
-            <a:off x="7503019" y="95797"/>
-            <a:ext cx="1516771" cy="323122"/>
-            <a:chOff x="400885" y="325214"/>
-            <a:chExt cx="2298835" cy="489727"/>
-          </a:xfrm>
-        </p:grpSpPr>
-        <p:pic>
-          <p:nvPicPr>
-            <p:cNvPr id="75" name="Google Shape;75;p14"/>
-            <p:cNvPicPr preferRelativeResize="0"/>
-            <p:nvPr/>
-          </p:nvPicPr>
-          <p:blipFill>
-            <a:blip r:embed="rId3">
-              <a:alphaModFix/>
-            </a:blip>
-            <a:stretch>
-              <a:fillRect/>
-            </a:stretch>
-          </p:blipFill>
-          <p:spPr>
-            <a:xfrm>
-              <a:off x="1906971" y="358726"/>
-              <a:ext cx="792749" cy="422701"/>
-            </a:xfrm>
-            <a:prstGeom prst="rect">
-              <a:avLst/>
-            </a:prstGeom>
-            <a:noFill/>
-            <a:ln>
-              <a:noFill/>
-            </a:ln>
-          </p:spPr>
-        </p:pic>
-        <p:cxnSp>
-          <p:nvCxnSpPr>
-            <p:cNvPr id="76" name="Google Shape;76;p14"/>
-            <p:cNvCxnSpPr/>
-            <p:nvPr/>
-          </p:nvCxnSpPr>
-          <p:spPr>
-            <a:xfrm>
-              <a:off x="1632394" y="460384"/>
-              <a:ext cx="0" cy="219345"/>
-            </a:xfrm>
-            <a:prstGeom prst="straightConnector1">
-              <a:avLst/>
-            </a:prstGeom>
-            <a:noFill/>
-            <a:ln w="9525" cap="flat" cmpd="sng">
-              <a:solidFill>
-                <a:schemeClr val="dk2"/>
-              </a:solidFill>
-              <a:prstDash val="solid"/>
-              <a:round/>
-              <a:headEnd type="none" w="med" len="med"/>
-              <a:tailEnd type="none" w="med" len="med"/>
-            </a:ln>
-          </p:spPr>
-        </p:cxnSp>
-        <p:cxnSp>
-          <p:nvCxnSpPr>
-            <p:cNvPr id="77" name="Google Shape;77;p14"/>
-            <p:cNvCxnSpPr/>
-            <p:nvPr/>
-          </p:nvCxnSpPr>
-          <p:spPr>
-            <a:xfrm>
-              <a:off x="1632360" y="460384"/>
-              <a:ext cx="0" cy="219345"/>
-            </a:xfrm>
-            <a:prstGeom prst="straightConnector1">
-              <a:avLst/>
-            </a:prstGeom>
-            <a:noFill/>
-            <a:ln w="9525" cap="flat" cmpd="sng">
-              <a:solidFill>
-                <a:schemeClr val="dk2"/>
-              </a:solidFill>
-              <a:prstDash val="solid"/>
-              <a:round/>
-              <a:headEnd type="none" w="med" len="med"/>
-              <a:tailEnd type="none" w="med" len="med"/>
-            </a:ln>
-          </p:spPr>
-        </p:cxnSp>
-        <p:pic>
-          <p:nvPicPr>
-            <p:cNvPr id="78" name="Google Shape;78;p14"/>
-            <p:cNvPicPr preferRelativeResize="0"/>
-            <p:nvPr/>
-          </p:nvPicPr>
-          <p:blipFill rotWithShape="1">
-            <a:blip r:embed="rId4">
-              <a:alphaModFix/>
-            </a:blip>
-            <a:srcRect l="9895" r="8731"/>
-            <a:stretch/>
-          </p:blipFill>
-          <p:spPr>
-            <a:xfrm>
-              <a:off x="400885" y="325214"/>
-              <a:ext cx="1033078" cy="489727"/>
-            </a:xfrm>
-            <a:prstGeom prst="rect">
-              <a:avLst/>
-            </a:prstGeom>
-            <a:noFill/>
-            <a:ln>
-              <a:noFill/>
-            </a:ln>
-          </p:spPr>
-        </p:pic>
-      </p:grpSp>
-      <p:sp>
-        <p:nvSpPr>
-          <p:cNvPr id="79" name="Google Shape;79;p14"/>
-          <p:cNvSpPr txBox="1">
-            <a:spLocks noGrp="1"/>
-          </p:cNvSpPr>
-          <p:nvPr>
-            <p:ph type="title"/>
-          </p:nvPr>
-        </p:nvSpPr>
-        <p:spPr>
-          <a:xfrm>
-            <a:off x="311700" y="673625"/>
-            <a:ext cx="8480400" cy="819300"/>
-          </a:xfrm>
-          <a:prstGeom prst="rect">
-            <a:avLst/>
-          </a:prstGeom>
-        </p:spPr>
-        <p:txBody>
-          <a:bodyPr spcFirstLastPara="1" wrap="square" lIns="91425" tIns="91425" rIns="91425" bIns="91425" anchor="ctr" anchorCtr="0">
-            <a:noAutofit/>
-          </a:bodyPr>
-          <a:lstStyle/>
-          <a:p>
-            <a:pPr marL="0" lvl="0" indent="0" algn="l" rtl="0">
-              <a:spcBef>
-                <a:spcPts val="0"/>
-              </a:spcBef>
-              <a:spcAft>
-                <a:spcPts val="0"/>
-              </a:spcAft>
-              <a:buSzPts val="990"/>
-              <a:buNone/>
-            </a:pPr>
-            <a:r>
-              <a:rPr lang="en" sz="2820">
-                <a:solidFill>
-                  <a:srgbClr val="A338EB"/>
-                </a:solidFill>
-                <a:latin typeface="Maven Pro SemiBold"/>
-                <a:ea typeface="Maven Pro SemiBold"/>
-                <a:cs typeface="Maven Pro SemiBold"/>
-                <a:sym typeface="Maven Pro SemiBold"/>
-              </a:rPr>
-              <a:t>Petunjuk</a:t>
-            </a:r>
-            <a:endParaRPr sz="2820">
-              <a:solidFill>
-                <a:srgbClr val="A338EB"/>
-              </a:solidFill>
-              <a:latin typeface="Maven Pro SemiBold"/>
-              <a:ea typeface="Maven Pro SemiBold"/>
-              <a:cs typeface="Maven Pro SemiBold"/>
-              <a:sym typeface="Maven Pro SemiBold"/>
-            </a:endParaRPr>
-          </a:p>
-        </p:txBody>
-      </p:sp>
-    </p:spTree>
-  </p:cSld>
-  <p:clrMapOvr>
-    <a:masterClrMapping/>
-  </p:clrMapOvr>
-</p:sld>
-</file>
-
-<file path=ppt/slides/slide20.xml><?xml version="1.0" encoding="utf-8"?>
+<file path=ppt/slides/slide23.xml><?xml version="1.0" encoding="utf-8"?>
 <p:sld xmlns:a="http://schemas.openxmlformats.org/drawingml/2006/main" xmlns:r="http://schemas.openxmlformats.org/officeDocument/2006/relationships" xmlns:p="http://schemas.openxmlformats.org/presentationml/2006/main">
   <p:cSld>
     <p:spTree>
@@ -15390,7 +16999,7 @@
 </p:sld>
 </file>
 
-<file path=ppt/slides/slide21.xml><?xml version="1.0" encoding="utf-8"?>
+<file path=ppt/slides/slide24.xml><?xml version="1.0" encoding="utf-8"?>
 <p:sld xmlns:a="http://schemas.openxmlformats.org/drawingml/2006/main" xmlns:r="http://schemas.openxmlformats.org/officeDocument/2006/relationships" xmlns:p="http://schemas.openxmlformats.org/presentationml/2006/main">
   <p:cSld>
     <p:spTree>
@@ -15862,7 +17471,7 @@
 </p:sld>
 </file>
 
-<file path=ppt/slides/slide22.xml><?xml version="1.0" encoding="utf-8"?>
+<file path=ppt/slides/slide25.xml><?xml version="1.0" encoding="utf-8"?>
 <p:sld xmlns:a="http://schemas.openxmlformats.org/drawingml/2006/main" xmlns:r="http://schemas.openxmlformats.org/officeDocument/2006/relationships" xmlns:p="http://schemas.openxmlformats.org/presentationml/2006/main">
   <p:cSld>
     <p:bg>
@@ -16337,7 +17946,7 @@
 </p:sld>
 </file>
 
-<file path=ppt/slides/slide23.xml><?xml version="1.0" encoding="utf-8"?>
+<file path=ppt/slides/slide26.xml><?xml version="1.0" encoding="utf-8"?>
 <p:sld xmlns:a="http://schemas.openxmlformats.org/drawingml/2006/main" xmlns:r="http://schemas.openxmlformats.org/officeDocument/2006/relationships" xmlns:p="http://schemas.openxmlformats.org/presentationml/2006/main">
   <p:cSld>
     <p:spTree>
@@ -17297,7 +18906,7 @@
 </p:sld>
 </file>
 
-<file path=ppt/slides/slide24.xml><?xml version="1.0" encoding="utf-8"?>
+<file path=ppt/slides/slide27.xml><?xml version="1.0" encoding="utf-8"?>
 <p:sld xmlns:a="http://schemas.openxmlformats.org/drawingml/2006/main" xmlns:r="http://schemas.openxmlformats.org/officeDocument/2006/relationships" xmlns:p="http://schemas.openxmlformats.org/presentationml/2006/main">
   <p:cSld>
     <p:bg>
@@ -19770,7 +21379,7 @@
         <p:spPr>
           <a:xfrm>
             <a:off x="311700" y="1556750"/>
-            <a:ext cx="7191300" cy="2924400"/>
+            <a:ext cx="4317850" cy="2924400"/>
           </a:xfrm>
           <a:prstGeom prst="rect">
             <a:avLst/>
@@ -20141,7 +21750,7 @@
               <a:buNone/>
             </a:pPr>
             <a:r>
-              <a:rPr lang="en" sz="2820">
+              <a:rPr lang="en" sz="2820" dirty="0">
                 <a:solidFill>
                   <a:srgbClr val="A338EB"/>
                 </a:solidFill>
@@ -20152,7 +21761,983 @@
               </a:rPr>
               <a:t>Business Understanding</a:t>
             </a:r>
-            <a:endParaRPr sz="2820">
+            <a:endParaRPr sz="2820" dirty="0">
+              <a:solidFill>
+                <a:srgbClr val="A338EB"/>
+              </a:solidFill>
+              <a:latin typeface="Maven Pro SemiBold"/>
+              <a:ea typeface="Maven Pro SemiBold"/>
+              <a:cs typeface="Maven Pro SemiBold"/>
+              <a:sym typeface="Maven Pro SemiBold"/>
+            </a:endParaRPr>
+          </a:p>
+        </p:txBody>
+      </p:sp>
+      <p:pic>
+        <p:nvPicPr>
+          <p:cNvPr id="1026" name="Picture 2" descr="Churn Rate: How to Define and Calculate Customer Churn | CleverTap |  CleverTap">
+            <a:extLst>
+              <a:ext uri="{FF2B5EF4-FFF2-40B4-BE49-F238E27FC236}">
+                <a16:creationId xmlns:a16="http://schemas.microsoft.com/office/drawing/2014/main" id="{20655368-36D9-4CFE-412D-A51BC49FF68E}"/>
+              </a:ext>
+            </a:extLst>
+          </p:cNvPr>
+          <p:cNvPicPr>
+            <a:picLocks noChangeAspect="1" noChangeArrowheads="1"/>
+          </p:cNvPicPr>
+          <p:nvPr/>
+        </p:nvPicPr>
+        <p:blipFill>
+          <a:blip r:embed="rId5">
+            <a:duotone>
+              <a:prstClr val="black"/>
+              <a:srgbClr val="7030A0">
+                <a:tint val="45000"/>
+                <a:satMod val="400000"/>
+              </a:srgbClr>
+            </a:duotone>
+            <a:extLst>
+              <a:ext uri="{28A0092B-C50C-407E-A947-70E740481C1C}">
+                <a14:useLocalDpi xmlns:a14="http://schemas.microsoft.com/office/drawing/2010/main" val="0"/>
+              </a:ext>
+            </a:extLst>
+          </a:blip>
+          <a:srcRect/>
+          <a:stretch>
+            <a:fillRect/>
+          </a:stretch>
+        </p:blipFill>
+        <p:spPr bwMode="auto">
+          <a:xfrm>
+            <a:off x="4629550" y="2112700"/>
+            <a:ext cx="4314050" cy="1812500"/>
+          </a:xfrm>
+          <a:prstGeom prst="rect">
+            <a:avLst/>
+          </a:prstGeom>
+          <a:noFill/>
+          <a:extLst>
+            <a:ext uri="{909E8E84-426E-40DD-AFC4-6F175D3DCCD1}">
+              <a14:hiddenFill xmlns:a14="http://schemas.microsoft.com/office/drawing/2010/main">
+                <a:solidFill>
+                  <a:srgbClr val="FFFFFF"/>
+                </a:solidFill>
+              </a14:hiddenFill>
+            </a:ext>
+          </a:extLst>
+        </p:spPr>
+      </p:pic>
+    </p:spTree>
+  </p:cSld>
+  <p:clrMapOvr>
+    <a:masterClrMapping/>
+  </p:clrMapOvr>
+</p:sld>
+</file>
+
+<file path=ppt/slides/slide8.xml><?xml version="1.0" encoding="utf-8"?>
+<p:sld xmlns:a="http://schemas.openxmlformats.org/drawingml/2006/main" xmlns:r="http://schemas.openxmlformats.org/officeDocument/2006/relationships" xmlns:p="http://schemas.openxmlformats.org/presentationml/2006/main">
+  <p:cSld>
+    <p:spTree>
+      <p:nvGrpSpPr>
+        <p:cNvPr id="1" name="Shape 139"/>
+        <p:cNvGrpSpPr/>
+        <p:nvPr/>
+      </p:nvGrpSpPr>
+      <p:grpSpPr>
+        <a:xfrm>
+          <a:off x="0" y="0"/>
+          <a:ext cx="0" cy="0"/>
+          <a:chOff x="0" y="0"/>
+          <a:chExt cx="0" cy="0"/>
+        </a:xfrm>
+      </p:grpSpPr>
+      <p:sp>
+        <p:nvSpPr>
+          <p:cNvPr id="140" name="Google Shape;140;p19"/>
+          <p:cNvSpPr txBox="1">
+            <a:spLocks noGrp="1"/>
+          </p:cNvSpPr>
+          <p:nvPr>
+            <p:ph type="body" idx="1"/>
+          </p:nvPr>
+        </p:nvSpPr>
+        <p:spPr>
+          <a:xfrm>
+            <a:off x="311699" y="1556750"/>
+            <a:ext cx="7527841" cy="2924400"/>
+          </a:xfrm>
+          <a:prstGeom prst="rect">
+            <a:avLst/>
+          </a:prstGeom>
+        </p:spPr>
+        <p:txBody>
+          <a:bodyPr spcFirstLastPara="1" wrap="square" lIns="91425" tIns="91425" rIns="91425" bIns="91425" anchor="t" anchorCtr="0">
+            <a:noAutofit/>
+          </a:bodyPr>
+          <a:lstStyle/>
+          <a:p>
+            <a:pPr marL="0" lvl="0" indent="0" algn="l" rtl="0">
+              <a:lnSpc>
+                <a:spcPct val="115000"/>
+              </a:lnSpc>
+              <a:spcBef>
+                <a:spcPts val="0"/>
+              </a:spcBef>
+              <a:spcAft>
+                <a:spcPts val="0"/>
+              </a:spcAft>
+              <a:buNone/>
+            </a:pPr>
+            <a:r>
+              <a:rPr lang="en-US" sz="1500" b="1" dirty="0">
+                <a:solidFill>
+                  <a:srgbClr val="282828"/>
+                </a:solidFill>
+                <a:latin typeface="Inter"/>
+                <a:ea typeface="Inter"/>
+                <a:cs typeface="Inter"/>
+                <a:sym typeface="Inter"/>
+              </a:rPr>
+              <a:t>Churn</a:t>
+            </a:r>
+            <a:r>
+              <a:rPr lang="en-US" sz="1500" dirty="0">
+                <a:solidFill>
+                  <a:srgbClr val="282828"/>
+                </a:solidFill>
+                <a:latin typeface="Inter"/>
+                <a:ea typeface="Inter"/>
+                <a:cs typeface="Inter"/>
+                <a:sym typeface="Inter"/>
+              </a:rPr>
+              <a:t> </a:t>
+            </a:r>
+            <a:r>
+              <a:rPr lang="en-US" sz="1500" b="1" dirty="0">
+                <a:solidFill>
+                  <a:srgbClr val="282828"/>
+                </a:solidFill>
+                <a:latin typeface="Inter"/>
+                <a:ea typeface="Inter"/>
+                <a:cs typeface="Inter"/>
+                <a:sym typeface="Inter"/>
+              </a:rPr>
+              <a:t>= </a:t>
+            </a:r>
+            <a:r>
+              <a:rPr lang="en-US" sz="1500" dirty="0">
+                <a:solidFill>
+                  <a:srgbClr val="282828"/>
+                </a:solidFill>
+                <a:latin typeface="Inter"/>
+                <a:ea typeface="Inter"/>
+                <a:cs typeface="Inter"/>
+                <a:sym typeface="Inter"/>
+              </a:rPr>
+              <a:t>1 if customer cancelled service, 0 if not</a:t>
+            </a:r>
+          </a:p>
+          <a:p>
+            <a:pPr marL="0" lvl="0" indent="0" algn="l" rtl="0">
+              <a:lnSpc>
+                <a:spcPct val="115000"/>
+              </a:lnSpc>
+              <a:spcBef>
+                <a:spcPts val="0"/>
+              </a:spcBef>
+              <a:spcAft>
+                <a:spcPts val="0"/>
+              </a:spcAft>
+              <a:buNone/>
+            </a:pPr>
+            <a:r>
+              <a:rPr lang="en-US" sz="1500" b="1" dirty="0" err="1">
+                <a:solidFill>
+                  <a:srgbClr val="282828"/>
+                </a:solidFill>
+                <a:latin typeface="Inter"/>
+                <a:ea typeface="Inter"/>
+                <a:cs typeface="Inter"/>
+                <a:sym typeface="Inter"/>
+              </a:rPr>
+              <a:t>AccountWeeksnumber</a:t>
+            </a:r>
+            <a:r>
+              <a:rPr lang="en-US" sz="1500" b="1" dirty="0">
+                <a:solidFill>
+                  <a:srgbClr val="282828"/>
+                </a:solidFill>
+                <a:latin typeface="Inter"/>
+                <a:ea typeface="Inter"/>
+                <a:cs typeface="Inter"/>
+                <a:sym typeface="Inter"/>
+              </a:rPr>
+              <a:t> = </a:t>
+            </a:r>
+            <a:r>
+              <a:rPr lang="en-US" sz="1500" dirty="0">
+                <a:solidFill>
+                  <a:srgbClr val="282828"/>
+                </a:solidFill>
+                <a:latin typeface="Inter"/>
+                <a:ea typeface="Inter"/>
+                <a:cs typeface="Inter"/>
+                <a:sym typeface="Inter"/>
+              </a:rPr>
+              <a:t>of weeks customer has had active account</a:t>
+            </a:r>
+          </a:p>
+          <a:p>
+            <a:pPr marL="0" lvl="0" indent="0" algn="l" rtl="0">
+              <a:lnSpc>
+                <a:spcPct val="115000"/>
+              </a:lnSpc>
+              <a:spcBef>
+                <a:spcPts val="0"/>
+              </a:spcBef>
+              <a:spcAft>
+                <a:spcPts val="0"/>
+              </a:spcAft>
+              <a:buNone/>
+            </a:pPr>
+            <a:r>
+              <a:rPr lang="en-US" sz="1500" b="1" dirty="0" err="1">
+                <a:solidFill>
+                  <a:srgbClr val="282828"/>
+                </a:solidFill>
+                <a:latin typeface="Inter"/>
+                <a:ea typeface="Inter"/>
+                <a:cs typeface="Inter"/>
+                <a:sym typeface="Inter"/>
+              </a:rPr>
+              <a:t>ContractRenewal</a:t>
+            </a:r>
+            <a:r>
+              <a:rPr lang="en-US" sz="1500" dirty="0">
+                <a:solidFill>
+                  <a:srgbClr val="282828"/>
+                </a:solidFill>
+                <a:latin typeface="Inter"/>
+                <a:ea typeface="Inter"/>
+                <a:cs typeface="Inter"/>
+                <a:sym typeface="Inter"/>
+              </a:rPr>
+              <a:t> </a:t>
+            </a:r>
+            <a:r>
+              <a:rPr lang="en-US" sz="1500" b="1" dirty="0">
+                <a:solidFill>
+                  <a:srgbClr val="282828"/>
+                </a:solidFill>
+                <a:latin typeface="Inter"/>
+                <a:ea typeface="Inter"/>
+                <a:cs typeface="Inter"/>
+                <a:sym typeface="Inter"/>
+              </a:rPr>
+              <a:t>= </a:t>
+            </a:r>
+            <a:r>
+              <a:rPr lang="en-US" sz="1500" dirty="0">
+                <a:solidFill>
+                  <a:srgbClr val="282828"/>
+                </a:solidFill>
+                <a:latin typeface="Inter"/>
+                <a:ea typeface="Inter"/>
+                <a:cs typeface="Inter"/>
+                <a:sym typeface="Inter"/>
+              </a:rPr>
+              <a:t>1 if customer recently renewed contract, 0 if not</a:t>
+            </a:r>
+          </a:p>
+          <a:p>
+            <a:pPr marL="0" lvl="0" indent="0" algn="l" rtl="0">
+              <a:lnSpc>
+                <a:spcPct val="115000"/>
+              </a:lnSpc>
+              <a:spcBef>
+                <a:spcPts val="0"/>
+              </a:spcBef>
+              <a:spcAft>
+                <a:spcPts val="0"/>
+              </a:spcAft>
+              <a:buNone/>
+            </a:pPr>
+            <a:r>
+              <a:rPr lang="en-US" sz="1500" b="1" dirty="0" err="1">
+                <a:solidFill>
+                  <a:srgbClr val="282828"/>
+                </a:solidFill>
+                <a:latin typeface="Inter"/>
+                <a:ea typeface="Inter"/>
+                <a:cs typeface="Inter"/>
+                <a:sym typeface="Inter"/>
+              </a:rPr>
+              <a:t>DataPlan</a:t>
+            </a:r>
+            <a:r>
+              <a:rPr lang="en-US" sz="1500" dirty="0">
+                <a:solidFill>
+                  <a:srgbClr val="282828"/>
+                </a:solidFill>
+                <a:latin typeface="Inter"/>
+                <a:ea typeface="Inter"/>
+                <a:cs typeface="Inter"/>
+                <a:sym typeface="Inter"/>
+              </a:rPr>
+              <a:t> </a:t>
+            </a:r>
+            <a:r>
+              <a:rPr lang="en-US" sz="1500" b="1" dirty="0">
+                <a:solidFill>
+                  <a:srgbClr val="282828"/>
+                </a:solidFill>
+                <a:latin typeface="Inter"/>
+                <a:ea typeface="Inter"/>
+                <a:cs typeface="Inter"/>
+                <a:sym typeface="Inter"/>
+              </a:rPr>
+              <a:t>= </a:t>
+            </a:r>
+            <a:r>
+              <a:rPr lang="en-US" sz="1500" dirty="0">
+                <a:solidFill>
+                  <a:srgbClr val="282828"/>
+                </a:solidFill>
+                <a:latin typeface="Inter"/>
+                <a:ea typeface="Inter"/>
+                <a:cs typeface="Inter"/>
+                <a:sym typeface="Inter"/>
+              </a:rPr>
+              <a:t>1 if customer has data plan, 0 if not</a:t>
+            </a:r>
+          </a:p>
+          <a:p>
+            <a:pPr marL="0" lvl="0" indent="0" algn="l" rtl="0">
+              <a:lnSpc>
+                <a:spcPct val="115000"/>
+              </a:lnSpc>
+              <a:spcBef>
+                <a:spcPts val="0"/>
+              </a:spcBef>
+              <a:spcAft>
+                <a:spcPts val="0"/>
+              </a:spcAft>
+              <a:buNone/>
+            </a:pPr>
+            <a:r>
+              <a:rPr lang="en-US" sz="1500" b="1" dirty="0" err="1">
+                <a:solidFill>
+                  <a:srgbClr val="282828"/>
+                </a:solidFill>
+                <a:latin typeface="Inter"/>
+                <a:ea typeface="Inter"/>
+                <a:cs typeface="Inter"/>
+                <a:sym typeface="Inter"/>
+              </a:rPr>
+              <a:t>DataUsagegigabytes</a:t>
+            </a:r>
+            <a:r>
+              <a:rPr lang="en-US" sz="1500" dirty="0">
+                <a:solidFill>
+                  <a:srgbClr val="282828"/>
+                </a:solidFill>
+                <a:latin typeface="Inter"/>
+                <a:ea typeface="Inter"/>
+                <a:cs typeface="Inter"/>
+                <a:sym typeface="Inter"/>
+              </a:rPr>
+              <a:t> </a:t>
+            </a:r>
+            <a:r>
+              <a:rPr lang="en-US" sz="1500" b="1" dirty="0">
+                <a:solidFill>
+                  <a:srgbClr val="282828"/>
+                </a:solidFill>
+                <a:latin typeface="Inter"/>
+                <a:ea typeface="Inter"/>
+                <a:cs typeface="Inter"/>
+                <a:sym typeface="Inter"/>
+              </a:rPr>
+              <a:t>=</a:t>
+            </a:r>
+            <a:r>
+              <a:rPr lang="en-US" sz="1500" dirty="0">
+                <a:solidFill>
+                  <a:srgbClr val="282828"/>
+                </a:solidFill>
+                <a:latin typeface="Inter"/>
+                <a:ea typeface="Inter"/>
+                <a:cs typeface="Inter"/>
+                <a:sym typeface="Inter"/>
+              </a:rPr>
+              <a:t> of monthly data usage</a:t>
+            </a:r>
+          </a:p>
+          <a:p>
+            <a:pPr marL="0" lvl="0" indent="0" algn="l" rtl="0">
+              <a:lnSpc>
+                <a:spcPct val="115000"/>
+              </a:lnSpc>
+              <a:spcBef>
+                <a:spcPts val="0"/>
+              </a:spcBef>
+              <a:spcAft>
+                <a:spcPts val="0"/>
+              </a:spcAft>
+              <a:buNone/>
+            </a:pPr>
+            <a:r>
+              <a:rPr lang="en-US" sz="1500" b="1" dirty="0" err="1">
+                <a:solidFill>
+                  <a:srgbClr val="282828"/>
+                </a:solidFill>
+                <a:latin typeface="Inter"/>
+                <a:ea typeface="Inter"/>
+                <a:cs typeface="Inter"/>
+                <a:sym typeface="Inter"/>
+              </a:rPr>
+              <a:t>CustServCallsnumber</a:t>
+            </a:r>
+            <a:r>
+              <a:rPr lang="en-US" sz="1500" dirty="0">
+                <a:solidFill>
+                  <a:srgbClr val="282828"/>
+                </a:solidFill>
+                <a:latin typeface="Inter"/>
+                <a:ea typeface="Inter"/>
+                <a:cs typeface="Inter"/>
+                <a:sym typeface="Inter"/>
+              </a:rPr>
+              <a:t> </a:t>
+            </a:r>
+            <a:r>
+              <a:rPr lang="en-US" sz="1500" b="1" dirty="0">
+                <a:solidFill>
+                  <a:srgbClr val="282828"/>
+                </a:solidFill>
+                <a:latin typeface="Inter"/>
+                <a:ea typeface="Inter"/>
+                <a:cs typeface="Inter"/>
+                <a:sym typeface="Inter"/>
+              </a:rPr>
+              <a:t>= </a:t>
+            </a:r>
+            <a:r>
+              <a:rPr lang="en-US" sz="1500" dirty="0">
+                <a:solidFill>
+                  <a:srgbClr val="282828"/>
+                </a:solidFill>
+                <a:latin typeface="Inter"/>
+                <a:ea typeface="Inter"/>
+                <a:cs typeface="Inter"/>
+                <a:sym typeface="Inter"/>
+              </a:rPr>
+              <a:t>of calls into customer service</a:t>
+            </a:r>
+          </a:p>
+          <a:p>
+            <a:pPr marL="0" lvl="0" indent="0" algn="l" rtl="0">
+              <a:lnSpc>
+                <a:spcPct val="115000"/>
+              </a:lnSpc>
+              <a:spcBef>
+                <a:spcPts val="0"/>
+              </a:spcBef>
+              <a:spcAft>
+                <a:spcPts val="0"/>
+              </a:spcAft>
+              <a:buNone/>
+            </a:pPr>
+            <a:r>
+              <a:rPr lang="en-US" sz="1500" b="1" dirty="0" err="1">
+                <a:solidFill>
+                  <a:srgbClr val="282828"/>
+                </a:solidFill>
+                <a:latin typeface="Inter"/>
+                <a:ea typeface="Inter"/>
+                <a:cs typeface="Inter"/>
+                <a:sym typeface="Inter"/>
+              </a:rPr>
+              <a:t>DayMinsaverage</a:t>
+            </a:r>
+            <a:r>
+              <a:rPr lang="en-US" sz="1500" b="1" dirty="0">
+                <a:solidFill>
+                  <a:srgbClr val="282828"/>
+                </a:solidFill>
+                <a:latin typeface="Inter"/>
+                <a:ea typeface="Inter"/>
+                <a:cs typeface="Inter"/>
+                <a:sym typeface="Inter"/>
+              </a:rPr>
+              <a:t> = </a:t>
+            </a:r>
+            <a:r>
+              <a:rPr lang="en-US" sz="1500" dirty="0">
+                <a:solidFill>
+                  <a:srgbClr val="282828"/>
+                </a:solidFill>
+                <a:latin typeface="Inter"/>
+                <a:ea typeface="Inter"/>
+                <a:cs typeface="Inter"/>
+                <a:sym typeface="Inter"/>
+              </a:rPr>
+              <a:t>daytime minutes per month</a:t>
+            </a:r>
+          </a:p>
+          <a:p>
+            <a:pPr marL="0" lvl="0" indent="0" algn="l" rtl="0">
+              <a:lnSpc>
+                <a:spcPct val="115000"/>
+              </a:lnSpc>
+              <a:spcBef>
+                <a:spcPts val="0"/>
+              </a:spcBef>
+              <a:spcAft>
+                <a:spcPts val="0"/>
+              </a:spcAft>
+              <a:buNone/>
+            </a:pPr>
+            <a:r>
+              <a:rPr lang="en-US" sz="1500" b="1" dirty="0" err="1">
+                <a:solidFill>
+                  <a:srgbClr val="282828"/>
+                </a:solidFill>
+                <a:latin typeface="Inter"/>
+                <a:ea typeface="Inter"/>
+                <a:cs typeface="Inter"/>
+                <a:sym typeface="Inter"/>
+              </a:rPr>
+              <a:t>DayCallsaverage</a:t>
+            </a:r>
+            <a:r>
+              <a:rPr lang="en-US" sz="1500" b="1" dirty="0">
+                <a:solidFill>
+                  <a:srgbClr val="282828"/>
+                </a:solidFill>
+                <a:latin typeface="Inter"/>
+                <a:ea typeface="Inter"/>
+                <a:cs typeface="Inter"/>
+                <a:sym typeface="Inter"/>
+              </a:rPr>
+              <a:t> = </a:t>
+            </a:r>
+            <a:r>
+              <a:rPr lang="en-US" sz="1500" dirty="0">
+                <a:solidFill>
+                  <a:srgbClr val="282828"/>
+                </a:solidFill>
+                <a:latin typeface="Inter"/>
+                <a:ea typeface="Inter"/>
+                <a:cs typeface="Inter"/>
+                <a:sym typeface="Inter"/>
+              </a:rPr>
+              <a:t>number of daytime calls</a:t>
+            </a:r>
+          </a:p>
+          <a:p>
+            <a:pPr marL="0" lvl="0" indent="0" algn="l" rtl="0">
+              <a:lnSpc>
+                <a:spcPct val="115000"/>
+              </a:lnSpc>
+              <a:spcBef>
+                <a:spcPts val="0"/>
+              </a:spcBef>
+              <a:spcAft>
+                <a:spcPts val="0"/>
+              </a:spcAft>
+              <a:buNone/>
+            </a:pPr>
+            <a:r>
+              <a:rPr lang="en-US" sz="1500" b="1" dirty="0" err="1">
+                <a:solidFill>
+                  <a:srgbClr val="282828"/>
+                </a:solidFill>
+                <a:latin typeface="Inter"/>
+                <a:ea typeface="Inter"/>
+                <a:cs typeface="Inter"/>
+                <a:sym typeface="Inter"/>
+              </a:rPr>
+              <a:t>MonthlyChargeaverage</a:t>
+            </a:r>
+            <a:r>
+              <a:rPr lang="en-US" sz="1500" b="1" dirty="0">
+                <a:solidFill>
+                  <a:srgbClr val="282828"/>
+                </a:solidFill>
+                <a:latin typeface="Inter"/>
+                <a:ea typeface="Inter"/>
+                <a:cs typeface="Inter"/>
+                <a:sym typeface="Inter"/>
+              </a:rPr>
+              <a:t> = </a:t>
+            </a:r>
+            <a:r>
+              <a:rPr lang="en-US" sz="1500" dirty="0">
+                <a:solidFill>
+                  <a:srgbClr val="282828"/>
+                </a:solidFill>
+                <a:latin typeface="Inter"/>
+                <a:ea typeface="Inter"/>
+                <a:cs typeface="Inter"/>
+                <a:sym typeface="Inter"/>
+              </a:rPr>
+              <a:t>monthly bill</a:t>
+            </a:r>
+          </a:p>
+          <a:p>
+            <a:pPr marL="0" lvl="0" indent="0" algn="l" rtl="0">
+              <a:lnSpc>
+                <a:spcPct val="115000"/>
+              </a:lnSpc>
+              <a:spcBef>
+                <a:spcPts val="0"/>
+              </a:spcBef>
+              <a:spcAft>
+                <a:spcPts val="0"/>
+              </a:spcAft>
+              <a:buNone/>
+            </a:pPr>
+            <a:r>
+              <a:rPr lang="en-US" sz="1500" b="1" dirty="0" err="1">
+                <a:solidFill>
+                  <a:srgbClr val="282828"/>
+                </a:solidFill>
+                <a:latin typeface="Inter"/>
+                <a:ea typeface="Inter"/>
+                <a:cs typeface="Inter"/>
+                <a:sym typeface="Inter"/>
+              </a:rPr>
+              <a:t>OverageFeelargest</a:t>
+            </a:r>
+            <a:r>
+              <a:rPr lang="en-US" sz="1500" b="1" dirty="0">
+                <a:solidFill>
+                  <a:srgbClr val="282828"/>
+                </a:solidFill>
+                <a:latin typeface="Inter"/>
+                <a:ea typeface="Inter"/>
+                <a:cs typeface="Inter"/>
+                <a:sym typeface="Inter"/>
+              </a:rPr>
+              <a:t> = </a:t>
+            </a:r>
+            <a:r>
+              <a:rPr lang="en-US" sz="1500" dirty="0">
+                <a:solidFill>
+                  <a:srgbClr val="282828"/>
+                </a:solidFill>
+                <a:latin typeface="Inter"/>
+                <a:ea typeface="Inter"/>
+                <a:cs typeface="Inter"/>
+                <a:sym typeface="Inter"/>
+              </a:rPr>
+              <a:t>overage fee in last 12 months</a:t>
+            </a:r>
+            <a:endParaRPr sz="1500" dirty="0">
+              <a:solidFill>
+                <a:srgbClr val="282828"/>
+              </a:solidFill>
+              <a:latin typeface="Inter"/>
+              <a:ea typeface="Inter"/>
+              <a:cs typeface="Inter"/>
+              <a:sym typeface="Inter"/>
+            </a:endParaRPr>
+          </a:p>
+        </p:txBody>
+      </p:sp>
+      <p:sp>
+        <p:nvSpPr>
+          <p:cNvPr id="141" name="Google Shape;141;p19"/>
+          <p:cNvSpPr txBox="1"/>
+          <p:nvPr/>
+        </p:nvSpPr>
+        <p:spPr>
+          <a:xfrm>
+            <a:off x="76197" y="87997"/>
+            <a:ext cx="6081900" cy="338700"/>
+          </a:xfrm>
+          <a:prstGeom prst="rect">
+            <a:avLst/>
+          </a:prstGeom>
+          <a:noFill/>
+          <a:ln>
+            <a:noFill/>
+          </a:ln>
+        </p:spPr>
+        <p:txBody>
+          <a:bodyPr spcFirstLastPara="1" wrap="square" lIns="91425" tIns="91425" rIns="91425" bIns="91425" anchor="t" anchorCtr="0">
+            <a:spAutoFit/>
+          </a:bodyPr>
+          <a:lstStyle/>
+          <a:p>
+            <a:pPr marL="0" lvl="0" indent="0" algn="l" rtl="0">
+              <a:spcBef>
+                <a:spcPts val="0"/>
+              </a:spcBef>
+              <a:spcAft>
+                <a:spcPts val="0"/>
+              </a:spcAft>
+              <a:buClr>
+                <a:schemeClr val="dk1"/>
+              </a:buClr>
+              <a:buSzPts val="1100"/>
+              <a:buFont typeface="Arial"/>
+              <a:buNone/>
+            </a:pPr>
+            <a:r>
+              <a:rPr lang="en" sz="1000" b="1">
+                <a:solidFill>
+                  <a:srgbClr val="601F99"/>
+                </a:solidFill>
+                <a:latin typeface="Inter"/>
+                <a:ea typeface="Inter"/>
+                <a:cs typeface="Inter"/>
+                <a:sym typeface="Inter"/>
+              </a:rPr>
+              <a:t>EDA and Visualization</a:t>
+            </a:r>
+            <a:endParaRPr sz="1000" b="1">
+              <a:solidFill>
+                <a:srgbClr val="601F99"/>
+              </a:solidFill>
+              <a:latin typeface="Inter"/>
+              <a:ea typeface="Inter"/>
+              <a:cs typeface="Inter"/>
+              <a:sym typeface="Inter"/>
+            </a:endParaRPr>
+          </a:p>
+        </p:txBody>
+      </p:sp>
+      <p:sp>
+        <p:nvSpPr>
+          <p:cNvPr id="142" name="Google Shape;142;p19"/>
+          <p:cNvSpPr txBox="1"/>
+          <p:nvPr/>
+        </p:nvSpPr>
+        <p:spPr>
+          <a:xfrm>
+            <a:off x="0" y="4800600"/>
+            <a:ext cx="8943600" cy="323100"/>
+          </a:xfrm>
+          <a:prstGeom prst="rect">
+            <a:avLst/>
+          </a:prstGeom>
+          <a:noFill/>
+          <a:ln>
+            <a:noFill/>
+          </a:ln>
+        </p:spPr>
+        <p:txBody>
+          <a:bodyPr spcFirstLastPara="1" wrap="square" lIns="91425" tIns="91425" rIns="91425" bIns="91425" anchor="t" anchorCtr="0">
+            <a:spAutoFit/>
+          </a:bodyPr>
+          <a:lstStyle/>
+          <a:p>
+            <a:pPr marL="0" lvl="0" indent="0" algn="l" rtl="0">
+              <a:spcBef>
+                <a:spcPts val="0"/>
+              </a:spcBef>
+              <a:spcAft>
+                <a:spcPts val="0"/>
+              </a:spcAft>
+              <a:buNone/>
+            </a:pPr>
+            <a:r>
+              <a:rPr lang="en" sz="900">
+                <a:solidFill>
+                  <a:schemeClr val="dk2"/>
+                </a:solidFill>
+                <a:latin typeface="Inter"/>
+                <a:ea typeface="Inter"/>
+                <a:cs typeface="Inter"/>
+                <a:sym typeface="Inter"/>
+              </a:rPr>
+              <a:t>© 2022 Program Studi Independen Bersertifikat Zenius Bersama Kampus Merdeka</a:t>
+            </a:r>
+            <a:endParaRPr sz="900">
+              <a:solidFill>
+                <a:schemeClr val="dk2"/>
+              </a:solidFill>
+              <a:latin typeface="Inter"/>
+              <a:ea typeface="Inter"/>
+              <a:cs typeface="Inter"/>
+              <a:sym typeface="Inter"/>
+            </a:endParaRPr>
+          </a:p>
+        </p:txBody>
+      </p:sp>
+      <p:grpSp>
+        <p:nvGrpSpPr>
+          <p:cNvPr id="143" name="Google Shape;143;p19"/>
+          <p:cNvGrpSpPr/>
+          <p:nvPr/>
+        </p:nvGrpSpPr>
+        <p:grpSpPr>
+          <a:xfrm>
+            <a:off x="7503019" y="95797"/>
+            <a:ext cx="1516771" cy="323122"/>
+            <a:chOff x="400885" y="325214"/>
+            <a:chExt cx="2298835" cy="489727"/>
+          </a:xfrm>
+        </p:grpSpPr>
+        <p:pic>
+          <p:nvPicPr>
+            <p:cNvPr id="144" name="Google Shape;144;p19"/>
+            <p:cNvPicPr preferRelativeResize="0"/>
+            <p:nvPr/>
+          </p:nvPicPr>
+          <p:blipFill>
+            <a:blip r:embed="rId3">
+              <a:alphaModFix/>
+            </a:blip>
+            <a:stretch>
+              <a:fillRect/>
+            </a:stretch>
+          </p:blipFill>
+          <p:spPr>
+            <a:xfrm>
+              <a:off x="1906971" y="358726"/>
+              <a:ext cx="792749" cy="422701"/>
+            </a:xfrm>
+            <a:prstGeom prst="rect">
+              <a:avLst/>
+            </a:prstGeom>
+            <a:noFill/>
+            <a:ln>
+              <a:noFill/>
+            </a:ln>
+          </p:spPr>
+        </p:pic>
+        <p:cxnSp>
+          <p:nvCxnSpPr>
+            <p:cNvPr id="145" name="Google Shape;145;p19"/>
+            <p:cNvCxnSpPr/>
+            <p:nvPr/>
+          </p:nvCxnSpPr>
+          <p:spPr>
+            <a:xfrm>
+              <a:off x="1632394" y="460384"/>
+              <a:ext cx="0" cy="219345"/>
+            </a:xfrm>
+            <a:prstGeom prst="straightConnector1">
+              <a:avLst/>
+            </a:prstGeom>
+            <a:noFill/>
+            <a:ln w="9525" cap="flat" cmpd="sng">
+              <a:solidFill>
+                <a:schemeClr val="dk2"/>
+              </a:solidFill>
+              <a:prstDash val="solid"/>
+              <a:round/>
+              <a:headEnd type="none" w="med" len="med"/>
+              <a:tailEnd type="none" w="med" len="med"/>
+            </a:ln>
+          </p:spPr>
+        </p:cxnSp>
+        <p:cxnSp>
+          <p:nvCxnSpPr>
+            <p:cNvPr id="146" name="Google Shape;146;p19"/>
+            <p:cNvCxnSpPr/>
+            <p:nvPr/>
+          </p:nvCxnSpPr>
+          <p:spPr>
+            <a:xfrm>
+              <a:off x="1632360" y="460384"/>
+              <a:ext cx="0" cy="219345"/>
+            </a:xfrm>
+            <a:prstGeom prst="straightConnector1">
+              <a:avLst/>
+            </a:prstGeom>
+            <a:noFill/>
+            <a:ln w="9525" cap="flat" cmpd="sng">
+              <a:solidFill>
+                <a:schemeClr val="dk2"/>
+              </a:solidFill>
+              <a:prstDash val="solid"/>
+              <a:round/>
+              <a:headEnd type="none" w="med" len="med"/>
+              <a:tailEnd type="none" w="med" len="med"/>
+            </a:ln>
+          </p:spPr>
+        </p:cxnSp>
+        <p:pic>
+          <p:nvPicPr>
+            <p:cNvPr id="147" name="Google Shape;147;p19"/>
+            <p:cNvPicPr preferRelativeResize="0"/>
+            <p:nvPr/>
+          </p:nvPicPr>
+          <p:blipFill rotWithShape="1">
+            <a:blip r:embed="rId4">
+              <a:alphaModFix/>
+            </a:blip>
+            <a:srcRect l="9895" r="8731"/>
+            <a:stretch/>
+          </p:blipFill>
+          <p:spPr>
+            <a:xfrm>
+              <a:off x="400885" y="325214"/>
+              <a:ext cx="1033078" cy="489727"/>
+            </a:xfrm>
+            <a:prstGeom prst="rect">
+              <a:avLst/>
+            </a:prstGeom>
+            <a:noFill/>
+            <a:ln>
+              <a:noFill/>
+            </a:ln>
+          </p:spPr>
+        </p:pic>
+      </p:grpSp>
+      <p:sp>
+        <p:nvSpPr>
+          <p:cNvPr id="148" name="Google Shape;148;p19"/>
+          <p:cNvSpPr txBox="1">
+            <a:spLocks noGrp="1"/>
+          </p:cNvSpPr>
+          <p:nvPr>
+            <p:ph type="title"/>
+          </p:nvPr>
+        </p:nvSpPr>
+        <p:spPr>
+          <a:xfrm>
+            <a:off x="311700" y="673625"/>
+            <a:ext cx="8480400" cy="819300"/>
+          </a:xfrm>
+          <a:prstGeom prst="rect">
+            <a:avLst/>
+          </a:prstGeom>
+        </p:spPr>
+        <p:txBody>
+          <a:bodyPr spcFirstLastPara="1" wrap="square" lIns="91425" tIns="91425" rIns="91425" bIns="91425" anchor="ctr" anchorCtr="0">
+            <a:noAutofit/>
+          </a:bodyPr>
+          <a:lstStyle/>
+          <a:p>
+            <a:pPr marL="0" lvl="0" indent="0" algn="l" rtl="0">
+              <a:spcBef>
+                <a:spcPts val="0"/>
+              </a:spcBef>
+              <a:spcAft>
+                <a:spcPts val="0"/>
+              </a:spcAft>
+              <a:buSzPts val="990"/>
+              <a:buNone/>
+            </a:pPr>
+            <a:r>
+              <a:rPr lang="en" sz="2820">
+                <a:solidFill>
+                  <a:srgbClr val="A338EB"/>
+                </a:solidFill>
+                <a:latin typeface="Maven Pro SemiBold"/>
+                <a:ea typeface="Maven Pro SemiBold"/>
+                <a:cs typeface="Maven Pro SemiBold"/>
+                <a:sym typeface="Maven Pro SemiBold"/>
+              </a:rPr>
+              <a:t>Column Definition </a:t>
+            </a:r>
+            <a:endParaRPr sz="2820" dirty="0">
               <a:solidFill>
                 <a:srgbClr val="A338EB"/>
               </a:solidFill>
@@ -20165,6 +22750,11 @@
         </p:txBody>
       </p:sp>
     </p:spTree>
+    <p:extLst>
+      <p:ext uri="{BB962C8B-B14F-4D97-AF65-F5344CB8AC3E}">
+        <p14:creationId xmlns:p14="http://schemas.microsoft.com/office/powerpoint/2010/main" val="332424121"/>
+      </p:ext>
+    </p:extLst>
   </p:cSld>
   <p:clrMapOvr>
     <a:masterClrMapping/>
@@ -20172,7 +22762,7 @@
 </p:sld>
 </file>
 
-<file path=ppt/slides/slide8.xml><?xml version="1.0" encoding="utf-8"?>
+<file path=ppt/slides/slide9.xml><?xml version="1.0" encoding="utf-8"?>
 <p:sld xmlns:a="http://schemas.openxmlformats.org/drawingml/2006/main" xmlns:r="http://schemas.openxmlformats.org/officeDocument/2006/relationships" xmlns:p="http://schemas.openxmlformats.org/presentationml/2006/main">
   <p:cSld>
     <p:spTree>
@@ -20651,469 +23241,6 @@
           </a:p>
         </p:txBody>
       </p:sp>
-    </p:spTree>
-  </p:cSld>
-  <p:clrMapOvr>
-    <a:masterClrMapping/>
-  </p:clrMapOvr>
-</p:sld>
-</file>
-
-<file path=ppt/slides/slide9.xml><?xml version="1.0" encoding="utf-8"?>
-<p:sld xmlns:a="http://schemas.openxmlformats.org/drawingml/2006/main" xmlns:r="http://schemas.openxmlformats.org/officeDocument/2006/relationships" xmlns:p="http://schemas.openxmlformats.org/presentationml/2006/main">
-  <p:cSld>
-    <p:spTree>
-      <p:nvGrpSpPr>
-        <p:cNvPr id="1" name="Shape 165"/>
-        <p:cNvGrpSpPr/>
-        <p:nvPr/>
-      </p:nvGrpSpPr>
-      <p:grpSpPr>
-        <a:xfrm>
-          <a:off x="0" y="0"/>
-          <a:ext cx="0" cy="0"/>
-          <a:chOff x="0" y="0"/>
-          <a:chExt cx="0" cy="0"/>
-        </a:xfrm>
-      </p:grpSpPr>
-      <p:sp>
-        <p:nvSpPr>
-          <p:cNvPr id="166" name="Google Shape;166;p21"/>
-          <p:cNvSpPr txBox="1">
-            <a:spLocks noGrp="1"/>
-          </p:cNvSpPr>
-          <p:nvPr>
-            <p:ph type="body" idx="1"/>
-          </p:nvPr>
-        </p:nvSpPr>
-        <p:spPr>
-          <a:xfrm>
-            <a:off x="311700" y="1556750"/>
-            <a:ext cx="7872944" cy="2924400"/>
-          </a:xfrm>
-          <a:prstGeom prst="rect">
-            <a:avLst/>
-          </a:prstGeom>
-        </p:spPr>
-        <p:txBody>
-          <a:bodyPr spcFirstLastPara="1" wrap="square" lIns="91425" tIns="91425" rIns="91425" bIns="91425" anchor="t" anchorCtr="0">
-            <a:noAutofit/>
-          </a:bodyPr>
-          <a:lstStyle/>
-          <a:p>
-            <a:pPr marL="0" lvl="0" indent="0" algn="l" rtl="0">
-              <a:spcBef>
-                <a:spcPts val="0"/>
-              </a:spcBef>
-              <a:spcAft>
-                <a:spcPts val="1000"/>
-              </a:spcAft>
-              <a:buNone/>
-            </a:pPr>
-            <a:endParaRPr sz="1500" dirty="0">
-              <a:solidFill>
-                <a:srgbClr val="282828"/>
-              </a:solidFill>
-              <a:latin typeface="Inter"/>
-              <a:ea typeface="Inter"/>
-              <a:cs typeface="Inter"/>
-              <a:sym typeface="Inter"/>
-            </a:endParaRPr>
-          </a:p>
-        </p:txBody>
-      </p:sp>
-      <p:sp>
-        <p:nvSpPr>
-          <p:cNvPr id="167" name="Google Shape;167;p21"/>
-          <p:cNvSpPr txBox="1"/>
-          <p:nvPr/>
-        </p:nvSpPr>
-        <p:spPr>
-          <a:xfrm>
-            <a:off x="0" y="4800600"/>
-            <a:ext cx="8943600" cy="323100"/>
-          </a:xfrm>
-          <a:prstGeom prst="rect">
-            <a:avLst/>
-          </a:prstGeom>
-          <a:noFill/>
-          <a:ln>
-            <a:noFill/>
-          </a:ln>
-        </p:spPr>
-        <p:txBody>
-          <a:bodyPr spcFirstLastPara="1" wrap="square" lIns="91425" tIns="91425" rIns="91425" bIns="91425" anchor="t" anchorCtr="0">
-            <a:spAutoFit/>
-          </a:bodyPr>
-          <a:lstStyle/>
-          <a:p>
-            <a:pPr marL="0" lvl="0" indent="0" algn="l" rtl="0">
-              <a:spcBef>
-                <a:spcPts val="0"/>
-              </a:spcBef>
-              <a:spcAft>
-                <a:spcPts val="0"/>
-              </a:spcAft>
-              <a:buNone/>
-            </a:pPr>
-            <a:r>
-              <a:rPr lang="en" sz="900">
-                <a:solidFill>
-                  <a:schemeClr val="dk2"/>
-                </a:solidFill>
-                <a:latin typeface="Inter"/>
-                <a:ea typeface="Inter"/>
-                <a:cs typeface="Inter"/>
-                <a:sym typeface="Inter"/>
-              </a:rPr>
-              <a:t>© 2022 Program Studi Independen Bersertifikat Zenius Bersama Kampus Merdeka</a:t>
-            </a:r>
-            <a:endParaRPr sz="900">
-              <a:solidFill>
-                <a:schemeClr val="dk2"/>
-              </a:solidFill>
-              <a:latin typeface="Inter"/>
-              <a:ea typeface="Inter"/>
-              <a:cs typeface="Inter"/>
-              <a:sym typeface="Inter"/>
-            </a:endParaRPr>
-          </a:p>
-        </p:txBody>
-      </p:sp>
-      <p:grpSp>
-        <p:nvGrpSpPr>
-          <p:cNvPr id="168" name="Google Shape;168;p21"/>
-          <p:cNvGrpSpPr/>
-          <p:nvPr/>
-        </p:nvGrpSpPr>
-        <p:grpSpPr>
-          <a:xfrm>
-            <a:off x="7503019" y="95797"/>
-            <a:ext cx="1516771" cy="323122"/>
-            <a:chOff x="400885" y="325214"/>
-            <a:chExt cx="2298835" cy="489727"/>
-          </a:xfrm>
-        </p:grpSpPr>
-        <p:pic>
-          <p:nvPicPr>
-            <p:cNvPr id="169" name="Google Shape;169;p21"/>
-            <p:cNvPicPr preferRelativeResize="0"/>
-            <p:nvPr/>
-          </p:nvPicPr>
-          <p:blipFill>
-            <a:blip r:embed="rId3">
-              <a:alphaModFix/>
-            </a:blip>
-            <a:stretch>
-              <a:fillRect/>
-            </a:stretch>
-          </p:blipFill>
-          <p:spPr>
-            <a:xfrm>
-              <a:off x="1906971" y="358726"/>
-              <a:ext cx="792749" cy="422701"/>
-            </a:xfrm>
-            <a:prstGeom prst="rect">
-              <a:avLst/>
-            </a:prstGeom>
-            <a:noFill/>
-            <a:ln>
-              <a:noFill/>
-            </a:ln>
-          </p:spPr>
-        </p:pic>
-        <p:cxnSp>
-          <p:nvCxnSpPr>
-            <p:cNvPr id="170" name="Google Shape;170;p21"/>
-            <p:cNvCxnSpPr/>
-            <p:nvPr/>
-          </p:nvCxnSpPr>
-          <p:spPr>
-            <a:xfrm>
-              <a:off x="1632394" y="460384"/>
-              <a:ext cx="0" cy="219345"/>
-            </a:xfrm>
-            <a:prstGeom prst="straightConnector1">
-              <a:avLst/>
-            </a:prstGeom>
-            <a:noFill/>
-            <a:ln w="9525" cap="flat" cmpd="sng">
-              <a:solidFill>
-                <a:schemeClr val="dk2"/>
-              </a:solidFill>
-              <a:prstDash val="solid"/>
-              <a:round/>
-              <a:headEnd type="none" w="med" len="med"/>
-              <a:tailEnd type="none" w="med" len="med"/>
-            </a:ln>
-          </p:spPr>
-        </p:cxnSp>
-        <p:cxnSp>
-          <p:nvCxnSpPr>
-            <p:cNvPr id="171" name="Google Shape;171;p21"/>
-            <p:cNvCxnSpPr/>
-            <p:nvPr/>
-          </p:nvCxnSpPr>
-          <p:spPr>
-            <a:xfrm>
-              <a:off x="1632360" y="460384"/>
-              <a:ext cx="0" cy="219345"/>
-            </a:xfrm>
-            <a:prstGeom prst="straightConnector1">
-              <a:avLst/>
-            </a:prstGeom>
-            <a:noFill/>
-            <a:ln w="9525" cap="flat" cmpd="sng">
-              <a:solidFill>
-                <a:schemeClr val="dk2"/>
-              </a:solidFill>
-              <a:prstDash val="solid"/>
-              <a:round/>
-              <a:headEnd type="none" w="med" len="med"/>
-              <a:tailEnd type="none" w="med" len="med"/>
-            </a:ln>
-          </p:spPr>
-        </p:cxnSp>
-        <p:pic>
-          <p:nvPicPr>
-            <p:cNvPr id="172" name="Google Shape;172;p21"/>
-            <p:cNvPicPr preferRelativeResize="0"/>
-            <p:nvPr/>
-          </p:nvPicPr>
-          <p:blipFill rotWithShape="1">
-            <a:blip r:embed="rId4">
-              <a:alphaModFix/>
-            </a:blip>
-            <a:srcRect l="9895" r="8731"/>
-            <a:stretch/>
-          </p:blipFill>
-          <p:spPr>
-            <a:xfrm>
-              <a:off x="400885" y="325214"/>
-              <a:ext cx="1033078" cy="489727"/>
-            </a:xfrm>
-            <a:prstGeom prst="rect">
-              <a:avLst/>
-            </a:prstGeom>
-            <a:noFill/>
-            <a:ln>
-              <a:noFill/>
-            </a:ln>
-          </p:spPr>
-        </p:pic>
-      </p:grpSp>
-      <p:sp>
-        <p:nvSpPr>
-          <p:cNvPr id="173" name="Google Shape;173;p21"/>
-          <p:cNvSpPr txBox="1">
-            <a:spLocks noGrp="1"/>
-          </p:cNvSpPr>
-          <p:nvPr>
-            <p:ph type="title"/>
-          </p:nvPr>
-        </p:nvSpPr>
-        <p:spPr>
-          <a:xfrm>
-            <a:off x="311700" y="673625"/>
-            <a:ext cx="8480400" cy="819300"/>
-          </a:xfrm>
-          <a:prstGeom prst="rect">
-            <a:avLst/>
-          </a:prstGeom>
-        </p:spPr>
-        <p:txBody>
-          <a:bodyPr spcFirstLastPara="1" wrap="square" lIns="91425" tIns="91425" rIns="91425" bIns="91425" anchor="ctr" anchorCtr="0">
-            <a:noAutofit/>
-          </a:bodyPr>
-          <a:lstStyle/>
-          <a:p>
-            <a:pPr marL="0" lvl="0" indent="0" algn="l" rtl="0">
-              <a:spcBef>
-                <a:spcPts val="0"/>
-              </a:spcBef>
-              <a:spcAft>
-                <a:spcPts val="0"/>
-              </a:spcAft>
-              <a:buSzPts val="990"/>
-              <a:buNone/>
-            </a:pPr>
-            <a:r>
-              <a:rPr lang="en" sz="2820">
-                <a:solidFill>
-                  <a:srgbClr val="A338EB"/>
-                </a:solidFill>
-                <a:latin typeface="Maven Pro SemiBold"/>
-                <a:ea typeface="Maven Pro SemiBold"/>
-                <a:cs typeface="Maven Pro SemiBold"/>
-                <a:sym typeface="Maven Pro SemiBold"/>
-              </a:rPr>
-              <a:t>Data Cleansing</a:t>
-            </a:r>
-            <a:endParaRPr sz="2820">
-              <a:solidFill>
-                <a:srgbClr val="A338EB"/>
-              </a:solidFill>
-              <a:latin typeface="Maven Pro SemiBold"/>
-              <a:ea typeface="Maven Pro SemiBold"/>
-              <a:cs typeface="Maven Pro SemiBold"/>
-              <a:sym typeface="Maven Pro SemiBold"/>
-            </a:endParaRPr>
-          </a:p>
-        </p:txBody>
-      </p:sp>
-      <p:sp>
-        <p:nvSpPr>
-          <p:cNvPr id="174" name="Google Shape;174;p21"/>
-          <p:cNvSpPr txBox="1"/>
-          <p:nvPr/>
-        </p:nvSpPr>
-        <p:spPr>
-          <a:xfrm>
-            <a:off x="76197" y="55340"/>
-            <a:ext cx="6081900" cy="338700"/>
-          </a:xfrm>
-          <a:prstGeom prst="rect">
-            <a:avLst/>
-          </a:prstGeom>
-          <a:noFill/>
-          <a:ln>
-            <a:noFill/>
-          </a:ln>
-        </p:spPr>
-        <p:txBody>
-          <a:bodyPr spcFirstLastPara="1" wrap="square" lIns="91425" tIns="91425" rIns="91425" bIns="91425" anchor="t" anchorCtr="0">
-            <a:spAutoFit/>
-          </a:bodyPr>
-          <a:lstStyle/>
-          <a:p>
-            <a:pPr marL="0" lvl="0" indent="0" algn="l" rtl="0">
-              <a:spcBef>
-                <a:spcPts val="0"/>
-              </a:spcBef>
-              <a:spcAft>
-                <a:spcPts val="0"/>
-              </a:spcAft>
-              <a:buClr>
-                <a:schemeClr val="dk1"/>
-              </a:buClr>
-              <a:buSzPts val="1100"/>
-              <a:buFont typeface="Arial"/>
-              <a:buNone/>
-            </a:pPr>
-            <a:r>
-              <a:rPr lang="en" sz="1000" b="1">
-                <a:solidFill>
-                  <a:srgbClr val="601F99"/>
-                </a:solidFill>
-                <a:latin typeface="Inter"/>
-                <a:ea typeface="Inter"/>
-                <a:cs typeface="Inter"/>
-                <a:sym typeface="Inter"/>
-              </a:rPr>
-              <a:t>EDA and Visualization</a:t>
-            </a:r>
-            <a:endParaRPr sz="1000" b="1">
-              <a:solidFill>
-                <a:srgbClr val="601F99"/>
-              </a:solidFill>
-              <a:latin typeface="Inter"/>
-              <a:ea typeface="Inter"/>
-              <a:cs typeface="Inter"/>
-              <a:sym typeface="Inter"/>
-            </a:endParaRPr>
-          </a:p>
-        </p:txBody>
-      </p:sp>
-      <p:pic>
-        <p:nvPicPr>
-          <p:cNvPr id="3" name="Picture 2">
-            <a:extLst>
-              <a:ext uri="{FF2B5EF4-FFF2-40B4-BE49-F238E27FC236}">
-                <a16:creationId xmlns:a16="http://schemas.microsoft.com/office/drawing/2014/main" id="{A7949C08-C5DD-1843-FDC4-C4EE548BFC62}"/>
-              </a:ext>
-            </a:extLst>
-          </p:cNvPr>
-          <p:cNvPicPr>
-            <a:picLocks noChangeAspect="1"/>
-          </p:cNvPicPr>
-          <p:nvPr/>
-        </p:nvPicPr>
-        <p:blipFill>
-          <a:blip r:embed="rId5"/>
-          <a:stretch>
-            <a:fillRect/>
-          </a:stretch>
-        </p:blipFill>
-        <p:spPr>
-          <a:xfrm>
-            <a:off x="341312" y="1506657"/>
-            <a:ext cx="1981477" cy="3191320"/>
-          </a:xfrm>
-          <a:prstGeom prst="rect">
-            <a:avLst/>
-          </a:prstGeom>
-        </p:spPr>
-      </p:pic>
-      <p:pic>
-        <p:nvPicPr>
-          <p:cNvPr id="7" name="Picture 6">
-            <a:extLst>
-              <a:ext uri="{FF2B5EF4-FFF2-40B4-BE49-F238E27FC236}">
-                <a16:creationId xmlns:a16="http://schemas.microsoft.com/office/drawing/2014/main" id="{EA2DE0E7-3D8F-56A4-8A44-6D9FE7E0E6EF}"/>
-              </a:ext>
-            </a:extLst>
-          </p:cNvPr>
-          <p:cNvPicPr>
-            <a:picLocks noChangeAspect="1"/>
-          </p:cNvPicPr>
-          <p:nvPr/>
-        </p:nvPicPr>
-        <p:blipFill>
-          <a:blip r:embed="rId6"/>
-          <a:stretch>
-            <a:fillRect/>
-          </a:stretch>
-        </p:blipFill>
-        <p:spPr>
-          <a:xfrm>
-            <a:off x="5593127" y="1492925"/>
-            <a:ext cx="1826870" cy="904977"/>
-          </a:xfrm>
-          <a:prstGeom prst="rect">
-            <a:avLst/>
-          </a:prstGeom>
-        </p:spPr>
-      </p:pic>
-      <p:pic>
-        <p:nvPicPr>
-          <p:cNvPr id="10" name="Picture 9">
-            <a:extLst>
-              <a:ext uri="{FF2B5EF4-FFF2-40B4-BE49-F238E27FC236}">
-                <a16:creationId xmlns:a16="http://schemas.microsoft.com/office/drawing/2014/main" id="{72A1812C-985F-8977-AE4B-C6FC17E4E6CC}"/>
-              </a:ext>
-            </a:extLst>
-          </p:cNvPr>
-          <p:cNvPicPr>
-            <a:picLocks noChangeAspect="1"/>
-          </p:cNvPicPr>
-          <p:nvPr/>
-        </p:nvPicPr>
-        <p:blipFill>
-          <a:blip r:embed="rId7"/>
-          <a:stretch>
-            <a:fillRect/>
-          </a:stretch>
-        </p:blipFill>
-        <p:spPr>
-          <a:xfrm>
-            <a:off x="2352401" y="1451645"/>
-            <a:ext cx="3228228" cy="3250139"/>
-          </a:xfrm>
-          <a:prstGeom prst="rect">
-            <a:avLst/>
-          </a:prstGeom>
-        </p:spPr>
-      </p:pic>
     </p:spTree>
   </p:cSld>
   <p:clrMapOvr>
